--- a/documenti/Footprint calculator.pptx
+++ b/documenti/Footprint calculator.pptx
@@ -5,11 +5,18 @@
     <p:sldMasterId id="2147483672" r:id="rId1"/>
   </p:sldMasterIdLst>
   <p:notesMasterIdLst>
-    <p:notesMasterId r:id="rId4"/>
+    <p:notesMasterId r:id="rId11"/>
   </p:notesMasterIdLst>
   <p:sldIdLst>
     <p:sldId id="257" r:id="rId2"/>
     <p:sldId id="258" r:id="rId3"/>
+    <p:sldId id="259" r:id="rId4"/>
+    <p:sldId id="260" r:id="rId5"/>
+    <p:sldId id="261" r:id="rId6"/>
+    <p:sldId id="262" r:id="rId7"/>
+    <p:sldId id="263" r:id="rId8"/>
+    <p:sldId id="264" r:id="rId9"/>
+    <p:sldId id="265" r:id="rId10"/>
   </p:sldIdLst>
   <p:sldSz cx="12192000" cy="6858000"/>
   <p:notesSz cx="6858000" cy="9144000"/>
@@ -13503,7 +13510,7 @@
                 <a:buNone/>
               </a:pPr>
               <a:r>
-                <a:rPr lang="en">
+                <a:rPr lang="en" dirty="0">
                   <a:solidFill>
                     <a:schemeClr val="dk2"/>
                   </a:solidFill>
@@ -13512,9 +13519,9 @@
                   <a:cs typeface="Fira Sans Extra Condensed SemiBold"/>
                   <a:sym typeface="Fira Sans Extra Condensed SemiBold"/>
                 </a:rPr>
-                <a:t>Step 1</a:t>
+                <a:t>Step 1 </a:t>
               </a:r>
-              <a:endParaRPr>
+              <a:endParaRPr dirty="0">
                 <a:solidFill>
                   <a:schemeClr val="dk2"/>
                 </a:solidFill>
@@ -13576,19 +13583,7 @@
                   <a:cs typeface="Fira Sans Extra Condensed"/>
                   <a:sym typeface="Fira Sans Extra Condensed"/>
                 </a:rPr>
-                <a:t>B</a:t>
-              </a:r>
-              <a:r>
-                <a:rPr lang="en" sz="1200" dirty="0">
-                  <a:solidFill>
-                    <a:schemeClr val="dk1"/>
-                  </a:solidFill>
-                  <a:latin typeface="Fira Sans Extra Condensed"/>
-                  <a:ea typeface="Fira Sans Extra Condensed"/>
-                  <a:cs typeface="Fira Sans Extra Condensed"/>
-                  <a:sym typeface="Fira Sans Extra Condensed"/>
-                </a:rPr>
-                <a:t>la bla bla bla bla bla bla…..</a:t>
+                <a:t>Analisi dei requisiti</a:t>
               </a:r>
               <a:endParaRPr sz="1200" dirty="0">
                 <a:latin typeface="Fira Sans Extra Condensed"/>
@@ -13734,7 +13729,7 @@
                   <a:cs typeface="Fira Sans Extra Condensed"/>
                   <a:sym typeface="Fira Sans Extra Condensed"/>
                 </a:rPr>
-                <a:t>Bla bla bla bla bla bla bla…..</a:t>
+                <a:t>Analisi dei rischi</a:t>
               </a:r>
               <a:endParaRPr lang="it-IT" sz="1200" dirty="0">
                 <a:latin typeface="Fira Sans Extra Condensed"/>
@@ -13880,7 +13875,7 @@
                   <a:cs typeface="Fira Sans Extra Condensed"/>
                   <a:sym typeface="Fira Sans Extra Condensed"/>
                 </a:rPr>
-                <a:t>Bla bla bla bla bla bla bla…..</a:t>
+                <a:t>Modellazione del sistema</a:t>
               </a:r>
               <a:endParaRPr lang="it-IT" sz="1200" dirty="0">
                 <a:latin typeface="Fira Sans Extra Condensed"/>
@@ -14042,6 +14037,638 @@
     <p:extLst>
       <p:ext uri="{BB962C8B-B14F-4D97-AF65-F5344CB8AC3E}">
         <p14:creationId xmlns:p14="http://schemas.microsoft.com/office/powerpoint/2010/main" val="1554580594"/>
+      </p:ext>
+    </p:extLst>
+  </p:cSld>
+  <p:clrMapOvr>
+    <a:masterClrMapping/>
+  </p:clrMapOvr>
+</p:sld>
+</file>
+
+<file path=ppt/slides/slide3.xml><?xml version="1.0" encoding="utf-8"?>
+<p:sld xmlns:a="http://schemas.openxmlformats.org/drawingml/2006/main" xmlns:r="http://schemas.openxmlformats.org/officeDocument/2006/relationships" xmlns:p="http://schemas.openxmlformats.org/presentationml/2006/main">
+  <p:cSld>
+    <p:spTree>
+      <p:nvGrpSpPr>
+        <p:cNvPr id="1" name=""/>
+        <p:cNvGrpSpPr/>
+        <p:nvPr/>
+      </p:nvGrpSpPr>
+      <p:grpSpPr>
+        <a:xfrm>
+          <a:off x="0" y="0"/>
+          <a:ext cx="0" cy="0"/>
+          <a:chOff x="0" y="0"/>
+          <a:chExt cx="0" cy="0"/>
+        </a:xfrm>
+      </p:grpSpPr>
+      <p:sp>
+        <p:nvSpPr>
+          <p:cNvPr id="2" name="Titolo 1">
+            <a:extLst>
+              <a:ext uri="{FF2B5EF4-FFF2-40B4-BE49-F238E27FC236}">
+                <a16:creationId xmlns:a16="http://schemas.microsoft.com/office/drawing/2014/main" id="{AE5EEF99-3C8D-4EDC-96A7-A40B0AB25601}"/>
+              </a:ext>
+            </a:extLst>
+          </p:cNvPr>
+          <p:cNvSpPr>
+            <a:spLocks noGrp="1"/>
+          </p:cNvSpPr>
+          <p:nvPr>
+            <p:ph type="title"/>
+          </p:nvPr>
+        </p:nvSpPr>
+        <p:spPr/>
+        <p:txBody>
+          <a:bodyPr/>
+          <a:lstStyle/>
+          <a:p>
+            <a:r>
+              <a:rPr lang="it-IT" dirty="0"/>
+              <a:t>Problemi</a:t>
+            </a:r>
+          </a:p>
+        </p:txBody>
+      </p:sp>
+      <p:sp>
+        <p:nvSpPr>
+          <p:cNvPr id="3" name="Segnaposto contenuto 2">
+            <a:extLst>
+              <a:ext uri="{FF2B5EF4-FFF2-40B4-BE49-F238E27FC236}">
+                <a16:creationId xmlns:a16="http://schemas.microsoft.com/office/drawing/2014/main" id="{FEFD9416-C333-47FD-8157-F091F4264DF0}"/>
+              </a:ext>
+            </a:extLst>
+          </p:cNvPr>
+          <p:cNvSpPr>
+            <a:spLocks noGrp="1"/>
+          </p:cNvSpPr>
+          <p:nvPr>
+            <p:ph idx="1"/>
+          </p:nvPr>
+        </p:nvSpPr>
+        <p:spPr/>
+        <p:txBody>
+          <a:bodyPr/>
+          <a:lstStyle/>
+          <a:p>
+            <a:endParaRPr lang="it-IT" dirty="0"/>
+          </a:p>
+        </p:txBody>
+      </p:sp>
+    </p:spTree>
+    <p:extLst>
+      <p:ext uri="{BB962C8B-B14F-4D97-AF65-F5344CB8AC3E}">
+        <p14:creationId xmlns:p14="http://schemas.microsoft.com/office/powerpoint/2010/main" val="826819403"/>
+      </p:ext>
+    </p:extLst>
+  </p:cSld>
+  <p:clrMapOvr>
+    <a:masterClrMapping/>
+  </p:clrMapOvr>
+</p:sld>
+</file>
+
+<file path=ppt/slides/slide4.xml><?xml version="1.0" encoding="utf-8"?>
+<p:sld xmlns:a="http://schemas.openxmlformats.org/drawingml/2006/main" xmlns:r="http://schemas.openxmlformats.org/officeDocument/2006/relationships" xmlns:p="http://schemas.openxmlformats.org/presentationml/2006/main">
+  <p:cSld>
+    <p:spTree>
+      <p:nvGrpSpPr>
+        <p:cNvPr id="1" name=""/>
+        <p:cNvGrpSpPr/>
+        <p:nvPr/>
+      </p:nvGrpSpPr>
+      <p:grpSpPr>
+        <a:xfrm>
+          <a:off x="0" y="0"/>
+          <a:ext cx="0" cy="0"/>
+          <a:chOff x="0" y="0"/>
+          <a:chExt cx="0" cy="0"/>
+        </a:xfrm>
+      </p:grpSpPr>
+      <p:sp>
+        <p:nvSpPr>
+          <p:cNvPr id="2" name="Titolo 1">
+            <a:extLst>
+              <a:ext uri="{FF2B5EF4-FFF2-40B4-BE49-F238E27FC236}">
+                <a16:creationId xmlns:a16="http://schemas.microsoft.com/office/drawing/2014/main" id="{0765B36B-53AD-4B55-A4E1-935698CE0176}"/>
+              </a:ext>
+            </a:extLst>
+          </p:cNvPr>
+          <p:cNvSpPr>
+            <a:spLocks noGrp="1"/>
+          </p:cNvSpPr>
+          <p:nvPr>
+            <p:ph type="title"/>
+          </p:nvPr>
+        </p:nvSpPr>
+        <p:spPr/>
+        <p:txBody>
+          <a:bodyPr/>
+          <a:lstStyle/>
+          <a:p>
+            <a:r>
+              <a:rPr lang="it-IT" dirty="0"/>
+              <a:t>I principi che abbiamo seguito</a:t>
+            </a:r>
+          </a:p>
+        </p:txBody>
+      </p:sp>
+      <p:sp>
+        <p:nvSpPr>
+          <p:cNvPr id="3" name="Segnaposto contenuto 2">
+            <a:extLst>
+              <a:ext uri="{FF2B5EF4-FFF2-40B4-BE49-F238E27FC236}">
+                <a16:creationId xmlns:a16="http://schemas.microsoft.com/office/drawing/2014/main" id="{2D31F99B-F901-42EF-8E81-5E1F4063352C}"/>
+              </a:ext>
+            </a:extLst>
+          </p:cNvPr>
+          <p:cNvSpPr>
+            <a:spLocks noGrp="1"/>
+          </p:cNvSpPr>
+          <p:nvPr>
+            <p:ph idx="1"/>
+          </p:nvPr>
+        </p:nvSpPr>
+        <p:spPr/>
+        <p:txBody>
+          <a:bodyPr/>
+          <a:lstStyle/>
+          <a:p>
+            <a:r>
+              <a:rPr lang="it-IT" dirty="0"/>
+              <a:t>Abbiamo deciso di implementare le seguenti linee guida.</a:t>
+            </a:r>
+          </a:p>
+          <a:p>
+            <a:pPr lvl="1"/>
+            <a:r>
+              <a:rPr lang="it-IT" dirty="0"/>
+              <a:t>Minimi privilegi;</a:t>
+            </a:r>
+          </a:p>
+          <a:p>
+            <a:pPr lvl="1"/>
+            <a:r>
+              <a:rPr lang="it-IT" dirty="0"/>
+              <a:t>KISS;</a:t>
+            </a:r>
+          </a:p>
+          <a:p>
+            <a:pPr lvl="1"/>
+            <a:r>
+              <a:rPr lang="it-IT" dirty="0"/>
+              <a:t>Non fidarsi dei servizi esterni (OWASP);</a:t>
+            </a:r>
+          </a:p>
+          <a:p>
+            <a:pPr lvl="1"/>
+            <a:r>
+              <a:rPr lang="it-IT" dirty="0"/>
+              <a:t>Bilanciare sicurezza ed usabilità;</a:t>
+            </a:r>
+          </a:p>
+          <a:p>
+            <a:pPr lvl="1"/>
+            <a:r>
+              <a:rPr lang="it-IT" dirty="0"/>
+              <a:t>Sanificare gli input.</a:t>
+            </a:r>
+          </a:p>
+          <a:p>
+            <a:r>
+              <a:rPr lang="it-IT" dirty="0"/>
+              <a:t>Nelle slide successive indicheremo come.</a:t>
+            </a:r>
+          </a:p>
+        </p:txBody>
+      </p:sp>
+    </p:spTree>
+    <p:extLst>
+      <p:ext uri="{BB962C8B-B14F-4D97-AF65-F5344CB8AC3E}">
+        <p14:creationId xmlns:p14="http://schemas.microsoft.com/office/powerpoint/2010/main" val="2119161118"/>
+      </p:ext>
+    </p:extLst>
+  </p:cSld>
+  <p:clrMapOvr>
+    <a:masterClrMapping/>
+  </p:clrMapOvr>
+</p:sld>
+</file>
+
+<file path=ppt/slides/slide5.xml><?xml version="1.0" encoding="utf-8"?>
+<p:sld xmlns:a="http://schemas.openxmlformats.org/drawingml/2006/main" xmlns:r="http://schemas.openxmlformats.org/officeDocument/2006/relationships" xmlns:p="http://schemas.openxmlformats.org/presentationml/2006/main">
+  <p:cSld>
+    <p:spTree>
+      <p:nvGrpSpPr>
+        <p:cNvPr id="1" name=""/>
+        <p:cNvGrpSpPr/>
+        <p:nvPr/>
+      </p:nvGrpSpPr>
+      <p:grpSpPr>
+        <a:xfrm>
+          <a:off x="0" y="0"/>
+          <a:ext cx="0" cy="0"/>
+          <a:chOff x="0" y="0"/>
+          <a:chExt cx="0" cy="0"/>
+        </a:xfrm>
+      </p:grpSpPr>
+      <p:sp>
+        <p:nvSpPr>
+          <p:cNvPr id="2" name="Titolo 1">
+            <a:extLst>
+              <a:ext uri="{FF2B5EF4-FFF2-40B4-BE49-F238E27FC236}">
+                <a16:creationId xmlns:a16="http://schemas.microsoft.com/office/drawing/2014/main" id="{6424B160-0540-455C-A967-30706FE8761F}"/>
+              </a:ext>
+            </a:extLst>
+          </p:cNvPr>
+          <p:cNvSpPr>
+            <a:spLocks noGrp="1"/>
+          </p:cNvSpPr>
+          <p:nvPr>
+            <p:ph type="title"/>
+          </p:nvPr>
+        </p:nvSpPr>
+        <p:spPr/>
+        <p:txBody>
+          <a:bodyPr/>
+          <a:lstStyle/>
+          <a:p>
+            <a:r>
+              <a:rPr lang="it-IT" dirty="0"/>
+              <a:t>Minimi privilegi</a:t>
+            </a:r>
+          </a:p>
+        </p:txBody>
+      </p:sp>
+      <p:sp>
+        <p:nvSpPr>
+          <p:cNvPr id="3" name="Segnaposto contenuto 2">
+            <a:extLst>
+              <a:ext uri="{FF2B5EF4-FFF2-40B4-BE49-F238E27FC236}">
+                <a16:creationId xmlns:a16="http://schemas.microsoft.com/office/drawing/2014/main" id="{77F5D1DF-1D4C-4A85-B6DE-5575879AFE4A}"/>
+              </a:ext>
+            </a:extLst>
+          </p:cNvPr>
+          <p:cNvSpPr>
+            <a:spLocks noGrp="1"/>
+          </p:cNvSpPr>
+          <p:nvPr>
+            <p:ph idx="1"/>
+          </p:nvPr>
+        </p:nvSpPr>
+        <p:spPr/>
+        <p:txBody>
+          <a:bodyPr/>
+          <a:lstStyle/>
+          <a:p>
+            <a:endParaRPr lang="it-IT"/>
+          </a:p>
+        </p:txBody>
+      </p:sp>
+    </p:spTree>
+    <p:extLst>
+      <p:ext uri="{BB962C8B-B14F-4D97-AF65-F5344CB8AC3E}">
+        <p14:creationId xmlns:p14="http://schemas.microsoft.com/office/powerpoint/2010/main" val="3827147088"/>
+      </p:ext>
+    </p:extLst>
+  </p:cSld>
+  <p:clrMapOvr>
+    <a:masterClrMapping/>
+  </p:clrMapOvr>
+</p:sld>
+</file>
+
+<file path=ppt/slides/slide6.xml><?xml version="1.0" encoding="utf-8"?>
+<p:sld xmlns:a="http://schemas.openxmlformats.org/drawingml/2006/main" xmlns:r="http://schemas.openxmlformats.org/officeDocument/2006/relationships" xmlns:p="http://schemas.openxmlformats.org/presentationml/2006/main">
+  <p:cSld>
+    <p:spTree>
+      <p:nvGrpSpPr>
+        <p:cNvPr id="1" name=""/>
+        <p:cNvGrpSpPr/>
+        <p:nvPr/>
+      </p:nvGrpSpPr>
+      <p:grpSpPr>
+        <a:xfrm>
+          <a:off x="0" y="0"/>
+          <a:ext cx="0" cy="0"/>
+          <a:chOff x="0" y="0"/>
+          <a:chExt cx="0" cy="0"/>
+        </a:xfrm>
+      </p:grpSpPr>
+      <p:sp>
+        <p:nvSpPr>
+          <p:cNvPr id="2" name="Titolo 1">
+            <a:extLst>
+              <a:ext uri="{FF2B5EF4-FFF2-40B4-BE49-F238E27FC236}">
+                <a16:creationId xmlns:a16="http://schemas.microsoft.com/office/drawing/2014/main" id="{483C8059-7664-4656-8973-B6536F6A830D}"/>
+              </a:ext>
+            </a:extLst>
+          </p:cNvPr>
+          <p:cNvSpPr>
+            <a:spLocks noGrp="1"/>
+          </p:cNvSpPr>
+          <p:nvPr>
+            <p:ph type="title"/>
+          </p:nvPr>
+        </p:nvSpPr>
+        <p:spPr/>
+        <p:txBody>
+          <a:bodyPr/>
+          <a:lstStyle/>
+          <a:p>
+            <a:r>
+              <a:rPr lang="it-IT" dirty="0"/>
+              <a:t>KISS</a:t>
+            </a:r>
+          </a:p>
+        </p:txBody>
+      </p:sp>
+      <p:sp>
+        <p:nvSpPr>
+          <p:cNvPr id="3" name="Segnaposto contenuto 2">
+            <a:extLst>
+              <a:ext uri="{FF2B5EF4-FFF2-40B4-BE49-F238E27FC236}">
+                <a16:creationId xmlns:a16="http://schemas.microsoft.com/office/drawing/2014/main" id="{B79DB24B-3118-450E-9CDD-A66550C3A4C5}"/>
+              </a:ext>
+            </a:extLst>
+          </p:cNvPr>
+          <p:cNvSpPr>
+            <a:spLocks noGrp="1"/>
+          </p:cNvSpPr>
+          <p:nvPr>
+            <p:ph idx="1"/>
+          </p:nvPr>
+        </p:nvSpPr>
+        <p:spPr/>
+        <p:txBody>
+          <a:bodyPr/>
+          <a:lstStyle/>
+          <a:p>
+            <a:r>
+              <a:rPr lang="it-IT" dirty="0"/>
+              <a:t>QUI PARLIAMO ANCHE DELL’INTERFACCIA</a:t>
+            </a:r>
+          </a:p>
+        </p:txBody>
+      </p:sp>
+    </p:spTree>
+    <p:extLst>
+      <p:ext uri="{BB962C8B-B14F-4D97-AF65-F5344CB8AC3E}">
+        <p14:creationId xmlns:p14="http://schemas.microsoft.com/office/powerpoint/2010/main" val="1142196985"/>
+      </p:ext>
+    </p:extLst>
+  </p:cSld>
+  <p:clrMapOvr>
+    <a:masterClrMapping/>
+  </p:clrMapOvr>
+</p:sld>
+</file>
+
+<file path=ppt/slides/slide7.xml><?xml version="1.0" encoding="utf-8"?>
+<p:sld xmlns:a="http://schemas.openxmlformats.org/drawingml/2006/main" xmlns:r="http://schemas.openxmlformats.org/officeDocument/2006/relationships" xmlns:p="http://schemas.openxmlformats.org/presentationml/2006/main">
+  <p:cSld>
+    <p:spTree>
+      <p:nvGrpSpPr>
+        <p:cNvPr id="1" name=""/>
+        <p:cNvGrpSpPr/>
+        <p:nvPr/>
+      </p:nvGrpSpPr>
+      <p:grpSpPr>
+        <a:xfrm>
+          <a:off x="0" y="0"/>
+          <a:ext cx="0" cy="0"/>
+          <a:chOff x="0" y="0"/>
+          <a:chExt cx="0" cy="0"/>
+        </a:xfrm>
+      </p:grpSpPr>
+      <p:sp>
+        <p:nvSpPr>
+          <p:cNvPr id="2" name="Titolo 1">
+            <a:extLst>
+              <a:ext uri="{FF2B5EF4-FFF2-40B4-BE49-F238E27FC236}">
+                <a16:creationId xmlns:a16="http://schemas.microsoft.com/office/drawing/2014/main" id="{55968BFF-8BD3-408D-907F-1E68F30AA592}"/>
+              </a:ext>
+            </a:extLst>
+          </p:cNvPr>
+          <p:cNvSpPr>
+            <a:spLocks noGrp="1"/>
+          </p:cNvSpPr>
+          <p:nvPr>
+            <p:ph type="title"/>
+          </p:nvPr>
+        </p:nvSpPr>
+        <p:spPr/>
+        <p:txBody>
+          <a:bodyPr/>
+          <a:lstStyle/>
+          <a:p>
+            <a:r>
+              <a:rPr lang="it-IT" dirty="0"/>
+              <a:t>Non fidarsi dei servizi esterni</a:t>
+            </a:r>
+          </a:p>
+        </p:txBody>
+      </p:sp>
+      <p:sp>
+        <p:nvSpPr>
+          <p:cNvPr id="3" name="Segnaposto contenuto 2">
+            <a:extLst>
+              <a:ext uri="{FF2B5EF4-FFF2-40B4-BE49-F238E27FC236}">
+                <a16:creationId xmlns:a16="http://schemas.microsoft.com/office/drawing/2014/main" id="{683E5EFF-3C96-41BA-8296-490A5F447FD6}"/>
+              </a:ext>
+            </a:extLst>
+          </p:cNvPr>
+          <p:cNvSpPr>
+            <a:spLocks noGrp="1"/>
+          </p:cNvSpPr>
+          <p:nvPr>
+            <p:ph idx="1"/>
+          </p:nvPr>
+        </p:nvSpPr>
+        <p:spPr/>
+        <p:txBody>
+          <a:bodyPr/>
+          <a:lstStyle/>
+          <a:p>
+            <a:endParaRPr lang="it-IT"/>
+          </a:p>
+        </p:txBody>
+      </p:sp>
+    </p:spTree>
+    <p:extLst>
+      <p:ext uri="{BB962C8B-B14F-4D97-AF65-F5344CB8AC3E}">
+        <p14:creationId xmlns:p14="http://schemas.microsoft.com/office/powerpoint/2010/main" val="1490397839"/>
+      </p:ext>
+    </p:extLst>
+  </p:cSld>
+  <p:clrMapOvr>
+    <a:masterClrMapping/>
+  </p:clrMapOvr>
+</p:sld>
+</file>
+
+<file path=ppt/slides/slide8.xml><?xml version="1.0" encoding="utf-8"?>
+<p:sld xmlns:a="http://schemas.openxmlformats.org/drawingml/2006/main" xmlns:r="http://schemas.openxmlformats.org/officeDocument/2006/relationships" xmlns:p="http://schemas.openxmlformats.org/presentationml/2006/main">
+  <p:cSld>
+    <p:spTree>
+      <p:nvGrpSpPr>
+        <p:cNvPr id="1" name=""/>
+        <p:cNvGrpSpPr/>
+        <p:nvPr/>
+      </p:nvGrpSpPr>
+      <p:grpSpPr>
+        <a:xfrm>
+          <a:off x="0" y="0"/>
+          <a:ext cx="0" cy="0"/>
+          <a:chOff x="0" y="0"/>
+          <a:chExt cx="0" cy="0"/>
+        </a:xfrm>
+      </p:grpSpPr>
+      <p:sp>
+        <p:nvSpPr>
+          <p:cNvPr id="2" name="Titolo 1">
+            <a:extLst>
+              <a:ext uri="{FF2B5EF4-FFF2-40B4-BE49-F238E27FC236}">
+                <a16:creationId xmlns:a16="http://schemas.microsoft.com/office/drawing/2014/main" id="{30526B2B-6687-4327-9F48-75701E809058}"/>
+              </a:ext>
+            </a:extLst>
+          </p:cNvPr>
+          <p:cNvSpPr>
+            <a:spLocks noGrp="1"/>
+          </p:cNvSpPr>
+          <p:nvPr>
+            <p:ph type="title"/>
+          </p:nvPr>
+        </p:nvSpPr>
+        <p:spPr/>
+        <p:txBody>
+          <a:bodyPr/>
+          <a:lstStyle/>
+          <a:p>
+            <a:r>
+              <a:rPr lang="it-IT" dirty="0"/>
+              <a:t>Bilanciare sicurezza ed usabilità</a:t>
+            </a:r>
+          </a:p>
+        </p:txBody>
+      </p:sp>
+      <p:sp>
+        <p:nvSpPr>
+          <p:cNvPr id="3" name="Segnaposto contenuto 2">
+            <a:extLst>
+              <a:ext uri="{FF2B5EF4-FFF2-40B4-BE49-F238E27FC236}">
+                <a16:creationId xmlns:a16="http://schemas.microsoft.com/office/drawing/2014/main" id="{39D28E01-DA79-4014-90A4-8A3664B20D7B}"/>
+              </a:ext>
+            </a:extLst>
+          </p:cNvPr>
+          <p:cNvSpPr>
+            <a:spLocks noGrp="1"/>
+          </p:cNvSpPr>
+          <p:nvPr>
+            <p:ph idx="1"/>
+          </p:nvPr>
+        </p:nvSpPr>
+        <p:spPr/>
+        <p:txBody>
+          <a:bodyPr/>
+          <a:lstStyle/>
+          <a:p>
+            <a:endParaRPr lang="it-IT"/>
+          </a:p>
+        </p:txBody>
+      </p:sp>
+    </p:spTree>
+    <p:extLst>
+      <p:ext uri="{BB962C8B-B14F-4D97-AF65-F5344CB8AC3E}">
+        <p14:creationId xmlns:p14="http://schemas.microsoft.com/office/powerpoint/2010/main" val="1543654616"/>
+      </p:ext>
+    </p:extLst>
+  </p:cSld>
+  <p:clrMapOvr>
+    <a:masterClrMapping/>
+  </p:clrMapOvr>
+</p:sld>
+</file>
+
+<file path=ppt/slides/slide9.xml><?xml version="1.0" encoding="utf-8"?>
+<p:sld xmlns:a="http://schemas.openxmlformats.org/drawingml/2006/main" xmlns:r="http://schemas.openxmlformats.org/officeDocument/2006/relationships" xmlns:p="http://schemas.openxmlformats.org/presentationml/2006/main">
+  <p:cSld>
+    <p:spTree>
+      <p:nvGrpSpPr>
+        <p:cNvPr id="1" name=""/>
+        <p:cNvGrpSpPr/>
+        <p:nvPr/>
+      </p:nvGrpSpPr>
+      <p:grpSpPr>
+        <a:xfrm>
+          <a:off x="0" y="0"/>
+          <a:ext cx="0" cy="0"/>
+          <a:chOff x="0" y="0"/>
+          <a:chExt cx="0" cy="0"/>
+        </a:xfrm>
+      </p:grpSpPr>
+      <p:sp>
+        <p:nvSpPr>
+          <p:cNvPr id="2" name="Titolo 1">
+            <a:extLst>
+              <a:ext uri="{FF2B5EF4-FFF2-40B4-BE49-F238E27FC236}">
+                <a16:creationId xmlns:a16="http://schemas.microsoft.com/office/drawing/2014/main" id="{451F5A52-EF1D-4F6B-864C-BC51E2F7C0F9}"/>
+              </a:ext>
+            </a:extLst>
+          </p:cNvPr>
+          <p:cNvSpPr>
+            <a:spLocks noGrp="1"/>
+          </p:cNvSpPr>
+          <p:nvPr>
+            <p:ph type="title"/>
+          </p:nvPr>
+        </p:nvSpPr>
+        <p:spPr/>
+        <p:txBody>
+          <a:bodyPr/>
+          <a:lstStyle/>
+          <a:p>
+            <a:r>
+              <a:rPr lang="it-IT" dirty="0"/>
+              <a:t>Sanificare </a:t>
+            </a:r>
+            <a:r>
+              <a:rPr lang="it-IT"/>
+              <a:t>gli input</a:t>
+            </a:r>
+          </a:p>
+        </p:txBody>
+      </p:sp>
+      <p:sp>
+        <p:nvSpPr>
+          <p:cNvPr id="3" name="Segnaposto contenuto 2">
+            <a:extLst>
+              <a:ext uri="{FF2B5EF4-FFF2-40B4-BE49-F238E27FC236}">
+                <a16:creationId xmlns:a16="http://schemas.microsoft.com/office/drawing/2014/main" id="{BD2B0221-3AD5-4066-A992-3958CC86C44E}"/>
+              </a:ext>
+            </a:extLst>
+          </p:cNvPr>
+          <p:cNvSpPr>
+            <a:spLocks noGrp="1"/>
+          </p:cNvSpPr>
+          <p:nvPr>
+            <p:ph idx="1"/>
+          </p:nvPr>
+        </p:nvSpPr>
+        <p:spPr/>
+        <p:txBody>
+          <a:bodyPr/>
+          <a:lstStyle/>
+          <a:p>
+            <a:endParaRPr lang="it-IT"/>
+          </a:p>
+        </p:txBody>
+      </p:sp>
+    </p:spTree>
+    <p:extLst>
+      <p:ext uri="{BB962C8B-B14F-4D97-AF65-F5344CB8AC3E}">
+        <p14:creationId xmlns:p14="http://schemas.microsoft.com/office/powerpoint/2010/main" val="1950964878"/>
       </p:ext>
     </p:extLst>
   </p:cSld>

--- a/documenti/Footprint calculator.pptx
+++ b/documenti/Footprint calculator.pptx
@@ -14112,6 +14112,24 @@
           <a:bodyPr/>
           <a:lstStyle/>
           <a:p>
+            <a:r>
+              <a:rPr lang="it-IT" dirty="0">
+                <a:hlinkClick r:id="rId2"/>
+              </a:rPr>
+              <a:t>https://snyk.io/advisor/python/pysimplegui</a:t>
+            </a:r>
+            <a:endParaRPr lang="it-IT" dirty="0"/>
+          </a:p>
+          <a:p>
+            <a:r>
+              <a:rPr lang="it-IT" dirty="0">
+                <a:hlinkClick r:id="rId3"/>
+              </a:rPr>
+              <a:t>https://github.com/PySimpleGUI/free-python-books/security/advisories</a:t>
+            </a:r>
+            <a:endParaRPr lang="it-IT" dirty="0"/>
+          </a:p>
+          <a:p>
             <a:endParaRPr lang="it-IT" dirty="0"/>
           </a:p>
         </p:txBody>
@@ -14491,7 +14509,14 @@
           <a:bodyPr/>
           <a:lstStyle/>
           <a:p>
-            <a:endParaRPr lang="it-IT"/>
+            <a:r>
+              <a:rPr lang="it-IT" dirty="0"/>
+              <a:t>Abbiamo cercato di limitare il numero di dipendenze esterne al minimo, implementando le </a:t>
+            </a:r>
+            <a:r>
+              <a:rPr lang="it-IT"/>
+              <a:t>funzionalità necessarie da soli.</a:t>
+            </a:r>
           </a:p>
         </p:txBody>
       </p:sp>

--- a/documenti/Footprint calculator.pptx
+++ b/documenti/Footprint calculator.pptx
@@ -11678,13 +11678,15 @@
               </a:ext>
             </a:extLst>
           </p:cNvPr>
-          <p:cNvGrpSpPr/>
+          <p:cNvGrpSpPr>
+            <a:grpSpLocks noChangeAspect="1"/>
+          </p:cNvGrpSpPr>
           <p:nvPr/>
         </p:nvGrpSpPr>
         <p:grpSpPr>
-          <a:xfrm>
-            <a:off x="1582086" y="4009670"/>
-            <a:ext cx="1567652" cy="701909"/>
+          <a:xfrm rot="734755">
+            <a:off x="504947" y="3720245"/>
+            <a:ext cx="1368000" cy="612515"/>
             <a:chOff x="1172511" y="2592577"/>
             <a:chExt cx="1567652" cy="701909"/>
           </a:xfrm>
@@ -12123,13 +12125,15 @@
               </a:ext>
             </a:extLst>
           </p:cNvPr>
-          <p:cNvGrpSpPr/>
+          <p:cNvGrpSpPr>
+            <a:grpSpLocks noChangeAspect="1"/>
+          </p:cNvGrpSpPr>
           <p:nvPr/>
         </p:nvGrpSpPr>
         <p:grpSpPr>
-          <a:xfrm>
-            <a:off x="3318461" y="4819683"/>
-            <a:ext cx="1567652" cy="701909"/>
+          <a:xfrm rot="1525909">
+            <a:off x="2025509" y="4247468"/>
+            <a:ext cx="1368000" cy="612515"/>
             <a:chOff x="2908886" y="3402589"/>
             <a:chExt cx="1567652" cy="701909"/>
           </a:xfrm>
@@ -12568,13 +12572,15 @@
               </a:ext>
             </a:extLst>
           </p:cNvPr>
-          <p:cNvGrpSpPr/>
+          <p:cNvGrpSpPr>
+            <a:grpSpLocks noChangeAspect="1"/>
+          </p:cNvGrpSpPr>
           <p:nvPr/>
         </p:nvGrpSpPr>
         <p:grpSpPr>
-          <a:xfrm>
-            <a:off x="5077111" y="4009670"/>
-            <a:ext cx="1567652" cy="701909"/>
+          <a:xfrm rot="21167971">
+            <a:off x="3513671" y="4828581"/>
+            <a:ext cx="1368000" cy="612515"/>
             <a:chOff x="4667536" y="2592577"/>
             <a:chExt cx="1567652" cy="701909"/>
           </a:xfrm>
@@ -13013,13 +13019,15 @@
               </a:ext>
             </a:extLst>
           </p:cNvPr>
-          <p:cNvGrpSpPr/>
+          <p:cNvGrpSpPr>
+            <a:grpSpLocks noChangeAspect="1"/>
+          </p:cNvGrpSpPr>
           <p:nvPr/>
         </p:nvGrpSpPr>
         <p:grpSpPr>
-          <a:xfrm>
-            <a:off x="6835699" y="4819683"/>
-            <a:ext cx="1567652" cy="701909"/>
+          <a:xfrm rot="20149990">
+            <a:off x="4964883" y="4273078"/>
+            <a:ext cx="1368000" cy="612515"/>
             <a:chOff x="6426124" y="3402589"/>
             <a:chExt cx="1567652" cy="701909"/>
           </a:xfrm>
@@ -13463,7 +13471,7 @@
         </p:nvGrpSpPr>
         <p:grpSpPr>
           <a:xfrm>
-            <a:off x="1730365" y="2988075"/>
+            <a:off x="542234" y="2880610"/>
             <a:ext cx="1271119" cy="814982"/>
             <a:chOff x="965500" y="2820567"/>
             <a:chExt cx="1271119" cy="814982"/>
@@ -13510,7 +13518,7 @@
                 <a:buNone/>
               </a:pPr>
               <a:r>
-                <a:rPr lang="en" dirty="0">
+                <a:rPr lang="en" sz="2000" b="1" dirty="0">
                   <a:solidFill>
                     <a:schemeClr val="dk2"/>
                   </a:solidFill>
@@ -13521,7 +13529,7 @@
                 </a:rPr>
                 <a:t>Step 1 </a:t>
               </a:r>
-              <a:endParaRPr dirty="0">
+              <a:endParaRPr sz="2000" b="1" dirty="0">
                 <a:solidFill>
                   <a:schemeClr val="dk2"/>
                 </a:solidFill>
@@ -13609,7 +13617,7 @@
         </p:nvGrpSpPr>
         <p:grpSpPr>
           <a:xfrm>
-            <a:off x="5229430" y="2988058"/>
+            <a:off x="3787580" y="3977441"/>
             <a:ext cx="1270887" cy="815000"/>
             <a:chOff x="4909300" y="2820575"/>
             <a:chExt cx="1270887" cy="815000"/>
@@ -13656,7 +13664,7 @@
                 <a:buNone/>
               </a:pPr>
               <a:r>
-                <a:rPr lang="en">
+                <a:rPr lang="en" sz="2000" b="1" dirty="0">
                   <a:solidFill>
                     <a:schemeClr val="accent3"/>
                   </a:solidFill>
@@ -13667,7 +13675,7 @@
                 </a:rPr>
                 <a:t>Step 3</a:t>
               </a:r>
-              <a:endParaRPr>
+              <a:endParaRPr sz="2000" b="1" dirty="0">
                 <a:solidFill>
                   <a:schemeClr val="accent3"/>
                 </a:solidFill>
@@ -13755,7 +13763,7 @@
         </p:nvGrpSpPr>
         <p:grpSpPr>
           <a:xfrm>
-            <a:off x="3468611" y="3788793"/>
+            <a:off x="2303757" y="3422916"/>
             <a:ext cx="1270956" cy="814933"/>
             <a:chOff x="2955700" y="2820592"/>
             <a:chExt cx="1270956" cy="814933"/>
@@ -13802,7 +13810,7 @@
                 <a:buNone/>
               </a:pPr>
               <a:r>
-                <a:rPr lang="en">
+                <a:rPr lang="en" sz="2000" b="1" dirty="0">
                   <a:solidFill>
                     <a:schemeClr val="accent1"/>
                   </a:solidFill>
@@ -13813,7 +13821,7 @@
                 </a:rPr>
                 <a:t>Step 2</a:t>
               </a:r>
-              <a:endParaRPr>
+              <a:endParaRPr sz="2000" b="1" dirty="0">
                 <a:solidFill>
                   <a:schemeClr val="accent1"/>
                 </a:solidFill>
@@ -13901,8 +13909,8 @@
         </p:nvGrpSpPr>
         <p:grpSpPr>
           <a:xfrm>
-            <a:off x="7062143" y="3788793"/>
-            <a:ext cx="1120278" cy="814951"/>
+            <a:off x="4971422" y="3010660"/>
+            <a:ext cx="1348465" cy="1168396"/>
             <a:chOff x="6930263" y="2820592"/>
             <a:chExt cx="1120278" cy="814951"/>
           </a:xfrm>
@@ -13948,7 +13956,7 @@
                 <a:buNone/>
               </a:pPr>
               <a:r>
-                <a:rPr lang="en">
+                <a:rPr lang="en" sz="2000" b="1" dirty="0">
                   <a:solidFill>
                     <a:schemeClr val="accent5"/>
                   </a:solidFill>
@@ -13959,7 +13967,7 @@
                 </a:rPr>
                 <a:t>Step 4</a:t>
               </a:r>
-              <a:endParaRPr>
+              <a:endParaRPr sz="2000" b="1" dirty="0">
                 <a:solidFill>
                   <a:schemeClr val="accent5"/>
                 </a:solidFill>
@@ -14012,7 +14020,7 @@
                 <a:buNone/>
               </a:pPr>
               <a:r>
-                <a:rPr lang="it-IT" sz="1200">
+                <a:rPr lang="it-IT" sz="1200" dirty="0" err="1">
                   <a:solidFill>
                     <a:schemeClr val="dk1"/>
                   </a:solidFill>
@@ -14021,9 +14029,1233 @@
                   <a:cs typeface="Fira Sans Extra Condensed"/>
                   <a:sym typeface="Fira Sans Extra Condensed"/>
                 </a:rPr>
-                <a:t>Bla bla bla bla bla bla bla…..</a:t>
+                <a:t>Rimodellazione</a:t>
+              </a:r>
+              <a:r>
+                <a:rPr lang="it-IT" sz="1200" dirty="0">
+                  <a:solidFill>
+                    <a:schemeClr val="dk1"/>
+                  </a:solidFill>
+                  <a:latin typeface="Fira Sans Extra Condensed"/>
+                  <a:ea typeface="Fira Sans Extra Condensed"/>
+                  <a:cs typeface="Fira Sans Extra Condensed"/>
+                  <a:sym typeface="Fira Sans Extra Condensed"/>
+                </a:rPr>
+                <a:t> del sistema tenendo conto dei rischi</a:t>
               </a:r>
               <a:endParaRPr lang="it-IT" sz="1200" dirty="0">
+                <a:latin typeface="Fira Sans Extra Condensed"/>
+                <a:ea typeface="Fira Sans Extra Condensed"/>
+                <a:cs typeface="Fira Sans Extra Condensed"/>
+                <a:sym typeface="Fira Sans Extra Condensed"/>
+              </a:endParaRPr>
+            </a:p>
+          </p:txBody>
+        </p:sp>
+      </p:grpSp>
+      <p:grpSp>
+        <p:nvGrpSpPr>
+          <p:cNvPr id="45" name="Google Shape;1472;p37">
+            <a:extLst>
+              <a:ext uri="{FF2B5EF4-FFF2-40B4-BE49-F238E27FC236}">
+                <a16:creationId xmlns:a16="http://schemas.microsoft.com/office/drawing/2014/main" id="{792732A6-45F8-4366-9144-35BB7D3C5745}"/>
+              </a:ext>
+            </a:extLst>
+          </p:cNvPr>
+          <p:cNvGrpSpPr>
+            <a:grpSpLocks noChangeAspect="1"/>
+          </p:cNvGrpSpPr>
+          <p:nvPr/>
+        </p:nvGrpSpPr>
+        <p:grpSpPr>
+          <a:xfrm rot="1616866">
+            <a:off x="6485115" y="4582860"/>
+            <a:ext cx="1368000" cy="612515"/>
+            <a:chOff x="1172511" y="2592577"/>
+            <a:chExt cx="1567652" cy="701909"/>
+          </a:xfrm>
+        </p:grpSpPr>
+        <p:grpSp>
+          <p:nvGrpSpPr>
+            <p:cNvPr id="46" name="Google Shape;1473;p37">
+              <a:extLst>
+                <a:ext uri="{FF2B5EF4-FFF2-40B4-BE49-F238E27FC236}">
+                  <a16:creationId xmlns:a16="http://schemas.microsoft.com/office/drawing/2014/main" id="{B1F657F8-3138-40CE-BBB3-E52A035BFC31}"/>
+                </a:ext>
+              </a:extLst>
+            </p:cNvPr>
+            <p:cNvGrpSpPr/>
+            <p:nvPr/>
+          </p:nvGrpSpPr>
+          <p:grpSpPr>
+            <a:xfrm>
+              <a:off x="1172511" y="2592577"/>
+              <a:ext cx="1567652" cy="701909"/>
+              <a:chOff x="1172511" y="2592577"/>
+              <a:chExt cx="1567652" cy="701909"/>
+            </a:xfrm>
+          </p:grpSpPr>
+          <p:sp>
+            <p:nvSpPr>
+              <p:cNvPr id="50" name="Google Shape;1474;p37">
+                <a:extLst>
+                  <a:ext uri="{FF2B5EF4-FFF2-40B4-BE49-F238E27FC236}">
+                    <a16:creationId xmlns:a16="http://schemas.microsoft.com/office/drawing/2014/main" id="{FF143B1F-2682-419F-95F8-9F3140602B20}"/>
+                  </a:ext>
+                </a:extLst>
+              </p:cNvPr>
+              <p:cNvSpPr/>
+              <p:nvPr/>
+            </p:nvSpPr>
+            <p:spPr>
+              <a:xfrm rot="5400000">
+                <a:off x="1168245" y="2710055"/>
+                <a:ext cx="502846" cy="494314"/>
+              </a:xfrm>
+              <a:custGeom>
+                <a:avLst/>
+                <a:gdLst/>
+                <a:ahLst/>
+                <a:cxnLst/>
+                <a:rect l="l" t="t" r="r" b="b"/>
+                <a:pathLst>
+                  <a:path w="37603" h="36965" extrusionOk="0">
+                    <a:moveTo>
+                      <a:pt x="18012" y="1"/>
+                    </a:moveTo>
+                    <a:cubicBezTo>
+                      <a:pt x="12008" y="1"/>
+                      <a:pt x="6168" y="626"/>
+                      <a:pt x="448" y="1595"/>
+                    </a:cubicBezTo>
+                    <a:cubicBezTo>
+                      <a:pt x="45" y="11397"/>
+                      <a:pt x="1" y="25684"/>
+                      <a:pt x="4693" y="31226"/>
+                    </a:cubicBezTo>
+                    <a:cubicBezTo>
+                      <a:pt x="7894" y="35011"/>
+                      <a:pt x="12966" y="36964"/>
+                      <a:pt x="18012" y="36964"/>
+                    </a:cubicBezTo>
+                    <a:cubicBezTo>
+                      <a:pt x="23394" y="36964"/>
+                      <a:pt x="28748" y="34743"/>
+                      <a:pt x="31777" y="30153"/>
+                    </a:cubicBezTo>
+                    <a:cubicBezTo>
+                      <a:pt x="37602" y="21304"/>
+                      <a:pt x="33744" y="8626"/>
+                      <a:pt x="32105" y="1058"/>
+                    </a:cubicBezTo>
+                    <a:cubicBezTo>
+                      <a:pt x="27487" y="448"/>
+                      <a:pt x="22809" y="1"/>
+                      <a:pt x="18012" y="1"/>
+                    </a:cubicBezTo>
+                    <a:close/>
+                  </a:path>
+                </a:pathLst>
+              </a:custGeom>
+              <a:solidFill>
+                <a:srgbClr val="FFFFFF"/>
+              </a:solidFill>
+              <a:ln>
+                <a:noFill/>
+              </a:ln>
+            </p:spPr>
+            <p:txBody>
+              <a:bodyPr spcFirstLastPara="1" wrap="square" lIns="91425" tIns="91425" rIns="91425" bIns="91425" anchor="ctr" anchorCtr="0">
+                <a:noAutofit/>
+              </a:bodyPr>
+              <a:lstStyle/>
+              <a:p>
+                <a:pPr marL="0" lvl="0" indent="0" algn="l" rtl="0">
+                  <a:spcBef>
+                    <a:spcPts val="0"/>
+                  </a:spcBef>
+                  <a:spcAft>
+                    <a:spcPts val="0"/>
+                  </a:spcAft>
+                  <a:buNone/>
+                </a:pPr>
+                <a:endParaRPr/>
+              </a:p>
+            </p:txBody>
+          </p:sp>
+          <p:sp>
+            <p:nvSpPr>
+              <p:cNvPr id="51" name="Google Shape;1475;p37">
+                <a:extLst>
+                  <a:ext uri="{FF2B5EF4-FFF2-40B4-BE49-F238E27FC236}">
+                    <a16:creationId xmlns:a16="http://schemas.microsoft.com/office/drawing/2014/main" id="{DCC78900-1FE3-419C-BF19-169E9A2921BD}"/>
+                  </a:ext>
+                </a:extLst>
+              </p:cNvPr>
+              <p:cNvSpPr/>
+              <p:nvPr/>
+            </p:nvSpPr>
+            <p:spPr>
+              <a:xfrm rot="5400000">
+                <a:off x="1813222" y="2367544"/>
+                <a:ext cx="701909" cy="1151974"/>
+              </a:xfrm>
+              <a:custGeom>
+                <a:avLst/>
+                <a:gdLst/>
+                <a:ahLst/>
+                <a:cxnLst/>
+                <a:rect l="l" t="t" r="r" b="b"/>
+                <a:pathLst>
+                  <a:path w="52489" h="86145" extrusionOk="0">
+                    <a:moveTo>
+                      <a:pt x="30776" y="1"/>
+                    </a:moveTo>
+                    <a:cubicBezTo>
+                      <a:pt x="30663" y="1"/>
+                      <a:pt x="30550" y="3"/>
+                      <a:pt x="30437" y="7"/>
+                    </a:cubicBezTo>
+                    <a:cubicBezTo>
+                      <a:pt x="15316" y="543"/>
+                      <a:pt x="1" y="35969"/>
+                      <a:pt x="4083" y="54129"/>
+                    </a:cubicBezTo>
+                    <a:cubicBezTo>
+                      <a:pt x="5558" y="60640"/>
+                      <a:pt x="9431" y="74077"/>
+                      <a:pt x="9431" y="81913"/>
+                    </a:cubicBezTo>
+                    <a:cubicBezTo>
+                      <a:pt x="9431" y="82867"/>
+                      <a:pt x="9357" y="84342"/>
+                      <a:pt x="9282" y="86144"/>
+                    </a:cubicBezTo>
+                    <a:cubicBezTo>
+                      <a:pt x="14943" y="85235"/>
+                      <a:pt x="20723" y="84625"/>
+                      <a:pt x="26653" y="84625"/>
+                    </a:cubicBezTo>
+                    <a:cubicBezTo>
+                      <a:pt x="31182" y="84625"/>
+                      <a:pt x="35621" y="84997"/>
+                      <a:pt x="40016" y="85533"/>
+                    </a:cubicBezTo>
+                    <a:cubicBezTo>
+                      <a:pt x="39584" y="81288"/>
+                      <a:pt x="39450" y="74718"/>
+                      <a:pt x="40954" y="68014"/>
+                    </a:cubicBezTo>
+                    <a:cubicBezTo>
+                      <a:pt x="42980" y="58941"/>
+                      <a:pt x="47211" y="49496"/>
+                      <a:pt x="48954" y="44699"/>
+                    </a:cubicBezTo>
+                    <a:cubicBezTo>
+                      <a:pt x="52488" y="34985"/>
+                      <a:pt x="45676" y="1"/>
+                      <a:pt x="30776" y="1"/>
+                    </a:cubicBezTo>
+                    <a:close/>
+                  </a:path>
+                </a:pathLst>
+              </a:custGeom>
+              <a:solidFill>
+                <a:srgbClr val="FFFFFF"/>
+              </a:solidFill>
+              <a:ln>
+                <a:noFill/>
+              </a:ln>
+            </p:spPr>
+            <p:txBody>
+              <a:bodyPr spcFirstLastPara="1" wrap="square" lIns="91425" tIns="91425" rIns="91425" bIns="91425" anchor="ctr" anchorCtr="0">
+                <a:noAutofit/>
+              </a:bodyPr>
+              <a:lstStyle/>
+              <a:p>
+                <a:pPr marL="0" lvl="0" indent="0" algn="l" rtl="0">
+                  <a:spcBef>
+                    <a:spcPts val="0"/>
+                  </a:spcBef>
+                  <a:spcAft>
+                    <a:spcPts val="0"/>
+                  </a:spcAft>
+                  <a:buNone/>
+                </a:pPr>
+                <a:endParaRPr/>
+              </a:p>
+            </p:txBody>
+          </p:sp>
+        </p:grpSp>
+        <p:grpSp>
+          <p:nvGrpSpPr>
+            <p:cNvPr id="47" name="Google Shape;1476;p37">
+              <a:extLst>
+                <a:ext uri="{FF2B5EF4-FFF2-40B4-BE49-F238E27FC236}">
+                  <a16:creationId xmlns:a16="http://schemas.microsoft.com/office/drawing/2014/main" id="{2C08EAF8-5BCF-4716-ACDA-CA5E628BC749}"/>
+                </a:ext>
+              </a:extLst>
+            </p:cNvPr>
+            <p:cNvGrpSpPr/>
+            <p:nvPr/>
+          </p:nvGrpSpPr>
+          <p:grpSpPr>
+            <a:xfrm>
+              <a:off x="1205944" y="2640041"/>
+              <a:ext cx="1456361" cy="607035"/>
+              <a:chOff x="1205944" y="2640041"/>
+              <a:chExt cx="1456361" cy="607035"/>
+            </a:xfrm>
+          </p:grpSpPr>
+          <p:sp>
+            <p:nvSpPr>
+              <p:cNvPr id="48" name="Google Shape;1477;p37">
+                <a:extLst>
+                  <a:ext uri="{FF2B5EF4-FFF2-40B4-BE49-F238E27FC236}">
+                    <a16:creationId xmlns:a16="http://schemas.microsoft.com/office/drawing/2014/main" id="{60B47E2F-3C61-4400-8586-CD0E0F989141}"/>
+                  </a:ext>
+                </a:extLst>
+              </p:cNvPr>
+              <p:cNvSpPr/>
+              <p:nvPr/>
+            </p:nvSpPr>
+            <p:spPr>
+              <a:xfrm rot="5400000">
+                <a:off x="1202255" y="2743481"/>
+                <a:ext cx="434842" cy="427464"/>
+              </a:xfrm>
+              <a:custGeom>
+                <a:avLst/>
+                <a:gdLst/>
+                <a:ahLst/>
+                <a:cxnLst/>
+                <a:rect l="l" t="t" r="r" b="b"/>
+                <a:pathLst>
+                  <a:path w="37603" h="36965" extrusionOk="0">
+                    <a:moveTo>
+                      <a:pt x="18012" y="1"/>
+                    </a:moveTo>
+                    <a:cubicBezTo>
+                      <a:pt x="12008" y="1"/>
+                      <a:pt x="6168" y="626"/>
+                      <a:pt x="448" y="1595"/>
+                    </a:cubicBezTo>
+                    <a:cubicBezTo>
+                      <a:pt x="45" y="11397"/>
+                      <a:pt x="1" y="25684"/>
+                      <a:pt x="4693" y="31226"/>
+                    </a:cubicBezTo>
+                    <a:cubicBezTo>
+                      <a:pt x="7894" y="35011"/>
+                      <a:pt x="12966" y="36964"/>
+                      <a:pt x="18012" y="36964"/>
+                    </a:cubicBezTo>
+                    <a:cubicBezTo>
+                      <a:pt x="23394" y="36964"/>
+                      <a:pt x="28748" y="34743"/>
+                      <a:pt x="31777" y="30153"/>
+                    </a:cubicBezTo>
+                    <a:cubicBezTo>
+                      <a:pt x="37602" y="21304"/>
+                      <a:pt x="33744" y="8626"/>
+                      <a:pt x="32105" y="1058"/>
+                    </a:cubicBezTo>
+                    <a:cubicBezTo>
+                      <a:pt x="27487" y="448"/>
+                      <a:pt x="22809" y="1"/>
+                      <a:pt x="18012" y="1"/>
+                    </a:cubicBezTo>
+                    <a:close/>
+                  </a:path>
+                </a:pathLst>
+              </a:custGeom>
+              <a:solidFill>
+                <a:schemeClr val="accent5">
+                  <a:lumMod val="75000"/>
+                </a:schemeClr>
+              </a:solidFill>
+              <a:ln>
+                <a:noFill/>
+              </a:ln>
+            </p:spPr>
+            <p:txBody>
+              <a:bodyPr spcFirstLastPara="1" wrap="square" lIns="91425" tIns="91425" rIns="91425" bIns="91425" anchor="ctr" anchorCtr="0">
+                <a:noAutofit/>
+              </a:bodyPr>
+              <a:lstStyle/>
+              <a:p>
+                <a:pPr marL="0" lvl="0" indent="0" algn="l" rtl="0">
+                  <a:spcBef>
+                    <a:spcPts val="0"/>
+                  </a:spcBef>
+                  <a:spcAft>
+                    <a:spcPts val="0"/>
+                  </a:spcAft>
+                  <a:buNone/>
+                </a:pPr>
+                <a:endParaRPr/>
+              </a:p>
+            </p:txBody>
+          </p:sp>
+          <p:sp>
+            <p:nvSpPr>
+              <p:cNvPr id="49" name="Google Shape;1478;p37">
+                <a:extLst>
+                  <a:ext uri="{FF2B5EF4-FFF2-40B4-BE49-F238E27FC236}">
+                    <a16:creationId xmlns:a16="http://schemas.microsoft.com/office/drawing/2014/main" id="{813E65D6-AE02-4C8F-9998-5338780FB179}"/>
+                  </a:ext>
+                </a:extLst>
+              </p:cNvPr>
+              <p:cNvSpPr/>
+              <p:nvPr/>
+            </p:nvSpPr>
+            <p:spPr>
+              <a:xfrm rot="5400000">
+                <a:off x="1860654" y="2445425"/>
+                <a:ext cx="607035" cy="996267"/>
+              </a:xfrm>
+              <a:custGeom>
+                <a:avLst/>
+                <a:gdLst/>
+                <a:ahLst/>
+                <a:cxnLst/>
+                <a:rect l="l" t="t" r="r" b="b"/>
+                <a:pathLst>
+                  <a:path w="52489" h="86145" extrusionOk="0">
+                    <a:moveTo>
+                      <a:pt x="30776" y="1"/>
+                    </a:moveTo>
+                    <a:cubicBezTo>
+                      <a:pt x="30663" y="1"/>
+                      <a:pt x="30550" y="3"/>
+                      <a:pt x="30437" y="7"/>
+                    </a:cubicBezTo>
+                    <a:cubicBezTo>
+                      <a:pt x="15316" y="543"/>
+                      <a:pt x="1" y="35969"/>
+                      <a:pt x="4083" y="54129"/>
+                    </a:cubicBezTo>
+                    <a:cubicBezTo>
+                      <a:pt x="5558" y="60640"/>
+                      <a:pt x="9431" y="74077"/>
+                      <a:pt x="9431" y="81913"/>
+                    </a:cubicBezTo>
+                    <a:cubicBezTo>
+                      <a:pt x="9431" y="82867"/>
+                      <a:pt x="9357" y="84342"/>
+                      <a:pt x="9282" y="86144"/>
+                    </a:cubicBezTo>
+                    <a:cubicBezTo>
+                      <a:pt x="14943" y="85235"/>
+                      <a:pt x="20723" y="84625"/>
+                      <a:pt x="26653" y="84625"/>
+                    </a:cubicBezTo>
+                    <a:cubicBezTo>
+                      <a:pt x="31182" y="84625"/>
+                      <a:pt x="35621" y="84997"/>
+                      <a:pt x="40016" y="85533"/>
+                    </a:cubicBezTo>
+                    <a:cubicBezTo>
+                      <a:pt x="39584" y="81288"/>
+                      <a:pt x="39450" y="74718"/>
+                      <a:pt x="40954" y="68014"/>
+                    </a:cubicBezTo>
+                    <a:cubicBezTo>
+                      <a:pt x="42980" y="58941"/>
+                      <a:pt x="47211" y="49496"/>
+                      <a:pt x="48954" y="44699"/>
+                    </a:cubicBezTo>
+                    <a:cubicBezTo>
+                      <a:pt x="52488" y="34985"/>
+                      <a:pt x="45676" y="1"/>
+                      <a:pt x="30776" y="1"/>
+                    </a:cubicBezTo>
+                    <a:close/>
+                  </a:path>
+                </a:pathLst>
+              </a:custGeom>
+              <a:solidFill>
+                <a:schemeClr val="accent5">
+                  <a:lumMod val="75000"/>
+                </a:schemeClr>
+              </a:solidFill>
+              <a:ln>
+                <a:noFill/>
+              </a:ln>
+            </p:spPr>
+            <p:txBody>
+              <a:bodyPr spcFirstLastPara="1" wrap="square" lIns="91425" tIns="91425" rIns="91425" bIns="91425" anchor="ctr" anchorCtr="0">
+                <a:noAutofit/>
+              </a:bodyPr>
+              <a:lstStyle/>
+              <a:p>
+                <a:pPr marL="0" lvl="0" indent="0" algn="l" rtl="0">
+                  <a:spcBef>
+                    <a:spcPts val="0"/>
+                  </a:spcBef>
+                  <a:spcAft>
+                    <a:spcPts val="0"/>
+                  </a:spcAft>
+                  <a:buNone/>
+                </a:pPr>
+                <a:endParaRPr/>
+              </a:p>
+            </p:txBody>
+          </p:sp>
+        </p:grpSp>
+      </p:grpSp>
+      <p:grpSp>
+        <p:nvGrpSpPr>
+          <p:cNvPr id="52" name="Google Shape;1500;p37">
+            <a:extLst>
+              <a:ext uri="{FF2B5EF4-FFF2-40B4-BE49-F238E27FC236}">
+                <a16:creationId xmlns:a16="http://schemas.microsoft.com/office/drawing/2014/main" id="{3455C381-5831-46BE-9215-DF30C8062BE2}"/>
+              </a:ext>
+            </a:extLst>
+          </p:cNvPr>
+          <p:cNvGrpSpPr/>
+          <p:nvPr/>
+        </p:nvGrpSpPr>
+        <p:grpSpPr>
+          <a:xfrm>
+            <a:off x="6868263" y="3843548"/>
+            <a:ext cx="1271119" cy="814982"/>
+            <a:chOff x="965500" y="2820567"/>
+            <a:chExt cx="1271119" cy="814982"/>
+          </a:xfrm>
+        </p:grpSpPr>
+        <p:sp>
+          <p:nvSpPr>
+            <p:cNvPr id="53" name="Google Shape;1501;p37">
+              <a:extLst>
+                <a:ext uri="{FF2B5EF4-FFF2-40B4-BE49-F238E27FC236}">
+                  <a16:creationId xmlns:a16="http://schemas.microsoft.com/office/drawing/2014/main" id="{027A36C0-EA7D-4D8B-82A2-607297000864}"/>
+                </a:ext>
+              </a:extLst>
+            </p:cNvPr>
+            <p:cNvSpPr/>
+            <p:nvPr/>
+          </p:nvSpPr>
+          <p:spPr>
+            <a:xfrm>
+              <a:off x="965500" y="2820567"/>
+              <a:ext cx="1271100" cy="260100"/>
+            </a:xfrm>
+            <a:prstGeom prst="rect">
+              <a:avLst/>
+            </a:prstGeom>
+            <a:noFill/>
+            <a:ln>
+              <a:noFill/>
+            </a:ln>
+          </p:spPr>
+          <p:txBody>
+            <a:bodyPr spcFirstLastPara="1" wrap="square" lIns="91425" tIns="91425" rIns="91425" bIns="91425" anchor="ctr" anchorCtr="0">
+              <a:noAutofit/>
+            </a:bodyPr>
+            <a:lstStyle/>
+            <a:p>
+              <a:pPr marL="0" lvl="0" indent="0" algn="ctr" rtl="0">
+                <a:spcBef>
+                  <a:spcPts val="0"/>
+                </a:spcBef>
+                <a:spcAft>
+                  <a:spcPts val="0"/>
+                </a:spcAft>
+                <a:buNone/>
+              </a:pPr>
+              <a:r>
+                <a:rPr lang="en" sz="2000" b="1" dirty="0">
+                  <a:solidFill>
+                    <a:schemeClr val="accent5">
+                      <a:lumMod val="75000"/>
+                    </a:schemeClr>
+                  </a:solidFill>
+                  <a:latin typeface="Fira Sans Extra Condensed SemiBold"/>
+                  <a:ea typeface="Fira Sans Extra Condensed SemiBold"/>
+                  <a:cs typeface="Fira Sans Extra Condensed SemiBold"/>
+                  <a:sym typeface="Fira Sans Extra Condensed SemiBold"/>
+                </a:rPr>
+                <a:t>Step 5 </a:t>
+              </a:r>
+              <a:endParaRPr sz="2000" b="1" dirty="0">
+                <a:solidFill>
+                  <a:schemeClr val="accent5">
+                    <a:lumMod val="75000"/>
+                  </a:schemeClr>
+                </a:solidFill>
+                <a:latin typeface="Fira Sans Extra Condensed SemiBold"/>
+                <a:ea typeface="Fira Sans Extra Condensed SemiBold"/>
+                <a:cs typeface="Fira Sans Extra Condensed SemiBold"/>
+                <a:sym typeface="Fira Sans Extra Condensed SemiBold"/>
+              </a:endParaRPr>
+            </a:p>
+          </p:txBody>
+        </p:sp>
+        <p:sp>
+          <p:nvSpPr>
+            <p:cNvPr id="54" name="Google Shape;1502;p37">
+              <a:extLst>
+                <a:ext uri="{FF2B5EF4-FFF2-40B4-BE49-F238E27FC236}">
+                  <a16:creationId xmlns:a16="http://schemas.microsoft.com/office/drawing/2014/main" id="{60941F76-A71E-4361-91F9-6A1339F2FE00}"/>
+                </a:ext>
+              </a:extLst>
+            </p:cNvPr>
+            <p:cNvSpPr txBox="1"/>
+            <p:nvPr/>
+          </p:nvSpPr>
+          <p:spPr>
+            <a:xfrm>
+              <a:off x="965519" y="3149249"/>
+              <a:ext cx="1271100" cy="486300"/>
+            </a:xfrm>
+            <a:prstGeom prst="rect">
+              <a:avLst/>
+            </a:prstGeom>
+            <a:noFill/>
+            <a:ln>
+              <a:noFill/>
+            </a:ln>
+          </p:spPr>
+          <p:txBody>
+            <a:bodyPr spcFirstLastPara="1" wrap="square" lIns="91425" tIns="91425" rIns="91425" bIns="91425" anchor="ctr" anchorCtr="0">
+              <a:noAutofit/>
+            </a:bodyPr>
+            <a:lstStyle/>
+            <a:p>
+              <a:pPr marL="0" lvl="0" indent="0" algn="ctr" rtl="0">
+                <a:spcBef>
+                  <a:spcPts val="0"/>
+                </a:spcBef>
+                <a:spcAft>
+                  <a:spcPts val="0"/>
+                </a:spcAft>
+                <a:buNone/>
+              </a:pPr>
+              <a:r>
+                <a:rPr lang="it-IT" sz="1200" dirty="0">
+                  <a:solidFill>
+                    <a:schemeClr val="dk1"/>
+                  </a:solidFill>
+                  <a:latin typeface="Fira Sans Extra Condensed"/>
+                  <a:ea typeface="Fira Sans Extra Condensed"/>
+                  <a:cs typeface="Fira Sans Extra Condensed"/>
+                  <a:sym typeface="Fira Sans Extra Condensed"/>
+                </a:rPr>
+                <a:t>Implementazione</a:t>
+              </a:r>
+              <a:endParaRPr sz="1200" dirty="0">
+                <a:latin typeface="Fira Sans Extra Condensed"/>
+                <a:ea typeface="Fira Sans Extra Condensed"/>
+                <a:cs typeface="Fira Sans Extra Condensed"/>
+                <a:sym typeface="Fira Sans Extra Condensed"/>
+              </a:endParaRPr>
+            </a:p>
+          </p:txBody>
+        </p:sp>
+      </p:grpSp>
+      <p:grpSp>
+        <p:nvGrpSpPr>
+          <p:cNvPr id="55" name="Google Shape;1493;p37">
+            <a:extLst>
+              <a:ext uri="{FF2B5EF4-FFF2-40B4-BE49-F238E27FC236}">
+                <a16:creationId xmlns:a16="http://schemas.microsoft.com/office/drawing/2014/main" id="{35BCDBB2-7E1B-4148-80C5-B9E6FC4C7BE0}"/>
+              </a:ext>
+            </a:extLst>
+          </p:cNvPr>
+          <p:cNvGrpSpPr>
+            <a:grpSpLocks noChangeAspect="1"/>
+          </p:cNvGrpSpPr>
+          <p:nvPr/>
+        </p:nvGrpSpPr>
+        <p:grpSpPr>
+          <a:xfrm rot="20737292">
+            <a:off x="8061567" y="4698493"/>
+            <a:ext cx="1368000" cy="612515"/>
+            <a:chOff x="6426124" y="3402589"/>
+            <a:chExt cx="1567652" cy="701909"/>
+          </a:xfrm>
+        </p:grpSpPr>
+        <p:grpSp>
+          <p:nvGrpSpPr>
+            <p:cNvPr id="56" name="Google Shape;1494;p37">
+              <a:extLst>
+                <a:ext uri="{FF2B5EF4-FFF2-40B4-BE49-F238E27FC236}">
+                  <a16:creationId xmlns:a16="http://schemas.microsoft.com/office/drawing/2014/main" id="{1B73D392-72C6-4383-BA1D-054AC70BBCE7}"/>
+                </a:ext>
+              </a:extLst>
+            </p:cNvPr>
+            <p:cNvGrpSpPr/>
+            <p:nvPr/>
+          </p:nvGrpSpPr>
+          <p:grpSpPr>
+            <a:xfrm rot="10800000" flipH="1">
+              <a:off x="6426124" y="3402589"/>
+              <a:ext cx="1567652" cy="701909"/>
+              <a:chOff x="1172511" y="2592577"/>
+              <a:chExt cx="1567652" cy="701909"/>
+            </a:xfrm>
+          </p:grpSpPr>
+          <p:sp>
+            <p:nvSpPr>
+              <p:cNvPr id="60" name="Google Shape;1495;p37">
+                <a:extLst>
+                  <a:ext uri="{FF2B5EF4-FFF2-40B4-BE49-F238E27FC236}">
+                    <a16:creationId xmlns:a16="http://schemas.microsoft.com/office/drawing/2014/main" id="{BD1BC86A-9B84-4858-89F6-78CDBFA9BDDB}"/>
+                  </a:ext>
+                </a:extLst>
+              </p:cNvPr>
+              <p:cNvSpPr/>
+              <p:nvPr/>
+            </p:nvSpPr>
+            <p:spPr>
+              <a:xfrm rot="5400000">
+                <a:off x="1168245" y="2710055"/>
+                <a:ext cx="502846" cy="494314"/>
+              </a:xfrm>
+              <a:custGeom>
+                <a:avLst/>
+                <a:gdLst/>
+                <a:ahLst/>
+                <a:cxnLst/>
+                <a:rect l="l" t="t" r="r" b="b"/>
+                <a:pathLst>
+                  <a:path w="37603" h="36965" extrusionOk="0">
+                    <a:moveTo>
+                      <a:pt x="18012" y="1"/>
+                    </a:moveTo>
+                    <a:cubicBezTo>
+                      <a:pt x="12008" y="1"/>
+                      <a:pt x="6168" y="626"/>
+                      <a:pt x="448" y="1595"/>
+                    </a:cubicBezTo>
+                    <a:cubicBezTo>
+                      <a:pt x="45" y="11397"/>
+                      <a:pt x="1" y="25684"/>
+                      <a:pt x="4693" y="31226"/>
+                    </a:cubicBezTo>
+                    <a:cubicBezTo>
+                      <a:pt x="7894" y="35011"/>
+                      <a:pt x="12966" y="36964"/>
+                      <a:pt x="18012" y="36964"/>
+                    </a:cubicBezTo>
+                    <a:cubicBezTo>
+                      <a:pt x="23394" y="36964"/>
+                      <a:pt x="28748" y="34743"/>
+                      <a:pt x="31777" y="30153"/>
+                    </a:cubicBezTo>
+                    <a:cubicBezTo>
+                      <a:pt x="37602" y="21304"/>
+                      <a:pt x="33744" y="8626"/>
+                      <a:pt x="32105" y="1058"/>
+                    </a:cubicBezTo>
+                    <a:cubicBezTo>
+                      <a:pt x="27487" y="448"/>
+                      <a:pt x="22809" y="1"/>
+                      <a:pt x="18012" y="1"/>
+                    </a:cubicBezTo>
+                    <a:close/>
+                  </a:path>
+                </a:pathLst>
+              </a:custGeom>
+              <a:solidFill>
+                <a:srgbClr val="FFFFFF"/>
+              </a:solidFill>
+              <a:ln>
+                <a:noFill/>
+              </a:ln>
+            </p:spPr>
+            <p:txBody>
+              <a:bodyPr spcFirstLastPara="1" wrap="square" lIns="91425" tIns="91425" rIns="91425" bIns="91425" anchor="ctr" anchorCtr="0">
+                <a:noAutofit/>
+              </a:bodyPr>
+              <a:lstStyle/>
+              <a:p>
+                <a:pPr marL="0" lvl="0" indent="0" algn="l" rtl="0">
+                  <a:spcBef>
+                    <a:spcPts val="0"/>
+                  </a:spcBef>
+                  <a:spcAft>
+                    <a:spcPts val="0"/>
+                  </a:spcAft>
+                  <a:buNone/>
+                </a:pPr>
+                <a:endParaRPr/>
+              </a:p>
+            </p:txBody>
+          </p:sp>
+          <p:sp>
+            <p:nvSpPr>
+              <p:cNvPr id="61" name="Google Shape;1496;p37">
+                <a:extLst>
+                  <a:ext uri="{FF2B5EF4-FFF2-40B4-BE49-F238E27FC236}">
+                    <a16:creationId xmlns:a16="http://schemas.microsoft.com/office/drawing/2014/main" id="{DC560C37-5AF5-4E25-9D19-6060395920EC}"/>
+                  </a:ext>
+                </a:extLst>
+              </p:cNvPr>
+              <p:cNvSpPr/>
+              <p:nvPr/>
+            </p:nvSpPr>
+            <p:spPr>
+              <a:xfrm rot="5400000">
+                <a:off x="1813222" y="2367544"/>
+                <a:ext cx="701909" cy="1151974"/>
+              </a:xfrm>
+              <a:custGeom>
+                <a:avLst/>
+                <a:gdLst/>
+                <a:ahLst/>
+                <a:cxnLst/>
+                <a:rect l="l" t="t" r="r" b="b"/>
+                <a:pathLst>
+                  <a:path w="52489" h="86145" extrusionOk="0">
+                    <a:moveTo>
+                      <a:pt x="30776" y="1"/>
+                    </a:moveTo>
+                    <a:cubicBezTo>
+                      <a:pt x="30663" y="1"/>
+                      <a:pt x="30550" y="3"/>
+                      <a:pt x="30437" y="7"/>
+                    </a:cubicBezTo>
+                    <a:cubicBezTo>
+                      <a:pt x="15316" y="543"/>
+                      <a:pt x="1" y="35969"/>
+                      <a:pt x="4083" y="54129"/>
+                    </a:cubicBezTo>
+                    <a:cubicBezTo>
+                      <a:pt x="5558" y="60640"/>
+                      <a:pt x="9431" y="74077"/>
+                      <a:pt x="9431" y="81913"/>
+                    </a:cubicBezTo>
+                    <a:cubicBezTo>
+                      <a:pt x="9431" y="82867"/>
+                      <a:pt x="9357" y="84342"/>
+                      <a:pt x="9282" y="86144"/>
+                    </a:cubicBezTo>
+                    <a:cubicBezTo>
+                      <a:pt x="14943" y="85235"/>
+                      <a:pt x="20723" y="84625"/>
+                      <a:pt x="26653" y="84625"/>
+                    </a:cubicBezTo>
+                    <a:cubicBezTo>
+                      <a:pt x="31182" y="84625"/>
+                      <a:pt x="35621" y="84997"/>
+                      <a:pt x="40016" y="85533"/>
+                    </a:cubicBezTo>
+                    <a:cubicBezTo>
+                      <a:pt x="39584" y="81288"/>
+                      <a:pt x="39450" y="74718"/>
+                      <a:pt x="40954" y="68014"/>
+                    </a:cubicBezTo>
+                    <a:cubicBezTo>
+                      <a:pt x="42980" y="58941"/>
+                      <a:pt x="47211" y="49496"/>
+                      <a:pt x="48954" y="44699"/>
+                    </a:cubicBezTo>
+                    <a:cubicBezTo>
+                      <a:pt x="52488" y="34985"/>
+                      <a:pt x="45676" y="1"/>
+                      <a:pt x="30776" y="1"/>
+                    </a:cubicBezTo>
+                    <a:close/>
+                  </a:path>
+                </a:pathLst>
+              </a:custGeom>
+              <a:solidFill>
+                <a:srgbClr val="FFFFFF"/>
+              </a:solidFill>
+              <a:ln>
+                <a:noFill/>
+              </a:ln>
+            </p:spPr>
+            <p:txBody>
+              <a:bodyPr spcFirstLastPara="1" wrap="square" lIns="91425" tIns="91425" rIns="91425" bIns="91425" anchor="ctr" anchorCtr="0">
+                <a:noAutofit/>
+              </a:bodyPr>
+              <a:lstStyle/>
+              <a:p>
+                <a:pPr marL="0" lvl="0" indent="0" algn="l" rtl="0">
+                  <a:spcBef>
+                    <a:spcPts val="0"/>
+                  </a:spcBef>
+                  <a:spcAft>
+                    <a:spcPts val="0"/>
+                  </a:spcAft>
+                  <a:buNone/>
+                </a:pPr>
+                <a:endParaRPr/>
+              </a:p>
+            </p:txBody>
+          </p:sp>
+        </p:grpSp>
+        <p:grpSp>
+          <p:nvGrpSpPr>
+            <p:cNvPr id="57" name="Google Shape;1497;p37">
+              <a:extLst>
+                <a:ext uri="{FF2B5EF4-FFF2-40B4-BE49-F238E27FC236}">
+                  <a16:creationId xmlns:a16="http://schemas.microsoft.com/office/drawing/2014/main" id="{1E5A1D35-167F-4328-9347-06B1351B4420}"/>
+                </a:ext>
+              </a:extLst>
+            </p:cNvPr>
+            <p:cNvGrpSpPr/>
+            <p:nvPr/>
+          </p:nvGrpSpPr>
+          <p:grpSpPr>
+            <a:xfrm>
+              <a:off x="6481845" y="3450054"/>
+              <a:ext cx="1456211" cy="606972"/>
+              <a:chOff x="3539287" y="3023413"/>
+              <a:chExt cx="2835854" cy="1182030"/>
+            </a:xfrm>
+          </p:grpSpPr>
+          <p:sp>
+            <p:nvSpPr>
+              <p:cNvPr id="58" name="Google Shape;1498;p37">
+                <a:extLst>
+                  <a:ext uri="{FF2B5EF4-FFF2-40B4-BE49-F238E27FC236}">
+                    <a16:creationId xmlns:a16="http://schemas.microsoft.com/office/drawing/2014/main" id="{FACB2EC6-0930-4D19-B24C-C61B95324A09}"/>
+                  </a:ext>
+                </a:extLst>
+              </p:cNvPr>
+              <p:cNvSpPr/>
+              <p:nvPr/>
+            </p:nvSpPr>
+            <p:spPr>
+              <a:xfrm rot="5400000">
+                <a:off x="3520720" y="3191333"/>
+                <a:ext cx="837406" cy="800271"/>
+              </a:xfrm>
+              <a:custGeom>
+                <a:avLst/>
+                <a:gdLst/>
+                <a:ahLst/>
+                <a:cxnLst/>
+                <a:rect l="l" t="t" r="r" b="b"/>
+                <a:pathLst>
+                  <a:path w="37185" h="35536" extrusionOk="0">
+                    <a:moveTo>
+                      <a:pt x="19218" y="0"/>
+                    </a:moveTo>
+                    <a:cubicBezTo>
+                      <a:pt x="14317" y="0"/>
+                      <a:pt x="9520" y="462"/>
+                      <a:pt x="4813" y="1102"/>
+                    </a:cubicBezTo>
+                    <a:cubicBezTo>
+                      <a:pt x="3055" y="8775"/>
+                      <a:pt x="1" y="20454"/>
+                      <a:pt x="5453" y="28722"/>
+                    </a:cubicBezTo>
+                    <a:cubicBezTo>
+                      <a:pt x="8484" y="33314"/>
+                      <a:pt x="13841" y="35535"/>
+                      <a:pt x="19225" y="35535"/>
+                    </a:cubicBezTo>
+                    <a:cubicBezTo>
+                      <a:pt x="24270" y="35535"/>
+                      <a:pt x="29337" y="33586"/>
+                      <a:pt x="32537" y="29810"/>
+                    </a:cubicBezTo>
+                    <a:cubicBezTo>
+                      <a:pt x="37006" y="24521"/>
+                      <a:pt x="37185" y="11307"/>
+                      <a:pt x="36842" y="1594"/>
+                    </a:cubicBezTo>
+                    <a:cubicBezTo>
+                      <a:pt x="31107" y="626"/>
+                      <a:pt x="25237" y="0"/>
+                      <a:pt x="19218" y="0"/>
+                    </a:cubicBezTo>
+                    <a:close/>
+                  </a:path>
+                </a:pathLst>
+              </a:custGeom>
+              <a:solidFill>
+                <a:schemeClr val="accent6">
+                  <a:lumMod val="75000"/>
+                </a:schemeClr>
+              </a:solidFill>
+              <a:ln>
+                <a:noFill/>
+              </a:ln>
+            </p:spPr>
+            <p:txBody>
+              <a:bodyPr spcFirstLastPara="1" wrap="square" lIns="91425" tIns="91425" rIns="91425" bIns="91425" anchor="ctr" anchorCtr="0">
+                <a:noAutofit/>
+              </a:bodyPr>
+              <a:lstStyle/>
+              <a:p>
+                <a:pPr marL="0" lvl="0" indent="0" algn="l" rtl="0">
+                  <a:spcBef>
+                    <a:spcPts val="0"/>
+                  </a:spcBef>
+                  <a:spcAft>
+                    <a:spcPts val="0"/>
+                  </a:spcAft>
+                  <a:buNone/>
+                </a:pPr>
+                <a:endParaRPr/>
+              </a:p>
+            </p:txBody>
+          </p:sp>
+          <p:sp>
+            <p:nvSpPr>
+              <p:cNvPr id="59" name="Google Shape;1499;p37">
+                <a:extLst>
+                  <a:ext uri="{FF2B5EF4-FFF2-40B4-BE49-F238E27FC236}">
+                    <a16:creationId xmlns:a16="http://schemas.microsoft.com/office/drawing/2014/main" id="{C7BB1721-C5E0-4D1D-8C33-119F3711E218}"/>
+                  </a:ext>
+                </a:extLst>
+              </p:cNvPr>
+              <p:cNvSpPr/>
+              <p:nvPr/>
+            </p:nvSpPr>
+            <p:spPr>
+              <a:xfrm rot="5400000">
+                <a:off x="4798201" y="2628502"/>
+                <a:ext cx="1182030" cy="1971851"/>
+              </a:xfrm>
+              <a:custGeom>
+                <a:avLst/>
+                <a:gdLst/>
+                <a:ahLst/>
+                <a:cxnLst/>
+                <a:rect l="l" t="t" r="r" b="b"/>
+                <a:pathLst>
+                  <a:path w="52488" h="87560" extrusionOk="0">
+                    <a:moveTo>
+                      <a:pt x="21712" y="1"/>
+                    </a:moveTo>
+                    <a:cubicBezTo>
+                      <a:pt x="6812" y="1"/>
+                      <a:pt x="0" y="34970"/>
+                      <a:pt x="3534" y="44685"/>
+                    </a:cubicBezTo>
+                    <a:cubicBezTo>
+                      <a:pt x="5277" y="49496"/>
+                      <a:pt x="9523" y="58941"/>
+                      <a:pt x="11534" y="68014"/>
+                    </a:cubicBezTo>
+                    <a:cubicBezTo>
+                      <a:pt x="13217" y="75522"/>
+                      <a:pt x="12875" y="82897"/>
+                      <a:pt x="12324" y="86964"/>
+                    </a:cubicBezTo>
+                    <a:cubicBezTo>
+                      <a:pt x="16763" y="86412"/>
+                      <a:pt x="21247" y="86040"/>
+                      <a:pt x="25850" y="86040"/>
+                    </a:cubicBezTo>
+                    <a:cubicBezTo>
+                      <a:pt x="31795" y="86040"/>
+                      <a:pt x="37590" y="86651"/>
+                      <a:pt x="43281" y="87560"/>
+                    </a:cubicBezTo>
+                    <a:cubicBezTo>
+                      <a:pt x="43176" y="85101"/>
+                      <a:pt x="43057" y="83105"/>
+                      <a:pt x="43057" y="81899"/>
+                    </a:cubicBezTo>
+                    <a:cubicBezTo>
+                      <a:pt x="43057" y="74062"/>
+                      <a:pt x="46931" y="60640"/>
+                      <a:pt x="48405" y="54130"/>
+                    </a:cubicBezTo>
+                    <a:cubicBezTo>
+                      <a:pt x="52487" y="35970"/>
+                      <a:pt x="37173" y="543"/>
+                      <a:pt x="22052" y="7"/>
+                    </a:cubicBezTo>
+                    <a:cubicBezTo>
+                      <a:pt x="21938" y="3"/>
+                      <a:pt x="21825" y="1"/>
+                      <a:pt x="21712" y="1"/>
+                    </a:cubicBezTo>
+                    <a:close/>
+                  </a:path>
+                </a:pathLst>
+              </a:custGeom>
+              <a:solidFill>
+                <a:schemeClr val="accent6">
+                  <a:lumMod val="75000"/>
+                </a:schemeClr>
+              </a:solidFill>
+              <a:ln>
+                <a:noFill/>
+              </a:ln>
+            </p:spPr>
+            <p:txBody>
+              <a:bodyPr spcFirstLastPara="1" wrap="square" lIns="91425" tIns="91425" rIns="91425" bIns="91425" anchor="ctr" anchorCtr="0">
+                <a:noAutofit/>
+              </a:bodyPr>
+              <a:lstStyle/>
+              <a:p>
+                <a:pPr marL="0" lvl="0" indent="0" algn="l" rtl="0">
+                  <a:spcBef>
+                    <a:spcPts val="0"/>
+                  </a:spcBef>
+                  <a:spcAft>
+                    <a:spcPts val="0"/>
+                  </a:spcAft>
+                  <a:buNone/>
+                </a:pPr>
+                <a:endParaRPr/>
+              </a:p>
+            </p:txBody>
+          </p:sp>
+        </p:grpSp>
+      </p:grpSp>
+      <p:grpSp>
+        <p:nvGrpSpPr>
+          <p:cNvPr id="62" name="Google Shape;1500;p37">
+            <a:extLst>
+              <a:ext uri="{FF2B5EF4-FFF2-40B4-BE49-F238E27FC236}">
+                <a16:creationId xmlns:a16="http://schemas.microsoft.com/office/drawing/2014/main" id="{40FCC007-345D-42E0-A01B-9CD945C87620}"/>
+              </a:ext>
+            </a:extLst>
+          </p:cNvPr>
+          <p:cNvGrpSpPr/>
+          <p:nvPr/>
+        </p:nvGrpSpPr>
+        <p:grpSpPr>
+          <a:xfrm>
+            <a:off x="8218079" y="3908843"/>
+            <a:ext cx="1271119" cy="814982"/>
+            <a:chOff x="965500" y="2820567"/>
+            <a:chExt cx="1271119" cy="814982"/>
+          </a:xfrm>
+        </p:grpSpPr>
+        <p:sp>
+          <p:nvSpPr>
+            <p:cNvPr id="63" name="Google Shape;1501;p37">
+              <a:extLst>
+                <a:ext uri="{FF2B5EF4-FFF2-40B4-BE49-F238E27FC236}">
+                  <a16:creationId xmlns:a16="http://schemas.microsoft.com/office/drawing/2014/main" id="{6580A19C-F10B-46CC-8535-A560C5236E76}"/>
+                </a:ext>
+              </a:extLst>
+            </p:cNvPr>
+            <p:cNvSpPr/>
+            <p:nvPr/>
+          </p:nvSpPr>
+          <p:spPr>
+            <a:xfrm>
+              <a:off x="965500" y="2820567"/>
+              <a:ext cx="1271100" cy="260100"/>
+            </a:xfrm>
+            <a:prstGeom prst="rect">
+              <a:avLst/>
+            </a:prstGeom>
+            <a:noFill/>
+            <a:ln>
+              <a:noFill/>
+            </a:ln>
+          </p:spPr>
+          <p:txBody>
+            <a:bodyPr spcFirstLastPara="1" wrap="square" lIns="91425" tIns="91425" rIns="91425" bIns="91425" anchor="ctr" anchorCtr="0">
+              <a:noAutofit/>
+            </a:bodyPr>
+            <a:lstStyle/>
+            <a:p>
+              <a:pPr marL="0" lvl="0" indent="0" algn="ctr" rtl="0">
+                <a:spcBef>
+                  <a:spcPts val="0"/>
+                </a:spcBef>
+                <a:spcAft>
+                  <a:spcPts val="0"/>
+                </a:spcAft>
+                <a:buNone/>
+              </a:pPr>
+              <a:r>
+                <a:rPr lang="en" sz="2000" b="1" dirty="0">
+                  <a:solidFill>
+                    <a:schemeClr val="accent6">
+                      <a:lumMod val="75000"/>
+                    </a:schemeClr>
+                  </a:solidFill>
+                  <a:latin typeface="Fira Sans Extra Condensed SemiBold"/>
+                  <a:ea typeface="Fira Sans Extra Condensed SemiBold"/>
+                  <a:cs typeface="Fira Sans Extra Condensed SemiBold"/>
+                  <a:sym typeface="Fira Sans Extra Condensed SemiBold"/>
+                </a:rPr>
+                <a:t>Step 6</a:t>
+              </a:r>
+              <a:r>
+                <a:rPr lang="en" dirty="0">
+                  <a:solidFill>
+                    <a:schemeClr val="dk2"/>
+                  </a:solidFill>
+                  <a:latin typeface="Fira Sans Extra Condensed SemiBold"/>
+                  <a:ea typeface="Fira Sans Extra Condensed SemiBold"/>
+                  <a:cs typeface="Fira Sans Extra Condensed SemiBold"/>
+                  <a:sym typeface="Fira Sans Extra Condensed SemiBold"/>
+                </a:rPr>
+                <a:t> </a:t>
+              </a:r>
+              <a:endParaRPr dirty="0">
+                <a:solidFill>
+                  <a:schemeClr val="dk2"/>
+                </a:solidFill>
+                <a:latin typeface="Fira Sans Extra Condensed SemiBold"/>
+                <a:ea typeface="Fira Sans Extra Condensed SemiBold"/>
+                <a:cs typeface="Fira Sans Extra Condensed SemiBold"/>
+                <a:sym typeface="Fira Sans Extra Condensed SemiBold"/>
+              </a:endParaRPr>
+            </a:p>
+          </p:txBody>
+        </p:sp>
+        <p:sp>
+          <p:nvSpPr>
+            <p:cNvPr id="64" name="Google Shape;1502;p37">
+              <a:extLst>
+                <a:ext uri="{FF2B5EF4-FFF2-40B4-BE49-F238E27FC236}">
+                  <a16:creationId xmlns:a16="http://schemas.microsoft.com/office/drawing/2014/main" id="{655BD4FE-F5C0-4D93-855C-96D0549A6D88}"/>
+                </a:ext>
+              </a:extLst>
+            </p:cNvPr>
+            <p:cNvSpPr txBox="1"/>
+            <p:nvPr/>
+          </p:nvSpPr>
+          <p:spPr>
+            <a:xfrm>
+              <a:off x="965519" y="3149249"/>
+              <a:ext cx="1271100" cy="486300"/>
+            </a:xfrm>
+            <a:prstGeom prst="rect">
+              <a:avLst/>
+            </a:prstGeom>
+            <a:noFill/>
+            <a:ln>
+              <a:noFill/>
+            </a:ln>
+          </p:spPr>
+          <p:txBody>
+            <a:bodyPr spcFirstLastPara="1" wrap="square" lIns="91425" tIns="91425" rIns="91425" bIns="91425" anchor="ctr" anchorCtr="0">
+              <a:noAutofit/>
+            </a:bodyPr>
+            <a:lstStyle/>
+            <a:p>
+              <a:pPr marL="0" lvl="0" indent="0" algn="ctr" rtl="0">
+                <a:spcBef>
+                  <a:spcPts val="0"/>
+                </a:spcBef>
+                <a:spcAft>
+                  <a:spcPts val="0"/>
+                </a:spcAft>
+                <a:buNone/>
+              </a:pPr>
+              <a:r>
+                <a:rPr lang="it-IT" sz="1200" dirty="0">
+                  <a:solidFill>
+                    <a:schemeClr val="dk1"/>
+                  </a:solidFill>
+                  <a:latin typeface="Fira Sans Extra Condensed"/>
+                  <a:ea typeface="Fira Sans Extra Condensed"/>
+                  <a:cs typeface="Fira Sans Extra Condensed"/>
+                  <a:sym typeface="Fira Sans Extra Condensed"/>
+                </a:rPr>
+                <a:t>Testing</a:t>
+              </a:r>
+              <a:endParaRPr sz="1200" dirty="0">
                 <a:latin typeface="Fira Sans Extra Condensed"/>
                 <a:ea typeface="Fira Sans Extra Condensed"/>
                 <a:cs typeface="Fira Sans Extra Condensed"/>

--- a/documenti/Footprint calculator.pptx
+++ b/documenti/Footprint calculator.pptx
@@ -205,7 +205,7 @@
           <a:p>
             <a:fld id="{8BB8BDDC-76DF-4BDE-BF70-756A002E0AC8}" type="datetimeFigureOut">
               <a:rPr lang="it-IT" smtClean="0"/>
-              <a:t>31/03/2022</a:t>
+              <a:t>02/04/2022</a:t>
             </a:fld>
             <a:endParaRPr lang="it-IT"/>
           </a:p>
@@ -1147,14 +1147,16 @@
             <a:lvl1pPr algn="r">
               <a:defRPr sz="5400">
                 <a:solidFill>
-                  <a:schemeClr val="accent1"/>
+                  <a:schemeClr val="accent1">
+                    <a:lumMod val="50000"/>
+                  </a:schemeClr>
                 </a:solidFill>
               </a:defRPr>
             </a:lvl1pPr>
           </a:lstStyle>
           <a:p>
             <a:r>
-              <a:rPr lang="it-IT"/>
+              <a:rPr lang="it-IT" dirty="0"/>
               <a:t>Fare clic per modificare lo stile del titolo dello schema</a:t>
             </a:r>
             <a:endParaRPr lang="en-US" dirty="0"/>
@@ -1299,7 +1301,7 @@
             <a:fld id="{B61BEF0D-F0BB-DE4B-95CE-6DB70DBA9567}" type="datetimeFigureOut">
               <a:rPr lang="en-US" dirty="0"/>
               <a:pPr/>
-              <a:t>3/31/2022</a:t>
+              <a:t>4/2/2022</a:t>
             </a:fld>
             <a:endParaRPr lang="en-US" dirty="0"/>
           </a:p>
@@ -1401,12 +1403,18 @@
           </a:bodyPr>
           <a:lstStyle>
             <a:lvl1pPr algn="l">
-              <a:defRPr sz="4400" b="0" cap="none"/>
+              <a:defRPr sz="4400" b="0" cap="none">
+                <a:solidFill>
+                  <a:schemeClr val="accent1">
+                    <a:lumMod val="50000"/>
+                  </a:schemeClr>
+                </a:solidFill>
+              </a:defRPr>
             </a:lvl1pPr>
           </a:lstStyle>
           <a:p>
             <a:r>
-              <a:rPr lang="it-IT"/>
+              <a:rPr lang="it-IT" dirty="0"/>
               <a:t>Fare clic per modificare lo stile del titolo dello schema</a:t>
             </a:r>
             <a:endParaRPr lang="en-US" dirty="0"/>
@@ -1553,7 +1561,7 @@
             <a:fld id="{B61BEF0D-F0BB-DE4B-95CE-6DB70DBA9567}" type="datetimeFigureOut">
               <a:rPr lang="en-US" dirty="0"/>
               <a:pPr/>
-              <a:t>3/31/2022</a:t>
+              <a:t>4/2/2022</a:t>
             </a:fld>
             <a:endParaRPr lang="en-US" dirty="0"/>
           </a:p>
@@ -1655,12 +1663,18 @@
           </a:bodyPr>
           <a:lstStyle>
             <a:lvl1pPr algn="l">
-              <a:defRPr sz="4400" b="0" cap="none"/>
+              <a:defRPr sz="4400" b="0" cap="none">
+                <a:solidFill>
+                  <a:schemeClr val="accent1">
+                    <a:lumMod val="75000"/>
+                  </a:schemeClr>
+                </a:solidFill>
+              </a:defRPr>
             </a:lvl1pPr>
           </a:lstStyle>
           <a:p>
             <a:r>
-              <a:rPr lang="it-IT"/>
+              <a:rPr lang="it-IT" dirty="0"/>
               <a:t>Fare clic per modificare lo stile del titolo dello schema</a:t>
             </a:r>
             <a:endParaRPr lang="en-US" dirty="0"/>
@@ -1870,7 +1884,7 @@
             <a:fld id="{B61BEF0D-F0BB-DE4B-95CE-6DB70DBA9567}" type="datetimeFigureOut">
               <a:rPr lang="en-US" dirty="0"/>
               <a:pPr/>
-              <a:t>3/31/2022</a:t>
+              <a:t>4/2/2022</a:t>
             </a:fld>
             <a:endParaRPr lang="en-US" dirty="0"/>
           </a:p>
@@ -1948,8 +1962,7 @@
                 </a:ln>
                 <a:solidFill>
                   <a:schemeClr val="accent1">
-                    <a:lumMod val="60000"/>
-                    <a:lumOff val="40000"/>
+                    <a:lumMod val="75000"/>
                   </a:schemeClr>
                 </a:solidFill>
                 <a:effectLst/>
@@ -1989,8 +2002,7 @@
                 </a:ln>
                 <a:solidFill>
                   <a:schemeClr val="accent1">
-                    <a:lumMod val="60000"/>
-                    <a:lumOff val="40000"/>
+                    <a:lumMod val="75000"/>
                   </a:schemeClr>
                 </a:solidFill>
                 <a:latin typeface="Arial"/>
@@ -2000,8 +2012,7 @@
             <a:endParaRPr lang="en-US" dirty="0">
               <a:solidFill>
                 <a:schemeClr val="accent1">
-                  <a:lumMod val="60000"/>
-                  <a:lumOff val="40000"/>
+                  <a:lumMod val="75000"/>
                 </a:schemeClr>
               </a:solidFill>
               <a:latin typeface="Arial"/>
@@ -2062,12 +2073,18 @@
           </a:bodyPr>
           <a:lstStyle>
             <a:lvl1pPr algn="l">
-              <a:defRPr sz="4400" b="0" cap="none"/>
+              <a:defRPr sz="4400" b="0" cap="none">
+                <a:solidFill>
+                  <a:schemeClr val="accent1">
+                    <a:lumMod val="50000"/>
+                  </a:schemeClr>
+                </a:solidFill>
+              </a:defRPr>
             </a:lvl1pPr>
           </a:lstStyle>
           <a:p>
             <a:r>
-              <a:rPr lang="it-IT"/>
+              <a:rPr lang="it-IT" dirty="0"/>
               <a:t>Fare clic per modificare lo stile del titolo dello schema</a:t>
             </a:r>
             <a:endParaRPr lang="en-US" dirty="0"/>
@@ -2214,7 +2231,7 @@
             <a:fld id="{B61BEF0D-F0BB-DE4B-95CE-6DB70DBA9567}" type="datetimeFigureOut">
               <a:rPr lang="en-US" dirty="0"/>
               <a:pPr/>
-              <a:t>3/31/2022</a:t>
+              <a:t>4/2/2022</a:t>
             </a:fld>
             <a:endParaRPr lang="en-US" dirty="0"/>
           </a:p>
@@ -2316,12 +2333,18 @@
           </a:bodyPr>
           <a:lstStyle>
             <a:lvl1pPr algn="l">
-              <a:defRPr sz="4400" b="0" cap="none"/>
+              <a:defRPr sz="4400" b="0" cap="none">
+                <a:solidFill>
+                  <a:schemeClr val="accent1">
+                    <a:lumMod val="75000"/>
+                  </a:schemeClr>
+                </a:solidFill>
+              </a:defRPr>
             </a:lvl1pPr>
           </a:lstStyle>
           <a:p>
             <a:r>
-              <a:rPr lang="it-IT"/>
+              <a:rPr lang="it-IT" dirty="0"/>
               <a:t>Fare clic per modificare lo stile del titolo dello schema</a:t>
             </a:r>
             <a:endParaRPr lang="en-US" dirty="0"/>
@@ -2531,7 +2554,7 @@
             <a:fld id="{B61BEF0D-F0BB-DE4B-95CE-6DB70DBA9567}" type="datetimeFigureOut">
               <a:rPr lang="en-US" dirty="0"/>
               <a:pPr/>
-              <a:t>3/31/2022</a:t>
+              <a:t>4/2/2022</a:t>
             </a:fld>
             <a:endParaRPr lang="en-US" dirty="0"/>
           </a:p>
@@ -2609,8 +2632,7 @@
                 </a:ln>
                 <a:solidFill>
                   <a:schemeClr val="accent1">
-                    <a:lumMod val="60000"/>
-                    <a:lumOff val="40000"/>
+                    <a:lumMod val="75000"/>
                   </a:schemeClr>
                 </a:solidFill>
                 <a:effectLst/>
@@ -2650,8 +2672,7 @@
                 </a:ln>
                 <a:solidFill>
                   <a:schemeClr val="accent1">
-                    <a:lumMod val="60000"/>
-                    <a:lumOff val="40000"/>
+                    <a:lumMod val="75000"/>
                   </a:schemeClr>
                 </a:solidFill>
                 <a:effectLst/>
@@ -2715,12 +2736,18 @@
           </a:bodyPr>
           <a:lstStyle>
             <a:lvl1pPr algn="l">
-              <a:defRPr sz="4400" b="0" cap="none"/>
+              <a:defRPr sz="4400" b="0" cap="none">
+                <a:solidFill>
+                  <a:schemeClr val="accent1">
+                    <a:lumMod val="50000"/>
+                  </a:schemeClr>
+                </a:solidFill>
+              </a:defRPr>
             </a:lvl1pPr>
           </a:lstStyle>
           <a:p>
             <a:r>
-              <a:rPr lang="it-IT"/>
+              <a:rPr lang="it-IT" dirty="0"/>
               <a:t>Fare clic per modificare lo stile del titolo dello schema</a:t>
             </a:r>
             <a:endParaRPr lang="en-US" dirty="0"/>
@@ -2753,7 +2780,9 @@
               <a:buNone/>
               <a:defRPr sz="2400">
                 <a:solidFill>
-                  <a:schemeClr val="accent1"/>
+                  <a:schemeClr val="accent1">
+                    <a:lumMod val="50000"/>
+                  </a:schemeClr>
                 </a:solidFill>
               </a:defRPr>
             </a:lvl1pPr>
@@ -2781,7 +2810,7 @@
           <a:p>
             <a:pPr lvl="0"/>
             <a:r>
-              <a:rPr lang="it-IT"/>
+              <a:rPr lang="it-IT" dirty="0"/>
               <a:t>Fare clic per modificare gli stili del testo dello schema</a:t>
             </a:r>
           </a:p>
@@ -2927,7 +2956,7 @@
             <a:fld id="{B61BEF0D-F0BB-DE4B-95CE-6DB70DBA9567}" type="datetimeFigureOut">
               <a:rPr lang="en-US" dirty="0"/>
               <a:pPr/>
-              <a:t>3/31/2022</a:t>
+              <a:t>4/2/2022</a:t>
             </a:fld>
             <a:endParaRPr lang="en-US" dirty="0"/>
           </a:p>
@@ -3020,10 +3049,20 @@
         <p:spPr/>
         <p:txBody>
           <a:bodyPr/>
-          <a:lstStyle/>
+          <a:lstStyle>
+            <a:lvl1pPr>
+              <a:defRPr>
+                <a:solidFill>
+                  <a:schemeClr val="accent1">
+                    <a:lumMod val="50000"/>
+                  </a:schemeClr>
+                </a:solidFill>
+              </a:defRPr>
+            </a:lvl1pPr>
+          </a:lstStyle>
           <a:p>
             <a:r>
-              <a:rPr lang="it-IT"/>
+              <a:rPr lang="it-IT" dirty="0"/>
               <a:t>Fare clic per modificare lo stile del titolo dello schema</a:t>
             </a:r>
             <a:endParaRPr lang="en-US" dirty="0"/>
@@ -3099,7 +3138,7 @@
           <a:p>
             <a:fld id="{55C6B4A9-1611-4792-9094-5F34BCA07E0B}" type="datetimeFigureOut">
               <a:rPr lang="en-US" dirty="0"/>
-              <a:t>3/31/2022</a:t>
+              <a:t>4/2/2022</a:t>
             </a:fld>
             <a:endParaRPr lang="en-US" dirty="0"/>
           </a:p>
@@ -3196,10 +3235,20 @@
         </p:spPr>
         <p:txBody>
           <a:bodyPr vert="eaVert" anchor="ctr"/>
-          <a:lstStyle/>
+          <a:lstStyle>
+            <a:lvl1pPr>
+              <a:defRPr>
+                <a:solidFill>
+                  <a:schemeClr val="accent1">
+                    <a:lumMod val="50000"/>
+                  </a:schemeClr>
+                </a:solidFill>
+              </a:defRPr>
+            </a:lvl1pPr>
+          </a:lstStyle>
           <a:p>
             <a:r>
-              <a:rPr lang="it-IT"/>
+              <a:rPr lang="it-IT" dirty="0"/>
               <a:t>Fare clic per modificare lo stile del titolo dello schema</a:t>
             </a:r>
             <a:endParaRPr lang="en-US" dirty="0"/>
@@ -3281,7 +3330,7 @@
             <a:fld id="{B61BEF0D-F0BB-DE4B-95CE-6DB70DBA9567}" type="datetimeFigureOut">
               <a:rPr lang="en-US" dirty="0"/>
               <a:pPr/>
-              <a:t>3/31/2022</a:t>
+              <a:t>4/2/2022</a:t>
             </a:fld>
             <a:endParaRPr lang="en-US" dirty="0"/>
           </a:p>
@@ -3378,12 +3427,18 @@
           </a:bodyPr>
           <a:lstStyle>
             <a:lvl1pPr>
-              <a:defRPr sz="3600"/>
+              <a:defRPr sz="3600">
+                <a:solidFill>
+                  <a:schemeClr val="accent1">
+                    <a:lumMod val="50000"/>
+                  </a:schemeClr>
+                </a:solidFill>
+              </a:defRPr>
             </a:lvl1pPr>
           </a:lstStyle>
           <a:p>
             <a:r>
-              <a:rPr lang="it-IT"/>
+              <a:rPr lang="it-IT" dirty="0"/>
               <a:t>Fare clic per modificare lo stile del titolo dello schema</a:t>
             </a:r>
             <a:endParaRPr lang="en-US" dirty="0"/>
@@ -3460,7 +3515,7 @@
             <a:fld id="{B61BEF0D-F0BB-DE4B-95CE-6DB70DBA9567}" type="datetimeFigureOut">
               <a:rPr lang="en-US" dirty="0"/>
               <a:pPr/>
-              <a:t>3/31/2022</a:t>
+              <a:t>4/2/2022</a:t>
             </a:fld>
             <a:endParaRPr lang="en-US" dirty="0"/>
           </a:p>
@@ -3560,12 +3615,18 @@
           <a:bodyPr anchor="b"/>
           <a:lstStyle>
             <a:lvl1pPr algn="l">
-              <a:defRPr sz="4000" b="0" cap="none"/>
+              <a:defRPr sz="4000" b="0" cap="none">
+                <a:solidFill>
+                  <a:schemeClr val="accent1">
+                    <a:lumMod val="50000"/>
+                  </a:schemeClr>
+                </a:solidFill>
+              </a:defRPr>
             </a:lvl1pPr>
           </a:lstStyle>
           <a:p>
             <a:r>
-              <a:rPr lang="it-IT"/>
+              <a:rPr lang="it-IT" dirty="0"/>
               <a:t>Fare clic per modificare lo stile del titolo dello schema</a:t>
             </a:r>
             <a:endParaRPr lang="en-US" dirty="0"/>
@@ -3710,7 +3771,7 @@
             <a:fld id="{B61BEF0D-F0BB-DE4B-95CE-6DB70DBA9567}" type="datetimeFigureOut">
               <a:rPr lang="en-US" dirty="0"/>
               <a:pPr/>
-              <a:t>3/31/2022</a:t>
+              <a:t>4/2/2022</a:t>
             </a:fld>
             <a:endParaRPr lang="en-US" dirty="0"/>
           </a:p>
@@ -3803,10 +3864,20 @@
         <p:spPr/>
         <p:txBody>
           <a:bodyPr/>
-          <a:lstStyle/>
+          <a:lstStyle>
+            <a:lvl1pPr>
+              <a:defRPr>
+                <a:solidFill>
+                  <a:schemeClr val="accent1">
+                    <a:lumMod val="50000"/>
+                  </a:schemeClr>
+                </a:solidFill>
+              </a:defRPr>
+            </a:lvl1pPr>
+          </a:lstStyle>
           <a:p>
             <a:r>
-              <a:rPr lang="it-IT"/>
+              <a:rPr lang="it-IT" dirty="0"/>
               <a:t>Fare clic per modificare lo stile del titolo dello schema</a:t>
             </a:r>
             <a:endParaRPr lang="en-US" dirty="0"/>
@@ -3944,7 +4015,7 @@
           <a:p>
             <a:fld id="{EB712588-04B1-427B-82EE-E8DB90309F08}" type="datetimeFigureOut">
               <a:rPr lang="en-US" dirty="0"/>
-              <a:t>3/31/2022</a:t>
+              <a:t>4/2/2022</a:t>
             </a:fld>
             <a:endParaRPr lang="en-US" dirty="0"/>
           </a:p>
@@ -4038,12 +4109,18 @@
           <a:bodyPr/>
           <a:lstStyle>
             <a:lvl1pPr>
-              <a:defRPr/>
+              <a:defRPr>
+                <a:solidFill>
+                  <a:schemeClr val="accent1">
+                    <a:lumMod val="50000"/>
+                  </a:schemeClr>
+                </a:solidFill>
+              </a:defRPr>
             </a:lvl1pPr>
           </a:lstStyle>
           <a:p>
             <a:r>
-              <a:rPr lang="it-IT"/>
+              <a:rPr lang="it-IT" dirty="0"/>
               <a:t>Fare clic per modificare lo stile del titolo dello schema</a:t>
             </a:r>
             <a:endParaRPr lang="en-US" dirty="0"/>
@@ -4320,7 +4397,7 @@
             <a:fld id="{B61BEF0D-F0BB-DE4B-95CE-6DB70DBA9567}" type="datetimeFigureOut">
               <a:rPr lang="en-US" dirty="0"/>
               <a:pPr/>
-              <a:t>3/31/2022</a:t>
+              <a:t>4/2/2022</a:t>
             </a:fld>
             <a:endParaRPr lang="en-US" dirty="0"/>
           </a:p>
@@ -4418,10 +4495,20 @@
         </p:spPr>
         <p:txBody>
           <a:bodyPr/>
-          <a:lstStyle/>
+          <a:lstStyle>
+            <a:lvl1pPr>
+              <a:defRPr>
+                <a:solidFill>
+                  <a:schemeClr val="accent1">
+                    <a:lumMod val="50000"/>
+                  </a:schemeClr>
+                </a:solidFill>
+              </a:defRPr>
+            </a:lvl1pPr>
+          </a:lstStyle>
           <a:p>
             <a:r>
-              <a:rPr lang="it-IT"/>
+              <a:rPr lang="it-IT" dirty="0"/>
               <a:t>Fare clic per modificare lo stile del titolo dello schema</a:t>
             </a:r>
             <a:endParaRPr lang="en-US" dirty="0"/>
@@ -4446,7 +4533,7 @@
             <a:fld id="{B61BEF0D-F0BB-DE4B-95CE-6DB70DBA9567}" type="datetimeFigureOut">
               <a:rPr lang="en-US" dirty="0"/>
               <a:pPr/>
-              <a:t>3/31/2022</a:t>
+              <a:t>4/2/2022</a:t>
             </a:fld>
             <a:endParaRPr lang="en-US" dirty="0"/>
           </a:p>
@@ -4544,7 +4631,7 @@
             <a:fld id="{B61BEF0D-F0BB-DE4B-95CE-6DB70DBA9567}" type="datetimeFigureOut">
               <a:rPr lang="en-US" dirty="0"/>
               <a:pPr/>
-              <a:t>3/31/2022</a:t>
+              <a:t>4/2/2022</a:t>
             </a:fld>
             <a:endParaRPr lang="en-US" dirty="0"/>
           </a:p>
@@ -4646,12 +4733,18 @@
           </a:bodyPr>
           <a:lstStyle>
             <a:lvl1pPr>
-              <a:defRPr sz="2000"/>
+              <a:defRPr sz="2000">
+                <a:solidFill>
+                  <a:schemeClr val="accent1">
+                    <a:lumMod val="50000"/>
+                  </a:schemeClr>
+                </a:solidFill>
+              </a:defRPr>
             </a:lvl1pPr>
           </a:lstStyle>
           <a:p>
             <a:r>
-              <a:rPr lang="it-IT"/>
+              <a:rPr lang="it-IT" dirty="0"/>
               <a:t>Fare clic per modificare lo stile del titolo dello schema</a:t>
             </a:r>
             <a:endParaRPr lang="en-US" dirty="0"/>
@@ -4801,7 +4894,7 @@
           <a:p>
             <a:fld id="{42A54C80-263E-416B-A8E0-580EDEADCBDC}" type="datetimeFigureOut">
               <a:rPr lang="en-US" dirty="0"/>
-              <a:t>3/31/2022</a:t>
+              <a:t>4/2/2022</a:t>
             </a:fld>
             <a:endParaRPr lang="en-US" dirty="0"/>
           </a:p>
@@ -4902,12 +4995,18 @@
           </a:bodyPr>
           <a:lstStyle>
             <a:lvl1pPr algn="l">
-              <a:defRPr sz="2400" b="0"/>
+              <a:defRPr sz="2400" b="0">
+                <a:solidFill>
+                  <a:schemeClr val="accent1">
+                    <a:lumMod val="50000"/>
+                  </a:schemeClr>
+                </a:solidFill>
+              </a:defRPr>
             </a:lvl1pPr>
           </a:lstStyle>
           <a:p>
             <a:r>
-              <a:rPr lang="it-IT"/>
+              <a:rPr lang="it-IT" dirty="0"/>
               <a:t>Fare clic per modificare lo stile del titolo dello schema</a:t>
             </a:r>
             <a:endParaRPr lang="en-US" dirty="0"/>
@@ -5066,7 +5165,7 @@
             <a:fld id="{B61BEF0D-F0BB-DE4B-95CE-6DB70DBA9567}" type="datetimeFigureOut">
               <a:rPr lang="en-US" dirty="0"/>
               <a:pPr/>
-              <a:t>3/31/2022</a:t>
+              <a:t>4/2/2022</a:t>
             </a:fld>
             <a:endParaRPr lang="en-US" dirty="0"/>
           </a:p>
@@ -5713,7 +5812,7 @@
           <a:lstStyle/>
           <a:p>
             <a:r>
-              <a:rPr lang="it-IT"/>
+              <a:rPr lang="it-IT" dirty="0"/>
               <a:t>Fare clic per modificare lo stile del titolo dello schema</a:t>
             </a:r>
             <a:endParaRPr lang="en-US" dirty="0"/>
@@ -5747,35 +5846,35 @@
           <a:p>
             <a:pPr lvl="0"/>
             <a:r>
-              <a:rPr lang="it-IT"/>
+              <a:rPr lang="it-IT" dirty="0"/>
               <a:t>Fare clic per modificare gli stili del testo dello schema</a:t>
             </a:r>
           </a:p>
           <a:p>
             <a:pPr lvl="1"/>
             <a:r>
-              <a:rPr lang="it-IT"/>
+              <a:rPr lang="it-IT" dirty="0"/>
               <a:t>Secondo livello</a:t>
             </a:r>
           </a:p>
           <a:p>
             <a:pPr lvl="2"/>
             <a:r>
-              <a:rPr lang="it-IT"/>
+              <a:rPr lang="it-IT" dirty="0"/>
               <a:t>Terzo livello</a:t>
             </a:r>
           </a:p>
           <a:p>
             <a:pPr lvl="3"/>
             <a:r>
-              <a:rPr lang="it-IT"/>
+              <a:rPr lang="it-IT" dirty="0"/>
               <a:t>Quarto livello</a:t>
             </a:r>
           </a:p>
           <a:p>
             <a:pPr lvl="4"/>
             <a:r>
-              <a:rPr lang="it-IT"/>
+              <a:rPr lang="it-IT" dirty="0"/>
               <a:t>Quinto livello</a:t>
             </a:r>
             <a:endParaRPr lang="en-US" dirty="0"/>
@@ -5818,7 +5917,7 @@
             <a:fld id="{B61BEF0D-F0BB-DE4B-95CE-6DB70DBA9567}" type="datetimeFigureOut">
               <a:rPr lang="en-US" dirty="0"/>
               <a:pPr/>
-              <a:t>3/31/2022</a:t>
+              <a:t>4/2/2022</a:t>
             </a:fld>
             <a:endParaRPr lang="en-US" dirty="0"/>
           </a:p>
@@ -5937,7 +6036,9 @@
         <a:buNone/>
         <a:defRPr sz="3600" kern="1200">
           <a:solidFill>
-            <a:schemeClr val="accent1"/>
+            <a:schemeClr val="accent1">
+              <a:lumMod val="50000"/>
+            </a:schemeClr>
           </a:solidFill>
           <a:latin typeface="+mj-lt"/>
           <a:ea typeface="+mj-ea"/>
@@ -6010,7 +6111,9 @@
           <a:spcPts val="0"/>
         </a:spcAft>
         <a:buClr>
-          <a:schemeClr val="accent1"/>
+          <a:schemeClr val="accent1">
+            <a:lumMod val="50000"/>
+          </a:schemeClr>
         </a:buClr>
         <a:buSzPct val="80000"/>
         <a:buFont typeface="Wingdings 3" charset="2"/>
@@ -6035,7 +6138,9 @@
           <a:spcPts val="0"/>
         </a:spcAft>
         <a:buClr>
-          <a:schemeClr val="accent1"/>
+          <a:schemeClr val="accent1">
+            <a:lumMod val="50000"/>
+          </a:schemeClr>
         </a:buClr>
         <a:buSzPct val="80000"/>
         <a:buFont typeface="Wingdings 3" charset="2"/>
@@ -6060,7 +6165,9 @@
           <a:spcPts val="0"/>
         </a:spcAft>
         <a:buClr>
-          <a:schemeClr val="accent1"/>
+          <a:schemeClr val="accent1">
+            <a:lumMod val="50000"/>
+          </a:schemeClr>
         </a:buClr>
         <a:buSzPct val="80000"/>
         <a:buFont typeface="Wingdings 3" charset="2"/>
@@ -6085,7 +6192,9 @@
           <a:spcPts val="0"/>
         </a:spcAft>
         <a:buClr>
-          <a:schemeClr val="accent1"/>
+          <a:schemeClr val="accent1">
+            <a:lumMod val="50000"/>
+          </a:schemeClr>
         </a:buClr>
         <a:buSzPct val="80000"/>
         <a:buFont typeface="Wingdings 3" charset="2"/>
@@ -6110,7 +6219,9 @@
           <a:spcPts val="0"/>
         </a:spcAft>
         <a:buClr>
-          <a:schemeClr val="accent1"/>
+          <a:schemeClr val="accent1">
+            <a:lumMod val="50000"/>
+          </a:schemeClr>
         </a:buClr>
         <a:buSzPct val="80000"/>
         <a:buFont typeface="Wingdings 3" charset="2"/>

--- a/documenti/Footprint calculator.pptx
+++ b/documenti/Footprint calculator.pptx
@@ -5,7 +5,7 @@
     <p:sldMasterId id="2147483672" r:id="rId1"/>
   </p:sldMasterIdLst>
   <p:notesMasterIdLst>
-    <p:notesMasterId r:id="rId11"/>
+    <p:notesMasterId r:id="rId12"/>
   </p:notesMasterIdLst>
   <p:sldIdLst>
     <p:sldId id="257" r:id="rId2"/>
@@ -13,10 +13,11 @@
     <p:sldId id="259" r:id="rId4"/>
     <p:sldId id="260" r:id="rId5"/>
     <p:sldId id="261" r:id="rId6"/>
-    <p:sldId id="262" r:id="rId7"/>
-    <p:sldId id="263" r:id="rId8"/>
-    <p:sldId id="264" r:id="rId9"/>
-    <p:sldId id="265" r:id="rId10"/>
+    <p:sldId id="266" r:id="rId7"/>
+    <p:sldId id="262" r:id="rId8"/>
+    <p:sldId id="263" r:id="rId9"/>
+    <p:sldId id="264" r:id="rId10"/>
+    <p:sldId id="265" r:id="rId11"/>
   </p:sldIdLst>
   <p:sldSz cx="12192000" cy="6858000"/>
   <p:notesSz cx="6858000" cy="9144000"/>
@@ -205,7 +206,7 @@
           <a:p>
             <a:fld id="{8BB8BDDC-76DF-4BDE-BF70-756A002E0AC8}" type="datetimeFigureOut">
               <a:rPr lang="it-IT" smtClean="0"/>
-              <a:t>02/04/2022</a:t>
+              <a:t>07/04/2022</a:t>
             </a:fld>
             <a:endParaRPr lang="it-IT"/>
           </a:p>
@@ -1301,7 +1302,7 @@
             <a:fld id="{B61BEF0D-F0BB-DE4B-95CE-6DB70DBA9567}" type="datetimeFigureOut">
               <a:rPr lang="en-US" dirty="0"/>
               <a:pPr/>
-              <a:t>4/2/2022</a:t>
+              <a:t>4/7/2022</a:t>
             </a:fld>
             <a:endParaRPr lang="en-US" dirty="0"/>
           </a:p>
@@ -1561,7 +1562,7 @@
             <a:fld id="{B61BEF0D-F0BB-DE4B-95CE-6DB70DBA9567}" type="datetimeFigureOut">
               <a:rPr lang="en-US" dirty="0"/>
               <a:pPr/>
-              <a:t>4/2/2022</a:t>
+              <a:t>4/7/2022</a:t>
             </a:fld>
             <a:endParaRPr lang="en-US" dirty="0"/>
           </a:p>
@@ -1884,7 +1885,7 @@
             <a:fld id="{B61BEF0D-F0BB-DE4B-95CE-6DB70DBA9567}" type="datetimeFigureOut">
               <a:rPr lang="en-US" dirty="0"/>
               <a:pPr/>
-              <a:t>4/2/2022</a:t>
+              <a:t>4/7/2022</a:t>
             </a:fld>
             <a:endParaRPr lang="en-US" dirty="0"/>
           </a:p>
@@ -2231,7 +2232,7 @@
             <a:fld id="{B61BEF0D-F0BB-DE4B-95CE-6DB70DBA9567}" type="datetimeFigureOut">
               <a:rPr lang="en-US" dirty="0"/>
               <a:pPr/>
-              <a:t>4/2/2022</a:t>
+              <a:t>4/7/2022</a:t>
             </a:fld>
             <a:endParaRPr lang="en-US" dirty="0"/>
           </a:p>
@@ -2554,7 +2555,7 @@
             <a:fld id="{B61BEF0D-F0BB-DE4B-95CE-6DB70DBA9567}" type="datetimeFigureOut">
               <a:rPr lang="en-US" dirty="0"/>
               <a:pPr/>
-              <a:t>4/2/2022</a:t>
+              <a:t>4/7/2022</a:t>
             </a:fld>
             <a:endParaRPr lang="en-US" dirty="0"/>
           </a:p>
@@ -2956,7 +2957,7 @@
             <a:fld id="{B61BEF0D-F0BB-DE4B-95CE-6DB70DBA9567}" type="datetimeFigureOut">
               <a:rPr lang="en-US" dirty="0"/>
               <a:pPr/>
-              <a:t>4/2/2022</a:t>
+              <a:t>4/7/2022</a:t>
             </a:fld>
             <a:endParaRPr lang="en-US" dirty="0"/>
           </a:p>
@@ -3138,7 +3139,7 @@
           <a:p>
             <a:fld id="{55C6B4A9-1611-4792-9094-5F34BCA07E0B}" type="datetimeFigureOut">
               <a:rPr lang="en-US" dirty="0"/>
-              <a:t>4/2/2022</a:t>
+              <a:t>4/7/2022</a:t>
             </a:fld>
             <a:endParaRPr lang="en-US" dirty="0"/>
           </a:p>
@@ -3330,7 +3331,7 @@
             <a:fld id="{B61BEF0D-F0BB-DE4B-95CE-6DB70DBA9567}" type="datetimeFigureOut">
               <a:rPr lang="en-US" dirty="0"/>
               <a:pPr/>
-              <a:t>4/2/2022</a:t>
+              <a:t>4/7/2022</a:t>
             </a:fld>
             <a:endParaRPr lang="en-US" dirty="0"/>
           </a:p>
@@ -3515,7 +3516,7 @@
             <a:fld id="{B61BEF0D-F0BB-DE4B-95CE-6DB70DBA9567}" type="datetimeFigureOut">
               <a:rPr lang="en-US" dirty="0"/>
               <a:pPr/>
-              <a:t>4/2/2022</a:t>
+              <a:t>4/7/2022</a:t>
             </a:fld>
             <a:endParaRPr lang="en-US" dirty="0"/>
           </a:p>
@@ -3771,7 +3772,7 @@
             <a:fld id="{B61BEF0D-F0BB-DE4B-95CE-6DB70DBA9567}" type="datetimeFigureOut">
               <a:rPr lang="en-US" dirty="0"/>
               <a:pPr/>
-              <a:t>4/2/2022</a:t>
+              <a:t>4/7/2022</a:t>
             </a:fld>
             <a:endParaRPr lang="en-US" dirty="0"/>
           </a:p>
@@ -4015,7 +4016,7 @@
           <a:p>
             <a:fld id="{EB712588-04B1-427B-82EE-E8DB90309F08}" type="datetimeFigureOut">
               <a:rPr lang="en-US" dirty="0"/>
-              <a:t>4/2/2022</a:t>
+              <a:t>4/7/2022</a:t>
             </a:fld>
             <a:endParaRPr lang="en-US" dirty="0"/>
           </a:p>
@@ -4397,7 +4398,7 @@
             <a:fld id="{B61BEF0D-F0BB-DE4B-95CE-6DB70DBA9567}" type="datetimeFigureOut">
               <a:rPr lang="en-US" dirty="0"/>
               <a:pPr/>
-              <a:t>4/2/2022</a:t>
+              <a:t>4/7/2022</a:t>
             </a:fld>
             <a:endParaRPr lang="en-US" dirty="0"/>
           </a:p>
@@ -4533,7 +4534,7 @@
             <a:fld id="{B61BEF0D-F0BB-DE4B-95CE-6DB70DBA9567}" type="datetimeFigureOut">
               <a:rPr lang="en-US" dirty="0"/>
               <a:pPr/>
-              <a:t>4/2/2022</a:t>
+              <a:t>4/7/2022</a:t>
             </a:fld>
             <a:endParaRPr lang="en-US" dirty="0"/>
           </a:p>
@@ -4631,7 +4632,7 @@
             <a:fld id="{B61BEF0D-F0BB-DE4B-95CE-6DB70DBA9567}" type="datetimeFigureOut">
               <a:rPr lang="en-US" dirty="0"/>
               <a:pPr/>
-              <a:t>4/2/2022</a:t>
+              <a:t>4/7/2022</a:t>
             </a:fld>
             <a:endParaRPr lang="en-US" dirty="0"/>
           </a:p>
@@ -4894,7 +4895,7 @@
           <a:p>
             <a:fld id="{42A54C80-263E-416B-A8E0-580EDEADCBDC}" type="datetimeFigureOut">
               <a:rPr lang="en-US" dirty="0"/>
-              <a:t>4/2/2022</a:t>
+              <a:t>4/7/2022</a:t>
             </a:fld>
             <a:endParaRPr lang="en-US" dirty="0"/>
           </a:p>
@@ -5165,7 +5166,7 @@
             <a:fld id="{B61BEF0D-F0BB-DE4B-95CE-6DB70DBA9567}" type="datetimeFigureOut">
               <a:rPr lang="en-US" dirty="0"/>
               <a:pPr/>
-              <a:t>4/2/2022</a:t>
+              <a:t>4/7/2022</a:t>
             </a:fld>
             <a:endParaRPr lang="en-US" dirty="0"/>
           </a:p>
@@ -5917,7 +5918,7 @@
             <a:fld id="{B61BEF0D-F0BB-DE4B-95CE-6DB70DBA9567}" type="datetimeFigureOut">
               <a:rPr lang="en-US" dirty="0"/>
               <a:pPr/>
-              <a:t>4/2/2022</a:t>
+              <a:t>4/7/2022</a:t>
             </a:fld>
             <a:endParaRPr lang="en-US" dirty="0"/>
           </a:p>
@@ -11667,6 +11668,122 @@
 </p:sld>
 </file>
 
+<file path=ppt/slides/slide10.xml><?xml version="1.0" encoding="utf-8"?>
+<p:sld xmlns:a="http://schemas.openxmlformats.org/drawingml/2006/main" xmlns:r="http://schemas.openxmlformats.org/officeDocument/2006/relationships" xmlns:p="http://schemas.openxmlformats.org/presentationml/2006/main">
+  <p:cSld>
+    <p:spTree>
+      <p:nvGrpSpPr>
+        <p:cNvPr id="1" name=""/>
+        <p:cNvGrpSpPr/>
+        <p:nvPr/>
+      </p:nvGrpSpPr>
+      <p:grpSpPr>
+        <a:xfrm>
+          <a:off x="0" y="0"/>
+          <a:ext cx="0" cy="0"/>
+          <a:chOff x="0" y="0"/>
+          <a:chExt cx="0" cy="0"/>
+        </a:xfrm>
+      </p:grpSpPr>
+      <p:sp>
+        <p:nvSpPr>
+          <p:cNvPr id="2" name="Titolo 1">
+            <a:extLst>
+              <a:ext uri="{FF2B5EF4-FFF2-40B4-BE49-F238E27FC236}">
+                <a16:creationId xmlns:a16="http://schemas.microsoft.com/office/drawing/2014/main" id="{451F5A52-EF1D-4F6B-864C-BC51E2F7C0F9}"/>
+              </a:ext>
+            </a:extLst>
+          </p:cNvPr>
+          <p:cNvSpPr>
+            <a:spLocks noGrp="1"/>
+          </p:cNvSpPr>
+          <p:nvPr>
+            <p:ph type="title"/>
+          </p:nvPr>
+        </p:nvSpPr>
+        <p:spPr/>
+        <p:txBody>
+          <a:bodyPr/>
+          <a:lstStyle/>
+          <a:p>
+            <a:r>
+              <a:rPr lang="it-IT" dirty="0"/>
+              <a:t>Sanificare </a:t>
+            </a:r>
+            <a:r>
+              <a:rPr lang="it-IT"/>
+              <a:t>gli input</a:t>
+            </a:r>
+          </a:p>
+        </p:txBody>
+      </p:sp>
+      <p:sp>
+        <p:nvSpPr>
+          <p:cNvPr id="3" name="Segnaposto contenuto 2">
+            <a:extLst>
+              <a:ext uri="{FF2B5EF4-FFF2-40B4-BE49-F238E27FC236}">
+                <a16:creationId xmlns:a16="http://schemas.microsoft.com/office/drawing/2014/main" id="{BD2B0221-3AD5-4066-A992-3958CC86C44E}"/>
+              </a:ext>
+            </a:extLst>
+          </p:cNvPr>
+          <p:cNvSpPr>
+            <a:spLocks noGrp="1"/>
+          </p:cNvSpPr>
+          <p:nvPr>
+            <p:ph idx="1"/>
+          </p:nvPr>
+        </p:nvSpPr>
+        <p:spPr/>
+        <p:txBody>
+          <a:bodyPr/>
+          <a:lstStyle/>
+          <a:p>
+            <a:r>
+              <a:rPr lang="it-IT" dirty="0"/>
+              <a:t>In più parti del codice da noi scritto è presente la sanificazione degli input.</a:t>
+            </a:r>
+          </a:p>
+          <a:p>
+            <a:r>
+              <a:rPr lang="it-IT" dirty="0"/>
+              <a:t>Questo è visibile in particolar modo nell’interfaccia grafica, nelle finestre riguardanti:</a:t>
+            </a:r>
+          </a:p>
+          <a:p>
+            <a:pPr lvl="1"/>
+            <a:r>
+              <a:rPr lang="it-IT" dirty="0"/>
+              <a:t>L’aggiunta di un prodotto/materia prima, </a:t>
+            </a:r>
+          </a:p>
+          <a:p>
+            <a:pPr lvl="1"/>
+            <a:r>
+              <a:rPr lang="it-IT" dirty="0"/>
+              <a:t>L’acquisto di un prodotto/materia prima.</a:t>
+            </a:r>
+          </a:p>
+          <a:p>
+            <a:r>
+              <a:rPr lang="it-IT" dirty="0"/>
+              <a:t>Infatti se in queste finestre nei campi riguardanti le quantità e/o il footprint vengono passati valori non numerici, viene subito segnalato tale errore all’utente e gli viene impedito di andare avanti.</a:t>
+            </a:r>
+          </a:p>
+        </p:txBody>
+      </p:sp>
+    </p:spTree>
+    <p:extLst>
+      <p:ext uri="{BB962C8B-B14F-4D97-AF65-F5344CB8AC3E}">
+        <p14:creationId xmlns:p14="http://schemas.microsoft.com/office/powerpoint/2010/main" val="1950964878"/>
+      </p:ext>
+    </p:extLst>
+  </p:cSld>
+  <p:clrMapOvr>
+    <a:masterClrMapping/>
+  </p:clrMapOvr>
+</p:sld>
+</file>
+
 <file path=ppt/slides/slide2.xml><?xml version="1.0" encoding="utf-8"?>
 <p:sld xmlns:a="http://schemas.openxmlformats.org/drawingml/2006/main" xmlns:r="http://schemas.openxmlformats.org/officeDocument/2006/relationships" xmlns:p="http://schemas.openxmlformats.org/presentationml/2006/main">
   <p:cSld>
@@ -11782,32 +11899,477 @@
       </p:sp>
       <p:grpSp>
         <p:nvGrpSpPr>
-          <p:cNvPr id="5" name="Google Shape;1472;p37">
+          <p:cNvPr id="3" name="Gruppo 2">
             <a:extLst>
               <a:ext uri="{FF2B5EF4-FFF2-40B4-BE49-F238E27FC236}">
-                <a16:creationId xmlns:a16="http://schemas.microsoft.com/office/drawing/2014/main" id="{DB396F45-1ED3-4676-B256-C850DE5CFC8D}"/>
+                <a16:creationId xmlns:a16="http://schemas.microsoft.com/office/drawing/2014/main" id="{8D0AD3CC-EF09-435E-9A71-C19A21DBC59C}"/>
               </a:ext>
             </a:extLst>
           </p:cNvPr>
-          <p:cNvGrpSpPr>
-            <a:grpSpLocks noChangeAspect="1"/>
-          </p:cNvGrpSpPr>
+          <p:cNvGrpSpPr/>
           <p:nvPr/>
         </p:nvGrpSpPr>
         <p:grpSpPr>
-          <a:xfrm rot="734755">
-            <a:off x="504947" y="3720245"/>
-            <a:ext cx="1368000" cy="612515"/>
-            <a:chOff x="1172511" y="2592577"/>
-            <a:chExt cx="1567652" cy="701909"/>
+          <a:xfrm>
+            <a:off x="504947" y="2880610"/>
+            <a:ext cx="1368000" cy="1452150"/>
+            <a:chOff x="504947" y="2880610"/>
+            <a:chExt cx="1368000" cy="1452150"/>
           </a:xfrm>
         </p:grpSpPr>
         <p:grpSp>
           <p:nvGrpSpPr>
-            <p:cNvPr id="6" name="Google Shape;1473;p37">
+            <p:cNvPr id="5" name="Google Shape;1472;p37">
               <a:extLst>
                 <a:ext uri="{FF2B5EF4-FFF2-40B4-BE49-F238E27FC236}">
-                  <a16:creationId xmlns:a16="http://schemas.microsoft.com/office/drawing/2014/main" id="{51EEDE37-7F8E-4150-8CB9-2B3AAA1E58CC}"/>
+                  <a16:creationId xmlns:a16="http://schemas.microsoft.com/office/drawing/2014/main" id="{DB396F45-1ED3-4676-B256-C850DE5CFC8D}"/>
+                </a:ext>
+              </a:extLst>
+            </p:cNvPr>
+            <p:cNvGrpSpPr>
+              <a:grpSpLocks noChangeAspect="1"/>
+            </p:cNvGrpSpPr>
+            <p:nvPr/>
+          </p:nvGrpSpPr>
+          <p:grpSpPr>
+            <a:xfrm rot="734755">
+              <a:off x="504947" y="3720245"/>
+              <a:ext cx="1368000" cy="612515"/>
+              <a:chOff x="1172511" y="2592577"/>
+              <a:chExt cx="1567652" cy="701909"/>
+            </a:xfrm>
+          </p:grpSpPr>
+          <p:grpSp>
+            <p:nvGrpSpPr>
+              <p:cNvPr id="6" name="Google Shape;1473;p37">
+                <a:extLst>
+                  <a:ext uri="{FF2B5EF4-FFF2-40B4-BE49-F238E27FC236}">
+                    <a16:creationId xmlns:a16="http://schemas.microsoft.com/office/drawing/2014/main" id="{51EEDE37-7F8E-4150-8CB9-2B3AAA1E58CC}"/>
+                  </a:ext>
+                </a:extLst>
+              </p:cNvPr>
+              <p:cNvGrpSpPr/>
+              <p:nvPr/>
+            </p:nvGrpSpPr>
+            <p:grpSpPr>
+              <a:xfrm>
+                <a:off x="1172511" y="2592577"/>
+                <a:ext cx="1567652" cy="701909"/>
+                <a:chOff x="1172511" y="2592577"/>
+                <a:chExt cx="1567652" cy="701909"/>
+              </a:xfrm>
+            </p:grpSpPr>
+            <p:sp>
+              <p:nvSpPr>
+                <p:cNvPr id="10" name="Google Shape;1474;p37">
+                  <a:extLst>
+                    <a:ext uri="{FF2B5EF4-FFF2-40B4-BE49-F238E27FC236}">
+                      <a16:creationId xmlns:a16="http://schemas.microsoft.com/office/drawing/2014/main" id="{11A45E7D-BF4F-4FD3-8480-206DCE346BF9}"/>
+                    </a:ext>
+                  </a:extLst>
+                </p:cNvPr>
+                <p:cNvSpPr/>
+                <p:nvPr/>
+              </p:nvSpPr>
+              <p:spPr>
+                <a:xfrm rot="5400000">
+                  <a:off x="1168245" y="2710055"/>
+                  <a:ext cx="502846" cy="494314"/>
+                </a:xfrm>
+                <a:custGeom>
+                  <a:avLst/>
+                  <a:gdLst/>
+                  <a:ahLst/>
+                  <a:cxnLst/>
+                  <a:rect l="l" t="t" r="r" b="b"/>
+                  <a:pathLst>
+                    <a:path w="37603" h="36965" extrusionOk="0">
+                      <a:moveTo>
+                        <a:pt x="18012" y="1"/>
+                      </a:moveTo>
+                      <a:cubicBezTo>
+                        <a:pt x="12008" y="1"/>
+                        <a:pt x="6168" y="626"/>
+                        <a:pt x="448" y="1595"/>
+                      </a:cubicBezTo>
+                      <a:cubicBezTo>
+                        <a:pt x="45" y="11397"/>
+                        <a:pt x="1" y="25684"/>
+                        <a:pt x="4693" y="31226"/>
+                      </a:cubicBezTo>
+                      <a:cubicBezTo>
+                        <a:pt x="7894" y="35011"/>
+                        <a:pt x="12966" y="36964"/>
+                        <a:pt x="18012" y="36964"/>
+                      </a:cubicBezTo>
+                      <a:cubicBezTo>
+                        <a:pt x="23394" y="36964"/>
+                        <a:pt x="28748" y="34743"/>
+                        <a:pt x="31777" y="30153"/>
+                      </a:cubicBezTo>
+                      <a:cubicBezTo>
+                        <a:pt x="37602" y="21304"/>
+                        <a:pt x="33744" y="8626"/>
+                        <a:pt x="32105" y="1058"/>
+                      </a:cubicBezTo>
+                      <a:cubicBezTo>
+                        <a:pt x="27487" y="448"/>
+                        <a:pt x="22809" y="1"/>
+                        <a:pt x="18012" y="1"/>
+                      </a:cubicBezTo>
+                      <a:close/>
+                    </a:path>
+                  </a:pathLst>
+                </a:custGeom>
+                <a:solidFill>
+                  <a:srgbClr val="FFFFFF"/>
+                </a:solidFill>
+                <a:ln>
+                  <a:noFill/>
+                </a:ln>
+              </p:spPr>
+              <p:txBody>
+                <a:bodyPr spcFirstLastPara="1" wrap="square" lIns="91425" tIns="91425" rIns="91425" bIns="91425" anchor="ctr" anchorCtr="0">
+                  <a:noAutofit/>
+                </a:bodyPr>
+                <a:lstStyle/>
+                <a:p>
+                  <a:pPr marL="0" lvl="0" indent="0" algn="l" rtl="0">
+                    <a:spcBef>
+                      <a:spcPts val="0"/>
+                    </a:spcBef>
+                    <a:spcAft>
+                      <a:spcPts val="0"/>
+                    </a:spcAft>
+                    <a:buNone/>
+                  </a:pPr>
+                  <a:endParaRPr/>
+                </a:p>
+              </p:txBody>
+            </p:sp>
+            <p:sp>
+              <p:nvSpPr>
+                <p:cNvPr id="11" name="Google Shape;1475;p37">
+                  <a:extLst>
+                    <a:ext uri="{FF2B5EF4-FFF2-40B4-BE49-F238E27FC236}">
+                      <a16:creationId xmlns:a16="http://schemas.microsoft.com/office/drawing/2014/main" id="{5C7747AC-F376-4195-92EB-E095ABD5F9C3}"/>
+                    </a:ext>
+                  </a:extLst>
+                </p:cNvPr>
+                <p:cNvSpPr/>
+                <p:nvPr/>
+              </p:nvSpPr>
+              <p:spPr>
+                <a:xfrm rot="5400000">
+                  <a:off x="1813222" y="2367544"/>
+                  <a:ext cx="701909" cy="1151974"/>
+                </a:xfrm>
+                <a:custGeom>
+                  <a:avLst/>
+                  <a:gdLst/>
+                  <a:ahLst/>
+                  <a:cxnLst/>
+                  <a:rect l="l" t="t" r="r" b="b"/>
+                  <a:pathLst>
+                    <a:path w="52489" h="86145" extrusionOk="0">
+                      <a:moveTo>
+                        <a:pt x="30776" y="1"/>
+                      </a:moveTo>
+                      <a:cubicBezTo>
+                        <a:pt x="30663" y="1"/>
+                        <a:pt x="30550" y="3"/>
+                        <a:pt x="30437" y="7"/>
+                      </a:cubicBezTo>
+                      <a:cubicBezTo>
+                        <a:pt x="15316" y="543"/>
+                        <a:pt x="1" y="35969"/>
+                        <a:pt x="4083" y="54129"/>
+                      </a:cubicBezTo>
+                      <a:cubicBezTo>
+                        <a:pt x="5558" y="60640"/>
+                        <a:pt x="9431" y="74077"/>
+                        <a:pt x="9431" y="81913"/>
+                      </a:cubicBezTo>
+                      <a:cubicBezTo>
+                        <a:pt x="9431" y="82867"/>
+                        <a:pt x="9357" y="84342"/>
+                        <a:pt x="9282" y="86144"/>
+                      </a:cubicBezTo>
+                      <a:cubicBezTo>
+                        <a:pt x="14943" y="85235"/>
+                        <a:pt x="20723" y="84625"/>
+                        <a:pt x="26653" y="84625"/>
+                      </a:cubicBezTo>
+                      <a:cubicBezTo>
+                        <a:pt x="31182" y="84625"/>
+                        <a:pt x="35621" y="84997"/>
+                        <a:pt x="40016" y="85533"/>
+                      </a:cubicBezTo>
+                      <a:cubicBezTo>
+                        <a:pt x="39584" y="81288"/>
+                        <a:pt x="39450" y="74718"/>
+                        <a:pt x="40954" y="68014"/>
+                      </a:cubicBezTo>
+                      <a:cubicBezTo>
+                        <a:pt x="42980" y="58941"/>
+                        <a:pt x="47211" y="49496"/>
+                        <a:pt x="48954" y="44699"/>
+                      </a:cubicBezTo>
+                      <a:cubicBezTo>
+                        <a:pt x="52488" y="34985"/>
+                        <a:pt x="45676" y="1"/>
+                        <a:pt x="30776" y="1"/>
+                      </a:cubicBezTo>
+                      <a:close/>
+                    </a:path>
+                  </a:pathLst>
+                </a:custGeom>
+                <a:solidFill>
+                  <a:srgbClr val="FFFFFF"/>
+                </a:solidFill>
+                <a:ln>
+                  <a:noFill/>
+                </a:ln>
+              </p:spPr>
+              <p:txBody>
+                <a:bodyPr spcFirstLastPara="1" wrap="square" lIns="91425" tIns="91425" rIns="91425" bIns="91425" anchor="ctr" anchorCtr="0">
+                  <a:noAutofit/>
+                </a:bodyPr>
+                <a:lstStyle/>
+                <a:p>
+                  <a:pPr marL="0" lvl="0" indent="0" algn="l" rtl="0">
+                    <a:spcBef>
+                      <a:spcPts val="0"/>
+                    </a:spcBef>
+                    <a:spcAft>
+                      <a:spcPts val="0"/>
+                    </a:spcAft>
+                    <a:buNone/>
+                  </a:pPr>
+                  <a:endParaRPr/>
+                </a:p>
+              </p:txBody>
+            </p:sp>
+          </p:grpSp>
+          <p:grpSp>
+            <p:nvGrpSpPr>
+              <p:cNvPr id="7" name="Google Shape;1476;p37">
+                <a:extLst>
+                  <a:ext uri="{FF2B5EF4-FFF2-40B4-BE49-F238E27FC236}">
+                    <a16:creationId xmlns:a16="http://schemas.microsoft.com/office/drawing/2014/main" id="{35B44D20-FCD1-4C17-9DDB-7B1125C7B7D9}"/>
+                  </a:ext>
+                </a:extLst>
+              </p:cNvPr>
+              <p:cNvGrpSpPr/>
+              <p:nvPr/>
+            </p:nvGrpSpPr>
+            <p:grpSpPr>
+              <a:xfrm>
+                <a:off x="1205944" y="2640041"/>
+                <a:ext cx="1456361" cy="607035"/>
+                <a:chOff x="1205944" y="2640041"/>
+                <a:chExt cx="1456361" cy="607035"/>
+              </a:xfrm>
+            </p:grpSpPr>
+            <p:sp>
+              <p:nvSpPr>
+                <p:cNvPr id="8" name="Google Shape;1477;p37">
+                  <a:extLst>
+                    <a:ext uri="{FF2B5EF4-FFF2-40B4-BE49-F238E27FC236}">
+                      <a16:creationId xmlns:a16="http://schemas.microsoft.com/office/drawing/2014/main" id="{D0A7399E-1AD1-4C9D-B7A1-502F82176234}"/>
+                    </a:ext>
+                  </a:extLst>
+                </p:cNvPr>
+                <p:cNvSpPr/>
+                <p:nvPr/>
+              </p:nvSpPr>
+              <p:spPr>
+                <a:xfrm rot="5400000">
+                  <a:off x="1202255" y="2743481"/>
+                  <a:ext cx="434842" cy="427464"/>
+                </a:xfrm>
+                <a:custGeom>
+                  <a:avLst/>
+                  <a:gdLst/>
+                  <a:ahLst/>
+                  <a:cxnLst/>
+                  <a:rect l="l" t="t" r="r" b="b"/>
+                  <a:pathLst>
+                    <a:path w="37603" h="36965" extrusionOk="0">
+                      <a:moveTo>
+                        <a:pt x="18012" y="1"/>
+                      </a:moveTo>
+                      <a:cubicBezTo>
+                        <a:pt x="12008" y="1"/>
+                        <a:pt x="6168" y="626"/>
+                        <a:pt x="448" y="1595"/>
+                      </a:cubicBezTo>
+                      <a:cubicBezTo>
+                        <a:pt x="45" y="11397"/>
+                        <a:pt x="1" y="25684"/>
+                        <a:pt x="4693" y="31226"/>
+                      </a:cubicBezTo>
+                      <a:cubicBezTo>
+                        <a:pt x="7894" y="35011"/>
+                        <a:pt x="12966" y="36964"/>
+                        <a:pt x="18012" y="36964"/>
+                      </a:cubicBezTo>
+                      <a:cubicBezTo>
+                        <a:pt x="23394" y="36964"/>
+                        <a:pt x="28748" y="34743"/>
+                        <a:pt x="31777" y="30153"/>
+                      </a:cubicBezTo>
+                      <a:cubicBezTo>
+                        <a:pt x="37602" y="21304"/>
+                        <a:pt x="33744" y="8626"/>
+                        <a:pt x="32105" y="1058"/>
+                      </a:cubicBezTo>
+                      <a:cubicBezTo>
+                        <a:pt x="27487" y="448"/>
+                        <a:pt x="22809" y="1"/>
+                        <a:pt x="18012" y="1"/>
+                      </a:cubicBezTo>
+                      <a:close/>
+                    </a:path>
+                  </a:pathLst>
+                </a:custGeom>
+                <a:solidFill>
+                  <a:schemeClr val="dk2"/>
+                </a:solidFill>
+                <a:ln>
+                  <a:noFill/>
+                </a:ln>
+              </p:spPr>
+              <p:txBody>
+                <a:bodyPr spcFirstLastPara="1" wrap="square" lIns="91425" tIns="91425" rIns="91425" bIns="91425" anchor="ctr" anchorCtr="0">
+                  <a:noAutofit/>
+                </a:bodyPr>
+                <a:lstStyle/>
+                <a:p>
+                  <a:pPr marL="0" lvl="0" indent="0" algn="l" rtl="0">
+                    <a:spcBef>
+                      <a:spcPts val="0"/>
+                    </a:spcBef>
+                    <a:spcAft>
+                      <a:spcPts val="0"/>
+                    </a:spcAft>
+                    <a:buNone/>
+                  </a:pPr>
+                  <a:endParaRPr/>
+                </a:p>
+              </p:txBody>
+            </p:sp>
+            <p:sp>
+              <p:nvSpPr>
+                <p:cNvPr id="9" name="Google Shape;1478;p37">
+                  <a:extLst>
+                    <a:ext uri="{FF2B5EF4-FFF2-40B4-BE49-F238E27FC236}">
+                      <a16:creationId xmlns:a16="http://schemas.microsoft.com/office/drawing/2014/main" id="{D7BE9FCD-49BC-4074-9847-CDC803EA4F8F}"/>
+                    </a:ext>
+                  </a:extLst>
+                </p:cNvPr>
+                <p:cNvSpPr/>
+                <p:nvPr/>
+              </p:nvSpPr>
+              <p:spPr>
+                <a:xfrm rot="5400000">
+                  <a:off x="1860654" y="2445425"/>
+                  <a:ext cx="607035" cy="996267"/>
+                </a:xfrm>
+                <a:custGeom>
+                  <a:avLst/>
+                  <a:gdLst/>
+                  <a:ahLst/>
+                  <a:cxnLst/>
+                  <a:rect l="l" t="t" r="r" b="b"/>
+                  <a:pathLst>
+                    <a:path w="52489" h="86145" extrusionOk="0">
+                      <a:moveTo>
+                        <a:pt x="30776" y="1"/>
+                      </a:moveTo>
+                      <a:cubicBezTo>
+                        <a:pt x="30663" y="1"/>
+                        <a:pt x="30550" y="3"/>
+                        <a:pt x="30437" y="7"/>
+                      </a:cubicBezTo>
+                      <a:cubicBezTo>
+                        <a:pt x="15316" y="543"/>
+                        <a:pt x="1" y="35969"/>
+                        <a:pt x="4083" y="54129"/>
+                      </a:cubicBezTo>
+                      <a:cubicBezTo>
+                        <a:pt x="5558" y="60640"/>
+                        <a:pt x="9431" y="74077"/>
+                        <a:pt x="9431" y="81913"/>
+                      </a:cubicBezTo>
+                      <a:cubicBezTo>
+                        <a:pt x="9431" y="82867"/>
+                        <a:pt x="9357" y="84342"/>
+                        <a:pt x="9282" y="86144"/>
+                      </a:cubicBezTo>
+                      <a:cubicBezTo>
+                        <a:pt x="14943" y="85235"/>
+                        <a:pt x="20723" y="84625"/>
+                        <a:pt x="26653" y="84625"/>
+                      </a:cubicBezTo>
+                      <a:cubicBezTo>
+                        <a:pt x="31182" y="84625"/>
+                        <a:pt x="35621" y="84997"/>
+                        <a:pt x="40016" y="85533"/>
+                      </a:cubicBezTo>
+                      <a:cubicBezTo>
+                        <a:pt x="39584" y="81288"/>
+                        <a:pt x="39450" y="74718"/>
+                        <a:pt x="40954" y="68014"/>
+                      </a:cubicBezTo>
+                      <a:cubicBezTo>
+                        <a:pt x="42980" y="58941"/>
+                        <a:pt x="47211" y="49496"/>
+                        <a:pt x="48954" y="44699"/>
+                      </a:cubicBezTo>
+                      <a:cubicBezTo>
+                        <a:pt x="52488" y="34985"/>
+                        <a:pt x="45676" y="1"/>
+                        <a:pt x="30776" y="1"/>
+                      </a:cubicBezTo>
+                      <a:close/>
+                    </a:path>
+                  </a:pathLst>
+                </a:custGeom>
+                <a:solidFill>
+                  <a:schemeClr val="dk2"/>
+                </a:solidFill>
+                <a:ln>
+                  <a:noFill/>
+                </a:ln>
+              </p:spPr>
+              <p:txBody>
+                <a:bodyPr spcFirstLastPara="1" wrap="square" lIns="91425" tIns="91425" rIns="91425" bIns="91425" anchor="ctr" anchorCtr="0">
+                  <a:noAutofit/>
+                </a:bodyPr>
+                <a:lstStyle/>
+                <a:p>
+                  <a:pPr marL="0" lvl="0" indent="0" algn="l" rtl="0">
+                    <a:spcBef>
+                      <a:spcPts val="0"/>
+                    </a:spcBef>
+                    <a:spcAft>
+                      <a:spcPts val="0"/>
+                    </a:spcAft>
+                    <a:buNone/>
+                  </a:pPr>
+                  <a:endParaRPr/>
+                </a:p>
+              </p:txBody>
+            </p:sp>
+          </p:grpSp>
+        </p:grpSp>
+        <p:grpSp>
+          <p:nvGrpSpPr>
+            <p:cNvPr id="33" name="Google Shape;1500;p37">
+              <a:extLst>
+                <a:ext uri="{FF2B5EF4-FFF2-40B4-BE49-F238E27FC236}">
+                  <a16:creationId xmlns:a16="http://schemas.microsoft.com/office/drawing/2014/main" id="{1DFF39B0-EAC3-4F63-A0D9-36C834DBF6EF}"/>
                 </a:ext>
               </a:extLst>
             </p:cNvPr>
@@ -11816,18 +12378,18 @@
           </p:nvGrpSpPr>
           <p:grpSpPr>
             <a:xfrm>
-              <a:off x="1172511" y="2592577"/>
-              <a:ext cx="1567652" cy="701909"/>
-              <a:chOff x="1172511" y="2592577"/>
-              <a:chExt cx="1567652" cy="701909"/>
+              <a:off x="542234" y="2880610"/>
+              <a:ext cx="1271119" cy="814982"/>
+              <a:chOff x="965500" y="2820567"/>
+              <a:chExt cx="1271119" cy="814982"/>
             </a:xfrm>
           </p:grpSpPr>
           <p:sp>
             <p:nvSpPr>
-              <p:cNvPr id="10" name="Google Shape;1474;p37">
+              <p:cNvPr id="34" name="Google Shape;1501;p37">
                 <a:extLst>
                   <a:ext uri="{FF2B5EF4-FFF2-40B4-BE49-F238E27FC236}">
-                    <a16:creationId xmlns:a16="http://schemas.microsoft.com/office/drawing/2014/main" id="{11A45E7D-BF4F-4FD3-8480-206DCE346BF9}"/>
+                    <a16:creationId xmlns:a16="http://schemas.microsoft.com/office/drawing/2014/main" id="{810C2840-C87A-450C-9E5F-5384985D604C}"/>
                   </a:ext>
                 </a:extLst>
               </p:cNvPr>
@@ -11835,58 +12397,14 @@
               <p:nvPr/>
             </p:nvSpPr>
             <p:spPr>
-              <a:xfrm rot="5400000">
-                <a:off x="1168245" y="2710055"/>
-                <a:ext cx="502846" cy="494314"/>
+              <a:xfrm>
+                <a:off x="965500" y="2820567"/>
+                <a:ext cx="1271100" cy="260100"/>
               </a:xfrm>
-              <a:custGeom>
+              <a:prstGeom prst="rect">
                 <a:avLst/>
-                <a:gdLst/>
-                <a:ahLst/>
-                <a:cxnLst/>
-                <a:rect l="l" t="t" r="r" b="b"/>
-                <a:pathLst>
-                  <a:path w="37603" h="36965" extrusionOk="0">
-                    <a:moveTo>
-                      <a:pt x="18012" y="1"/>
-                    </a:moveTo>
-                    <a:cubicBezTo>
-                      <a:pt x="12008" y="1"/>
-                      <a:pt x="6168" y="626"/>
-                      <a:pt x="448" y="1595"/>
-                    </a:cubicBezTo>
-                    <a:cubicBezTo>
-                      <a:pt x="45" y="11397"/>
-                      <a:pt x="1" y="25684"/>
-                      <a:pt x="4693" y="31226"/>
-                    </a:cubicBezTo>
-                    <a:cubicBezTo>
-                      <a:pt x="7894" y="35011"/>
-                      <a:pt x="12966" y="36964"/>
-                      <a:pt x="18012" y="36964"/>
-                    </a:cubicBezTo>
-                    <a:cubicBezTo>
-                      <a:pt x="23394" y="36964"/>
-                      <a:pt x="28748" y="34743"/>
-                      <a:pt x="31777" y="30153"/>
-                    </a:cubicBezTo>
-                    <a:cubicBezTo>
-                      <a:pt x="37602" y="21304"/>
-                      <a:pt x="33744" y="8626"/>
-                      <a:pt x="32105" y="1058"/>
-                    </a:cubicBezTo>
-                    <a:cubicBezTo>
-                      <a:pt x="27487" y="448"/>
-                      <a:pt x="22809" y="1"/>
-                      <a:pt x="18012" y="1"/>
-                    </a:cubicBezTo>
-                    <a:close/>
-                  </a:path>
-                </a:pathLst>
-              </a:custGeom>
-              <a:solidFill>
-                <a:srgbClr val="FFFFFF"/>
-              </a:solidFill>
+              </a:prstGeom>
+              <a:noFill/>
               <a:ln>
                 <a:noFill/>
               </a:ln>
@@ -11897,7 +12415,7 @@
               </a:bodyPr>
               <a:lstStyle/>
               <a:p>
-                <a:pPr marL="0" lvl="0" indent="0" algn="l" rtl="0">
+                <a:pPr marL="0" lvl="0" indent="0" algn="ctr" rtl="0">
                   <a:spcBef>
                     <a:spcPts val="0"/>
                   </a:spcBef>
@@ -11906,90 +12424,51 @@
                   </a:spcAft>
                   <a:buNone/>
                 </a:pPr>
-                <a:endParaRPr/>
+                <a:r>
+                  <a:rPr lang="en" sz="2000" b="1" dirty="0">
+                    <a:solidFill>
+                      <a:schemeClr val="dk2"/>
+                    </a:solidFill>
+                    <a:latin typeface="Fira Sans Extra Condensed SemiBold"/>
+                    <a:ea typeface="Fira Sans Extra Condensed SemiBold"/>
+                    <a:cs typeface="Fira Sans Extra Condensed SemiBold"/>
+                    <a:sym typeface="Fira Sans Extra Condensed SemiBold"/>
+                  </a:rPr>
+                  <a:t>Step 1 </a:t>
+                </a:r>
+                <a:endParaRPr sz="2000" b="1" dirty="0">
+                  <a:solidFill>
+                    <a:schemeClr val="dk2"/>
+                  </a:solidFill>
+                  <a:latin typeface="Fira Sans Extra Condensed SemiBold"/>
+                  <a:ea typeface="Fira Sans Extra Condensed SemiBold"/>
+                  <a:cs typeface="Fira Sans Extra Condensed SemiBold"/>
+                  <a:sym typeface="Fira Sans Extra Condensed SemiBold"/>
+                </a:endParaRPr>
               </a:p>
             </p:txBody>
           </p:sp>
           <p:sp>
             <p:nvSpPr>
-              <p:cNvPr id="11" name="Google Shape;1475;p37">
+              <p:cNvPr id="35" name="Google Shape;1502;p37">
                 <a:extLst>
                   <a:ext uri="{FF2B5EF4-FFF2-40B4-BE49-F238E27FC236}">
-                    <a16:creationId xmlns:a16="http://schemas.microsoft.com/office/drawing/2014/main" id="{5C7747AC-F376-4195-92EB-E095ABD5F9C3}"/>
+                    <a16:creationId xmlns:a16="http://schemas.microsoft.com/office/drawing/2014/main" id="{7555C3DD-2C5C-4EB9-A580-CB6A6D586035}"/>
                   </a:ext>
                 </a:extLst>
               </p:cNvPr>
-              <p:cNvSpPr/>
+              <p:cNvSpPr txBox="1"/>
               <p:nvPr/>
             </p:nvSpPr>
             <p:spPr>
-              <a:xfrm rot="5400000">
-                <a:off x="1813222" y="2367544"/>
-                <a:ext cx="701909" cy="1151974"/>
+              <a:xfrm>
+                <a:off x="965519" y="3149249"/>
+                <a:ext cx="1271100" cy="486300"/>
               </a:xfrm>
-              <a:custGeom>
+              <a:prstGeom prst="rect">
                 <a:avLst/>
-                <a:gdLst/>
-                <a:ahLst/>
-                <a:cxnLst/>
-                <a:rect l="l" t="t" r="r" b="b"/>
-                <a:pathLst>
-                  <a:path w="52489" h="86145" extrusionOk="0">
-                    <a:moveTo>
-                      <a:pt x="30776" y="1"/>
-                    </a:moveTo>
-                    <a:cubicBezTo>
-                      <a:pt x="30663" y="1"/>
-                      <a:pt x="30550" y="3"/>
-                      <a:pt x="30437" y="7"/>
-                    </a:cubicBezTo>
-                    <a:cubicBezTo>
-                      <a:pt x="15316" y="543"/>
-                      <a:pt x="1" y="35969"/>
-                      <a:pt x="4083" y="54129"/>
-                    </a:cubicBezTo>
-                    <a:cubicBezTo>
-                      <a:pt x="5558" y="60640"/>
-                      <a:pt x="9431" y="74077"/>
-                      <a:pt x="9431" y="81913"/>
-                    </a:cubicBezTo>
-                    <a:cubicBezTo>
-                      <a:pt x="9431" y="82867"/>
-                      <a:pt x="9357" y="84342"/>
-                      <a:pt x="9282" y="86144"/>
-                    </a:cubicBezTo>
-                    <a:cubicBezTo>
-                      <a:pt x="14943" y="85235"/>
-                      <a:pt x="20723" y="84625"/>
-                      <a:pt x="26653" y="84625"/>
-                    </a:cubicBezTo>
-                    <a:cubicBezTo>
-                      <a:pt x="31182" y="84625"/>
-                      <a:pt x="35621" y="84997"/>
-                      <a:pt x="40016" y="85533"/>
-                    </a:cubicBezTo>
-                    <a:cubicBezTo>
-                      <a:pt x="39584" y="81288"/>
-                      <a:pt x="39450" y="74718"/>
-                      <a:pt x="40954" y="68014"/>
-                    </a:cubicBezTo>
-                    <a:cubicBezTo>
-                      <a:pt x="42980" y="58941"/>
-                      <a:pt x="47211" y="49496"/>
-                      <a:pt x="48954" y="44699"/>
-                    </a:cubicBezTo>
-                    <a:cubicBezTo>
-                      <a:pt x="52488" y="34985"/>
-                      <a:pt x="45676" y="1"/>
-                      <a:pt x="30776" y="1"/>
-                    </a:cubicBezTo>
-                    <a:close/>
-                  </a:path>
-                </a:pathLst>
-              </a:custGeom>
-              <a:solidFill>
-                <a:srgbClr val="FFFFFF"/>
-              </a:solidFill>
+              </a:prstGeom>
+              <a:noFill/>
               <a:ln>
                 <a:noFill/>
               </a:ln>
@@ -12000,7 +12479,7 @@
               </a:bodyPr>
               <a:lstStyle/>
               <a:p>
-                <a:pPr marL="0" lvl="0" indent="0" algn="l" rtl="0">
+                <a:pPr marL="0" lvl="0" indent="0" algn="ctr" rtl="0">
                   <a:spcBef>
                     <a:spcPts val="0"/>
                   </a:spcBef>
@@ -12009,17 +12488,502 @@
                   </a:spcAft>
                   <a:buNone/>
                 </a:pPr>
-                <a:endParaRPr/>
+                <a:r>
+                  <a:rPr lang="it-IT" sz="1200" dirty="0">
+                    <a:solidFill>
+                      <a:schemeClr val="dk1"/>
+                    </a:solidFill>
+                    <a:latin typeface="Fira Sans Extra Condensed"/>
+                    <a:ea typeface="Fira Sans Extra Condensed"/>
+                    <a:cs typeface="Fira Sans Extra Condensed"/>
+                    <a:sym typeface="Fira Sans Extra Condensed"/>
+                  </a:rPr>
+                  <a:t>Analisi dei requisiti</a:t>
+                </a:r>
+                <a:endParaRPr sz="1200" dirty="0">
+                  <a:latin typeface="Fira Sans Extra Condensed"/>
+                  <a:ea typeface="Fira Sans Extra Condensed"/>
+                  <a:cs typeface="Fira Sans Extra Condensed"/>
+                  <a:sym typeface="Fira Sans Extra Condensed"/>
+                </a:endParaRPr>
               </a:p>
             </p:txBody>
           </p:sp>
         </p:grpSp>
+      </p:grpSp>
+      <p:grpSp>
+        <p:nvGrpSpPr>
+          <p:cNvPr id="66" name="Gruppo 65">
+            <a:extLst>
+              <a:ext uri="{FF2B5EF4-FFF2-40B4-BE49-F238E27FC236}">
+                <a16:creationId xmlns:a16="http://schemas.microsoft.com/office/drawing/2014/main" id="{7C8F00CA-FF7E-4D00-972A-3F13C486E82B}"/>
+              </a:ext>
+            </a:extLst>
+          </p:cNvPr>
+          <p:cNvGrpSpPr/>
+          <p:nvPr/>
+        </p:nvGrpSpPr>
+        <p:grpSpPr>
+          <a:xfrm>
+            <a:off x="3513671" y="3977441"/>
+            <a:ext cx="1544796" cy="1463655"/>
+            <a:chOff x="3513671" y="3977441"/>
+            <a:chExt cx="1544796" cy="1463655"/>
+          </a:xfrm>
+        </p:grpSpPr>
         <p:grpSp>
           <p:nvGrpSpPr>
-            <p:cNvPr id="7" name="Google Shape;1476;p37">
+            <p:cNvPr id="19" name="Google Shape;1486;p37">
               <a:extLst>
                 <a:ext uri="{FF2B5EF4-FFF2-40B4-BE49-F238E27FC236}">
-                  <a16:creationId xmlns:a16="http://schemas.microsoft.com/office/drawing/2014/main" id="{35B44D20-FCD1-4C17-9DDB-7B1125C7B7D9}"/>
+                  <a16:creationId xmlns:a16="http://schemas.microsoft.com/office/drawing/2014/main" id="{05B822A5-EF02-4050-B6B6-20D4D0A7F63C}"/>
+                </a:ext>
+              </a:extLst>
+            </p:cNvPr>
+            <p:cNvGrpSpPr>
+              <a:grpSpLocks noChangeAspect="1"/>
+            </p:cNvGrpSpPr>
+            <p:nvPr/>
+          </p:nvGrpSpPr>
+          <p:grpSpPr>
+            <a:xfrm rot="21167971">
+              <a:off x="3513671" y="4828581"/>
+              <a:ext cx="1368000" cy="612515"/>
+              <a:chOff x="4667536" y="2592577"/>
+              <a:chExt cx="1567652" cy="701909"/>
+            </a:xfrm>
+          </p:grpSpPr>
+          <p:grpSp>
+            <p:nvGrpSpPr>
+              <p:cNvPr id="20" name="Google Shape;1487;p37">
+                <a:extLst>
+                  <a:ext uri="{FF2B5EF4-FFF2-40B4-BE49-F238E27FC236}">
+                    <a16:creationId xmlns:a16="http://schemas.microsoft.com/office/drawing/2014/main" id="{A840E8A7-FE25-49D8-9C65-832955B052D8}"/>
+                  </a:ext>
+                </a:extLst>
+              </p:cNvPr>
+              <p:cNvGrpSpPr/>
+              <p:nvPr/>
+            </p:nvGrpSpPr>
+            <p:grpSpPr>
+              <a:xfrm>
+                <a:off x="4667536" y="2592577"/>
+                <a:ext cx="1567652" cy="701909"/>
+                <a:chOff x="1172511" y="2592577"/>
+                <a:chExt cx="1567652" cy="701909"/>
+              </a:xfrm>
+            </p:grpSpPr>
+            <p:sp>
+              <p:nvSpPr>
+                <p:cNvPr id="24" name="Google Shape;1488;p37">
+                  <a:extLst>
+                    <a:ext uri="{FF2B5EF4-FFF2-40B4-BE49-F238E27FC236}">
+                      <a16:creationId xmlns:a16="http://schemas.microsoft.com/office/drawing/2014/main" id="{4466A379-A4D1-402E-B9C2-A62836FCFA07}"/>
+                    </a:ext>
+                  </a:extLst>
+                </p:cNvPr>
+                <p:cNvSpPr/>
+                <p:nvPr/>
+              </p:nvSpPr>
+              <p:spPr>
+                <a:xfrm rot="5400000">
+                  <a:off x="1168245" y="2710055"/>
+                  <a:ext cx="502846" cy="494314"/>
+                </a:xfrm>
+                <a:custGeom>
+                  <a:avLst/>
+                  <a:gdLst/>
+                  <a:ahLst/>
+                  <a:cxnLst/>
+                  <a:rect l="l" t="t" r="r" b="b"/>
+                  <a:pathLst>
+                    <a:path w="37603" h="36965" extrusionOk="0">
+                      <a:moveTo>
+                        <a:pt x="18012" y="1"/>
+                      </a:moveTo>
+                      <a:cubicBezTo>
+                        <a:pt x="12008" y="1"/>
+                        <a:pt x="6168" y="626"/>
+                        <a:pt x="448" y="1595"/>
+                      </a:cubicBezTo>
+                      <a:cubicBezTo>
+                        <a:pt x="45" y="11397"/>
+                        <a:pt x="1" y="25684"/>
+                        <a:pt x="4693" y="31226"/>
+                      </a:cubicBezTo>
+                      <a:cubicBezTo>
+                        <a:pt x="7894" y="35011"/>
+                        <a:pt x="12966" y="36964"/>
+                        <a:pt x="18012" y="36964"/>
+                      </a:cubicBezTo>
+                      <a:cubicBezTo>
+                        <a:pt x="23394" y="36964"/>
+                        <a:pt x="28748" y="34743"/>
+                        <a:pt x="31777" y="30153"/>
+                      </a:cubicBezTo>
+                      <a:cubicBezTo>
+                        <a:pt x="37602" y="21304"/>
+                        <a:pt x="33744" y="8626"/>
+                        <a:pt x="32105" y="1058"/>
+                      </a:cubicBezTo>
+                      <a:cubicBezTo>
+                        <a:pt x="27487" y="448"/>
+                        <a:pt x="22809" y="1"/>
+                        <a:pt x="18012" y="1"/>
+                      </a:cubicBezTo>
+                      <a:close/>
+                    </a:path>
+                  </a:pathLst>
+                </a:custGeom>
+                <a:solidFill>
+                  <a:srgbClr val="FFFFFF"/>
+                </a:solidFill>
+                <a:ln>
+                  <a:noFill/>
+                </a:ln>
+              </p:spPr>
+              <p:txBody>
+                <a:bodyPr spcFirstLastPara="1" wrap="square" lIns="91425" tIns="91425" rIns="91425" bIns="91425" anchor="ctr" anchorCtr="0">
+                  <a:noAutofit/>
+                </a:bodyPr>
+                <a:lstStyle/>
+                <a:p>
+                  <a:pPr marL="0" lvl="0" indent="0" algn="l" rtl="0">
+                    <a:spcBef>
+                      <a:spcPts val="0"/>
+                    </a:spcBef>
+                    <a:spcAft>
+                      <a:spcPts val="0"/>
+                    </a:spcAft>
+                    <a:buNone/>
+                  </a:pPr>
+                  <a:endParaRPr/>
+                </a:p>
+              </p:txBody>
+            </p:sp>
+            <p:sp>
+              <p:nvSpPr>
+                <p:cNvPr id="25" name="Google Shape;1489;p37">
+                  <a:extLst>
+                    <a:ext uri="{FF2B5EF4-FFF2-40B4-BE49-F238E27FC236}">
+                      <a16:creationId xmlns:a16="http://schemas.microsoft.com/office/drawing/2014/main" id="{858684D3-C099-4842-A5AD-4EEF02AD16A5}"/>
+                    </a:ext>
+                  </a:extLst>
+                </p:cNvPr>
+                <p:cNvSpPr/>
+                <p:nvPr/>
+              </p:nvSpPr>
+              <p:spPr>
+                <a:xfrm rot="5400000">
+                  <a:off x="1813222" y="2367544"/>
+                  <a:ext cx="701909" cy="1151974"/>
+                </a:xfrm>
+                <a:custGeom>
+                  <a:avLst/>
+                  <a:gdLst/>
+                  <a:ahLst/>
+                  <a:cxnLst/>
+                  <a:rect l="l" t="t" r="r" b="b"/>
+                  <a:pathLst>
+                    <a:path w="52489" h="86145" extrusionOk="0">
+                      <a:moveTo>
+                        <a:pt x="30776" y="1"/>
+                      </a:moveTo>
+                      <a:cubicBezTo>
+                        <a:pt x="30663" y="1"/>
+                        <a:pt x="30550" y="3"/>
+                        <a:pt x="30437" y="7"/>
+                      </a:cubicBezTo>
+                      <a:cubicBezTo>
+                        <a:pt x="15316" y="543"/>
+                        <a:pt x="1" y="35969"/>
+                        <a:pt x="4083" y="54129"/>
+                      </a:cubicBezTo>
+                      <a:cubicBezTo>
+                        <a:pt x="5558" y="60640"/>
+                        <a:pt x="9431" y="74077"/>
+                        <a:pt x="9431" y="81913"/>
+                      </a:cubicBezTo>
+                      <a:cubicBezTo>
+                        <a:pt x="9431" y="82867"/>
+                        <a:pt x="9357" y="84342"/>
+                        <a:pt x="9282" y="86144"/>
+                      </a:cubicBezTo>
+                      <a:cubicBezTo>
+                        <a:pt x="14943" y="85235"/>
+                        <a:pt x="20723" y="84625"/>
+                        <a:pt x="26653" y="84625"/>
+                      </a:cubicBezTo>
+                      <a:cubicBezTo>
+                        <a:pt x="31182" y="84625"/>
+                        <a:pt x="35621" y="84997"/>
+                        <a:pt x="40016" y="85533"/>
+                      </a:cubicBezTo>
+                      <a:cubicBezTo>
+                        <a:pt x="39584" y="81288"/>
+                        <a:pt x="39450" y="74718"/>
+                        <a:pt x="40954" y="68014"/>
+                      </a:cubicBezTo>
+                      <a:cubicBezTo>
+                        <a:pt x="42980" y="58941"/>
+                        <a:pt x="47211" y="49496"/>
+                        <a:pt x="48954" y="44699"/>
+                      </a:cubicBezTo>
+                      <a:cubicBezTo>
+                        <a:pt x="52488" y="34985"/>
+                        <a:pt x="45676" y="1"/>
+                        <a:pt x="30776" y="1"/>
+                      </a:cubicBezTo>
+                      <a:close/>
+                    </a:path>
+                  </a:pathLst>
+                </a:custGeom>
+                <a:solidFill>
+                  <a:srgbClr val="FFFFFF"/>
+                </a:solidFill>
+                <a:ln>
+                  <a:noFill/>
+                </a:ln>
+              </p:spPr>
+              <p:txBody>
+                <a:bodyPr spcFirstLastPara="1" wrap="square" lIns="91425" tIns="91425" rIns="91425" bIns="91425" anchor="ctr" anchorCtr="0">
+                  <a:noAutofit/>
+                </a:bodyPr>
+                <a:lstStyle/>
+                <a:p>
+                  <a:pPr marL="0" lvl="0" indent="0" algn="l" rtl="0">
+                    <a:spcBef>
+                      <a:spcPts val="0"/>
+                    </a:spcBef>
+                    <a:spcAft>
+                      <a:spcPts val="0"/>
+                    </a:spcAft>
+                    <a:buNone/>
+                  </a:pPr>
+                  <a:endParaRPr/>
+                </a:p>
+              </p:txBody>
+            </p:sp>
+          </p:grpSp>
+          <p:grpSp>
+            <p:nvGrpSpPr>
+              <p:cNvPr id="21" name="Google Shape;1490;p37">
+                <a:extLst>
+                  <a:ext uri="{FF2B5EF4-FFF2-40B4-BE49-F238E27FC236}">
+                    <a16:creationId xmlns:a16="http://schemas.microsoft.com/office/drawing/2014/main" id="{569106F4-FA17-4485-AF67-83F788F1A6FF}"/>
+                  </a:ext>
+                </a:extLst>
+              </p:cNvPr>
+              <p:cNvGrpSpPr/>
+              <p:nvPr/>
+            </p:nvGrpSpPr>
+            <p:grpSpPr>
+              <a:xfrm>
+                <a:off x="4723182" y="2640041"/>
+                <a:ext cx="1456361" cy="606984"/>
+                <a:chOff x="2769374" y="1445977"/>
+                <a:chExt cx="2836146" cy="1182052"/>
+              </a:xfrm>
+            </p:grpSpPr>
+            <p:sp>
+              <p:nvSpPr>
+                <p:cNvPr id="22" name="Google Shape;1491;p37">
+                  <a:extLst>
+                    <a:ext uri="{FF2B5EF4-FFF2-40B4-BE49-F238E27FC236}">
+                      <a16:creationId xmlns:a16="http://schemas.microsoft.com/office/drawing/2014/main" id="{A4FFD370-EA89-482C-ACFD-802E16A8564B}"/>
+                    </a:ext>
+                  </a:extLst>
+                </p:cNvPr>
+                <p:cNvSpPr/>
+                <p:nvPr/>
+              </p:nvSpPr>
+              <p:spPr>
+                <a:xfrm rot="5400000">
+                  <a:off x="2762190" y="1647418"/>
+                  <a:ext cx="846820" cy="832452"/>
+                </a:xfrm>
+                <a:custGeom>
+                  <a:avLst/>
+                  <a:gdLst/>
+                  <a:ahLst/>
+                  <a:cxnLst/>
+                  <a:rect l="l" t="t" r="r" b="b"/>
+                  <a:pathLst>
+                    <a:path w="37603" h="36965" extrusionOk="0">
+                      <a:moveTo>
+                        <a:pt x="18012" y="1"/>
+                      </a:moveTo>
+                      <a:cubicBezTo>
+                        <a:pt x="12008" y="1"/>
+                        <a:pt x="6168" y="626"/>
+                        <a:pt x="448" y="1595"/>
+                      </a:cubicBezTo>
+                      <a:cubicBezTo>
+                        <a:pt x="45" y="11397"/>
+                        <a:pt x="1" y="25684"/>
+                        <a:pt x="4693" y="31226"/>
+                      </a:cubicBezTo>
+                      <a:cubicBezTo>
+                        <a:pt x="7894" y="35011"/>
+                        <a:pt x="12966" y="36964"/>
+                        <a:pt x="18012" y="36964"/>
+                      </a:cubicBezTo>
+                      <a:cubicBezTo>
+                        <a:pt x="23394" y="36964"/>
+                        <a:pt x="28748" y="34743"/>
+                        <a:pt x="31777" y="30153"/>
+                      </a:cubicBezTo>
+                      <a:cubicBezTo>
+                        <a:pt x="37602" y="21304"/>
+                        <a:pt x="33744" y="8626"/>
+                        <a:pt x="32105" y="1058"/>
+                      </a:cubicBezTo>
+                      <a:cubicBezTo>
+                        <a:pt x="27487" y="448"/>
+                        <a:pt x="22809" y="1"/>
+                        <a:pt x="18012" y="1"/>
+                      </a:cubicBezTo>
+                      <a:close/>
+                    </a:path>
+                  </a:pathLst>
+                </a:custGeom>
+                <a:solidFill>
+                  <a:schemeClr val="accent3"/>
+                </a:solidFill>
+                <a:ln>
+                  <a:noFill/>
+                </a:ln>
+              </p:spPr>
+              <p:txBody>
+                <a:bodyPr spcFirstLastPara="1" wrap="square" lIns="91425" tIns="91425" rIns="91425" bIns="91425" anchor="ctr" anchorCtr="0">
+                  <a:noAutofit/>
+                </a:bodyPr>
+                <a:lstStyle/>
+                <a:p>
+                  <a:pPr marL="0" lvl="0" indent="0" algn="l" rtl="0">
+                    <a:spcBef>
+                      <a:spcPts val="0"/>
+                    </a:spcBef>
+                    <a:spcAft>
+                      <a:spcPts val="0"/>
+                    </a:spcAft>
+                    <a:buNone/>
+                  </a:pPr>
+                  <a:endParaRPr/>
+                </a:p>
+              </p:txBody>
+            </p:sp>
+            <p:sp>
+              <p:nvSpPr>
+                <p:cNvPr id="23" name="Google Shape;1492;p37">
+                  <a:extLst>
+                    <a:ext uri="{FF2B5EF4-FFF2-40B4-BE49-F238E27FC236}">
+                      <a16:creationId xmlns:a16="http://schemas.microsoft.com/office/drawing/2014/main" id="{A24420E3-4A6D-4E6E-99AC-80305E206E4E}"/>
+                    </a:ext>
+                  </a:extLst>
+                </p:cNvPr>
+                <p:cNvSpPr/>
+                <p:nvPr/>
+              </p:nvSpPr>
+              <p:spPr>
+                <a:xfrm rot="5400000">
+                  <a:off x="4044501" y="1067010"/>
+                  <a:ext cx="1182052" cy="1939985"/>
+                </a:xfrm>
+                <a:custGeom>
+                  <a:avLst/>
+                  <a:gdLst/>
+                  <a:ahLst/>
+                  <a:cxnLst/>
+                  <a:rect l="l" t="t" r="r" b="b"/>
+                  <a:pathLst>
+                    <a:path w="52489" h="86145" extrusionOk="0">
+                      <a:moveTo>
+                        <a:pt x="30776" y="1"/>
+                      </a:moveTo>
+                      <a:cubicBezTo>
+                        <a:pt x="30663" y="1"/>
+                        <a:pt x="30550" y="3"/>
+                        <a:pt x="30437" y="7"/>
+                      </a:cubicBezTo>
+                      <a:cubicBezTo>
+                        <a:pt x="15316" y="543"/>
+                        <a:pt x="1" y="35969"/>
+                        <a:pt x="4083" y="54129"/>
+                      </a:cubicBezTo>
+                      <a:cubicBezTo>
+                        <a:pt x="5558" y="60640"/>
+                        <a:pt x="9431" y="74077"/>
+                        <a:pt x="9431" y="81913"/>
+                      </a:cubicBezTo>
+                      <a:cubicBezTo>
+                        <a:pt x="9431" y="82867"/>
+                        <a:pt x="9357" y="84342"/>
+                        <a:pt x="9282" y="86144"/>
+                      </a:cubicBezTo>
+                      <a:cubicBezTo>
+                        <a:pt x="14943" y="85235"/>
+                        <a:pt x="20723" y="84625"/>
+                        <a:pt x="26653" y="84625"/>
+                      </a:cubicBezTo>
+                      <a:cubicBezTo>
+                        <a:pt x="31182" y="84625"/>
+                        <a:pt x="35621" y="84997"/>
+                        <a:pt x="40016" y="85533"/>
+                      </a:cubicBezTo>
+                      <a:cubicBezTo>
+                        <a:pt x="39584" y="81288"/>
+                        <a:pt x="39450" y="74718"/>
+                        <a:pt x="40954" y="68014"/>
+                      </a:cubicBezTo>
+                      <a:cubicBezTo>
+                        <a:pt x="42980" y="58941"/>
+                        <a:pt x="47211" y="49496"/>
+                        <a:pt x="48954" y="44699"/>
+                      </a:cubicBezTo>
+                      <a:cubicBezTo>
+                        <a:pt x="52488" y="34985"/>
+                        <a:pt x="45676" y="1"/>
+                        <a:pt x="30776" y="1"/>
+                      </a:cubicBezTo>
+                      <a:close/>
+                    </a:path>
+                  </a:pathLst>
+                </a:custGeom>
+                <a:solidFill>
+                  <a:schemeClr val="accent3"/>
+                </a:solidFill>
+                <a:ln>
+                  <a:noFill/>
+                </a:ln>
+              </p:spPr>
+              <p:txBody>
+                <a:bodyPr spcFirstLastPara="1" wrap="square" lIns="91425" tIns="91425" rIns="91425" bIns="91425" anchor="ctr" anchorCtr="0">
+                  <a:noAutofit/>
+                </a:bodyPr>
+                <a:lstStyle/>
+                <a:p>
+                  <a:pPr marL="0" lvl="0" indent="0" algn="l" rtl="0">
+                    <a:spcBef>
+                      <a:spcPts val="0"/>
+                    </a:spcBef>
+                    <a:spcAft>
+                      <a:spcPts val="0"/>
+                    </a:spcAft>
+                    <a:buNone/>
+                  </a:pPr>
+                  <a:endParaRPr/>
+                </a:p>
+              </p:txBody>
+            </p:sp>
+          </p:grpSp>
+        </p:grpSp>
+        <p:grpSp>
+          <p:nvGrpSpPr>
+            <p:cNvPr id="36" name="Google Shape;1503;p37">
+              <a:extLst>
+                <a:ext uri="{FF2B5EF4-FFF2-40B4-BE49-F238E27FC236}">
+                  <a16:creationId xmlns:a16="http://schemas.microsoft.com/office/drawing/2014/main" id="{FAA05951-1C6A-493E-8FE6-7978CAA67BCD}"/>
                 </a:ext>
               </a:extLst>
             </p:cNvPr>
@@ -12028,18 +12992,18 @@
           </p:nvGrpSpPr>
           <p:grpSpPr>
             <a:xfrm>
-              <a:off x="1205944" y="2640041"/>
-              <a:ext cx="1456361" cy="607035"/>
-              <a:chOff x="1205944" y="2640041"/>
-              <a:chExt cx="1456361" cy="607035"/>
+              <a:off x="3787580" y="3977441"/>
+              <a:ext cx="1270887" cy="815000"/>
+              <a:chOff x="4909300" y="2820575"/>
+              <a:chExt cx="1270887" cy="815000"/>
             </a:xfrm>
           </p:grpSpPr>
           <p:sp>
             <p:nvSpPr>
-              <p:cNvPr id="8" name="Google Shape;1477;p37">
+              <p:cNvPr id="37" name="Google Shape;1504;p37">
                 <a:extLst>
                   <a:ext uri="{FF2B5EF4-FFF2-40B4-BE49-F238E27FC236}">
-                    <a16:creationId xmlns:a16="http://schemas.microsoft.com/office/drawing/2014/main" id="{D0A7399E-1AD1-4C9D-B7A1-502F82176234}"/>
+                    <a16:creationId xmlns:a16="http://schemas.microsoft.com/office/drawing/2014/main" id="{4FA837FE-27A8-4017-9634-425DEDE3351F}"/>
                   </a:ext>
                 </a:extLst>
               </p:cNvPr>
@@ -12047,58 +13011,14 @@
               <p:nvPr/>
             </p:nvSpPr>
             <p:spPr>
-              <a:xfrm rot="5400000">
-                <a:off x="1202255" y="2743481"/>
-                <a:ext cx="434842" cy="427464"/>
+              <a:xfrm>
+                <a:off x="4909300" y="2820575"/>
+                <a:ext cx="1270800" cy="260100"/>
               </a:xfrm>
-              <a:custGeom>
+              <a:prstGeom prst="rect">
                 <a:avLst/>
-                <a:gdLst/>
-                <a:ahLst/>
-                <a:cxnLst/>
-                <a:rect l="l" t="t" r="r" b="b"/>
-                <a:pathLst>
-                  <a:path w="37603" h="36965" extrusionOk="0">
-                    <a:moveTo>
-                      <a:pt x="18012" y="1"/>
-                    </a:moveTo>
-                    <a:cubicBezTo>
-                      <a:pt x="12008" y="1"/>
-                      <a:pt x="6168" y="626"/>
-                      <a:pt x="448" y="1595"/>
-                    </a:cubicBezTo>
-                    <a:cubicBezTo>
-                      <a:pt x="45" y="11397"/>
-                      <a:pt x="1" y="25684"/>
-                      <a:pt x="4693" y="31226"/>
-                    </a:cubicBezTo>
-                    <a:cubicBezTo>
-                      <a:pt x="7894" y="35011"/>
-                      <a:pt x="12966" y="36964"/>
-                      <a:pt x="18012" y="36964"/>
-                    </a:cubicBezTo>
-                    <a:cubicBezTo>
-                      <a:pt x="23394" y="36964"/>
-                      <a:pt x="28748" y="34743"/>
-                      <a:pt x="31777" y="30153"/>
-                    </a:cubicBezTo>
-                    <a:cubicBezTo>
-                      <a:pt x="37602" y="21304"/>
-                      <a:pt x="33744" y="8626"/>
-                      <a:pt x="32105" y="1058"/>
-                    </a:cubicBezTo>
-                    <a:cubicBezTo>
-                      <a:pt x="27487" y="448"/>
-                      <a:pt x="22809" y="1"/>
-                      <a:pt x="18012" y="1"/>
-                    </a:cubicBezTo>
-                    <a:close/>
-                  </a:path>
-                </a:pathLst>
-              </a:custGeom>
-              <a:solidFill>
-                <a:schemeClr val="dk2"/>
-              </a:solidFill>
+              </a:prstGeom>
+              <a:noFill/>
               <a:ln>
                 <a:noFill/>
               </a:ln>
@@ -12109,7 +13029,7 @@
               </a:bodyPr>
               <a:lstStyle/>
               <a:p>
-                <a:pPr marL="0" lvl="0" indent="0" algn="l" rtl="0">
+                <a:pPr marL="0" lvl="0" indent="0" algn="ctr" rtl="0">
                   <a:spcBef>
                     <a:spcPts val="0"/>
                   </a:spcBef>
@@ -12118,90 +13038,51 @@
                   </a:spcAft>
                   <a:buNone/>
                 </a:pPr>
-                <a:endParaRPr/>
+                <a:r>
+                  <a:rPr lang="en" sz="2000" b="1" dirty="0">
+                    <a:solidFill>
+                      <a:schemeClr val="accent3"/>
+                    </a:solidFill>
+                    <a:latin typeface="Fira Sans Extra Condensed SemiBold"/>
+                    <a:ea typeface="Fira Sans Extra Condensed SemiBold"/>
+                    <a:cs typeface="Fira Sans Extra Condensed SemiBold"/>
+                    <a:sym typeface="Fira Sans Extra Condensed SemiBold"/>
+                  </a:rPr>
+                  <a:t>Step 3</a:t>
+                </a:r>
+                <a:endParaRPr sz="2000" b="1" dirty="0">
+                  <a:solidFill>
+                    <a:schemeClr val="accent3"/>
+                  </a:solidFill>
+                  <a:latin typeface="Fira Sans Extra Condensed SemiBold"/>
+                  <a:ea typeface="Fira Sans Extra Condensed SemiBold"/>
+                  <a:cs typeface="Fira Sans Extra Condensed SemiBold"/>
+                  <a:sym typeface="Fira Sans Extra Condensed SemiBold"/>
+                </a:endParaRPr>
               </a:p>
             </p:txBody>
           </p:sp>
           <p:sp>
             <p:nvSpPr>
-              <p:cNvPr id="9" name="Google Shape;1478;p37">
+              <p:cNvPr id="38" name="Google Shape;1505;p37">
                 <a:extLst>
                   <a:ext uri="{FF2B5EF4-FFF2-40B4-BE49-F238E27FC236}">
-                    <a16:creationId xmlns:a16="http://schemas.microsoft.com/office/drawing/2014/main" id="{D7BE9FCD-49BC-4074-9847-CDC803EA4F8F}"/>
+                    <a16:creationId xmlns:a16="http://schemas.microsoft.com/office/drawing/2014/main" id="{723B8599-399A-4844-A7DF-C164A6A09932}"/>
                   </a:ext>
                 </a:extLst>
               </p:cNvPr>
-              <p:cNvSpPr/>
+              <p:cNvSpPr txBox="1"/>
               <p:nvPr/>
             </p:nvSpPr>
             <p:spPr>
-              <a:xfrm rot="5400000">
-                <a:off x="1860654" y="2445425"/>
-                <a:ext cx="607035" cy="996267"/>
+              <a:xfrm>
+                <a:off x="4909387" y="3149275"/>
+                <a:ext cx="1270800" cy="486300"/>
               </a:xfrm>
-              <a:custGeom>
+              <a:prstGeom prst="rect">
                 <a:avLst/>
-                <a:gdLst/>
-                <a:ahLst/>
-                <a:cxnLst/>
-                <a:rect l="l" t="t" r="r" b="b"/>
-                <a:pathLst>
-                  <a:path w="52489" h="86145" extrusionOk="0">
-                    <a:moveTo>
-                      <a:pt x="30776" y="1"/>
-                    </a:moveTo>
-                    <a:cubicBezTo>
-                      <a:pt x="30663" y="1"/>
-                      <a:pt x="30550" y="3"/>
-                      <a:pt x="30437" y="7"/>
-                    </a:cubicBezTo>
-                    <a:cubicBezTo>
-                      <a:pt x="15316" y="543"/>
-                      <a:pt x="1" y="35969"/>
-                      <a:pt x="4083" y="54129"/>
-                    </a:cubicBezTo>
-                    <a:cubicBezTo>
-                      <a:pt x="5558" y="60640"/>
-                      <a:pt x="9431" y="74077"/>
-                      <a:pt x="9431" y="81913"/>
-                    </a:cubicBezTo>
-                    <a:cubicBezTo>
-                      <a:pt x="9431" y="82867"/>
-                      <a:pt x="9357" y="84342"/>
-                      <a:pt x="9282" y="86144"/>
-                    </a:cubicBezTo>
-                    <a:cubicBezTo>
-                      <a:pt x="14943" y="85235"/>
-                      <a:pt x="20723" y="84625"/>
-                      <a:pt x="26653" y="84625"/>
-                    </a:cubicBezTo>
-                    <a:cubicBezTo>
-                      <a:pt x="31182" y="84625"/>
-                      <a:pt x="35621" y="84997"/>
-                      <a:pt x="40016" y="85533"/>
-                    </a:cubicBezTo>
-                    <a:cubicBezTo>
-                      <a:pt x="39584" y="81288"/>
-                      <a:pt x="39450" y="74718"/>
-                      <a:pt x="40954" y="68014"/>
-                    </a:cubicBezTo>
-                    <a:cubicBezTo>
-                      <a:pt x="42980" y="58941"/>
-                      <a:pt x="47211" y="49496"/>
-                      <a:pt x="48954" y="44699"/>
-                    </a:cubicBezTo>
-                    <a:cubicBezTo>
-                      <a:pt x="52488" y="34985"/>
-                      <a:pt x="45676" y="1"/>
-                      <a:pt x="30776" y="1"/>
-                    </a:cubicBezTo>
-                    <a:close/>
-                  </a:path>
-                </a:pathLst>
-              </a:custGeom>
-              <a:solidFill>
-                <a:schemeClr val="dk2"/>
-              </a:solidFill>
+              </a:prstGeom>
+              <a:noFill/>
               <a:ln>
                 <a:noFill/>
               </a:ln>
@@ -12212,7 +13093,7 @@
               </a:bodyPr>
               <a:lstStyle/>
               <a:p>
-                <a:pPr marL="0" lvl="0" indent="0" algn="l" rtl="0">
+                <a:pPr marL="0" lvl="0" indent="0" algn="ctr" rtl="0">
                   <a:spcBef>
                     <a:spcPts val="0"/>
                   </a:spcBef>
@@ -12221,7 +13102,24 @@
                   </a:spcAft>
                   <a:buNone/>
                 </a:pPr>
-                <a:endParaRPr/>
+                <a:r>
+                  <a:rPr lang="it-IT" sz="1200" dirty="0">
+                    <a:solidFill>
+                      <a:schemeClr val="dk1"/>
+                    </a:solidFill>
+                    <a:latin typeface="Fira Sans Extra Condensed"/>
+                    <a:ea typeface="Fira Sans Extra Condensed"/>
+                    <a:cs typeface="Fira Sans Extra Condensed"/>
+                    <a:sym typeface="Fira Sans Extra Condensed"/>
+                  </a:rPr>
+                  <a:t>Analisi dei rischi</a:t>
+                </a:r>
+                <a:endParaRPr lang="it-IT" sz="1200" dirty="0">
+                  <a:latin typeface="Fira Sans Extra Condensed"/>
+                  <a:ea typeface="Fira Sans Extra Condensed"/>
+                  <a:cs typeface="Fira Sans Extra Condensed"/>
+                  <a:sym typeface="Fira Sans Extra Condensed"/>
+                </a:endParaRPr>
               </a:p>
             </p:txBody>
           </p:sp>
@@ -12229,32 +13127,477 @@
       </p:grpSp>
       <p:grpSp>
         <p:nvGrpSpPr>
-          <p:cNvPr id="12" name="Google Shape;1479;p37">
+          <p:cNvPr id="65" name="Gruppo 64">
             <a:extLst>
               <a:ext uri="{FF2B5EF4-FFF2-40B4-BE49-F238E27FC236}">
-                <a16:creationId xmlns:a16="http://schemas.microsoft.com/office/drawing/2014/main" id="{051CBFBC-ECDA-403D-80E7-9BF2463CA936}"/>
+                <a16:creationId xmlns:a16="http://schemas.microsoft.com/office/drawing/2014/main" id="{4A708722-C740-4899-97E7-0ACF43F40952}"/>
               </a:ext>
             </a:extLst>
           </p:cNvPr>
-          <p:cNvGrpSpPr>
-            <a:grpSpLocks noChangeAspect="1"/>
-          </p:cNvGrpSpPr>
+          <p:cNvGrpSpPr/>
           <p:nvPr/>
         </p:nvGrpSpPr>
         <p:grpSpPr>
-          <a:xfrm rot="1525909">
-            <a:off x="2025509" y="4247468"/>
-            <a:ext cx="1368000" cy="612515"/>
-            <a:chOff x="2908886" y="3402589"/>
-            <a:chExt cx="1567652" cy="701909"/>
+          <a:xfrm>
+            <a:off x="2025509" y="3422916"/>
+            <a:ext cx="1549204" cy="1437067"/>
+            <a:chOff x="2025509" y="3422916"/>
+            <a:chExt cx="1549204" cy="1437067"/>
           </a:xfrm>
         </p:grpSpPr>
         <p:grpSp>
           <p:nvGrpSpPr>
-            <p:cNvPr id="13" name="Google Shape;1480;p37">
+            <p:cNvPr id="12" name="Google Shape;1479;p37">
               <a:extLst>
                 <a:ext uri="{FF2B5EF4-FFF2-40B4-BE49-F238E27FC236}">
-                  <a16:creationId xmlns:a16="http://schemas.microsoft.com/office/drawing/2014/main" id="{8237D38F-3FD4-4753-9BA9-E27647014DA7}"/>
+                  <a16:creationId xmlns:a16="http://schemas.microsoft.com/office/drawing/2014/main" id="{051CBFBC-ECDA-403D-80E7-9BF2463CA936}"/>
+                </a:ext>
+              </a:extLst>
+            </p:cNvPr>
+            <p:cNvGrpSpPr>
+              <a:grpSpLocks noChangeAspect="1"/>
+            </p:cNvGrpSpPr>
+            <p:nvPr/>
+          </p:nvGrpSpPr>
+          <p:grpSpPr>
+            <a:xfrm rot="1525909">
+              <a:off x="2025509" y="4247468"/>
+              <a:ext cx="1368000" cy="612515"/>
+              <a:chOff x="2908886" y="3402589"/>
+              <a:chExt cx="1567652" cy="701909"/>
+            </a:xfrm>
+          </p:grpSpPr>
+          <p:grpSp>
+            <p:nvGrpSpPr>
+              <p:cNvPr id="13" name="Google Shape;1480;p37">
+                <a:extLst>
+                  <a:ext uri="{FF2B5EF4-FFF2-40B4-BE49-F238E27FC236}">
+                    <a16:creationId xmlns:a16="http://schemas.microsoft.com/office/drawing/2014/main" id="{8237D38F-3FD4-4753-9BA9-E27647014DA7}"/>
+                  </a:ext>
+                </a:extLst>
+              </p:cNvPr>
+              <p:cNvGrpSpPr/>
+              <p:nvPr/>
+            </p:nvGrpSpPr>
+            <p:grpSpPr>
+              <a:xfrm rot="10800000" flipH="1">
+                <a:off x="2908886" y="3402589"/>
+                <a:ext cx="1567652" cy="701909"/>
+                <a:chOff x="1172511" y="2592577"/>
+                <a:chExt cx="1567652" cy="701909"/>
+              </a:xfrm>
+            </p:grpSpPr>
+            <p:sp>
+              <p:nvSpPr>
+                <p:cNvPr id="17" name="Google Shape;1481;p37">
+                  <a:extLst>
+                    <a:ext uri="{FF2B5EF4-FFF2-40B4-BE49-F238E27FC236}">
+                      <a16:creationId xmlns:a16="http://schemas.microsoft.com/office/drawing/2014/main" id="{8027308A-E6EE-405C-AB9E-AC345CA733B0}"/>
+                    </a:ext>
+                  </a:extLst>
+                </p:cNvPr>
+                <p:cNvSpPr/>
+                <p:nvPr/>
+              </p:nvSpPr>
+              <p:spPr>
+                <a:xfrm rot="5400000">
+                  <a:off x="1168245" y="2710055"/>
+                  <a:ext cx="502846" cy="494314"/>
+                </a:xfrm>
+                <a:custGeom>
+                  <a:avLst/>
+                  <a:gdLst/>
+                  <a:ahLst/>
+                  <a:cxnLst/>
+                  <a:rect l="l" t="t" r="r" b="b"/>
+                  <a:pathLst>
+                    <a:path w="37603" h="36965" extrusionOk="0">
+                      <a:moveTo>
+                        <a:pt x="18012" y="1"/>
+                      </a:moveTo>
+                      <a:cubicBezTo>
+                        <a:pt x="12008" y="1"/>
+                        <a:pt x="6168" y="626"/>
+                        <a:pt x="448" y="1595"/>
+                      </a:cubicBezTo>
+                      <a:cubicBezTo>
+                        <a:pt x="45" y="11397"/>
+                        <a:pt x="1" y="25684"/>
+                        <a:pt x="4693" y="31226"/>
+                      </a:cubicBezTo>
+                      <a:cubicBezTo>
+                        <a:pt x="7894" y="35011"/>
+                        <a:pt x="12966" y="36964"/>
+                        <a:pt x="18012" y="36964"/>
+                      </a:cubicBezTo>
+                      <a:cubicBezTo>
+                        <a:pt x="23394" y="36964"/>
+                        <a:pt x="28748" y="34743"/>
+                        <a:pt x="31777" y="30153"/>
+                      </a:cubicBezTo>
+                      <a:cubicBezTo>
+                        <a:pt x="37602" y="21304"/>
+                        <a:pt x="33744" y="8626"/>
+                        <a:pt x="32105" y="1058"/>
+                      </a:cubicBezTo>
+                      <a:cubicBezTo>
+                        <a:pt x="27487" y="448"/>
+                        <a:pt x="22809" y="1"/>
+                        <a:pt x="18012" y="1"/>
+                      </a:cubicBezTo>
+                      <a:close/>
+                    </a:path>
+                  </a:pathLst>
+                </a:custGeom>
+                <a:solidFill>
+                  <a:srgbClr val="FFFFFF"/>
+                </a:solidFill>
+                <a:ln>
+                  <a:noFill/>
+                </a:ln>
+              </p:spPr>
+              <p:txBody>
+                <a:bodyPr spcFirstLastPara="1" wrap="square" lIns="91425" tIns="91425" rIns="91425" bIns="91425" anchor="ctr" anchorCtr="0">
+                  <a:noAutofit/>
+                </a:bodyPr>
+                <a:lstStyle/>
+                <a:p>
+                  <a:pPr marL="0" lvl="0" indent="0" algn="l" rtl="0">
+                    <a:spcBef>
+                      <a:spcPts val="0"/>
+                    </a:spcBef>
+                    <a:spcAft>
+                      <a:spcPts val="0"/>
+                    </a:spcAft>
+                    <a:buNone/>
+                  </a:pPr>
+                  <a:endParaRPr/>
+                </a:p>
+              </p:txBody>
+            </p:sp>
+            <p:sp>
+              <p:nvSpPr>
+                <p:cNvPr id="18" name="Google Shape;1482;p37">
+                  <a:extLst>
+                    <a:ext uri="{FF2B5EF4-FFF2-40B4-BE49-F238E27FC236}">
+                      <a16:creationId xmlns:a16="http://schemas.microsoft.com/office/drawing/2014/main" id="{FA6440B5-C73C-416F-A74D-77FCE0AC6D67}"/>
+                    </a:ext>
+                  </a:extLst>
+                </p:cNvPr>
+                <p:cNvSpPr/>
+                <p:nvPr/>
+              </p:nvSpPr>
+              <p:spPr>
+                <a:xfrm rot="5400000">
+                  <a:off x="1813222" y="2367544"/>
+                  <a:ext cx="701909" cy="1151974"/>
+                </a:xfrm>
+                <a:custGeom>
+                  <a:avLst/>
+                  <a:gdLst/>
+                  <a:ahLst/>
+                  <a:cxnLst/>
+                  <a:rect l="l" t="t" r="r" b="b"/>
+                  <a:pathLst>
+                    <a:path w="52489" h="86145" extrusionOk="0">
+                      <a:moveTo>
+                        <a:pt x="30776" y="1"/>
+                      </a:moveTo>
+                      <a:cubicBezTo>
+                        <a:pt x="30663" y="1"/>
+                        <a:pt x="30550" y="3"/>
+                        <a:pt x="30437" y="7"/>
+                      </a:cubicBezTo>
+                      <a:cubicBezTo>
+                        <a:pt x="15316" y="543"/>
+                        <a:pt x="1" y="35969"/>
+                        <a:pt x="4083" y="54129"/>
+                      </a:cubicBezTo>
+                      <a:cubicBezTo>
+                        <a:pt x="5558" y="60640"/>
+                        <a:pt x="9431" y="74077"/>
+                        <a:pt x="9431" y="81913"/>
+                      </a:cubicBezTo>
+                      <a:cubicBezTo>
+                        <a:pt x="9431" y="82867"/>
+                        <a:pt x="9357" y="84342"/>
+                        <a:pt x="9282" y="86144"/>
+                      </a:cubicBezTo>
+                      <a:cubicBezTo>
+                        <a:pt x="14943" y="85235"/>
+                        <a:pt x="20723" y="84625"/>
+                        <a:pt x="26653" y="84625"/>
+                      </a:cubicBezTo>
+                      <a:cubicBezTo>
+                        <a:pt x="31182" y="84625"/>
+                        <a:pt x="35621" y="84997"/>
+                        <a:pt x="40016" y="85533"/>
+                      </a:cubicBezTo>
+                      <a:cubicBezTo>
+                        <a:pt x="39584" y="81288"/>
+                        <a:pt x="39450" y="74718"/>
+                        <a:pt x="40954" y="68014"/>
+                      </a:cubicBezTo>
+                      <a:cubicBezTo>
+                        <a:pt x="42980" y="58941"/>
+                        <a:pt x="47211" y="49496"/>
+                        <a:pt x="48954" y="44699"/>
+                      </a:cubicBezTo>
+                      <a:cubicBezTo>
+                        <a:pt x="52488" y="34985"/>
+                        <a:pt x="45676" y="1"/>
+                        <a:pt x="30776" y="1"/>
+                      </a:cubicBezTo>
+                      <a:close/>
+                    </a:path>
+                  </a:pathLst>
+                </a:custGeom>
+                <a:solidFill>
+                  <a:srgbClr val="FFFFFF"/>
+                </a:solidFill>
+                <a:ln>
+                  <a:noFill/>
+                </a:ln>
+              </p:spPr>
+              <p:txBody>
+                <a:bodyPr spcFirstLastPara="1" wrap="square" lIns="91425" tIns="91425" rIns="91425" bIns="91425" anchor="ctr" anchorCtr="0">
+                  <a:noAutofit/>
+                </a:bodyPr>
+                <a:lstStyle/>
+                <a:p>
+                  <a:pPr marL="0" lvl="0" indent="0" algn="l" rtl="0">
+                    <a:spcBef>
+                      <a:spcPts val="0"/>
+                    </a:spcBef>
+                    <a:spcAft>
+                      <a:spcPts val="0"/>
+                    </a:spcAft>
+                    <a:buNone/>
+                  </a:pPr>
+                  <a:endParaRPr/>
+                </a:p>
+              </p:txBody>
+            </p:sp>
+          </p:grpSp>
+          <p:grpSp>
+            <p:nvGrpSpPr>
+              <p:cNvPr id="14" name="Google Shape;1483;p37">
+                <a:extLst>
+                  <a:ext uri="{FF2B5EF4-FFF2-40B4-BE49-F238E27FC236}">
+                    <a16:creationId xmlns:a16="http://schemas.microsoft.com/office/drawing/2014/main" id="{AE798234-BA5B-4496-B1AA-6F195CBAC4B9}"/>
+                  </a:ext>
+                </a:extLst>
+              </p:cNvPr>
+              <p:cNvGrpSpPr/>
+              <p:nvPr/>
+            </p:nvGrpSpPr>
+            <p:grpSpPr>
+              <a:xfrm>
+                <a:off x="2964607" y="3450054"/>
+                <a:ext cx="1456211" cy="606972"/>
+                <a:chOff x="3539287" y="3023413"/>
+                <a:chExt cx="2835854" cy="1182030"/>
+              </a:xfrm>
+            </p:grpSpPr>
+            <p:sp>
+              <p:nvSpPr>
+                <p:cNvPr id="15" name="Google Shape;1484;p37">
+                  <a:extLst>
+                    <a:ext uri="{FF2B5EF4-FFF2-40B4-BE49-F238E27FC236}">
+                      <a16:creationId xmlns:a16="http://schemas.microsoft.com/office/drawing/2014/main" id="{E74FD6F8-C750-42C6-A142-82FAC52E5BD9}"/>
+                    </a:ext>
+                  </a:extLst>
+                </p:cNvPr>
+                <p:cNvSpPr/>
+                <p:nvPr/>
+              </p:nvSpPr>
+              <p:spPr>
+                <a:xfrm rot="5400000">
+                  <a:off x="3520720" y="3191333"/>
+                  <a:ext cx="837406" cy="800271"/>
+                </a:xfrm>
+                <a:custGeom>
+                  <a:avLst/>
+                  <a:gdLst/>
+                  <a:ahLst/>
+                  <a:cxnLst/>
+                  <a:rect l="l" t="t" r="r" b="b"/>
+                  <a:pathLst>
+                    <a:path w="37185" h="35536" extrusionOk="0">
+                      <a:moveTo>
+                        <a:pt x="19218" y="0"/>
+                      </a:moveTo>
+                      <a:cubicBezTo>
+                        <a:pt x="14317" y="0"/>
+                        <a:pt x="9520" y="462"/>
+                        <a:pt x="4813" y="1102"/>
+                      </a:cubicBezTo>
+                      <a:cubicBezTo>
+                        <a:pt x="3055" y="8775"/>
+                        <a:pt x="1" y="20454"/>
+                        <a:pt x="5453" y="28722"/>
+                      </a:cubicBezTo>
+                      <a:cubicBezTo>
+                        <a:pt x="8484" y="33314"/>
+                        <a:pt x="13841" y="35535"/>
+                        <a:pt x="19225" y="35535"/>
+                      </a:cubicBezTo>
+                      <a:cubicBezTo>
+                        <a:pt x="24270" y="35535"/>
+                        <a:pt x="29337" y="33586"/>
+                        <a:pt x="32537" y="29810"/>
+                      </a:cubicBezTo>
+                      <a:cubicBezTo>
+                        <a:pt x="37006" y="24521"/>
+                        <a:pt x="37185" y="11307"/>
+                        <a:pt x="36842" y="1594"/>
+                      </a:cubicBezTo>
+                      <a:cubicBezTo>
+                        <a:pt x="31107" y="626"/>
+                        <a:pt x="25237" y="0"/>
+                        <a:pt x="19218" y="0"/>
+                      </a:cubicBezTo>
+                      <a:close/>
+                    </a:path>
+                  </a:pathLst>
+                </a:custGeom>
+                <a:solidFill>
+                  <a:schemeClr val="accent1"/>
+                </a:solidFill>
+                <a:ln>
+                  <a:noFill/>
+                </a:ln>
+              </p:spPr>
+              <p:txBody>
+                <a:bodyPr spcFirstLastPara="1" wrap="square" lIns="91425" tIns="91425" rIns="91425" bIns="91425" anchor="ctr" anchorCtr="0">
+                  <a:noAutofit/>
+                </a:bodyPr>
+                <a:lstStyle/>
+                <a:p>
+                  <a:pPr marL="0" lvl="0" indent="0" algn="l" rtl="0">
+                    <a:spcBef>
+                      <a:spcPts val="0"/>
+                    </a:spcBef>
+                    <a:spcAft>
+                      <a:spcPts val="0"/>
+                    </a:spcAft>
+                    <a:buNone/>
+                  </a:pPr>
+                  <a:endParaRPr/>
+                </a:p>
+              </p:txBody>
+            </p:sp>
+            <p:sp>
+              <p:nvSpPr>
+                <p:cNvPr id="16" name="Google Shape;1485;p37">
+                  <a:extLst>
+                    <a:ext uri="{FF2B5EF4-FFF2-40B4-BE49-F238E27FC236}">
+                      <a16:creationId xmlns:a16="http://schemas.microsoft.com/office/drawing/2014/main" id="{DEA19138-735F-48C7-B72D-AFE776AD1A01}"/>
+                    </a:ext>
+                  </a:extLst>
+                </p:cNvPr>
+                <p:cNvSpPr/>
+                <p:nvPr/>
+              </p:nvSpPr>
+              <p:spPr>
+                <a:xfrm rot="5400000">
+                  <a:off x="4798201" y="2628502"/>
+                  <a:ext cx="1182030" cy="1971851"/>
+                </a:xfrm>
+                <a:custGeom>
+                  <a:avLst/>
+                  <a:gdLst/>
+                  <a:ahLst/>
+                  <a:cxnLst/>
+                  <a:rect l="l" t="t" r="r" b="b"/>
+                  <a:pathLst>
+                    <a:path w="52488" h="87560" extrusionOk="0">
+                      <a:moveTo>
+                        <a:pt x="21712" y="1"/>
+                      </a:moveTo>
+                      <a:cubicBezTo>
+                        <a:pt x="6812" y="1"/>
+                        <a:pt x="0" y="34970"/>
+                        <a:pt x="3534" y="44685"/>
+                      </a:cubicBezTo>
+                      <a:cubicBezTo>
+                        <a:pt x="5277" y="49496"/>
+                        <a:pt x="9523" y="58941"/>
+                        <a:pt x="11534" y="68014"/>
+                      </a:cubicBezTo>
+                      <a:cubicBezTo>
+                        <a:pt x="13217" y="75522"/>
+                        <a:pt x="12875" y="82897"/>
+                        <a:pt x="12324" y="86964"/>
+                      </a:cubicBezTo>
+                      <a:cubicBezTo>
+                        <a:pt x="16763" y="86412"/>
+                        <a:pt x="21247" y="86040"/>
+                        <a:pt x="25850" y="86040"/>
+                      </a:cubicBezTo>
+                      <a:cubicBezTo>
+                        <a:pt x="31795" y="86040"/>
+                        <a:pt x="37590" y="86651"/>
+                        <a:pt x="43281" y="87560"/>
+                      </a:cubicBezTo>
+                      <a:cubicBezTo>
+                        <a:pt x="43176" y="85101"/>
+                        <a:pt x="43057" y="83105"/>
+                        <a:pt x="43057" y="81899"/>
+                      </a:cubicBezTo>
+                      <a:cubicBezTo>
+                        <a:pt x="43057" y="74062"/>
+                        <a:pt x="46931" y="60640"/>
+                        <a:pt x="48405" y="54130"/>
+                      </a:cubicBezTo>
+                      <a:cubicBezTo>
+                        <a:pt x="52487" y="35970"/>
+                        <a:pt x="37173" y="543"/>
+                        <a:pt x="22052" y="7"/>
+                      </a:cubicBezTo>
+                      <a:cubicBezTo>
+                        <a:pt x="21938" y="3"/>
+                        <a:pt x="21825" y="1"/>
+                        <a:pt x="21712" y="1"/>
+                      </a:cubicBezTo>
+                      <a:close/>
+                    </a:path>
+                  </a:pathLst>
+                </a:custGeom>
+                <a:solidFill>
+                  <a:schemeClr val="accent1"/>
+                </a:solidFill>
+                <a:ln>
+                  <a:noFill/>
+                </a:ln>
+              </p:spPr>
+              <p:txBody>
+                <a:bodyPr spcFirstLastPara="1" wrap="square" lIns="91425" tIns="91425" rIns="91425" bIns="91425" anchor="ctr" anchorCtr="0">
+                  <a:noAutofit/>
+                </a:bodyPr>
+                <a:lstStyle/>
+                <a:p>
+                  <a:pPr marL="0" lvl="0" indent="0" algn="l" rtl="0">
+                    <a:spcBef>
+                      <a:spcPts val="0"/>
+                    </a:spcBef>
+                    <a:spcAft>
+                      <a:spcPts val="0"/>
+                    </a:spcAft>
+                    <a:buNone/>
+                  </a:pPr>
+                  <a:endParaRPr/>
+                </a:p>
+              </p:txBody>
+            </p:sp>
+          </p:grpSp>
+        </p:grpSp>
+        <p:grpSp>
+          <p:nvGrpSpPr>
+            <p:cNvPr id="39" name="Google Shape;1506;p37">
+              <a:extLst>
+                <a:ext uri="{FF2B5EF4-FFF2-40B4-BE49-F238E27FC236}">
+                  <a16:creationId xmlns:a16="http://schemas.microsoft.com/office/drawing/2014/main" id="{E86326CA-F786-4D74-ADFA-5E4F327751F2}"/>
                 </a:ext>
               </a:extLst>
             </p:cNvPr>
@@ -12262,19 +13605,19 @@
             <p:nvPr/>
           </p:nvGrpSpPr>
           <p:grpSpPr>
-            <a:xfrm rot="10800000" flipH="1">
-              <a:off x="2908886" y="3402589"/>
-              <a:ext cx="1567652" cy="701909"/>
-              <a:chOff x="1172511" y="2592577"/>
-              <a:chExt cx="1567652" cy="701909"/>
+            <a:xfrm>
+              <a:off x="2303757" y="3422916"/>
+              <a:ext cx="1270956" cy="814933"/>
+              <a:chOff x="2955700" y="2820592"/>
+              <a:chExt cx="1270956" cy="814933"/>
             </a:xfrm>
           </p:grpSpPr>
           <p:sp>
             <p:nvSpPr>
-              <p:cNvPr id="17" name="Google Shape;1481;p37">
+              <p:cNvPr id="40" name="Google Shape;1507;p37">
                 <a:extLst>
                   <a:ext uri="{FF2B5EF4-FFF2-40B4-BE49-F238E27FC236}">
-                    <a16:creationId xmlns:a16="http://schemas.microsoft.com/office/drawing/2014/main" id="{8027308A-E6EE-405C-AB9E-AC345CA733B0}"/>
+                    <a16:creationId xmlns:a16="http://schemas.microsoft.com/office/drawing/2014/main" id="{46CEB1D2-C72B-4590-A8DF-BF7D5F1B2C27}"/>
                   </a:ext>
                 </a:extLst>
               </p:cNvPr>
@@ -12282,58 +13625,14 @@
               <p:nvPr/>
             </p:nvSpPr>
             <p:spPr>
-              <a:xfrm rot="5400000">
-                <a:off x="1168245" y="2710055"/>
-                <a:ext cx="502846" cy="494314"/>
+              <a:xfrm>
+                <a:off x="2955700" y="2820592"/>
+                <a:ext cx="1270800" cy="260100"/>
               </a:xfrm>
-              <a:custGeom>
+              <a:prstGeom prst="rect">
                 <a:avLst/>
-                <a:gdLst/>
-                <a:ahLst/>
-                <a:cxnLst/>
-                <a:rect l="l" t="t" r="r" b="b"/>
-                <a:pathLst>
-                  <a:path w="37603" h="36965" extrusionOk="0">
-                    <a:moveTo>
-                      <a:pt x="18012" y="1"/>
-                    </a:moveTo>
-                    <a:cubicBezTo>
-                      <a:pt x="12008" y="1"/>
-                      <a:pt x="6168" y="626"/>
-                      <a:pt x="448" y="1595"/>
-                    </a:cubicBezTo>
-                    <a:cubicBezTo>
-                      <a:pt x="45" y="11397"/>
-                      <a:pt x="1" y="25684"/>
-                      <a:pt x="4693" y="31226"/>
-                    </a:cubicBezTo>
-                    <a:cubicBezTo>
-                      <a:pt x="7894" y="35011"/>
-                      <a:pt x="12966" y="36964"/>
-                      <a:pt x="18012" y="36964"/>
-                    </a:cubicBezTo>
-                    <a:cubicBezTo>
-                      <a:pt x="23394" y="36964"/>
-                      <a:pt x="28748" y="34743"/>
-                      <a:pt x="31777" y="30153"/>
-                    </a:cubicBezTo>
-                    <a:cubicBezTo>
-                      <a:pt x="37602" y="21304"/>
-                      <a:pt x="33744" y="8626"/>
-                      <a:pt x="32105" y="1058"/>
-                    </a:cubicBezTo>
-                    <a:cubicBezTo>
-                      <a:pt x="27487" y="448"/>
-                      <a:pt x="22809" y="1"/>
-                      <a:pt x="18012" y="1"/>
-                    </a:cubicBezTo>
-                    <a:close/>
-                  </a:path>
-                </a:pathLst>
-              </a:custGeom>
-              <a:solidFill>
-                <a:srgbClr val="FFFFFF"/>
-              </a:solidFill>
+              </a:prstGeom>
+              <a:noFill/>
               <a:ln>
                 <a:noFill/>
               </a:ln>
@@ -12344,7 +13643,7 @@
               </a:bodyPr>
               <a:lstStyle/>
               <a:p>
-                <a:pPr marL="0" lvl="0" indent="0" algn="l" rtl="0">
+                <a:pPr marL="0" lvl="0" indent="0" algn="ctr" rtl="0">
                   <a:spcBef>
                     <a:spcPts val="0"/>
                   </a:spcBef>
@@ -12353,90 +13652,51 @@
                   </a:spcAft>
                   <a:buNone/>
                 </a:pPr>
-                <a:endParaRPr/>
+                <a:r>
+                  <a:rPr lang="en" sz="2000" b="1" dirty="0">
+                    <a:solidFill>
+                      <a:schemeClr val="accent1"/>
+                    </a:solidFill>
+                    <a:latin typeface="Fira Sans Extra Condensed SemiBold"/>
+                    <a:ea typeface="Fira Sans Extra Condensed SemiBold"/>
+                    <a:cs typeface="Fira Sans Extra Condensed SemiBold"/>
+                    <a:sym typeface="Fira Sans Extra Condensed SemiBold"/>
+                  </a:rPr>
+                  <a:t>Step 2</a:t>
+                </a:r>
+                <a:endParaRPr sz="2000" b="1" dirty="0">
+                  <a:solidFill>
+                    <a:schemeClr val="accent1"/>
+                  </a:solidFill>
+                  <a:latin typeface="Fira Sans Extra Condensed SemiBold"/>
+                  <a:ea typeface="Fira Sans Extra Condensed SemiBold"/>
+                  <a:cs typeface="Fira Sans Extra Condensed SemiBold"/>
+                  <a:sym typeface="Fira Sans Extra Condensed SemiBold"/>
+                </a:endParaRPr>
               </a:p>
             </p:txBody>
           </p:sp>
           <p:sp>
             <p:nvSpPr>
-              <p:cNvPr id="18" name="Google Shape;1482;p37">
+              <p:cNvPr id="41" name="Google Shape;1508;p37">
                 <a:extLst>
                   <a:ext uri="{FF2B5EF4-FFF2-40B4-BE49-F238E27FC236}">
-                    <a16:creationId xmlns:a16="http://schemas.microsoft.com/office/drawing/2014/main" id="{FA6440B5-C73C-416F-A74D-77FCE0AC6D67}"/>
+                    <a16:creationId xmlns:a16="http://schemas.microsoft.com/office/drawing/2014/main" id="{5AB28029-F96B-44E7-A51C-99445821BFE4}"/>
                   </a:ext>
                 </a:extLst>
               </p:cNvPr>
-              <p:cNvSpPr/>
+              <p:cNvSpPr txBox="1"/>
               <p:nvPr/>
             </p:nvSpPr>
             <p:spPr>
-              <a:xfrm rot="5400000">
-                <a:off x="1813222" y="2367544"/>
-                <a:ext cx="701909" cy="1151974"/>
+              <a:xfrm>
+                <a:off x="2955856" y="3149224"/>
+                <a:ext cx="1270800" cy="486300"/>
               </a:xfrm>
-              <a:custGeom>
+              <a:prstGeom prst="rect">
                 <a:avLst/>
-                <a:gdLst/>
-                <a:ahLst/>
-                <a:cxnLst/>
-                <a:rect l="l" t="t" r="r" b="b"/>
-                <a:pathLst>
-                  <a:path w="52489" h="86145" extrusionOk="0">
-                    <a:moveTo>
-                      <a:pt x="30776" y="1"/>
-                    </a:moveTo>
-                    <a:cubicBezTo>
-                      <a:pt x="30663" y="1"/>
-                      <a:pt x="30550" y="3"/>
-                      <a:pt x="30437" y="7"/>
-                    </a:cubicBezTo>
-                    <a:cubicBezTo>
-                      <a:pt x="15316" y="543"/>
-                      <a:pt x="1" y="35969"/>
-                      <a:pt x="4083" y="54129"/>
-                    </a:cubicBezTo>
-                    <a:cubicBezTo>
-                      <a:pt x="5558" y="60640"/>
-                      <a:pt x="9431" y="74077"/>
-                      <a:pt x="9431" y="81913"/>
-                    </a:cubicBezTo>
-                    <a:cubicBezTo>
-                      <a:pt x="9431" y="82867"/>
-                      <a:pt x="9357" y="84342"/>
-                      <a:pt x="9282" y="86144"/>
-                    </a:cubicBezTo>
-                    <a:cubicBezTo>
-                      <a:pt x="14943" y="85235"/>
-                      <a:pt x="20723" y="84625"/>
-                      <a:pt x="26653" y="84625"/>
-                    </a:cubicBezTo>
-                    <a:cubicBezTo>
-                      <a:pt x="31182" y="84625"/>
-                      <a:pt x="35621" y="84997"/>
-                      <a:pt x="40016" y="85533"/>
-                    </a:cubicBezTo>
-                    <a:cubicBezTo>
-                      <a:pt x="39584" y="81288"/>
-                      <a:pt x="39450" y="74718"/>
-                      <a:pt x="40954" y="68014"/>
-                    </a:cubicBezTo>
-                    <a:cubicBezTo>
-                      <a:pt x="42980" y="58941"/>
-                      <a:pt x="47211" y="49496"/>
-                      <a:pt x="48954" y="44699"/>
-                    </a:cubicBezTo>
-                    <a:cubicBezTo>
-                      <a:pt x="52488" y="34985"/>
-                      <a:pt x="45676" y="1"/>
-                      <a:pt x="30776" y="1"/>
-                    </a:cubicBezTo>
-                    <a:close/>
-                  </a:path>
-                </a:pathLst>
-              </a:custGeom>
-              <a:solidFill>
-                <a:srgbClr val="FFFFFF"/>
-              </a:solidFill>
+              </a:prstGeom>
+              <a:noFill/>
               <a:ln>
                 <a:noFill/>
               </a:ln>
@@ -12447,7 +13707,7 @@
               </a:bodyPr>
               <a:lstStyle/>
               <a:p>
-                <a:pPr marL="0" lvl="0" indent="0" algn="l" rtl="0">
+                <a:pPr marL="0" lvl="0" indent="0" algn="ctr" rtl="0">
                   <a:spcBef>
                     <a:spcPts val="0"/>
                   </a:spcBef>
@@ -12456,17 +13716,502 @@
                   </a:spcAft>
                   <a:buNone/>
                 </a:pPr>
-                <a:endParaRPr/>
+                <a:r>
+                  <a:rPr lang="it-IT" sz="1200" dirty="0">
+                    <a:solidFill>
+                      <a:schemeClr val="dk1"/>
+                    </a:solidFill>
+                    <a:latin typeface="Fira Sans Extra Condensed"/>
+                    <a:ea typeface="Fira Sans Extra Condensed"/>
+                    <a:cs typeface="Fira Sans Extra Condensed"/>
+                    <a:sym typeface="Fira Sans Extra Condensed"/>
+                  </a:rPr>
+                  <a:t>Modellazione del sistema</a:t>
+                </a:r>
+                <a:endParaRPr lang="it-IT" sz="1200" dirty="0">
+                  <a:latin typeface="Fira Sans Extra Condensed"/>
+                  <a:ea typeface="Fira Sans Extra Condensed"/>
+                  <a:cs typeface="Fira Sans Extra Condensed"/>
+                  <a:sym typeface="Fira Sans Extra Condensed"/>
+                </a:endParaRPr>
               </a:p>
             </p:txBody>
           </p:sp>
         </p:grpSp>
+      </p:grpSp>
+      <p:grpSp>
+        <p:nvGrpSpPr>
+          <p:cNvPr id="67" name="Gruppo 66">
+            <a:extLst>
+              <a:ext uri="{FF2B5EF4-FFF2-40B4-BE49-F238E27FC236}">
+                <a16:creationId xmlns:a16="http://schemas.microsoft.com/office/drawing/2014/main" id="{68EE6D60-AF14-4DDA-BE03-8DA329F32C48}"/>
+              </a:ext>
+            </a:extLst>
+          </p:cNvPr>
+          <p:cNvGrpSpPr/>
+          <p:nvPr/>
+        </p:nvGrpSpPr>
+        <p:grpSpPr>
+          <a:xfrm>
+            <a:off x="4964883" y="3010660"/>
+            <a:ext cx="1368000" cy="1874933"/>
+            <a:chOff x="4964883" y="3010660"/>
+            <a:chExt cx="1368000" cy="1874933"/>
+          </a:xfrm>
+        </p:grpSpPr>
         <p:grpSp>
           <p:nvGrpSpPr>
-            <p:cNvPr id="14" name="Google Shape;1483;p37">
+            <p:cNvPr id="26" name="Google Shape;1493;p37">
               <a:extLst>
                 <a:ext uri="{FF2B5EF4-FFF2-40B4-BE49-F238E27FC236}">
-                  <a16:creationId xmlns:a16="http://schemas.microsoft.com/office/drawing/2014/main" id="{AE798234-BA5B-4496-B1AA-6F195CBAC4B9}"/>
+                  <a16:creationId xmlns:a16="http://schemas.microsoft.com/office/drawing/2014/main" id="{5B071846-AA8A-411E-8C97-C66CC73F81F3}"/>
+                </a:ext>
+              </a:extLst>
+            </p:cNvPr>
+            <p:cNvGrpSpPr>
+              <a:grpSpLocks noChangeAspect="1"/>
+            </p:cNvGrpSpPr>
+            <p:nvPr/>
+          </p:nvGrpSpPr>
+          <p:grpSpPr>
+            <a:xfrm rot="20149990">
+              <a:off x="4964883" y="4273078"/>
+              <a:ext cx="1368000" cy="612515"/>
+              <a:chOff x="6426124" y="3402589"/>
+              <a:chExt cx="1567652" cy="701909"/>
+            </a:xfrm>
+          </p:grpSpPr>
+          <p:grpSp>
+            <p:nvGrpSpPr>
+              <p:cNvPr id="27" name="Google Shape;1494;p37">
+                <a:extLst>
+                  <a:ext uri="{FF2B5EF4-FFF2-40B4-BE49-F238E27FC236}">
+                    <a16:creationId xmlns:a16="http://schemas.microsoft.com/office/drawing/2014/main" id="{DEBF2C73-E03A-4285-A65C-7AF2CB02D4E3}"/>
+                  </a:ext>
+                </a:extLst>
+              </p:cNvPr>
+              <p:cNvGrpSpPr/>
+              <p:nvPr/>
+            </p:nvGrpSpPr>
+            <p:grpSpPr>
+              <a:xfrm rot="10800000" flipH="1">
+                <a:off x="6426124" y="3402589"/>
+                <a:ext cx="1567652" cy="701909"/>
+                <a:chOff x="1172511" y="2592577"/>
+                <a:chExt cx="1567652" cy="701909"/>
+              </a:xfrm>
+            </p:grpSpPr>
+            <p:sp>
+              <p:nvSpPr>
+                <p:cNvPr id="31" name="Google Shape;1495;p37">
+                  <a:extLst>
+                    <a:ext uri="{FF2B5EF4-FFF2-40B4-BE49-F238E27FC236}">
+                      <a16:creationId xmlns:a16="http://schemas.microsoft.com/office/drawing/2014/main" id="{1BB61DE6-59E1-49E1-A33A-7221F00F3ACE}"/>
+                    </a:ext>
+                  </a:extLst>
+                </p:cNvPr>
+                <p:cNvSpPr/>
+                <p:nvPr/>
+              </p:nvSpPr>
+              <p:spPr>
+                <a:xfrm rot="5400000">
+                  <a:off x="1168245" y="2710055"/>
+                  <a:ext cx="502846" cy="494314"/>
+                </a:xfrm>
+                <a:custGeom>
+                  <a:avLst/>
+                  <a:gdLst/>
+                  <a:ahLst/>
+                  <a:cxnLst/>
+                  <a:rect l="l" t="t" r="r" b="b"/>
+                  <a:pathLst>
+                    <a:path w="37603" h="36965" extrusionOk="0">
+                      <a:moveTo>
+                        <a:pt x="18012" y="1"/>
+                      </a:moveTo>
+                      <a:cubicBezTo>
+                        <a:pt x="12008" y="1"/>
+                        <a:pt x="6168" y="626"/>
+                        <a:pt x="448" y="1595"/>
+                      </a:cubicBezTo>
+                      <a:cubicBezTo>
+                        <a:pt x="45" y="11397"/>
+                        <a:pt x="1" y="25684"/>
+                        <a:pt x="4693" y="31226"/>
+                      </a:cubicBezTo>
+                      <a:cubicBezTo>
+                        <a:pt x="7894" y="35011"/>
+                        <a:pt x="12966" y="36964"/>
+                        <a:pt x="18012" y="36964"/>
+                      </a:cubicBezTo>
+                      <a:cubicBezTo>
+                        <a:pt x="23394" y="36964"/>
+                        <a:pt x="28748" y="34743"/>
+                        <a:pt x="31777" y="30153"/>
+                      </a:cubicBezTo>
+                      <a:cubicBezTo>
+                        <a:pt x="37602" y="21304"/>
+                        <a:pt x="33744" y="8626"/>
+                        <a:pt x="32105" y="1058"/>
+                      </a:cubicBezTo>
+                      <a:cubicBezTo>
+                        <a:pt x="27487" y="448"/>
+                        <a:pt x="22809" y="1"/>
+                        <a:pt x="18012" y="1"/>
+                      </a:cubicBezTo>
+                      <a:close/>
+                    </a:path>
+                  </a:pathLst>
+                </a:custGeom>
+                <a:solidFill>
+                  <a:srgbClr val="FFFFFF"/>
+                </a:solidFill>
+                <a:ln>
+                  <a:noFill/>
+                </a:ln>
+              </p:spPr>
+              <p:txBody>
+                <a:bodyPr spcFirstLastPara="1" wrap="square" lIns="91425" tIns="91425" rIns="91425" bIns="91425" anchor="ctr" anchorCtr="0">
+                  <a:noAutofit/>
+                </a:bodyPr>
+                <a:lstStyle/>
+                <a:p>
+                  <a:pPr marL="0" lvl="0" indent="0" algn="l" rtl="0">
+                    <a:spcBef>
+                      <a:spcPts val="0"/>
+                    </a:spcBef>
+                    <a:spcAft>
+                      <a:spcPts val="0"/>
+                    </a:spcAft>
+                    <a:buNone/>
+                  </a:pPr>
+                  <a:endParaRPr/>
+                </a:p>
+              </p:txBody>
+            </p:sp>
+            <p:sp>
+              <p:nvSpPr>
+                <p:cNvPr id="32" name="Google Shape;1496;p37">
+                  <a:extLst>
+                    <a:ext uri="{FF2B5EF4-FFF2-40B4-BE49-F238E27FC236}">
+                      <a16:creationId xmlns:a16="http://schemas.microsoft.com/office/drawing/2014/main" id="{CA992330-B96D-4990-9867-BE9E8A70A13B}"/>
+                    </a:ext>
+                  </a:extLst>
+                </p:cNvPr>
+                <p:cNvSpPr/>
+                <p:nvPr/>
+              </p:nvSpPr>
+              <p:spPr>
+                <a:xfrm rot="5400000">
+                  <a:off x="1813222" y="2367544"/>
+                  <a:ext cx="701909" cy="1151974"/>
+                </a:xfrm>
+                <a:custGeom>
+                  <a:avLst/>
+                  <a:gdLst/>
+                  <a:ahLst/>
+                  <a:cxnLst/>
+                  <a:rect l="l" t="t" r="r" b="b"/>
+                  <a:pathLst>
+                    <a:path w="52489" h="86145" extrusionOk="0">
+                      <a:moveTo>
+                        <a:pt x="30776" y="1"/>
+                      </a:moveTo>
+                      <a:cubicBezTo>
+                        <a:pt x="30663" y="1"/>
+                        <a:pt x="30550" y="3"/>
+                        <a:pt x="30437" y="7"/>
+                      </a:cubicBezTo>
+                      <a:cubicBezTo>
+                        <a:pt x="15316" y="543"/>
+                        <a:pt x="1" y="35969"/>
+                        <a:pt x="4083" y="54129"/>
+                      </a:cubicBezTo>
+                      <a:cubicBezTo>
+                        <a:pt x="5558" y="60640"/>
+                        <a:pt x="9431" y="74077"/>
+                        <a:pt x="9431" y="81913"/>
+                      </a:cubicBezTo>
+                      <a:cubicBezTo>
+                        <a:pt x="9431" y="82867"/>
+                        <a:pt x="9357" y="84342"/>
+                        <a:pt x="9282" y="86144"/>
+                      </a:cubicBezTo>
+                      <a:cubicBezTo>
+                        <a:pt x="14943" y="85235"/>
+                        <a:pt x="20723" y="84625"/>
+                        <a:pt x="26653" y="84625"/>
+                      </a:cubicBezTo>
+                      <a:cubicBezTo>
+                        <a:pt x="31182" y="84625"/>
+                        <a:pt x="35621" y="84997"/>
+                        <a:pt x="40016" y="85533"/>
+                      </a:cubicBezTo>
+                      <a:cubicBezTo>
+                        <a:pt x="39584" y="81288"/>
+                        <a:pt x="39450" y="74718"/>
+                        <a:pt x="40954" y="68014"/>
+                      </a:cubicBezTo>
+                      <a:cubicBezTo>
+                        <a:pt x="42980" y="58941"/>
+                        <a:pt x="47211" y="49496"/>
+                        <a:pt x="48954" y="44699"/>
+                      </a:cubicBezTo>
+                      <a:cubicBezTo>
+                        <a:pt x="52488" y="34985"/>
+                        <a:pt x="45676" y="1"/>
+                        <a:pt x="30776" y="1"/>
+                      </a:cubicBezTo>
+                      <a:close/>
+                    </a:path>
+                  </a:pathLst>
+                </a:custGeom>
+                <a:solidFill>
+                  <a:srgbClr val="FFFFFF"/>
+                </a:solidFill>
+                <a:ln>
+                  <a:noFill/>
+                </a:ln>
+              </p:spPr>
+              <p:txBody>
+                <a:bodyPr spcFirstLastPara="1" wrap="square" lIns="91425" tIns="91425" rIns="91425" bIns="91425" anchor="ctr" anchorCtr="0">
+                  <a:noAutofit/>
+                </a:bodyPr>
+                <a:lstStyle/>
+                <a:p>
+                  <a:pPr marL="0" lvl="0" indent="0" algn="l" rtl="0">
+                    <a:spcBef>
+                      <a:spcPts val="0"/>
+                    </a:spcBef>
+                    <a:spcAft>
+                      <a:spcPts val="0"/>
+                    </a:spcAft>
+                    <a:buNone/>
+                  </a:pPr>
+                  <a:endParaRPr/>
+                </a:p>
+              </p:txBody>
+            </p:sp>
+          </p:grpSp>
+          <p:grpSp>
+            <p:nvGrpSpPr>
+              <p:cNvPr id="28" name="Google Shape;1497;p37">
+                <a:extLst>
+                  <a:ext uri="{FF2B5EF4-FFF2-40B4-BE49-F238E27FC236}">
+                    <a16:creationId xmlns:a16="http://schemas.microsoft.com/office/drawing/2014/main" id="{9E3FD000-7C7B-4D65-B583-735ABC2A7FBE}"/>
+                  </a:ext>
+                </a:extLst>
+              </p:cNvPr>
+              <p:cNvGrpSpPr/>
+              <p:nvPr/>
+            </p:nvGrpSpPr>
+            <p:grpSpPr>
+              <a:xfrm>
+                <a:off x="6481845" y="3450054"/>
+                <a:ext cx="1456211" cy="606972"/>
+                <a:chOff x="3539287" y="3023413"/>
+                <a:chExt cx="2835854" cy="1182030"/>
+              </a:xfrm>
+            </p:grpSpPr>
+            <p:sp>
+              <p:nvSpPr>
+                <p:cNvPr id="29" name="Google Shape;1498;p37">
+                  <a:extLst>
+                    <a:ext uri="{FF2B5EF4-FFF2-40B4-BE49-F238E27FC236}">
+                      <a16:creationId xmlns:a16="http://schemas.microsoft.com/office/drawing/2014/main" id="{DA2988D6-0949-4427-9522-689C5CD51F5F}"/>
+                    </a:ext>
+                  </a:extLst>
+                </p:cNvPr>
+                <p:cNvSpPr/>
+                <p:nvPr/>
+              </p:nvSpPr>
+              <p:spPr>
+                <a:xfrm rot="5400000">
+                  <a:off x="3520720" y="3191333"/>
+                  <a:ext cx="837406" cy="800271"/>
+                </a:xfrm>
+                <a:custGeom>
+                  <a:avLst/>
+                  <a:gdLst/>
+                  <a:ahLst/>
+                  <a:cxnLst/>
+                  <a:rect l="l" t="t" r="r" b="b"/>
+                  <a:pathLst>
+                    <a:path w="37185" h="35536" extrusionOk="0">
+                      <a:moveTo>
+                        <a:pt x="19218" y="0"/>
+                      </a:moveTo>
+                      <a:cubicBezTo>
+                        <a:pt x="14317" y="0"/>
+                        <a:pt x="9520" y="462"/>
+                        <a:pt x="4813" y="1102"/>
+                      </a:cubicBezTo>
+                      <a:cubicBezTo>
+                        <a:pt x="3055" y="8775"/>
+                        <a:pt x="1" y="20454"/>
+                        <a:pt x="5453" y="28722"/>
+                      </a:cubicBezTo>
+                      <a:cubicBezTo>
+                        <a:pt x="8484" y="33314"/>
+                        <a:pt x="13841" y="35535"/>
+                        <a:pt x="19225" y="35535"/>
+                      </a:cubicBezTo>
+                      <a:cubicBezTo>
+                        <a:pt x="24270" y="35535"/>
+                        <a:pt x="29337" y="33586"/>
+                        <a:pt x="32537" y="29810"/>
+                      </a:cubicBezTo>
+                      <a:cubicBezTo>
+                        <a:pt x="37006" y="24521"/>
+                        <a:pt x="37185" y="11307"/>
+                        <a:pt x="36842" y="1594"/>
+                      </a:cubicBezTo>
+                      <a:cubicBezTo>
+                        <a:pt x="31107" y="626"/>
+                        <a:pt x="25237" y="0"/>
+                        <a:pt x="19218" y="0"/>
+                      </a:cubicBezTo>
+                      <a:close/>
+                    </a:path>
+                  </a:pathLst>
+                </a:custGeom>
+                <a:solidFill>
+                  <a:schemeClr val="accent4"/>
+                </a:solidFill>
+                <a:ln>
+                  <a:noFill/>
+                </a:ln>
+              </p:spPr>
+              <p:txBody>
+                <a:bodyPr spcFirstLastPara="1" wrap="square" lIns="91425" tIns="91425" rIns="91425" bIns="91425" anchor="ctr" anchorCtr="0">
+                  <a:noAutofit/>
+                </a:bodyPr>
+                <a:lstStyle/>
+                <a:p>
+                  <a:pPr marL="0" lvl="0" indent="0" algn="l" rtl="0">
+                    <a:spcBef>
+                      <a:spcPts val="0"/>
+                    </a:spcBef>
+                    <a:spcAft>
+                      <a:spcPts val="0"/>
+                    </a:spcAft>
+                    <a:buNone/>
+                  </a:pPr>
+                  <a:endParaRPr/>
+                </a:p>
+              </p:txBody>
+            </p:sp>
+            <p:sp>
+              <p:nvSpPr>
+                <p:cNvPr id="30" name="Google Shape;1499;p37">
+                  <a:extLst>
+                    <a:ext uri="{FF2B5EF4-FFF2-40B4-BE49-F238E27FC236}">
+                      <a16:creationId xmlns:a16="http://schemas.microsoft.com/office/drawing/2014/main" id="{11F58D04-D711-4571-8821-D1ED4D7C7FCB}"/>
+                    </a:ext>
+                  </a:extLst>
+                </p:cNvPr>
+                <p:cNvSpPr/>
+                <p:nvPr/>
+              </p:nvSpPr>
+              <p:spPr>
+                <a:xfrm rot="5400000">
+                  <a:off x="4798201" y="2628502"/>
+                  <a:ext cx="1182030" cy="1971851"/>
+                </a:xfrm>
+                <a:custGeom>
+                  <a:avLst/>
+                  <a:gdLst/>
+                  <a:ahLst/>
+                  <a:cxnLst/>
+                  <a:rect l="l" t="t" r="r" b="b"/>
+                  <a:pathLst>
+                    <a:path w="52488" h="87560" extrusionOk="0">
+                      <a:moveTo>
+                        <a:pt x="21712" y="1"/>
+                      </a:moveTo>
+                      <a:cubicBezTo>
+                        <a:pt x="6812" y="1"/>
+                        <a:pt x="0" y="34970"/>
+                        <a:pt x="3534" y="44685"/>
+                      </a:cubicBezTo>
+                      <a:cubicBezTo>
+                        <a:pt x="5277" y="49496"/>
+                        <a:pt x="9523" y="58941"/>
+                        <a:pt x="11534" y="68014"/>
+                      </a:cubicBezTo>
+                      <a:cubicBezTo>
+                        <a:pt x="13217" y="75522"/>
+                        <a:pt x="12875" y="82897"/>
+                        <a:pt x="12324" y="86964"/>
+                      </a:cubicBezTo>
+                      <a:cubicBezTo>
+                        <a:pt x="16763" y="86412"/>
+                        <a:pt x="21247" y="86040"/>
+                        <a:pt x="25850" y="86040"/>
+                      </a:cubicBezTo>
+                      <a:cubicBezTo>
+                        <a:pt x="31795" y="86040"/>
+                        <a:pt x="37590" y="86651"/>
+                        <a:pt x="43281" y="87560"/>
+                      </a:cubicBezTo>
+                      <a:cubicBezTo>
+                        <a:pt x="43176" y="85101"/>
+                        <a:pt x="43057" y="83105"/>
+                        <a:pt x="43057" y="81899"/>
+                      </a:cubicBezTo>
+                      <a:cubicBezTo>
+                        <a:pt x="43057" y="74062"/>
+                        <a:pt x="46931" y="60640"/>
+                        <a:pt x="48405" y="54130"/>
+                      </a:cubicBezTo>
+                      <a:cubicBezTo>
+                        <a:pt x="52487" y="35970"/>
+                        <a:pt x="37173" y="543"/>
+                        <a:pt x="22052" y="7"/>
+                      </a:cubicBezTo>
+                      <a:cubicBezTo>
+                        <a:pt x="21938" y="3"/>
+                        <a:pt x="21825" y="1"/>
+                        <a:pt x="21712" y="1"/>
+                      </a:cubicBezTo>
+                      <a:close/>
+                    </a:path>
+                  </a:pathLst>
+                </a:custGeom>
+                <a:solidFill>
+                  <a:schemeClr val="accent4"/>
+                </a:solidFill>
+                <a:ln>
+                  <a:noFill/>
+                </a:ln>
+              </p:spPr>
+              <p:txBody>
+                <a:bodyPr spcFirstLastPara="1" wrap="square" lIns="91425" tIns="91425" rIns="91425" bIns="91425" anchor="ctr" anchorCtr="0">
+                  <a:noAutofit/>
+                </a:bodyPr>
+                <a:lstStyle/>
+                <a:p>
+                  <a:pPr marL="0" lvl="0" indent="0" algn="l" rtl="0">
+                    <a:spcBef>
+                      <a:spcPts val="0"/>
+                    </a:spcBef>
+                    <a:spcAft>
+                      <a:spcPts val="0"/>
+                    </a:spcAft>
+                    <a:buNone/>
+                  </a:pPr>
+                  <a:endParaRPr/>
+                </a:p>
+              </p:txBody>
+            </p:sp>
+          </p:grpSp>
+        </p:grpSp>
+        <p:grpSp>
+          <p:nvGrpSpPr>
+            <p:cNvPr id="42" name="Google Shape;1509;p37">
+              <a:extLst>
+                <a:ext uri="{FF2B5EF4-FFF2-40B4-BE49-F238E27FC236}">
+                  <a16:creationId xmlns:a16="http://schemas.microsoft.com/office/drawing/2014/main" id="{4D2A5EB0-2684-4107-B4F8-E179BFB46E94}"/>
                 </a:ext>
               </a:extLst>
             </p:cNvPr>
@@ -12475,18 +14220,18 @@
           </p:nvGrpSpPr>
           <p:grpSpPr>
             <a:xfrm>
-              <a:off x="2964607" y="3450054"/>
-              <a:ext cx="1456211" cy="606972"/>
-              <a:chOff x="3539287" y="3023413"/>
-              <a:chExt cx="2835854" cy="1182030"/>
+              <a:off x="4971422" y="3010660"/>
+              <a:ext cx="1348465" cy="1168396"/>
+              <a:chOff x="6930263" y="2820592"/>
+              <a:chExt cx="1120278" cy="814951"/>
             </a:xfrm>
           </p:grpSpPr>
           <p:sp>
             <p:nvSpPr>
-              <p:cNvPr id="15" name="Google Shape;1484;p37">
+              <p:cNvPr id="43" name="Google Shape;1510;p37">
                 <a:extLst>
                   <a:ext uri="{FF2B5EF4-FFF2-40B4-BE49-F238E27FC236}">
-                    <a16:creationId xmlns:a16="http://schemas.microsoft.com/office/drawing/2014/main" id="{E74FD6F8-C750-42C6-A142-82FAC52E5BD9}"/>
+                    <a16:creationId xmlns:a16="http://schemas.microsoft.com/office/drawing/2014/main" id="{7EBEB80E-F5EC-45C7-9AD7-B0B5A1431CB1}"/>
                   </a:ext>
                 </a:extLst>
               </p:cNvPr>
@@ -12494,58 +14239,14 @@
               <p:nvPr/>
             </p:nvSpPr>
             <p:spPr>
-              <a:xfrm rot="5400000">
-                <a:off x="3520720" y="3191333"/>
-                <a:ext cx="837406" cy="800271"/>
+              <a:xfrm>
+                <a:off x="6930263" y="2820592"/>
+                <a:ext cx="1120200" cy="260100"/>
               </a:xfrm>
-              <a:custGeom>
+              <a:prstGeom prst="rect">
                 <a:avLst/>
-                <a:gdLst/>
-                <a:ahLst/>
-                <a:cxnLst/>
-                <a:rect l="l" t="t" r="r" b="b"/>
-                <a:pathLst>
-                  <a:path w="37185" h="35536" extrusionOk="0">
-                    <a:moveTo>
-                      <a:pt x="19218" y="0"/>
-                    </a:moveTo>
-                    <a:cubicBezTo>
-                      <a:pt x="14317" y="0"/>
-                      <a:pt x="9520" y="462"/>
-                      <a:pt x="4813" y="1102"/>
-                    </a:cubicBezTo>
-                    <a:cubicBezTo>
-                      <a:pt x="3055" y="8775"/>
-                      <a:pt x="1" y="20454"/>
-                      <a:pt x="5453" y="28722"/>
-                    </a:cubicBezTo>
-                    <a:cubicBezTo>
-                      <a:pt x="8484" y="33314"/>
-                      <a:pt x="13841" y="35535"/>
-                      <a:pt x="19225" y="35535"/>
-                    </a:cubicBezTo>
-                    <a:cubicBezTo>
-                      <a:pt x="24270" y="35535"/>
-                      <a:pt x="29337" y="33586"/>
-                      <a:pt x="32537" y="29810"/>
-                    </a:cubicBezTo>
-                    <a:cubicBezTo>
-                      <a:pt x="37006" y="24521"/>
-                      <a:pt x="37185" y="11307"/>
-                      <a:pt x="36842" y="1594"/>
-                    </a:cubicBezTo>
-                    <a:cubicBezTo>
-                      <a:pt x="31107" y="626"/>
-                      <a:pt x="25237" y="0"/>
-                      <a:pt x="19218" y="0"/>
-                    </a:cubicBezTo>
-                    <a:close/>
-                  </a:path>
-                </a:pathLst>
-              </a:custGeom>
-              <a:solidFill>
-                <a:schemeClr val="accent1"/>
-              </a:solidFill>
+              </a:prstGeom>
+              <a:noFill/>
               <a:ln>
                 <a:noFill/>
               </a:ln>
@@ -12556,7 +14257,7 @@
               </a:bodyPr>
               <a:lstStyle/>
               <a:p>
-                <a:pPr marL="0" lvl="0" indent="0" algn="l" rtl="0">
+                <a:pPr marL="0" lvl="0" indent="0" algn="ctr" rtl="0">
                   <a:spcBef>
                     <a:spcPts val="0"/>
                   </a:spcBef>
@@ -12565,90 +14266,51 @@
                   </a:spcAft>
                   <a:buNone/>
                 </a:pPr>
-                <a:endParaRPr/>
+                <a:r>
+                  <a:rPr lang="en" sz="2000" b="1" dirty="0">
+                    <a:solidFill>
+                      <a:schemeClr val="accent5"/>
+                    </a:solidFill>
+                    <a:latin typeface="Fira Sans Extra Condensed SemiBold"/>
+                    <a:ea typeface="Fira Sans Extra Condensed SemiBold"/>
+                    <a:cs typeface="Fira Sans Extra Condensed SemiBold"/>
+                    <a:sym typeface="Fira Sans Extra Condensed SemiBold"/>
+                  </a:rPr>
+                  <a:t>Step 4</a:t>
+                </a:r>
+                <a:endParaRPr sz="2000" b="1" dirty="0">
+                  <a:solidFill>
+                    <a:schemeClr val="accent5"/>
+                  </a:solidFill>
+                  <a:latin typeface="Fira Sans Extra Condensed SemiBold"/>
+                  <a:ea typeface="Fira Sans Extra Condensed SemiBold"/>
+                  <a:cs typeface="Fira Sans Extra Condensed SemiBold"/>
+                  <a:sym typeface="Fira Sans Extra Condensed SemiBold"/>
+                </a:endParaRPr>
               </a:p>
             </p:txBody>
           </p:sp>
           <p:sp>
             <p:nvSpPr>
-              <p:cNvPr id="16" name="Google Shape;1485;p37">
+              <p:cNvPr id="44" name="Google Shape;1511;p37">
                 <a:extLst>
                   <a:ext uri="{FF2B5EF4-FFF2-40B4-BE49-F238E27FC236}">
-                    <a16:creationId xmlns:a16="http://schemas.microsoft.com/office/drawing/2014/main" id="{DEA19138-735F-48C7-B72D-AFE776AD1A01}"/>
+                    <a16:creationId xmlns:a16="http://schemas.microsoft.com/office/drawing/2014/main" id="{8F59D63E-72C7-47A1-9604-0D53D6226A6E}"/>
                   </a:ext>
                 </a:extLst>
               </p:cNvPr>
-              <p:cNvSpPr/>
+              <p:cNvSpPr txBox="1"/>
               <p:nvPr/>
             </p:nvSpPr>
             <p:spPr>
-              <a:xfrm rot="5400000">
-                <a:off x="4798201" y="2628502"/>
-                <a:ext cx="1182030" cy="1971851"/>
+              <a:xfrm>
+                <a:off x="6930341" y="3149243"/>
+                <a:ext cx="1120200" cy="486300"/>
               </a:xfrm>
-              <a:custGeom>
+              <a:prstGeom prst="rect">
                 <a:avLst/>
-                <a:gdLst/>
-                <a:ahLst/>
-                <a:cxnLst/>
-                <a:rect l="l" t="t" r="r" b="b"/>
-                <a:pathLst>
-                  <a:path w="52488" h="87560" extrusionOk="0">
-                    <a:moveTo>
-                      <a:pt x="21712" y="1"/>
-                    </a:moveTo>
-                    <a:cubicBezTo>
-                      <a:pt x="6812" y="1"/>
-                      <a:pt x="0" y="34970"/>
-                      <a:pt x="3534" y="44685"/>
-                    </a:cubicBezTo>
-                    <a:cubicBezTo>
-                      <a:pt x="5277" y="49496"/>
-                      <a:pt x="9523" y="58941"/>
-                      <a:pt x="11534" y="68014"/>
-                    </a:cubicBezTo>
-                    <a:cubicBezTo>
-                      <a:pt x="13217" y="75522"/>
-                      <a:pt x="12875" y="82897"/>
-                      <a:pt x="12324" y="86964"/>
-                    </a:cubicBezTo>
-                    <a:cubicBezTo>
-                      <a:pt x="16763" y="86412"/>
-                      <a:pt x="21247" y="86040"/>
-                      <a:pt x="25850" y="86040"/>
-                    </a:cubicBezTo>
-                    <a:cubicBezTo>
-                      <a:pt x="31795" y="86040"/>
-                      <a:pt x="37590" y="86651"/>
-                      <a:pt x="43281" y="87560"/>
-                    </a:cubicBezTo>
-                    <a:cubicBezTo>
-                      <a:pt x="43176" y="85101"/>
-                      <a:pt x="43057" y="83105"/>
-                      <a:pt x="43057" y="81899"/>
-                    </a:cubicBezTo>
-                    <a:cubicBezTo>
-                      <a:pt x="43057" y="74062"/>
-                      <a:pt x="46931" y="60640"/>
-                      <a:pt x="48405" y="54130"/>
-                    </a:cubicBezTo>
-                    <a:cubicBezTo>
-                      <a:pt x="52487" y="35970"/>
-                      <a:pt x="37173" y="543"/>
-                      <a:pt x="22052" y="7"/>
-                    </a:cubicBezTo>
-                    <a:cubicBezTo>
-                      <a:pt x="21938" y="3"/>
-                      <a:pt x="21825" y="1"/>
-                      <a:pt x="21712" y="1"/>
-                    </a:cubicBezTo>
-                    <a:close/>
-                  </a:path>
-                </a:pathLst>
-              </a:custGeom>
-              <a:solidFill>
-                <a:schemeClr val="accent1"/>
-              </a:solidFill>
+              </a:prstGeom>
+              <a:noFill/>
               <a:ln>
                 <a:noFill/>
               </a:ln>
@@ -12659,7 +14321,7 @@
               </a:bodyPr>
               <a:lstStyle/>
               <a:p>
-                <a:pPr marL="0" lvl="0" indent="0" algn="l" rtl="0">
+                <a:pPr marL="0" lvl="0" indent="0" algn="ctr" rtl="0">
                   <a:spcBef>
                     <a:spcPts val="0"/>
                   </a:spcBef>
@@ -12668,7 +14330,36 @@
                   </a:spcAft>
                   <a:buNone/>
                 </a:pPr>
-                <a:endParaRPr/>
+                <a:r>
+                  <a:rPr lang="it-IT" sz="1200" dirty="0" err="1">
+                    <a:solidFill>
+                      <a:schemeClr val="dk1"/>
+                    </a:solidFill>
+                    <a:latin typeface="Fira Sans Extra Condensed"/>
+                    <a:ea typeface="Fira Sans Extra Condensed"/>
+                    <a:cs typeface="Fira Sans Extra Condensed"/>
+                    <a:sym typeface="Fira Sans Extra Condensed"/>
+                  </a:rPr>
+                  <a:t>Rimodellazione</a:t>
+                </a:r>
+                <a:r>
+                  <a:rPr lang="it-IT" sz="1200" dirty="0">
+                    <a:solidFill>
+                      <a:schemeClr val="dk1"/>
+                    </a:solidFill>
+                    <a:latin typeface="Fira Sans Extra Condensed"/>
+                    <a:ea typeface="Fira Sans Extra Condensed"/>
+                    <a:cs typeface="Fira Sans Extra Condensed"/>
+                    <a:sym typeface="Fira Sans Extra Condensed"/>
+                  </a:rPr>
+                  <a:t> del sistema tenendo conto dei rischi</a:t>
+                </a:r>
+                <a:endParaRPr lang="it-IT" sz="1200" dirty="0">
+                  <a:latin typeface="Fira Sans Extra Condensed"/>
+                  <a:ea typeface="Fira Sans Extra Condensed"/>
+                  <a:cs typeface="Fira Sans Extra Condensed"/>
+                  <a:sym typeface="Fira Sans Extra Condensed"/>
+                </a:endParaRPr>
               </a:p>
             </p:txBody>
           </p:sp>
@@ -12676,32 +14367,481 @@
       </p:grpSp>
       <p:grpSp>
         <p:nvGrpSpPr>
-          <p:cNvPr id="19" name="Google Shape;1486;p37">
+          <p:cNvPr id="68" name="Gruppo 67">
             <a:extLst>
               <a:ext uri="{FF2B5EF4-FFF2-40B4-BE49-F238E27FC236}">
-                <a16:creationId xmlns:a16="http://schemas.microsoft.com/office/drawing/2014/main" id="{05B822A5-EF02-4050-B6B6-20D4D0A7F63C}"/>
+                <a16:creationId xmlns:a16="http://schemas.microsoft.com/office/drawing/2014/main" id="{8B655496-8D0A-4D25-9865-E2A2AADD3255}"/>
               </a:ext>
             </a:extLst>
           </p:cNvPr>
-          <p:cNvGrpSpPr>
-            <a:grpSpLocks noChangeAspect="1"/>
-          </p:cNvGrpSpPr>
+          <p:cNvGrpSpPr/>
           <p:nvPr/>
         </p:nvGrpSpPr>
         <p:grpSpPr>
-          <a:xfrm rot="21167971">
-            <a:off x="3513671" y="4828581"/>
-            <a:ext cx="1368000" cy="612515"/>
-            <a:chOff x="4667536" y="2592577"/>
-            <a:chExt cx="1567652" cy="701909"/>
+          <a:xfrm>
+            <a:off x="6485115" y="3843548"/>
+            <a:ext cx="1654267" cy="1351827"/>
+            <a:chOff x="6485115" y="3843548"/>
+            <a:chExt cx="1654267" cy="1351827"/>
           </a:xfrm>
         </p:grpSpPr>
         <p:grpSp>
           <p:nvGrpSpPr>
-            <p:cNvPr id="20" name="Google Shape;1487;p37">
+            <p:cNvPr id="45" name="Google Shape;1472;p37">
               <a:extLst>
                 <a:ext uri="{FF2B5EF4-FFF2-40B4-BE49-F238E27FC236}">
-                  <a16:creationId xmlns:a16="http://schemas.microsoft.com/office/drawing/2014/main" id="{A840E8A7-FE25-49D8-9C65-832955B052D8}"/>
+                  <a16:creationId xmlns:a16="http://schemas.microsoft.com/office/drawing/2014/main" id="{792732A6-45F8-4366-9144-35BB7D3C5745}"/>
+                </a:ext>
+              </a:extLst>
+            </p:cNvPr>
+            <p:cNvGrpSpPr>
+              <a:grpSpLocks noChangeAspect="1"/>
+            </p:cNvGrpSpPr>
+            <p:nvPr/>
+          </p:nvGrpSpPr>
+          <p:grpSpPr>
+            <a:xfrm rot="1616866">
+              <a:off x="6485115" y="4582860"/>
+              <a:ext cx="1368000" cy="612515"/>
+              <a:chOff x="1172511" y="2592577"/>
+              <a:chExt cx="1567652" cy="701909"/>
+            </a:xfrm>
+          </p:grpSpPr>
+          <p:grpSp>
+            <p:nvGrpSpPr>
+              <p:cNvPr id="46" name="Google Shape;1473;p37">
+                <a:extLst>
+                  <a:ext uri="{FF2B5EF4-FFF2-40B4-BE49-F238E27FC236}">
+                    <a16:creationId xmlns:a16="http://schemas.microsoft.com/office/drawing/2014/main" id="{B1F657F8-3138-40CE-BBB3-E52A035BFC31}"/>
+                  </a:ext>
+                </a:extLst>
+              </p:cNvPr>
+              <p:cNvGrpSpPr/>
+              <p:nvPr/>
+            </p:nvGrpSpPr>
+            <p:grpSpPr>
+              <a:xfrm>
+                <a:off x="1172511" y="2592577"/>
+                <a:ext cx="1567652" cy="701909"/>
+                <a:chOff x="1172511" y="2592577"/>
+                <a:chExt cx="1567652" cy="701909"/>
+              </a:xfrm>
+            </p:grpSpPr>
+            <p:sp>
+              <p:nvSpPr>
+                <p:cNvPr id="50" name="Google Shape;1474;p37">
+                  <a:extLst>
+                    <a:ext uri="{FF2B5EF4-FFF2-40B4-BE49-F238E27FC236}">
+                      <a16:creationId xmlns:a16="http://schemas.microsoft.com/office/drawing/2014/main" id="{FF143B1F-2682-419F-95F8-9F3140602B20}"/>
+                    </a:ext>
+                  </a:extLst>
+                </p:cNvPr>
+                <p:cNvSpPr/>
+                <p:nvPr/>
+              </p:nvSpPr>
+              <p:spPr>
+                <a:xfrm rot="5400000">
+                  <a:off x="1168245" y="2710055"/>
+                  <a:ext cx="502846" cy="494314"/>
+                </a:xfrm>
+                <a:custGeom>
+                  <a:avLst/>
+                  <a:gdLst/>
+                  <a:ahLst/>
+                  <a:cxnLst/>
+                  <a:rect l="l" t="t" r="r" b="b"/>
+                  <a:pathLst>
+                    <a:path w="37603" h="36965" extrusionOk="0">
+                      <a:moveTo>
+                        <a:pt x="18012" y="1"/>
+                      </a:moveTo>
+                      <a:cubicBezTo>
+                        <a:pt x="12008" y="1"/>
+                        <a:pt x="6168" y="626"/>
+                        <a:pt x="448" y="1595"/>
+                      </a:cubicBezTo>
+                      <a:cubicBezTo>
+                        <a:pt x="45" y="11397"/>
+                        <a:pt x="1" y="25684"/>
+                        <a:pt x="4693" y="31226"/>
+                      </a:cubicBezTo>
+                      <a:cubicBezTo>
+                        <a:pt x="7894" y="35011"/>
+                        <a:pt x="12966" y="36964"/>
+                        <a:pt x="18012" y="36964"/>
+                      </a:cubicBezTo>
+                      <a:cubicBezTo>
+                        <a:pt x="23394" y="36964"/>
+                        <a:pt x="28748" y="34743"/>
+                        <a:pt x="31777" y="30153"/>
+                      </a:cubicBezTo>
+                      <a:cubicBezTo>
+                        <a:pt x="37602" y="21304"/>
+                        <a:pt x="33744" y="8626"/>
+                        <a:pt x="32105" y="1058"/>
+                      </a:cubicBezTo>
+                      <a:cubicBezTo>
+                        <a:pt x="27487" y="448"/>
+                        <a:pt x="22809" y="1"/>
+                        <a:pt x="18012" y="1"/>
+                      </a:cubicBezTo>
+                      <a:close/>
+                    </a:path>
+                  </a:pathLst>
+                </a:custGeom>
+                <a:solidFill>
+                  <a:srgbClr val="FFFFFF"/>
+                </a:solidFill>
+                <a:ln>
+                  <a:noFill/>
+                </a:ln>
+              </p:spPr>
+              <p:txBody>
+                <a:bodyPr spcFirstLastPara="1" wrap="square" lIns="91425" tIns="91425" rIns="91425" bIns="91425" anchor="ctr" anchorCtr="0">
+                  <a:noAutofit/>
+                </a:bodyPr>
+                <a:lstStyle/>
+                <a:p>
+                  <a:pPr marL="0" lvl="0" indent="0" algn="l" rtl="0">
+                    <a:spcBef>
+                      <a:spcPts val="0"/>
+                    </a:spcBef>
+                    <a:spcAft>
+                      <a:spcPts val="0"/>
+                    </a:spcAft>
+                    <a:buNone/>
+                  </a:pPr>
+                  <a:endParaRPr/>
+                </a:p>
+              </p:txBody>
+            </p:sp>
+            <p:sp>
+              <p:nvSpPr>
+                <p:cNvPr id="51" name="Google Shape;1475;p37">
+                  <a:extLst>
+                    <a:ext uri="{FF2B5EF4-FFF2-40B4-BE49-F238E27FC236}">
+                      <a16:creationId xmlns:a16="http://schemas.microsoft.com/office/drawing/2014/main" id="{DCC78900-1FE3-419C-BF19-169E9A2921BD}"/>
+                    </a:ext>
+                  </a:extLst>
+                </p:cNvPr>
+                <p:cNvSpPr/>
+                <p:nvPr/>
+              </p:nvSpPr>
+              <p:spPr>
+                <a:xfrm rot="5400000">
+                  <a:off x="1813222" y="2367544"/>
+                  <a:ext cx="701909" cy="1151974"/>
+                </a:xfrm>
+                <a:custGeom>
+                  <a:avLst/>
+                  <a:gdLst/>
+                  <a:ahLst/>
+                  <a:cxnLst/>
+                  <a:rect l="l" t="t" r="r" b="b"/>
+                  <a:pathLst>
+                    <a:path w="52489" h="86145" extrusionOk="0">
+                      <a:moveTo>
+                        <a:pt x="30776" y="1"/>
+                      </a:moveTo>
+                      <a:cubicBezTo>
+                        <a:pt x="30663" y="1"/>
+                        <a:pt x="30550" y="3"/>
+                        <a:pt x="30437" y="7"/>
+                      </a:cubicBezTo>
+                      <a:cubicBezTo>
+                        <a:pt x="15316" y="543"/>
+                        <a:pt x="1" y="35969"/>
+                        <a:pt x="4083" y="54129"/>
+                      </a:cubicBezTo>
+                      <a:cubicBezTo>
+                        <a:pt x="5558" y="60640"/>
+                        <a:pt x="9431" y="74077"/>
+                        <a:pt x="9431" y="81913"/>
+                      </a:cubicBezTo>
+                      <a:cubicBezTo>
+                        <a:pt x="9431" y="82867"/>
+                        <a:pt x="9357" y="84342"/>
+                        <a:pt x="9282" y="86144"/>
+                      </a:cubicBezTo>
+                      <a:cubicBezTo>
+                        <a:pt x="14943" y="85235"/>
+                        <a:pt x="20723" y="84625"/>
+                        <a:pt x="26653" y="84625"/>
+                      </a:cubicBezTo>
+                      <a:cubicBezTo>
+                        <a:pt x="31182" y="84625"/>
+                        <a:pt x="35621" y="84997"/>
+                        <a:pt x="40016" y="85533"/>
+                      </a:cubicBezTo>
+                      <a:cubicBezTo>
+                        <a:pt x="39584" y="81288"/>
+                        <a:pt x="39450" y="74718"/>
+                        <a:pt x="40954" y="68014"/>
+                      </a:cubicBezTo>
+                      <a:cubicBezTo>
+                        <a:pt x="42980" y="58941"/>
+                        <a:pt x="47211" y="49496"/>
+                        <a:pt x="48954" y="44699"/>
+                      </a:cubicBezTo>
+                      <a:cubicBezTo>
+                        <a:pt x="52488" y="34985"/>
+                        <a:pt x="45676" y="1"/>
+                        <a:pt x="30776" y="1"/>
+                      </a:cubicBezTo>
+                      <a:close/>
+                    </a:path>
+                  </a:pathLst>
+                </a:custGeom>
+                <a:solidFill>
+                  <a:srgbClr val="FFFFFF"/>
+                </a:solidFill>
+                <a:ln>
+                  <a:noFill/>
+                </a:ln>
+              </p:spPr>
+              <p:txBody>
+                <a:bodyPr spcFirstLastPara="1" wrap="square" lIns="91425" tIns="91425" rIns="91425" bIns="91425" anchor="ctr" anchorCtr="0">
+                  <a:noAutofit/>
+                </a:bodyPr>
+                <a:lstStyle/>
+                <a:p>
+                  <a:pPr marL="0" lvl="0" indent="0" algn="l" rtl="0">
+                    <a:spcBef>
+                      <a:spcPts val="0"/>
+                    </a:spcBef>
+                    <a:spcAft>
+                      <a:spcPts val="0"/>
+                    </a:spcAft>
+                    <a:buNone/>
+                  </a:pPr>
+                  <a:endParaRPr/>
+                </a:p>
+              </p:txBody>
+            </p:sp>
+          </p:grpSp>
+          <p:grpSp>
+            <p:nvGrpSpPr>
+              <p:cNvPr id="47" name="Google Shape;1476;p37">
+                <a:extLst>
+                  <a:ext uri="{FF2B5EF4-FFF2-40B4-BE49-F238E27FC236}">
+                    <a16:creationId xmlns:a16="http://schemas.microsoft.com/office/drawing/2014/main" id="{2C08EAF8-5BCF-4716-ACDA-CA5E628BC749}"/>
+                  </a:ext>
+                </a:extLst>
+              </p:cNvPr>
+              <p:cNvGrpSpPr/>
+              <p:nvPr/>
+            </p:nvGrpSpPr>
+            <p:grpSpPr>
+              <a:xfrm>
+                <a:off x="1205944" y="2640041"/>
+                <a:ext cx="1456361" cy="607035"/>
+                <a:chOff x="1205944" y="2640041"/>
+                <a:chExt cx="1456361" cy="607035"/>
+              </a:xfrm>
+            </p:grpSpPr>
+            <p:sp>
+              <p:nvSpPr>
+                <p:cNvPr id="48" name="Google Shape;1477;p37">
+                  <a:extLst>
+                    <a:ext uri="{FF2B5EF4-FFF2-40B4-BE49-F238E27FC236}">
+                      <a16:creationId xmlns:a16="http://schemas.microsoft.com/office/drawing/2014/main" id="{60B47E2F-3C61-4400-8586-CD0E0F989141}"/>
+                    </a:ext>
+                  </a:extLst>
+                </p:cNvPr>
+                <p:cNvSpPr/>
+                <p:nvPr/>
+              </p:nvSpPr>
+              <p:spPr>
+                <a:xfrm rot="5400000">
+                  <a:off x="1202255" y="2743481"/>
+                  <a:ext cx="434842" cy="427464"/>
+                </a:xfrm>
+                <a:custGeom>
+                  <a:avLst/>
+                  <a:gdLst/>
+                  <a:ahLst/>
+                  <a:cxnLst/>
+                  <a:rect l="l" t="t" r="r" b="b"/>
+                  <a:pathLst>
+                    <a:path w="37603" h="36965" extrusionOk="0">
+                      <a:moveTo>
+                        <a:pt x="18012" y="1"/>
+                      </a:moveTo>
+                      <a:cubicBezTo>
+                        <a:pt x="12008" y="1"/>
+                        <a:pt x="6168" y="626"/>
+                        <a:pt x="448" y="1595"/>
+                      </a:cubicBezTo>
+                      <a:cubicBezTo>
+                        <a:pt x="45" y="11397"/>
+                        <a:pt x="1" y="25684"/>
+                        <a:pt x="4693" y="31226"/>
+                      </a:cubicBezTo>
+                      <a:cubicBezTo>
+                        <a:pt x="7894" y="35011"/>
+                        <a:pt x="12966" y="36964"/>
+                        <a:pt x="18012" y="36964"/>
+                      </a:cubicBezTo>
+                      <a:cubicBezTo>
+                        <a:pt x="23394" y="36964"/>
+                        <a:pt x="28748" y="34743"/>
+                        <a:pt x="31777" y="30153"/>
+                      </a:cubicBezTo>
+                      <a:cubicBezTo>
+                        <a:pt x="37602" y="21304"/>
+                        <a:pt x="33744" y="8626"/>
+                        <a:pt x="32105" y="1058"/>
+                      </a:cubicBezTo>
+                      <a:cubicBezTo>
+                        <a:pt x="27487" y="448"/>
+                        <a:pt x="22809" y="1"/>
+                        <a:pt x="18012" y="1"/>
+                      </a:cubicBezTo>
+                      <a:close/>
+                    </a:path>
+                  </a:pathLst>
+                </a:custGeom>
+                <a:solidFill>
+                  <a:schemeClr val="accent5">
+                    <a:lumMod val="75000"/>
+                  </a:schemeClr>
+                </a:solidFill>
+                <a:ln>
+                  <a:noFill/>
+                </a:ln>
+              </p:spPr>
+              <p:txBody>
+                <a:bodyPr spcFirstLastPara="1" wrap="square" lIns="91425" tIns="91425" rIns="91425" bIns="91425" anchor="ctr" anchorCtr="0">
+                  <a:noAutofit/>
+                </a:bodyPr>
+                <a:lstStyle/>
+                <a:p>
+                  <a:pPr marL="0" lvl="0" indent="0" algn="l" rtl="0">
+                    <a:spcBef>
+                      <a:spcPts val="0"/>
+                    </a:spcBef>
+                    <a:spcAft>
+                      <a:spcPts val="0"/>
+                    </a:spcAft>
+                    <a:buNone/>
+                  </a:pPr>
+                  <a:endParaRPr/>
+                </a:p>
+              </p:txBody>
+            </p:sp>
+            <p:sp>
+              <p:nvSpPr>
+                <p:cNvPr id="49" name="Google Shape;1478;p37">
+                  <a:extLst>
+                    <a:ext uri="{FF2B5EF4-FFF2-40B4-BE49-F238E27FC236}">
+                      <a16:creationId xmlns:a16="http://schemas.microsoft.com/office/drawing/2014/main" id="{813E65D6-AE02-4C8F-9998-5338780FB179}"/>
+                    </a:ext>
+                  </a:extLst>
+                </p:cNvPr>
+                <p:cNvSpPr/>
+                <p:nvPr/>
+              </p:nvSpPr>
+              <p:spPr>
+                <a:xfrm rot="5400000">
+                  <a:off x="1860654" y="2445425"/>
+                  <a:ext cx="607035" cy="996267"/>
+                </a:xfrm>
+                <a:custGeom>
+                  <a:avLst/>
+                  <a:gdLst/>
+                  <a:ahLst/>
+                  <a:cxnLst/>
+                  <a:rect l="l" t="t" r="r" b="b"/>
+                  <a:pathLst>
+                    <a:path w="52489" h="86145" extrusionOk="0">
+                      <a:moveTo>
+                        <a:pt x="30776" y="1"/>
+                      </a:moveTo>
+                      <a:cubicBezTo>
+                        <a:pt x="30663" y="1"/>
+                        <a:pt x="30550" y="3"/>
+                        <a:pt x="30437" y="7"/>
+                      </a:cubicBezTo>
+                      <a:cubicBezTo>
+                        <a:pt x="15316" y="543"/>
+                        <a:pt x="1" y="35969"/>
+                        <a:pt x="4083" y="54129"/>
+                      </a:cubicBezTo>
+                      <a:cubicBezTo>
+                        <a:pt x="5558" y="60640"/>
+                        <a:pt x="9431" y="74077"/>
+                        <a:pt x="9431" y="81913"/>
+                      </a:cubicBezTo>
+                      <a:cubicBezTo>
+                        <a:pt x="9431" y="82867"/>
+                        <a:pt x="9357" y="84342"/>
+                        <a:pt x="9282" y="86144"/>
+                      </a:cubicBezTo>
+                      <a:cubicBezTo>
+                        <a:pt x="14943" y="85235"/>
+                        <a:pt x="20723" y="84625"/>
+                        <a:pt x="26653" y="84625"/>
+                      </a:cubicBezTo>
+                      <a:cubicBezTo>
+                        <a:pt x="31182" y="84625"/>
+                        <a:pt x="35621" y="84997"/>
+                        <a:pt x="40016" y="85533"/>
+                      </a:cubicBezTo>
+                      <a:cubicBezTo>
+                        <a:pt x="39584" y="81288"/>
+                        <a:pt x="39450" y="74718"/>
+                        <a:pt x="40954" y="68014"/>
+                      </a:cubicBezTo>
+                      <a:cubicBezTo>
+                        <a:pt x="42980" y="58941"/>
+                        <a:pt x="47211" y="49496"/>
+                        <a:pt x="48954" y="44699"/>
+                      </a:cubicBezTo>
+                      <a:cubicBezTo>
+                        <a:pt x="52488" y="34985"/>
+                        <a:pt x="45676" y="1"/>
+                        <a:pt x="30776" y="1"/>
+                      </a:cubicBezTo>
+                      <a:close/>
+                    </a:path>
+                  </a:pathLst>
+                </a:custGeom>
+                <a:solidFill>
+                  <a:schemeClr val="accent5">
+                    <a:lumMod val="75000"/>
+                  </a:schemeClr>
+                </a:solidFill>
+                <a:ln>
+                  <a:noFill/>
+                </a:ln>
+              </p:spPr>
+              <p:txBody>
+                <a:bodyPr spcFirstLastPara="1" wrap="square" lIns="91425" tIns="91425" rIns="91425" bIns="91425" anchor="ctr" anchorCtr="0">
+                  <a:noAutofit/>
+                </a:bodyPr>
+                <a:lstStyle/>
+                <a:p>
+                  <a:pPr marL="0" lvl="0" indent="0" algn="l" rtl="0">
+                    <a:spcBef>
+                      <a:spcPts val="0"/>
+                    </a:spcBef>
+                    <a:spcAft>
+                      <a:spcPts val="0"/>
+                    </a:spcAft>
+                    <a:buNone/>
+                  </a:pPr>
+                  <a:endParaRPr/>
+                </a:p>
+              </p:txBody>
+            </p:sp>
+          </p:grpSp>
+        </p:grpSp>
+        <p:grpSp>
+          <p:nvGrpSpPr>
+            <p:cNvPr id="52" name="Google Shape;1500;p37">
+              <a:extLst>
+                <a:ext uri="{FF2B5EF4-FFF2-40B4-BE49-F238E27FC236}">
+                  <a16:creationId xmlns:a16="http://schemas.microsoft.com/office/drawing/2014/main" id="{3455C381-5831-46BE-9215-DF30C8062BE2}"/>
                 </a:ext>
               </a:extLst>
             </p:cNvPr>
@@ -12710,18 +14850,18 @@
           </p:nvGrpSpPr>
           <p:grpSpPr>
             <a:xfrm>
-              <a:off x="4667536" y="2592577"/>
-              <a:ext cx="1567652" cy="701909"/>
-              <a:chOff x="1172511" y="2592577"/>
-              <a:chExt cx="1567652" cy="701909"/>
+              <a:off x="6868263" y="3843548"/>
+              <a:ext cx="1271119" cy="814982"/>
+              <a:chOff x="965500" y="2820567"/>
+              <a:chExt cx="1271119" cy="814982"/>
             </a:xfrm>
           </p:grpSpPr>
           <p:sp>
             <p:nvSpPr>
-              <p:cNvPr id="24" name="Google Shape;1488;p37">
+              <p:cNvPr id="53" name="Google Shape;1501;p37">
                 <a:extLst>
                   <a:ext uri="{FF2B5EF4-FFF2-40B4-BE49-F238E27FC236}">
-                    <a16:creationId xmlns:a16="http://schemas.microsoft.com/office/drawing/2014/main" id="{4466A379-A4D1-402E-B9C2-A62836FCFA07}"/>
+                    <a16:creationId xmlns:a16="http://schemas.microsoft.com/office/drawing/2014/main" id="{027A36C0-EA7D-4D8B-82A2-607297000864}"/>
                   </a:ext>
                 </a:extLst>
               </p:cNvPr>
@@ -12729,58 +14869,14 @@
               <p:nvPr/>
             </p:nvSpPr>
             <p:spPr>
-              <a:xfrm rot="5400000">
-                <a:off x="1168245" y="2710055"/>
-                <a:ext cx="502846" cy="494314"/>
+              <a:xfrm>
+                <a:off x="965500" y="2820567"/>
+                <a:ext cx="1271100" cy="260100"/>
               </a:xfrm>
-              <a:custGeom>
+              <a:prstGeom prst="rect">
                 <a:avLst/>
-                <a:gdLst/>
-                <a:ahLst/>
-                <a:cxnLst/>
-                <a:rect l="l" t="t" r="r" b="b"/>
-                <a:pathLst>
-                  <a:path w="37603" h="36965" extrusionOk="0">
-                    <a:moveTo>
-                      <a:pt x="18012" y="1"/>
-                    </a:moveTo>
-                    <a:cubicBezTo>
-                      <a:pt x="12008" y="1"/>
-                      <a:pt x="6168" y="626"/>
-                      <a:pt x="448" y="1595"/>
-                    </a:cubicBezTo>
-                    <a:cubicBezTo>
-                      <a:pt x="45" y="11397"/>
-                      <a:pt x="1" y="25684"/>
-                      <a:pt x="4693" y="31226"/>
-                    </a:cubicBezTo>
-                    <a:cubicBezTo>
-                      <a:pt x="7894" y="35011"/>
-                      <a:pt x="12966" y="36964"/>
-                      <a:pt x="18012" y="36964"/>
-                    </a:cubicBezTo>
-                    <a:cubicBezTo>
-                      <a:pt x="23394" y="36964"/>
-                      <a:pt x="28748" y="34743"/>
-                      <a:pt x="31777" y="30153"/>
-                    </a:cubicBezTo>
-                    <a:cubicBezTo>
-                      <a:pt x="37602" y="21304"/>
-                      <a:pt x="33744" y="8626"/>
-                      <a:pt x="32105" y="1058"/>
-                    </a:cubicBezTo>
-                    <a:cubicBezTo>
-                      <a:pt x="27487" y="448"/>
-                      <a:pt x="22809" y="1"/>
-                      <a:pt x="18012" y="1"/>
-                    </a:cubicBezTo>
-                    <a:close/>
-                  </a:path>
-                </a:pathLst>
-              </a:custGeom>
-              <a:solidFill>
-                <a:srgbClr val="FFFFFF"/>
-              </a:solidFill>
+              </a:prstGeom>
+              <a:noFill/>
               <a:ln>
                 <a:noFill/>
               </a:ln>
@@ -12791,7 +14887,7 @@
               </a:bodyPr>
               <a:lstStyle/>
               <a:p>
-                <a:pPr marL="0" lvl="0" indent="0" algn="l" rtl="0">
+                <a:pPr marL="0" lvl="0" indent="0" algn="ctr" rtl="0">
                   <a:spcBef>
                     <a:spcPts val="0"/>
                   </a:spcBef>
@@ -12800,90 +14896,55 @@
                   </a:spcAft>
                   <a:buNone/>
                 </a:pPr>
-                <a:endParaRPr/>
+                <a:r>
+                  <a:rPr lang="en" sz="2000" b="1" dirty="0">
+                    <a:solidFill>
+                      <a:schemeClr val="accent5">
+                        <a:lumMod val="75000"/>
+                      </a:schemeClr>
+                    </a:solidFill>
+                    <a:latin typeface="Fira Sans Extra Condensed SemiBold"/>
+                    <a:ea typeface="Fira Sans Extra Condensed SemiBold"/>
+                    <a:cs typeface="Fira Sans Extra Condensed SemiBold"/>
+                    <a:sym typeface="Fira Sans Extra Condensed SemiBold"/>
+                  </a:rPr>
+                  <a:t>Step 5 </a:t>
+                </a:r>
+                <a:endParaRPr sz="2000" b="1" dirty="0">
+                  <a:solidFill>
+                    <a:schemeClr val="accent5">
+                      <a:lumMod val="75000"/>
+                    </a:schemeClr>
+                  </a:solidFill>
+                  <a:latin typeface="Fira Sans Extra Condensed SemiBold"/>
+                  <a:ea typeface="Fira Sans Extra Condensed SemiBold"/>
+                  <a:cs typeface="Fira Sans Extra Condensed SemiBold"/>
+                  <a:sym typeface="Fira Sans Extra Condensed SemiBold"/>
+                </a:endParaRPr>
               </a:p>
             </p:txBody>
           </p:sp>
           <p:sp>
             <p:nvSpPr>
-              <p:cNvPr id="25" name="Google Shape;1489;p37">
+              <p:cNvPr id="54" name="Google Shape;1502;p37">
                 <a:extLst>
                   <a:ext uri="{FF2B5EF4-FFF2-40B4-BE49-F238E27FC236}">
-                    <a16:creationId xmlns:a16="http://schemas.microsoft.com/office/drawing/2014/main" id="{858684D3-C099-4842-A5AD-4EEF02AD16A5}"/>
+                    <a16:creationId xmlns:a16="http://schemas.microsoft.com/office/drawing/2014/main" id="{60941F76-A71E-4361-91F9-6A1339F2FE00}"/>
                   </a:ext>
                 </a:extLst>
               </p:cNvPr>
-              <p:cNvSpPr/>
+              <p:cNvSpPr txBox="1"/>
               <p:nvPr/>
             </p:nvSpPr>
             <p:spPr>
-              <a:xfrm rot="5400000">
-                <a:off x="1813222" y="2367544"/>
-                <a:ext cx="701909" cy="1151974"/>
+              <a:xfrm>
+                <a:off x="965519" y="3149249"/>
+                <a:ext cx="1271100" cy="486300"/>
               </a:xfrm>
-              <a:custGeom>
+              <a:prstGeom prst="rect">
                 <a:avLst/>
-                <a:gdLst/>
-                <a:ahLst/>
-                <a:cxnLst/>
-                <a:rect l="l" t="t" r="r" b="b"/>
-                <a:pathLst>
-                  <a:path w="52489" h="86145" extrusionOk="0">
-                    <a:moveTo>
-                      <a:pt x="30776" y="1"/>
-                    </a:moveTo>
-                    <a:cubicBezTo>
-                      <a:pt x="30663" y="1"/>
-                      <a:pt x="30550" y="3"/>
-                      <a:pt x="30437" y="7"/>
-                    </a:cubicBezTo>
-                    <a:cubicBezTo>
-                      <a:pt x="15316" y="543"/>
-                      <a:pt x="1" y="35969"/>
-                      <a:pt x="4083" y="54129"/>
-                    </a:cubicBezTo>
-                    <a:cubicBezTo>
-                      <a:pt x="5558" y="60640"/>
-                      <a:pt x="9431" y="74077"/>
-                      <a:pt x="9431" y="81913"/>
-                    </a:cubicBezTo>
-                    <a:cubicBezTo>
-                      <a:pt x="9431" y="82867"/>
-                      <a:pt x="9357" y="84342"/>
-                      <a:pt x="9282" y="86144"/>
-                    </a:cubicBezTo>
-                    <a:cubicBezTo>
-                      <a:pt x="14943" y="85235"/>
-                      <a:pt x="20723" y="84625"/>
-                      <a:pt x="26653" y="84625"/>
-                    </a:cubicBezTo>
-                    <a:cubicBezTo>
-                      <a:pt x="31182" y="84625"/>
-                      <a:pt x="35621" y="84997"/>
-                      <a:pt x="40016" y="85533"/>
-                    </a:cubicBezTo>
-                    <a:cubicBezTo>
-                      <a:pt x="39584" y="81288"/>
-                      <a:pt x="39450" y="74718"/>
-                      <a:pt x="40954" y="68014"/>
-                    </a:cubicBezTo>
-                    <a:cubicBezTo>
-                      <a:pt x="42980" y="58941"/>
-                      <a:pt x="47211" y="49496"/>
-                      <a:pt x="48954" y="44699"/>
-                    </a:cubicBezTo>
-                    <a:cubicBezTo>
-                      <a:pt x="52488" y="34985"/>
-                      <a:pt x="45676" y="1"/>
-                      <a:pt x="30776" y="1"/>
-                    </a:cubicBezTo>
-                    <a:close/>
-                  </a:path>
-                </a:pathLst>
-              </a:custGeom>
-              <a:solidFill>
-                <a:srgbClr val="FFFFFF"/>
-              </a:solidFill>
+              </a:prstGeom>
+              <a:noFill/>
               <a:ln>
                 <a:noFill/>
               </a:ln>
@@ -12894,7 +14955,7 @@
               </a:bodyPr>
               <a:lstStyle/>
               <a:p>
-                <a:pPr marL="0" lvl="0" indent="0" algn="l" rtl="0">
+                <a:pPr marL="0" lvl="0" indent="0" algn="ctr" rtl="0">
                   <a:spcBef>
                     <a:spcPts val="0"/>
                   </a:spcBef>
@@ -12903,17 +14964,506 @@
                   </a:spcAft>
                   <a:buNone/>
                 </a:pPr>
-                <a:endParaRPr/>
+                <a:r>
+                  <a:rPr lang="it-IT" sz="1200" dirty="0">
+                    <a:solidFill>
+                      <a:schemeClr val="dk1"/>
+                    </a:solidFill>
+                    <a:latin typeface="Fira Sans Extra Condensed"/>
+                    <a:ea typeface="Fira Sans Extra Condensed"/>
+                    <a:cs typeface="Fira Sans Extra Condensed"/>
+                    <a:sym typeface="Fira Sans Extra Condensed"/>
+                  </a:rPr>
+                  <a:t>Implementazione</a:t>
+                </a:r>
+                <a:endParaRPr sz="1200" dirty="0">
+                  <a:latin typeface="Fira Sans Extra Condensed"/>
+                  <a:ea typeface="Fira Sans Extra Condensed"/>
+                  <a:cs typeface="Fira Sans Extra Condensed"/>
+                  <a:sym typeface="Fira Sans Extra Condensed"/>
+                </a:endParaRPr>
               </a:p>
             </p:txBody>
           </p:sp>
         </p:grpSp>
+      </p:grpSp>
+      <p:grpSp>
+        <p:nvGrpSpPr>
+          <p:cNvPr id="69" name="Gruppo 68">
+            <a:extLst>
+              <a:ext uri="{FF2B5EF4-FFF2-40B4-BE49-F238E27FC236}">
+                <a16:creationId xmlns:a16="http://schemas.microsoft.com/office/drawing/2014/main" id="{823174EA-ADB4-42BB-8E14-495AB0D40E94}"/>
+              </a:ext>
+            </a:extLst>
+          </p:cNvPr>
+          <p:cNvGrpSpPr/>
+          <p:nvPr/>
+        </p:nvGrpSpPr>
+        <p:grpSpPr>
+          <a:xfrm>
+            <a:off x="8061567" y="3908843"/>
+            <a:ext cx="1427631" cy="1402165"/>
+            <a:chOff x="8061567" y="3908843"/>
+            <a:chExt cx="1427631" cy="1402165"/>
+          </a:xfrm>
+        </p:grpSpPr>
         <p:grpSp>
           <p:nvGrpSpPr>
-            <p:cNvPr id="21" name="Google Shape;1490;p37">
+            <p:cNvPr id="55" name="Google Shape;1493;p37">
               <a:extLst>
                 <a:ext uri="{FF2B5EF4-FFF2-40B4-BE49-F238E27FC236}">
-                  <a16:creationId xmlns:a16="http://schemas.microsoft.com/office/drawing/2014/main" id="{569106F4-FA17-4485-AF67-83F788F1A6FF}"/>
+                  <a16:creationId xmlns:a16="http://schemas.microsoft.com/office/drawing/2014/main" id="{35BCDBB2-7E1B-4148-80C5-B9E6FC4C7BE0}"/>
+                </a:ext>
+              </a:extLst>
+            </p:cNvPr>
+            <p:cNvGrpSpPr>
+              <a:grpSpLocks noChangeAspect="1"/>
+            </p:cNvGrpSpPr>
+            <p:nvPr/>
+          </p:nvGrpSpPr>
+          <p:grpSpPr>
+            <a:xfrm rot="20737292">
+              <a:off x="8061567" y="4698493"/>
+              <a:ext cx="1368000" cy="612515"/>
+              <a:chOff x="6426124" y="3402589"/>
+              <a:chExt cx="1567652" cy="701909"/>
+            </a:xfrm>
+          </p:grpSpPr>
+          <p:grpSp>
+            <p:nvGrpSpPr>
+              <p:cNvPr id="56" name="Google Shape;1494;p37">
+                <a:extLst>
+                  <a:ext uri="{FF2B5EF4-FFF2-40B4-BE49-F238E27FC236}">
+                    <a16:creationId xmlns:a16="http://schemas.microsoft.com/office/drawing/2014/main" id="{1B73D392-72C6-4383-BA1D-054AC70BBCE7}"/>
+                  </a:ext>
+                </a:extLst>
+              </p:cNvPr>
+              <p:cNvGrpSpPr/>
+              <p:nvPr/>
+            </p:nvGrpSpPr>
+            <p:grpSpPr>
+              <a:xfrm rot="10800000" flipH="1">
+                <a:off x="6426124" y="3402589"/>
+                <a:ext cx="1567652" cy="701909"/>
+                <a:chOff x="1172511" y="2592577"/>
+                <a:chExt cx="1567652" cy="701909"/>
+              </a:xfrm>
+            </p:grpSpPr>
+            <p:sp>
+              <p:nvSpPr>
+                <p:cNvPr id="60" name="Google Shape;1495;p37">
+                  <a:extLst>
+                    <a:ext uri="{FF2B5EF4-FFF2-40B4-BE49-F238E27FC236}">
+                      <a16:creationId xmlns:a16="http://schemas.microsoft.com/office/drawing/2014/main" id="{BD1BC86A-9B84-4858-89F6-78CDBFA9BDDB}"/>
+                    </a:ext>
+                  </a:extLst>
+                </p:cNvPr>
+                <p:cNvSpPr/>
+                <p:nvPr/>
+              </p:nvSpPr>
+              <p:spPr>
+                <a:xfrm rot="5400000">
+                  <a:off x="1168245" y="2710055"/>
+                  <a:ext cx="502846" cy="494314"/>
+                </a:xfrm>
+                <a:custGeom>
+                  <a:avLst/>
+                  <a:gdLst/>
+                  <a:ahLst/>
+                  <a:cxnLst/>
+                  <a:rect l="l" t="t" r="r" b="b"/>
+                  <a:pathLst>
+                    <a:path w="37603" h="36965" extrusionOk="0">
+                      <a:moveTo>
+                        <a:pt x="18012" y="1"/>
+                      </a:moveTo>
+                      <a:cubicBezTo>
+                        <a:pt x="12008" y="1"/>
+                        <a:pt x="6168" y="626"/>
+                        <a:pt x="448" y="1595"/>
+                      </a:cubicBezTo>
+                      <a:cubicBezTo>
+                        <a:pt x="45" y="11397"/>
+                        <a:pt x="1" y="25684"/>
+                        <a:pt x="4693" y="31226"/>
+                      </a:cubicBezTo>
+                      <a:cubicBezTo>
+                        <a:pt x="7894" y="35011"/>
+                        <a:pt x="12966" y="36964"/>
+                        <a:pt x="18012" y="36964"/>
+                      </a:cubicBezTo>
+                      <a:cubicBezTo>
+                        <a:pt x="23394" y="36964"/>
+                        <a:pt x="28748" y="34743"/>
+                        <a:pt x="31777" y="30153"/>
+                      </a:cubicBezTo>
+                      <a:cubicBezTo>
+                        <a:pt x="37602" y="21304"/>
+                        <a:pt x="33744" y="8626"/>
+                        <a:pt x="32105" y="1058"/>
+                      </a:cubicBezTo>
+                      <a:cubicBezTo>
+                        <a:pt x="27487" y="448"/>
+                        <a:pt x="22809" y="1"/>
+                        <a:pt x="18012" y="1"/>
+                      </a:cubicBezTo>
+                      <a:close/>
+                    </a:path>
+                  </a:pathLst>
+                </a:custGeom>
+                <a:solidFill>
+                  <a:srgbClr val="FFFFFF"/>
+                </a:solidFill>
+                <a:ln>
+                  <a:noFill/>
+                </a:ln>
+              </p:spPr>
+              <p:txBody>
+                <a:bodyPr spcFirstLastPara="1" wrap="square" lIns="91425" tIns="91425" rIns="91425" bIns="91425" anchor="ctr" anchorCtr="0">
+                  <a:noAutofit/>
+                </a:bodyPr>
+                <a:lstStyle/>
+                <a:p>
+                  <a:pPr marL="0" lvl="0" indent="0" algn="l" rtl="0">
+                    <a:spcBef>
+                      <a:spcPts val="0"/>
+                    </a:spcBef>
+                    <a:spcAft>
+                      <a:spcPts val="0"/>
+                    </a:spcAft>
+                    <a:buNone/>
+                  </a:pPr>
+                  <a:endParaRPr/>
+                </a:p>
+              </p:txBody>
+            </p:sp>
+            <p:sp>
+              <p:nvSpPr>
+                <p:cNvPr id="61" name="Google Shape;1496;p37">
+                  <a:extLst>
+                    <a:ext uri="{FF2B5EF4-FFF2-40B4-BE49-F238E27FC236}">
+                      <a16:creationId xmlns:a16="http://schemas.microsoft.com/office/drawing/2014/main" id="{DC560C37-5AF5-4E25-9D19-6060395920EC}"/>
+                    </a:ext>
+                  </a:extLst>
+                </p:cNvPr>
+                <p:cNvSpPr/>
+                <p:nvPr/>
+              </p:nvSpPr>
+              <p:spPr>
+                <a:xfrm rot="5400000">
+                  <a:off x="1813222" y="2367544"/>
+                  <a:ext cx="701909" cy="1151974"/>
+                </a:xfrm>
+                <a:custGeom>
+                  <a:avLst/>
+                  <a:gdLst/>
+                  <a:ahLst/>
+                  <a:cxnLst/>
+                  <a:rect l="l" t="t" r="r" b="b"/>
+                  <a:pathLst>
+                    <a:path w="52489" h="86145" extrusionOk="0">
+                      <a:moveTo>
+                        <a:pt x="30776" y="1"/>
+                      </a:moveTo>
+                      <a:cubicBezTo>
+                        <a:pt x="30663" y="1"/>
+                        <a:pt x="30550" y="3"/>
+                        <a:pt x="30437" y="7"/>
+                      </a:cubicBezTo>
+                      <a:cubicBezTo>
+                        <a:pt x="15316" y="543"/>
+                        <a:pt x="1" y="35969"/>
+                        <a:pt x="4083" y="54129"/>
+                      </a:cubicBezTo>
+                      <a:cubicBezTo>
+                        <a:pt x="5558" y="60640"/>
+                        <a:pt x="9431" y="74077"/>
+                        <a:pt x="9431" y="81913"/>
+                      </a:cubicBezTo>
+                      <a:cubicBezTo>
+                        <a:pt x="9431" y="82867"/>
+                        <a:pt x="9357" y="84342"/>
+                        <a:pt x="9282" y="86144"/>
+                      </a:cubicBezTo>
+                      <a:cubicBezTo>
+                        <a:pt x="14943" y="85235"/>
+                        <a:pt x="20723" y="84625"/>
+                        <a:pt x="26653" y="84625"/>
+                      </a:cubicBezTo>
+                      <a:cubicBezTo>
+                        <a:pt x="31182" y="84625"/>
+                        <a:pt x="35621" y="84997"/>
+                        <a:pt x="40016" y="85533"/>
+                      </a:cubicBezTo>
+                      <a:cubicBezTo>
+                        <a:pt x="39584" y="81288"/>
+                        <a:pt x="39450" y="74718"/>
+                        <a:pt x="40954" y="68014"/>
+                      </a:cubicBezTo>
+                      <a:cubicBezTo>
+                        <a:pt x="42980" y="58941"/>
+                        <a:pt x="47211" y="49496"/>
+                        <a:pt x="48954" y="44699"/>
+                      </a:cubicBezTo>
+                      <a:cubicBezTo>
+                        <a:pt x="52488" y="34985"/>
+                        <a:pt x="45676" y="1"/>
+                        <a:pt x="30776" y="1"/>
+                      </a:cubicBezTo>
+                      <a:close/>
+                    </a:path>
+                  </a:pathLst>
+                </a:custGeom>
+                <a:solidFill>
+                  <a:srgbClr val="FFFFFF"/>
+                </a:solidFill>
+                <a:ln>
+                  <a:noFill/>
+                </a:ln>
+              </p:spPr>
+              <p:txBody>
+                <a:bodyPr spcFirstLastPara="1" wrap="square" lIns="91425" tIns="91425" rIns="91425" bIns="91425" anchor="ctr" anchorCtr="0">
+                  <a:noAutofit/>
+                </a:bodyPr>
+                <a:lstStyle/>
+                <a:p>
+                  <a:pPr marL="0" lvl="0" indent="0" algn="l" rtl="0">
+                    <a:spcBef>
+                      <a:spcPts val="0"/>
+                    </a:spcBef>
+                    <a:spcAft>
+                      <a:spcPts val="0"/>
+                    </a:spcAft>
+                    <a:buNone/>
+                  </a:pPr>
+                  <a:endParaRPr/>
+                </a:p>
+              </p:txBody>
+            </p:sp>
+          </p:grpSp>
+          <p:grpSp>
+            <p:nvGrpSpPr>
+              <p:cNvPr id="57" name="Google Shape;1497;p37">
+                <a:extLst>
+                  <a:ext uri="{FF2B5EF4-FFF2-40B4-BE49-F238E27FC236}">
+                    <a16:creationId xmlns:a16="http://schemas.microsoft.com/office/drawing/2014/main" id="{1E5A1D35-167F-4328-9347-06B1351B4420}"/>
+                  </a:ext>
+                </a:extLst>
+              </p:cNvPr>
+              <p:cNvGrpSpPr/>
+              <p:nvPr/>
+            </p:nvGrpSpPr>
+            <p:grpSpPr>
+              <a:xfrm>
+                <a:off x="6481845" y="3450054"/>
+                <a:ext cx="1456211" cy="606972"/>
+                <a:chOff x="3539287" y="3023413"/>
+                <a:chExt cx="2835854" cy="1182030"/>
+              </a:xfrm>
+            </p:grpSpPr>
+            <p:sp>
+              <p:nvSpPr>
+                <p:cNvPr id="58" name="Google Shape;1498;p37">
+                  <a:extLst>
+                    <a:ext uri="{FF2B5EF4-FFF2-40B4-BE49-F238E27FC236}">
+                      <a16:creationId xmlns:a16="http://schemas.microsoft.com/office/drawing/2014/main" id="{FACB2EC6-0930-4D19-B24C-C61B95324A09}"/>
+                    </a:ext>
+                  </a:extLst>
+                </p:cNvPr>
+                <p:cNvSpPr/>
+                <p:nvPr/>
+              </p:nvSpPr>
+              <p:spPr>
+                <a:xfrm rot="5400000">
+                  <a:off x="3520720" y="3191333"/>
+                  <a:ext cx="837406" cy="800271"/>
+                </a:xfrm>
+                <a:custGeom>
+                  <a:avLst/>
+                  <a:gdLst/>
+                  <a:ahLst/>
+                  <a:cxnLst/>
+                  <a:rect l="l" t="t" r="r" b="b"/>
+                  <a:pathLst>
+                    <a:path w="37185" h="35536" extrusionOk="0">
+                      <a:moveTo>
+                        <a:pt x="19218" y="0"/>
+                      </a:moveTo>
+                      <a:cubicBezTo>
+                        <a:pt x="14317" y="0"/>
+                        <a:pt x="9520" y="462"/>
+                        <a:pt x="4813" y="1102"/>
+                      </a:cubicBezTo>
+                      <a:cubicBezTo>
+                        <a:pt x="3055" y="8775"/>
+                        <a:pt x="1" y="20454"/>
+                        <a:pt x="5453" y="28722"/>
+                      </a:cubicBezTo>
+                      <a:cubicBezTo>
+                        <a:pt x="8484" y="33314"/>
+                        <a:pt x="13841" y="35535"/>
+                        <a:pt x="19225" y="35535"/>
+                      </a:cubicBezTo>
+                      <a:cubicBezTo>
+                        <a:pt x="24270" y="35535"/>
+                        <a:pt x="29337" y="33586"/>
+                        <a:pt x="32537" y="29810"/>
+                      </a:cubicBezTo>
+                      <a:cubicBezTo>
+                        <a:pt x="37006" y="24521"/>
+                        <a:pt x="37185" y="11307"/>
+                        <a:pt x="36842" y="1594"/>
+                      </a:cubicBezTo>
+                      <a:cubicBezTo>
+                        <a:pt x="31107" y="626"/>
+                        <a:pt x="25237" y="0"/>
+                        <a:pt x="19218" y="0"/>
+                      </a:cubicBezTo>
+                      <a:close/>
+                    </a:path>
+                  </a:pathLst>
+                </a:custGeom>
+                <a:solidFill>
+                  <a:schemeClr val="accent6">
+                    <a:lumMod val="75000"/>
+                  </a:schemeClr>
+                </a:solidFill>
+                <a:ln>
+                  <a:noFill/>
+                </a:ln>
+              </p:spPr>
+              <p:txBody>
+                <a:bodyPr spcFirstLastPara="1" wrap="square" lIns="91425" tIns="91425" rIns="91425" bIns="91425" anchor="ctr" anchorCtr="0">
+                  <a:noAutofit/>
+                </a:bodyPr>
+                <a:lstStyle/>
+                <a:p>
+                  <a:pPr marL="0" lvl="0" indent="0" algn="l" rtl="0">
+                    <a:spcBef>
+                      <a:spcPts val="0"/>
+                    </a:spcBef>
+                    <a:spcAft>
+                      <a:spcPts val="0"/>
+                    </a:spcAft>
+                    <a:buNone/>
+                  </a:pPr>
+                  <a:endParaRPr/>
+                </a:p>
+              </p:txBody>
+            </p:sp>
+            <p:sp>
+              <p:nvSpPr>
+                <p:cNvPr id="59" name="Google Shape;1499;p37">
+                  <a:extLst>
+                    <a:ext uri="{FF2B5EF4-FFF2-40B4-BE49-F238E27FC236}">
+                      <a16:creationId xmlns:a16="http://schemas.microsoft.com/office/drawing/2014/main" id="{C7BB1721-C5E0-4D1D-8C33-119F3711E218}"/>
+                    </a:ext>
+                  </a:extLst>
+                </p:cNvPr>
+                <p:cNvSpPr/>
+                <p:nvPr/>
+              </p:nvSpPr>
+              <p:spPr>
+                <a:xfrm rot="5400000">
+                  <a:off x="4798201" y="2628502"/>
+                  <a:ext cx="1182030" cy="1971851"/>
+                </a:xfrm>
+                <a:custGeom>
+                  <a:avLst/>
+                  <a:gdLst/>
+                  <a:ahLst/>
+                  <a:cxnLst/>
+                  <a:rect l="l" t="t" r="r" b="b"/>
+                  <a:pathLst>
+                    <a:path w="52488" h="87560" extrusionOk="0">
+                      <a:moveTo>
+                        <a:pt x="21712" y="1"/>
+                      </a:moveTo>
+                      <a:cubicBezTo>
+                        <a:pt x="6812" y="1"/>
+                        <a:pt x="0" y="34970"/>
+                        <a:pt x="3534" y="44685"/>
+                      </a:cubicBezTo>
+                      <a:cubicBezTo>
+                        <a:pt x="5277" y="49496"/>
+                        <a:pt x="9523" y="58941"/>
+                        <a:pt x="11534" y="68014"/>
+                      </a:cubicBezTo>
+                      <a:cubicBezTo>
+                        <a:pt x="13217" y="75522"/>
+                        <a:pt x="12875" y="82897"/>
+                        <a:pt x="12324" y="86964"/>
+                      </a:cubicBezTo>
+                      <a:cubicBezTo>
+                        <a:pt x="16763" y="86412"/>
+                        <a:pt x="21247" y="86040"/>
+                        <a:pt x="25850" y="86040"/>
+                      </a:cubicBezTo>
+                      <a:cubicBezTo>
+                        <a:pt x="31795" y="86040"/>
+                        <a:pt x="37590" y="86651"/>
+                        <a:pt x="43281" y="87560"/>
+                      </a:cubicBezTo>
+                      <a:cubicBezTo>
+                        <a:pt x="43176" y="85101"/>
+                        <a:pt x="43057" y="83105"/>
+                        <a:pt x="43057" y="81899"/>
+                      </a:cubicBezTo>
+                      <a:cubicBezTo>
+                        <a:pt x="43057" y="74062"/>
+                        <a:pt x="46931" y="60640"/>
+                        <a:pt x="48405" y="54130"/>
+                      </a:cubicBezTo>
+                      <a:cubicBezTo>
+                        <a:pt x="52487" y="35970"/>
+                        <a:pt x="37173" y="543"/>
+                        <a:pt x="22052" y="7"/>
+                      </a:cubicBezTo>
+                      <a:cubicBezTo>
+                        <a:pt x="21938" y="3"/>
+                        <a:pt x="21825" y="1"/>
+                        <a:pt x="21712" y="1"/>
+                      </a:cubicBezTo>
+                      <a:close/>
+                    </a:path>
+                  </a:pathLst>
+                </a:custGeom>
+                <a:solidFill>
+                  <a:schemeClr val="accent6">
+                    <a:lumMod val="75000"/>
+                  </a:schemeClr>
+                </a:solidFill>
+                <a:ln>
+                  <a:noFill/>
+                </a:ln>
+              </p:spPr>
+              <p:txBody>
+                <a:bodyPr spcFirstLastPara="1" wrap="square" lIns="91425" tIns="91425" rIns="91425" bIns="91425" anchor="ctr" anchorCtr="0">
+                  <a:noAutofit/>
+                </a:bodyPr>
+                <a:lstStyle/>
+                <a:p>
+                  <a:pPr marL="0" lvl="0" indent="0" algn="l" rtl="0">
+                    <a:spcBef>
+                      <a:spcPts val="0"/>
+                    </a:spcBef>
+                    <a:spcAft>
+                      <a:spcPts val="0"/>
+                    </a:spcAft>
+                    <a:buNone/>
+                  </a:pPr>
+                  <a:endParaRPr/>
+                </a:p>
+              </p:txBody>
+            </p:sp>
+          </p:grpSp>
+        </p:grpSp>
+        <p:grpSp>
+          <p:nvGrpSpPr>
+            <p:cNvPr id="62" name="Google Shape;1500;p37">
+              <a:extLst>
+                <a:ext uri="{FF2B5EF4-FFF2-40B4-BE49-F238E27FC236}">
+                  <a16:creationId xmlns:a16="http://schemas.microsoft.com/office/drawing/2014/main" id="{40FCC007-345D-42E0-A01B-9CD945C87620}"/>
                 </a:ext>
               </a:extLst>
             </p:cNvPr>
@@ -12922,18 +15472,18 @@
           </p:nvGrpSpPr>
           <p:grpSpPr>
             <a:xfrm>
-              <a:off x="4723182" y="2640041"/>
-              <a:ext cx="1456361" cy="606984"/>
-              <a:chOff x="2769374" y="1445977"/>
-              <a:chExt cx="2836146" cy="1182052"/>
+              <a:off x="8218079" y="3908843"/>
+              <a:ext cx="1271119" cy="814982"/>
+              <a:chOff x="965500" y="2820567"/>
+              <a:chExt cx="1271119" cy="814982"/>
             </a:xfrm>
           </p:grpSpPr>
           <p:sp>
             <p:nvSpPr>
-              <p:cNvPr id="22" name="Google Shape;1491;p37">
+              <p:cNvPr id="63" name="Google Shape;1501;p37">
                 <a:extLst>
                   <a:ext uri="{FF2B5EF4-FFF2-40B4-BE49-F238E27FC236}">
-                    <a16:creationId xmlns:a16="http://schemas.microsoft.com/office/drawing/2014/main" id="{A4FFD370-EA89-482C-ACFD-802E16A8564B}"/>
+                    <a16:creationId xmlns:a16="http://schemas.microsoft.com/office/drawing/2014/main" id="{6580A19C-F10B-46CC-8535-A560C5236E76}"/>
                   </a:ext>
                 </a:extLst>
               </p:cNvPr>
@@ -12941,58 +15491,14 @@
               <p:nvPr/>
             </p:nvSpPr>
             <p:spPr>
-              <a:xfrm rot="5400000">
-                <a:off x="2762190" y="1647418"/>
-                <a:ext cx="846820" cy="832452"/>
+              <a:xfrm>
+                <a:off x="965500" y="2820567"/>
+                <a:ext cx="1271100" cy="260100"/>
               </a:xfrm>
-              <a:custGeom>
+              <a:prstGeom prst="rect">
                 <a:avLst/>
-                <a:gdLst/>
-                <a:ahLst/>
-                <a:cxnLst/>
-                <a:rect l="l" t="t" r="r" b="b"/>
-                <a:pathLst>
-                  <a:path w="37603" h="36965" extrusionOk="0">
-                    <a:moveTo>
-                      <a:pt x="18012" y="1"/>
-                    </a:moveTo>
-                    <a:cubicBezTo>
-                      <a:pt x="12008" y="1"/>
-                      <a:pt x="6168" y="626"/>
-                      <a:pt x="448" y="1595"/>
-                    </a:cubicBezTo>
-                    <a:cubicBezTo>
-                      <a:pt x="45" y="11397"/>
-                      <a:pt x="1" y="25684"/>
-                      <a:pt x="4693" y="31226"/>
-                    </a:cubicBezTo>
-                    <a:cubicBezTo>
-                      <a:pt x="7894" y="35011"/>
-                      <a:pt x="12966" y="36964"/>
-                      <a:pt x="18012" y="36964"/>
-                    </a:cubicBezTo>
-                    <a:cubicBezTo>
-                      <a:pt x="23394" y="36964"/>
-                      <a:pt x="28748" y="34743"/>
-                      <a:pt x="31777" y="30153"/>
-                    </a:cubicBezTo>
-                    <a:cubicBezTo>
-                      <a:pt x="37602" y="21304"/>
-                      <a:pt x="33744" y="8626"/>
-                      <a:pt x="32105" y="1058"/>
-                    </a:cubicBezTo>
-                    <a:cubicBezTo>
-                      <a:pt x="27487" y="448"/>
-                      <a:pt x="22809" y="1"/>
-                      <a:pt x="18012" y="1"/>
-                    </a:cubicBezTo>
-                    <a:close/>
-                  </a:path>
-                </a:pathLst>
-              </a:custGeom>
-              <a:solidFill>
-                <a:schemeClr val="accent3"/>
-              </a:solidFill>
+              </a:prstGeom>
+              <a:noFill/>
               <a:ln>
                 <a:noFill/>
               </a:ln>
@@ -13003,7 +15509,7 @@
               </a:bodyPr>
               <a:lstStyle/>
               <a:p>
-                <a:pPr marL="0" lvl="0" indent="0" algn="l" rtl="0">
+                <a:pPr marL="0" lvl="0" indent="0" algn="ctr" rtl="0">
                   <a:spcBef>
                     <a:spcPts val="0"/>
                   </a:spcBef>
@@ -13012,90 +15518,65 @@
                   </a:spcAft>
                   <a:buNone/>
                 </a:pPr>
-                <a:endParaRPr/>
+                <a:r>
+                  <a:rPr lang="en" sz="2000" b="1" dirty="0">
+                    <a:solidFill>
+                      <a:schemeClr val="accent6">
+                        <a:lumMod val="75000"/>
+                      </a:schemeClr>
+                    </a:solidFill>
+                    <a:latin typeface="Fira Sans Extra Condensed SemiBold"/>
+                    <a:ea typeface="Fira Sans Extra Condensed SemiBold"/>
+                    <a:cs typeface="Fira Sans Extra Condensed SemiBold"/>
+                    <a:sym typeface="Fira Sans Extra Condensed SemiBold"/>
+                  </a:rPr>
+                  <a:t>Step 6</a:t>
+                </a:r>
+                <a:r>
+                  <a:rPr lang="en" dirty="0">
+                    <a:solidFill>
+                      <a:schemeClr val="dk2"/>
+                    </a:solidFill>
+                    <a:latin typeface="Fira Sans Extra Condensed SemiBold"/>
+                    <a:ea typeface="Fira Sans Extra Condensed SemiBold"/>
+                    <a:cs typeface="Fira Sans Extra Condensed SemiBold"/>
+                    <a:sym typeface="Fira Sans Extra Condensed SemiBold"/>
+                  </a:rPr>
+                  <a:t> </a:t>
+                </a:r>
+                <a:endParaRPr dirty="0">
+                  <a:solidFill>
+                    <a:schemeClr val="dk2"/>
+                  </a:solidFill>
+                  <a:latin typeface="Fira Sans Extra Condensed SemiBold"/>
+                  <a:ea typeface="Fira Sans Extra Condensed SemiBold"/>
+                  <a:cs typeface="Fira Sans Extra Condensed SemiBold"/>
+                  <a:sym typeface="Fira Sans Extra Condensed SemiBold"/>
+                </a:endParaRPr>
               </a:p>
             </p:txBody>
           </p:sp>
           <p:sp>
             <p:nvSpPr>
-              <p:cNvPr id="23" name="Google Shape;1492;p37">
+              <p:cNvPr id="64" name="Google Shape;1502;p37">
                 <a:extLst>
                   <a:ext uri="{FF2B5EF4-FFF2-40B4-BE49-F238E27FC236}">
-                    <a16:creationId xmlns:a16="http://schemas.microsoft.com/office/drawing/2014/main" id="{A24420E3-4A6D-4E6E-99AC-80305E206E4E}"/>
+                    <a16:creationId xmlns:a16="http://schemas.microsoft.com/office/drawing/2014/main" id="{655BD4FE-F5C0-4D93-855C-96D0549A6D88}"/>
                   </a:ext>
                 </a:extLst>
               </p:cNvPr>
-              <p:cNvSpPr/>
+              <p:cNvSpPr txBox="1"/>
               <p:nvPr/>
             </p:nvSpPr>
             <p:spPr>
-              <a:xfrm rot="5400000">
-                <a:off x="4044501" y="1067010"/>
-                <a:ext cx="1182052" cy="1939985"/>
+              <a:xfrm>
+                <a:off x="965519" y="3149249"/>
+                <a:ext cx="1271100" cy="486300"/>
               </a:xfrm>
-              <a:custGeom>
+              <a:prstGeom prst="rect">
                 <a:avLst/>
-                <a:gdLst/>
-                <a:ahLst/>
-                <a:cxnLst/>
-                <a:rect l="l" t="t" r="r" b="b"/>
-                <a:pathLst>
-                  <a:path w="52489" h="86145" extrusionOk="0">
-                    <a:moveTo>
-                      <a:pt x="30776" y="1"/>
-                    </a:moveTo>
-                    <a:cubicBezTo>
-                      <a:pt x="30663" y="1"/>
-                      <a:pt x="30550" y="3"/>
-                      <a:pt x="30437" y="7"/>
-                    </a:cubicBezTo>
-                    <a:cubicBezTo>
-                      <a:pt x="15316" y="543"/>
-                      <a:pt x="1" y="35969"/>
-                      <a:pt x="4083" y="54129"/>
-                    </a:cubicBezTo>
-                    <a:cubicBezTo>
-                      <a:pt x="5558" y="60640"/>
-                      <a:pt x="9431" y="74077"/>
-                      <a:pt x="9431" y="81913"/>
-                    </a:cubicBezTo>
-                    <a:cubicBezTo>
-                      <a:pt x="9431" y="82867"/>
-                      <a:pt x="9357" y="84342"/>
-                      <a:pt x="9282" y="86144"/>
-                    </a:cubicBezTo>
-                    <a:cubicBezTo>
-                      <a:pt x="14943" y="85235"/>
-                      <a:pt x="20723" y="84625"/>
-                      <a:pt x="26653" y="84625"/>
-                    </a:cubicBezTo>
-                    <a:cubicBezTo>
-                      <a:pt x="31182" y="84625"/>
-                      <a:pt x="35621" y="84997"/>
-                      <a:pt x="40016" y="85533"/>
-                    </a:cubicBezTo>
-                    <a:cubicBezTo>
-                      <a:pt x="39584" y="81288"/>
-                      <a:pt x="39450" y="74718"/>
-                      <a:pt x="40954" y="68014"/>
-                    </a:cubicBezTo>
-                    <a:cubicBezTo>
-                      <a:pt x="42980" y="58941"/>
-                      <a:pt x="47211" y="49496"/>
-                      <a:pt x="48954" y="44699"/>
-                    </a:cubicBezTo>
-                    <a:cubicBezTo>
-                      <a:pt x="52488" y="34985"/>
-                      <a:pt x="45676" y="1"/>
-                      <a:pt x="30776" y="1"/>
-                    </a:cubicBezTo>
-                    <a:close/>
-                  </a:path>
-                </a:pathLst>
-              </a:custGeom>
-              <a:solidFill>
-                <a:schemeClr val="accent3"/>
-              </a:solidFill>
+              </a:prstGeom>
+              <a:noFill/>
               <a:ln>
                 <a:noFill/>
               </a:ln>
@@ -13106,7 +15587,7 @@
               </a:bodyPr>
               <a:lstStyle/>
               <a:p>
-                <a:pPr marL="0" lvl="0" indent="0" algn="l" rtl="0">
+                <a:pPr marL="0" lvl="0" indent="0" algn="ctr" rtl="0">
                   <a:spcBef>
                     <a:spcPts val="0"/>
                   </a:spcBef>
@@ -13115,2266 +15596,28 @@
                   </a:spcAft>
                   <a:buNone/>
                 </a:pPr>
-                <a:endParaRPr/>
+                <a:r>
+                  <a:rPr lang="it-IT" sz="1200" dirty="0">
+                    <a:solidFill>
+                      <a:schemeClr val="dk1"/>
+                    </a:solidFill>
+                    <a:latin typeface="Fira Sans Extra Condensed"/>
+                    <a:ea typeface="Fira Sans Extra Condensed"/>
+                    <a:cs typeface="Fira Sans Extra Condensed"/>
+                    <a:sym typeface="Fira Sans Extra Condensed"/>
+                  </a:rPr>
+                  <a:t>Testing</a:t>
+                </a:r>
+                <a:endParaRPr sz="1200" dirty="0">
+                  <a:latin typeface="Fira Sans Extra Condensed"/>
+                  <a:ea typeface="Fira Sans Extra Condensed"/>
+                  <a:cs typeface="Fira Sans Extra Condensed"/>
+                  <a:sym typeface="Fira Sans Extra Condensed"/>
+                </a:endParaRPr>
               </a:p>
             </p:txBody>
           </p:sp>
         </p:grpSp>
-      </p:grpSp>
-      <p:grpSp>
-        <p:nvGrpSpPr>
-          <p:cNvPr id="26" name="Google Shape;1493;p37">
-            <a:extLst>
-              <a:ext uri="{FF2B5EF4-FFF2-40B4-BE49-F238E27FC236}">
-                <a16:creationId xmlns:a16="http://schemas.microsoft.com/office/drawing/2014/main" id="{5B071846-AA8A-411E-8C97-C66CC73F81F3}"/>
-              </a:ext>
-            </a:extLst>
-          </p:cNvPr>
-          <p:cNvGrpSpPr>
-            <a:grpSpLocks noChangeAspect="1"/>
-          </p:cNvGrpSpPr>
-          <p:nvPr/>
-        </p:nvGrpSpPr>
-        <p:grpSpPr>
-          <a:xfrm rot="20149990">
-            <a:off x="4964883" y="4273078"/>
-            <a:ext cx="1368000" cy="612515"/>
-            <a:chOff x="6426124" y="3402589"/>
-            <a:chExt cx="1567652" cy="701909"/>
-          </a:xfrm>
-        </p:grpSpPr>
-        <p:grpSp>
-          <p:nvGrpSpPr>
-            <p:cNvPr id="27" name="Google Shape;1494;p37">
-              <a:extLst>
-                <a:ext uri="{FF2B5EF4-FFF2-40B4-BE49-F238E27FC236}">
-                  <a16:creationId xmlns:a16="http://schemas.microsoft.com/office/drawing/2014/main" id="{DEBF2C73-E03A-4285-A65C-7AF2CB02D4E3}"/>
-                </a:ext>
-              </a:extLst>
-            </p:cNvPr>
-            <p:cNvGrpSpPr/>
-            <p:nvPr/>
-          </p:nvGrpSpPr>
-          <p:grpSpPr>
-            <a:xfrm rot="10800000" flipH="1">
-              <a:off x="6426124" y="3402589"/>
-              <a:ext cx="1567652" cy="701909"/>
-              <a:chOff x="1172511" y="2592577"/>
-              <a:chExt cx="1567652" cy="701909"/>
-            </a:xfrm>
-          </p:grpSpPr>
-          <p:sp>
-            <p:nvSpPr>
-              <p:cNvPr id="31" name="Google Shape;1495;p37">
-                <a:extLst>
-                  <a:ext uri="{FF2B5EF4-FFF2-40B4-BE49-F238E27FC236}">
-                    <a16:creationId xmlns:a16="http://schemas.microsoft.com/office/drawing/2014/main" id="{1BB61DE6-59E1-49E1-A33A-7221F00F3ACE}"/>
-                  </a:ext>
-                </a:extLst>
-              </p:cNvPr>
-              <p:cNvSpPr/>
-              <p:nvPr/>
-            </p:nvSpPr>
-            <p:spPr>
-              <a:xfrm rot="5400000">
-                <a:off x="1168245" y="2710055"/>
-                <a:ext cx="502846" cy="494314"/>
-              </a:xfrm>
-              <a:custGeom>
-                <a:avLst/>
-                <a:gdLst/>
-                <a:ahLst/>
-                <a:cxnLst/>
-                <a:rect l="l" t="t" r="r" b="b"/>
-                <a:pathLst>
-                  <a:path w="37603" h="36965" extrusionOk="0">
-                    <a:moveTo>
-                      <a:pt x="18012" y="1"/>
-                    </a:moveTo>
-                    <a:cubicBezTo>
-                      <a:pt x="12008" y="1"/>
-                      <a:pt x="6168" y="626"/>
-                      <a:pt x="448" y="1595"/>
-                    </a:cubicBezTo>
-                    <a:cubicBezTo>
-                      <a:pt x="45" y="11397"/>
-                      <a:pt x="1" y="25684"/>
-                      <a:pt x="4693" y="31226"/>
-                    </a:cubicBezTo>
-                    <a:cubicBezTo>
-                      <a:pt x="7894" y="35011"/>
-                      <a:pt x="12966" y="36964"/>
-                      <a:pt x="18012" y="36964"/>
-                    </a:cubicBezTo>
-                    <a:cubicBezTo>
-                      <a:pt x="23394" y="36964"/>
-                      <a:pt x="28748" y="34743"/>
-                      <a:pt x="31777" y="30153"/>
-                    </a:cubicBezTo>
-                    <a:cubicBezTo>
-                      <a:pt x="37602" y="21304"/>
-                      <a:pt x="33744" y="8626"/>
-                      <a:pt x="32105" y="1058"/>
-                    </a:cubicBezTo>
-                    <a:cubicBezTo>
-                      <a:pt x="27487" y="448"/>
-                      <a:pt x="22809" y="1"/>
-                      <a:pt x="18012" y="1"/>
-                    </a:cubicBezTo>
-                    <a:close/>
-                  </a:path>
-                </a:pathLst>
-              </a:custGeom>
-              <a:solidFill>
-                <a:srgbClr val="FFFFFF"/>
-              </a:solidFill>
-              <a:ln>
-                <a:noFill/>
-              </a:ln>
-            </p:spPr>
-            <p:txBody>
-              <a:bodyPr spcFirstLastPara="1" wrap="square" lIns="91425" tIns="91425" rIns="91425" bIns="91425" anchor="ctr" anchorCtr="0">
-                <a:noAutofit/>
-              </a:bodyPr>
-              <a:lstStyle/>
-              <a:p>
-                <a:pPr marL="0" lvl="0" indent="0" algn="l" rtl="0">
-                  <a:spcBef>
-                    <a:spcPts val="0"/>
-                  </a:spcBef>
-                  <a:spcAft>
-                    <a:spcPts val="0"/>
-                  </a:spcAft>
-                  <a:buNone/>
-                </a:pPr>
-                <a:endParaRPr/>
-              </a:p>
-            </p:txBody>
-          </p:sp>
-          <p:sp>
-            <p:nvSpPr>
-              <p:cNvPr id="32" name="Google Shape;1496;p37">
-                <a:extLst>
-                  <a:ext uri="{FF2B5EF4-FFF2-40B4-BE49-F238E27FC236}">
-                    <a16:creationId xmlns:a16="http://schemas.microsoft.com/office/drawing/2014/main" id="{CA992330-B96D-4990-9867-BE9E8A70A13B}"/>
-                  </a:ext>
-                </a:extLst>
-              </p:cNvPr>
-              <p:cNvSpPr/>
-              <p:nvPr/>
-            </p:nvSpPr>
-            <p:spPr>
-              <a:xfrm rot="5400000">
-                <a:off x="1813222" y="2367544"/>
-                <a:ext cx="701909" cy="1151974"/>
-              </a:xfrm>
-              <a:custGeom>
-                <a:avLst/>
-                <a:gdLst/>
-                <a:ahLst/>
-                <a:cxnLst/>
-                <a:rect l="l" t="t" r="r" b="b"/>
-                <a:pathLst>
-                  <a:path w="52489" h="86145" extrusionOk="0">
-                    <a:moveTo>
-                      <a:pt x="30776" y="1"/>
-                    </a:moveTo>
-                    <a:cubicBezTo>
-                      <a:pt x="30663" y="1"/>
-                      <a:pt x="30550" y="3"/>
-                      <a:pt x="30437" y="7"/>
-                    </a:cubicBezTo>
-                    <a:cubicBezTo>
-                      <a:pt x="15316" y="543"/>
-                      <a:pt x="1" y="35969"/>
-                      <a:pt x="4083" y="54129"/>
-                    </a:cubicBezTo>
-                    <a:cubicBezTo>
-                      <a:pt x="5558" y="60640"/>
-                      <a:pt x="9431" y="74077"/>
-                      <a:pt x="9431" y="81913"/>
-                    </a:cubicBezTo>
-                    <a:cubicBezTo>
-                      <a:pt x="9431" y="82867"/>
-                      <a:pt x="9357" y="84342"/>
-                      <a:pt x="9282" y="86144"/>
-                    </a:cubicBezTo>
-                    <a:cubicBezTo>
-                      <a:pt x="14943" y="85235"/>
-                      <a:pt x="20723" y="84625"/>
-                      <a:pt x="26653" y="84625"/>
-                    </a:cubicBezTo>
-                    <a:cubicBezTo>
-                      <a:pt x="31182" y="84625"/>
-                      <a:pt x="35621" y="84997"/>
-                      <a:pt x="40016" y="85533"/>
-                    </a:cubicBezTo>
-                    <a:cubicBezTo>
-                      <a:pt x="39584" y="81288"/>
-                      <a:pt x="39450" y="74718"/>
-                      <a:pt x="40954" y="68014"/>
-                    </a:cubicBezTo>
-                    <a:cubicBezTo>
-                      <a:pt x="42980" y="58941"/>
-                      <a:pt x="47211" y="49496"/>
-                      <a:pt x="48954" y="44699"/>
-                    </a:cubicBezTo>
-                    <a:cubicBezTo>
-                      <a:pt x="52488" y="34985"/>
-                      <a:pt x="45676" y="1"/>
-                      <a:pt x="30776" y="1"/>
-                    </a:cubicBezTo>
-                    <a:close/>
-                  </a:path>
-                </a:pathLst>
-              </a:custGeom>
-              <a:solidFill>
-                <a:srgbClr val="FFFFFF"/>
-              </a:solidFill>
-              <a:ln>
-                <a:noFill/>
-              </a:ln>
-            </p:spPr>
-            <p:txBody>
-              <a:bodyPr spcFirstLastPara="1" wrap="square" lIns="91425" tIns="91425" rIns="91425" bIns="91425" anchor="ctr" anchorCtr="0">
-                <a:noAutofit/>
-              </a:bodyPr>
-              <a:lstStyle/>
-              <a:p>
-                <a:pPr marL="0" lvl="0" indent="0" algn="l" rtl="0">
-                  <a:spcBef>
-                    <a:spcPts val="0"/>
-                  </a:spcBef>
-                  <a:spcAft>
-                    <a:spcPts val="0"/>
-                  </a:spcAft>
-                  <a:buNone/>
-                </a:pPr>
-                <a:endParaRPr/>
-              </a:p>
-            </p:txBody>
-          </p:sp>
-        </p:grpSp>
-        <p:grpSp>
-          <p:nvGrpSpPr>
-            <p:cNvPr id="28" name="Google Shape;1497;p37">
-              <a:extLst>
-                <a:ext uri="{FF2B5EF4-FFF2-40B4-BE49-F238E27FC236}">
-                  <a16:creationId xmlns:a16="http://schemas.microsoft.com/office/drawing/2014/main" id="{9E3FD000-7C7B-4D65-B583-735ABC2A7FBE}"/>
-                </a:ext>
-              </a:extLst>
-            </p:cNvPr>
-            <p:cNvGrpSpPr/>
-            <p:nvPr/>
-          </p:nvGrpSpPr>
-          <p:grpSpPr>
-            <a:xfrm>
-              <a:off x="6481845" y="3450054"/>
-              <a:ext cx="1456211" cy="606972"/>
-              <a:chOff x="3539287" y="3023413"/>
-              <a:chExt cx="2835854" cy="1182030"/>
-            </a:xfrm>
-          </p:grpSpPr>
-          <p:sp>
-            <p:nvSpPr>
-              <p:cNvPr id="29" name="Google Shape;1498;p37">
-                <a:extLst>
-                  <a:ext uri="{FF2B5EF4-FFF2-40B4-BE49-F238E27FC236}">
-                    <a16:creationId xmlns:a16="http://schemas.microsoft.com/office/drawing/2014/main" id="{DA2988D6-0949-4427-9522-689C5CD51F5F}"/>
-                  </a:ext>
-                </a:extLst>
-              </p:cNvPr>
-              <p:cNvSpPr/>
-              <p:nvPr/>
-            </p:nvSpPr>
-            <p:spPr>
-              <a:xfrm rot="5400000">
-                <a:off x="3520720" y="3191333"/>
-                <a:ext cx="837406" cy="800271"/>
-              </a:xfrm>
-              <a:custGeom>
-                <a:avLst/>
-                <a:gdLst/>
-                <a:ahLst/>
-                <a:cxnLst/>
-                <a:rect l="l" t="t" r="r" b="b"/>
-                <a:pathLst>
-                  <a:path w="37185" h="35536" extrusionOk="0">
-                    <a:moveTo>
-                      <a:pt x="19218" y="0"/>
-                    </a:moveTo>
-                    <a:cubicBezTo>
-                      <a:pt x="14317" y="0"/>
-                      <a:pt x="9520" y="462"/>
-                      <a:pt x="4813" y="1102"/>
-                    </a:cubicBezTo>
-                    <a:cubicBezTo>
-                      <a:pt x="3055" y="8775"/>
-                      <a:pt x="1" y="20454"/>
-                      <a:pt x="5453" y="28722"/>
-                    </a:cubicBezTo>
-                    <a:cubicBezTo>
-                      <a:pt x="8484" y="33314"/>
-                      <a:pt x="13841" y="35535"/>
-                      <a:pt x="19225" y="35535"/>
-                    </a:cubicBezTo>
-                    <a:cubicBezTo>
-                      <a:pt x="24270" y="35535"/>
-                      <a:pt x="29337" y="33586"/>
-                      <a:pt x="32537" y="29810"/>
-                    </a:cubicBezTo>
-                    <a:cubicBezTo>
-                      <a:pt x="37006" y="24521"/>
-                      <a:pt x="37185" y="11307"/>
-                      <a:pt x="36842" y="1594"/>
-                    </a:cubicBezTo>
-                    <a:cubicBezTo>
-                      <a:pt x="31107" y="626"/>
-                      <a:pt x="25237" y="0"/>
-                      <a:pt x="19218" y="0"/>
-                    </a:cubicBezTo>
-                    <a:close/>
-                  </a:path>
-                </a:pathLst>
-              </a:custGeom>
-              <a:solidFill>
-                <a:schemeClr val="accent4"/>
-              </a:solidFill>
-              <a:ln>
-                <a:noFill/>
-              </a:ln>
-            </p:spPr>
-            <p:txBody>
-              <a:bodyPr spcFirstLastPara="1" wrap="square" lIns="91425" tIns="91425" rIns="91425" bIns="91425" anchor="ctr" anchorCtr="0">
-                <a:noAutofit/>
-              </a:bodyPr>
-              <a:lstStyle/>
-              <a:p>
-                <a:pPr marL="0" lvl="0" indent="0" algn="l" rtl="0">
-                  <a:spcBef>
-                    <a:spcPts val="0"/>
-                  </a:spcBef>
-                  <a:spcAft>
-                    <a:spcPts val="0"/>
-                  </a:spcAft>
-                  <a:buNone/>
-                </a:pPr>
-                <a:endParaRPr/>
-              </a:p>
-            </p:txBody>
-          </p:sp>
-          <p:sp>
-            <p:nvSpPr>
-              <p:cNvPr id="30" name="Google Shape;1499;p37">
-                <a:extLst>
-                  <a:ext uri="{FF2B5EF4-FFF2-40B4-BE49-F238E27FC236}">
-                    <a16:creationId xmlns:a16="http://schemas.microsoft.com/office/drawing/2014/main" id="{11F58D04-D711-4571-8821-D1ED4D7C7FCB}"/>
-                  </a:ext>
-                </a:extLst>
-              </p:cNvPr>
-              <p:cNvSpPr/>
-              <p:nvPr/>
-            </p:nvSpPr>
-            <p:spPr>
-              <a:xfrm rot="5400000">
-                <a:off x="4798201" y="2628502"/>
-                <a:ext cx="1182030" cy="1971851"/>
-              </a:xfrm>
-              <a:custGeom>
-                <a:avLst/>
-                <a:gdLst/>
-                <a:ahLst/>
-                <a:cxnLst/>
-                <a:rect l="l" t="t" r="r" b="b"/>
-                <a:pathLst>
-                  <a:path w="52488" h="87560" extrusionOk="0">
-                    <a:moveTo>
-                      <a:pt x="21712" y="1"/>
-                    </a:moveTo>
-                    <a:cubicBezTo>
-                      <a:pt x="6812" y="1"/>
-                      <a:pt x="0" y="34970"/>
-                      <a:pt x="3534" y="44685"/>
-                    </a:cubicBezTo>
-                    <a:cubicBezTo>
-                      <a:pt x="5277" y="49496"/>
-                      <a:pt x="9523" y="58941"/>
-                      <a:pt x="11534" y="68014"/>
-                    </a:cubicBezTo>
-                    <a:cubicBezTo>
-                      <a:pt x="13217" y="75522"/>
-                      <a:pt x="12875" y="82897"/>
-                      <a:pt x="12324" y="86964"/>
-                    </a:cubicBezTo>
-                    <a:cubicBezTo>
-                      <a:pt x="16763" y="86412"/>
-                      <a:pt x="21247" y="86040"/>
-                      <a:pt x="25850" y="86040"/>
-                    </a:cubicBezTo>
-                    <a:cubicBezTo>
-                      <a:pt x="31795" y="86040"/>
-                      <a:pt x="37590" y="86651"/>
-                      <a:pt x="43281" y="87560"/>
-                    </a:cubicBezTo>
-                    <a:cubicBezTo>
-                      <a:pt x="43176" y="85101"/>
-                      <a:pt x="43057" y="83105"/>
-                      <a:pt x="43057" y="81899"/>
-                    </a:cubicBezTo>
-                    <a:cubicBezTo>
-                      <a:pt x="43057" y="74062"/>
-                      <a:pt x="46931" y="60640"/>
-                      <a:pt x="48405" y="54130"/>
-                    </a:cubicBezTo>
-                    <a:cubicBezTo>
-                      <a:pt x="52487" y="35970"/>
-                      <a:pt x="37173" y="543"/>
-                      <a:pt x="22052" y="7"/>
-                    </a:cubicBezTo>
-                    <a:cubicBezTo>
-                      <a:pt x="21938" y="3"/>
-                      <a:pt x="21825" y="1"/>
-                      <a:pt x="21712" y="1"/>
-                    </a:cubicBezTo>
-                    <a:close/>
-                  </a:path>
-                </a:pathLst>
-              </a:custGeom>
-              <a:solidFill>
-                <a:schemeClr val="accent4"/>
-              </a:solidFill>
-              <a:ln>
-                <a:noFill/>
-              </a:ln>
-            </p:spPr>
-            <p:txBody>
-              <a:bodyPr spcFirstLastPara="1" wrap="square" lIns="91425" tIns="91425" rIns="91425" bIns="91425" anchor="ctr" anchorCtr="0">
-                <a:noAutofit/>
-              </a:bodyPr>
-              <a:lstStyle/>
-              <a:p>
-                <a:pPr marL="0" lvl="0" indent="0" algn="l" rtl="0">
-                  <a:spcBef>
-                    <a:spcPts val="0"/>
-                  </a:spcBef>
-                  <a:spcAft>
-                    <a:spcPts val="0"/>
-                  </a:spcAft>
-                  <a:buNone/>
-                </a:pPr>
-                <a:endParaRPr/>
-              </a:p>
-            </p:txBody>
-          </p:sp>
-        </p:grpSp>
-      </p:grpSp>
-      <p:grpSp>
-        <p:nvGrpSpPr>
-          <p:cNvPr id="33" name="Google Shape;1500;p37">
-            <a:extLst>
-              <a:ext uri="{FF2B5EF4-FFF2-40B4-BE49-F238E27FC236}">
-                <a16:creationId xmlns:a16="http://schemas.microsoft.com/office/drawing/2014/main" id="{1DFF39B0-EAC3-4F63-A0D9-36C834DBF6EF}"/>
-              </a:ext>
-            </a:extLst>
-          </p:cNvPr>
-          <p:cNvGrpSpPr/>
-          <p:nvPr/>
-        </p:nvGrpSpPr>
-        <p:grpSpPr>
-          <a:xfrm>
-            <a:off x="542234" y="2880610"/>
-            <a:ext cx="1271119" cy="814982"/>
-            <a:chOff x="965500" y="2820567"/>
-            <a:chExt cx="1271119" cy="814982"/>
-          </a:xfrm>
-        </p:grpSpPr>
-        <p:sp>
-          <p:nvSpPr>
-            <p:cNvPr id="34" name="Google Shape;1501;p37">
-              <a:extLst>
-                <a:ext uri="{FF2B5EF4-FFF2-40B4-BE49-F238E27FC236}">
-                  <a16:creationId xmlns:a16="http://schemas.microsoft.com/office/drawing/2014/main" id="{810C2840-C87A-450C-9E5F-5384985D604C}"/>
-                </a:ext>
-              </a:extLst>
-            </p:cNvPr>
-            <p:cNvSpPr/>
-            <p:nvPr/>
-          </p:nvSpPr>
-          <p:spPr>
-            <a:xfrm>
-              <a:off x="965500" y="2820567"/>
-              <a:ext cx="1271100" cy="260100"/>
-            </a:xfrm>
-            <a:prstGeom prst="rect">
-              <a:avLst/>
-            </a:prstGeom>
-            <a:noFill/>
-            <a:ln>
-              <a:noFill/>
-            </a:ln>
-          </p:spPr>
-          <p:txBody>
-            <a:bodyPr spcFirstLastPara="1" wrap="square" lIns="91425" tIns="91425" rIns="91425" bIns="91425" anchor="ctr" anchorCtr="0">
-              <a:noAutofit/>
-            </a:bodyPr>
-            <a:lstStyle/>
-            <a:p>
-              <a:pPr marL="0" lvl="0" indent="0" algn="ctr" rtl="0">
-                <a:spcBef>
-                  <a:spcPts val="0"/>
-                </a:spcBef>
-                <a:spcAft>
-                  <a:spcPts val="0"/>
-                </a:spcAft>
-                <a:buNone/>
-              </a:pPr>
-              <a:r>
-                <a:rPr lang="en" sz="2000" b="1" dirty="0">
-                  <a:solidFill>
-                    <a:schemeClr val="dk2"/>
-                  </a:solidFill>
-                  <a:latin typeface="Fira Sans Extra Condensed SemiBold"/>
-                  <a:ea typeface="Fira Sans Extra Condensed SemiBold"/>
-                  <a:cs typeface="Fira Sans Extra Condensed SemiBold"/>
-                  <a:sym typeface="Fira Sans Extra Condensed SemiBold"/>
-                </a:rPr>
-                <a:t>Step 1 </a:t>
-              </a:r>
-              <a:endParaRPr sz="2000" b="1" dirty="0">
-                <a:solidFill>
-                  <a:schemeClr val="dk2"/>
-                </a:solidFill>
-                <a:latin typeface="Fira Sans Extra Condensed SemiBold"/>
-                <a:ea typeface="Fira Sans Extra Condensed SemiBold"/>
-                <a:cs typeface="Fira Sans Extra Condensed SemiBold"/>
-                <a:sym typeface="Fira Sans Extra Condensed SemiBold"/>
-              </a:endParaRPr>
-            </a:p>
-          </p:txBody>
-        </p:sp>
-        <p:sp>
-          <p:nvSpPr>
-            <p:cNvPr id="35" name="Google Shape;1502;p37">
-              <a:extLst>
-                <a:ext uri="{FF2B5EF4-FFF2-40B4-BE49-F238E27FC236}">
-                  <a16:creationId xmlns:a16="http://schemas.microsoft.com/office/drawing/2014/main" id="{7555C3DD-2C5C-4EB9-A580-CB6A6D586035}"/>
-                </a:ext>
-              </a:extLst>
-            </p:cNvPr>
-            <p:cNvSpPr txBox="1"/>
-            <p:nvPr/>
-          </p:nvSpPr>
-          <p:spPr>
-            <a:xfrm>
-              <a:off x="965519" y="3149249"/>
-              <a:ext cx="1271100" cy="486300"/>
-            </a:xfrm>
-            <a:prstGeom prst="rect">
-              <a:avLst/>
-            </a:prstGeom>
-            <a:noFill/>
-            <a:ln>
-              <a:noFill/>
-            </a:ln>
-          </p:spPr>
-          <p:txBody>
-            <a:bodyPr spcFirstLastPara="1" wrap="square" lIns="91425" tIns="91425" rIns="91425" bIns="91425" anchor="ctr" anchorCtr="0">
-              <a:noAutofit/>
-            </a:bodyPr>
-            <a:lstStyle/>
-            <a:p>
-              <a:pPr marL="0" lvl="0" indent="0" algn="ctr" rtl="0">
-                <a:spcBef>
-                  <a:spcPts val="0"/>
-                </a:spcBef>
-                <a:spcAft>
-                  <a:spcPts val="0"/>
-                </a:spcAft>
-                <a:buNone/>
-              </a:pPr>
-              <a:r>
-                <a:rPr lang="it-IT" sz="1200" dirty="0">
-                  <a:solidFill>
-                    <a:schemeClr val="dk1"/>
-                  </a:solidFill>
-                  <a:latin typeface="Fira Sans Extra Condensed"/>
-                  <a:ea typeface="Fira Sans Extra Condensed"/>
-                  <a:cs typeface="Fira Sans Extra Condensed"/>
-                  <a:sym typeface="Fira Sans Extra Condensed"/>
-                </a:rPr>
-                <a:t>Analisi dei requisiti</a:t>
-              </a:r>
-              <a:endParaRPr sz="1200" dirty="0">
-                <a:latin typeface="Fira Sans Extra Condensed"/>
-                <a:ea typeface="Fira Sans Extra Condensed"/>
-                <a:cs typeface="Fira Sans Extra Condensed"/>
-                <a:sym typeface="Fira Sans Extra Condensed"/>
-              </a:endParaRPr>
-            </a:p>
-          </p:txBody>
-        </p:sp>
-      </p:grpSp>
-      <p:grpSp>
-        <p:nvGrpSpPr>
-          <p:cNvPr id="36" name="Google Shape;1503;p37">
-            <a:extLst>
-              <a:ext uri="{FF2B5EF4-FFF2-40B4-BE49-F238E27FC236}">
-                <a16:creationId xmlns:a16="http://schemas.microsoft.com/office/drawing/2014/main" id="{FAA05951-1C6A-493E-8FE6-7978CAA67BCD}"/>
-              </a:ext>
-            </a:extLst>
-          </p:cNvPr>
-          <p:cNvGrpSpPr/>
-          <p:nvPr/>
-        </p:nvGrpSpPr>
-        <p:grpSpPr>
-          <a:xfrm>
-            <a:off x="3787580" y="3977441"/>
-            <a:ext cx="1270887" cy="815000"/>
-            <a:chOff x="4909300" y="2820575"/>
-            <a:chExt cx="1270887" cy="815000"/>
-          </a:xfrm>
-        </p:grpSpPr>
-        <p:sp>
-          <p:nvSpPr>
-            <p:cNvPr id="37" name="Google Shape;1504;p37">
-              <a:extLst>
-                <a:ext uri="{FF2B5EF4-FFF2-40B4-BE49-F238E27FC236}">
-                  <a16:creationId xmlns:a16="http://schemas.microsoft.com/office/drawing/2014/main" id="{4FA837FE-27A8-4017-9634-425DEDE3351F}"/>
-                </a:ext>
-              </a:extLst>
-            </p:cNvPr>
-            <p:cNvSpPr/>
-            <p:nvPr/>
-          </p:nvSpPr>
-          <p:spPr>
-            <a:xfrm>
-              <a:off x="4909300" y="2820575"/>
-              <a:ext cx="1270800" cy="260100"/>
-            </a:xfrm>
-            <a:prstGeom prst="rect">
-              <a:avLst/>
-            </a:prstGeom>
-            <a:noFill/>
-            <a:ln>
-              <a:noFill/>
-            </a:ln>
-          </p:spPr>
-          <p:txBody>
-            <a:bodyPr spcFirstLastPara="1" wrap="square" lIns="91425" tIns="91425" rIns="91425" bIns="91425" anchor="ctr" anchorCtr="0">
-              <a:noAutofit/>
-            </a:bodyPr>
-            <a:lstStyle/>
-            <a:p>
-              <a:pPr marL="0" lvl="0" indent="0" algn="ctr" rtl="0">
-                <a:spcBef>
-                  <a:spcPts val="0"/>
-                </a:spcBef>
-                <a:spcAft>
-                  <a:spcPts val="0"/>
-                </a:spcAft>
-                <a:buNone/>
-              </a:pPr>
-              <a:r>
-                <a:rPr lang="en" sz="2000" b="1" dirty="0">
-                  <a:solidFill>
-                    <a:schemeClr val="accent3"/>
-                  </a:solidFill>
-                  <a:latin typeface="Fira Sans Extra Condensed SemiBold"/>
-                  <a:ea typeface="Fira Sans Extra Condensed SemiBold"/>
-                  <a:cs typeface="Fira Sans Extra Condensed SemiBold"/>
-                  <a:sym typeface="Fira Sans Extra Condensed SemiBold"/>
-                </a:rPr>
-                <a:t>Step 3</a:t>
-              </a:r>
-              <a:endParaRPr sz="2000" b="1" dirty="0">
-                <a:solidFill>
-                  <a:schemeClr val="accent3"/>
-                </a:solidFill>
-                <a:latin typeface="Fira Sans Extra Condensed SemiBold"/>
-                <a:ea typeface="Fira Sans Extra Condensed SemiBold"/>
-                <a:cs typeface="Fira Sans Extra Condensed SemiBold"/>
-                <a:sym typeface="Fira Sans Extra Condensed SemiBold"/>
-              </a:endParaRPr>
-            </a:p>
-          </p:txBody>
-        </p:sp>
-        <p:sp>
-          <p:nvSpPr>
-            <p:cNvPr id="38" name="Google Shape;1505;p37">
-              <a:extLst>
-                <a:ext uri="{FF2B5EF4-FFF2-40B4-BE49-F238E27FC236}">
-                  <a16:creationId xmlns:a16="http://schemas.microsoft.com/office/drawing/2014/main" id="{723B8599-399A-4844-A7DF-C164A6A09932}"/>
-                </a:ext>
-              </a:extLst>
-            </p:cNvPr>
-            <p:cNvSpPr txBox="1"/>
-            <p:nvPr/>
-          </p:nvSpPr>
-          <p:spPr>
-            <a:xfrm>
-              <a:off x="4909387" y="3149275"/>
-              <a:ext cx="1270800" cy="486300"/>
-            </a:xfrm>
-            <a:prstGeom prst="rect">
-              <a:avLst/>
-            </a:prstGeom>
-            <a:noFill/>
-            <a:ln>
-              <a:noFill/>
-            </a:ln>
-          </p:spPr>
-          <p:txBody>
-            <a:bodyPr spcFirstLastPara="1" wrap="square" lIns="91425" tIns="91425" rIns="91425" bIns="91425" anchor="ctr" anchorCtr="0">
-              <a:noAutofit/>
-            </a:bodyPr>
-            <a:lstStyle/>
-            <a:p>
-              <a:pPr marL="0" lvl="0" indent="0" algn="ctr" rtl="0">
-                <a:spcBef>
-                  <a:spcPts val="0"/>
-                </a:spcBef>
-                <a:spcAft>
-                  <a:spcPts val="0"/>
-                </a:spcAft>
-                <a:buNone/>
-              </a:pPr>
-              <a:r>
-                <a:rPr lang="it-IT" sz="1200" dirty="0">
-                  <a:solidFill>
-                    <a:schemeClr val="dk1"/>
-                  </a:solidFill>
-                  <a:latin typeface="Fira Sans Extra Condensed"/>
-                  <a:ea typeface="Fira Sans Extra Condensed"/>
-                  <a:cs typeface="Fira Sans Extra Condensed"/>
-                  <a:sym typeface="Fira Sans Extra Condensed"/>
-                </a:rPr>
-                <a:t>Analisi dei rischi</a:t>
-              </a:r>
-              <a:endParaRPr lang="it-IT" sz="1200" dirty="0">
-                <a:latin typeface="Fira Sans Extra Condensed"/>
-                <a:ea typeface="Fira Sans Extra Condensed"/>
-                <a:cs typeface="Fira Sans Extra Condensed"/>
-                <a:sym typeface="Fira Sans Extra Condensed"/>
-              </a:endParaRPr>
-            </a:p>
-          </p:txBody>
-        </p:sp>
-      </p:grpSp>
-      <p:grpSp>
-        <p:nvGrpSpPr>
-          <p:cNvPr id="39" name="Google Shape;1506;p37">
-            <a:extLst>
-              <a:ext uri="{FF2B5EF4-FFF2-40B4-BE49-F238E27FC236}">
-                <a16:creationId xmlns:a16="http://schemas.microsoft.com/office/drawing/2014/main" id="{E86326CA-F786-4D74-ADFA-5E4F327751F2}"/>
-              </a:ext>
-            </a:extLst>
-          </p:cNvPr>
-          <p:cNvGrpSpPr/>
-          <p:nvPr/>
-        </p:nvGrpSpPr>
-        <p:grpSpPr>
-          <a:xfrm>
-            <a:off x="2303757" y="3422916"/>
-            <a:ext cx="1270956" cy="814933"/>
-            <a:chOff x="2955700" y="2820592"/>
-            <a:chExt cx="1270956" cy="814933"/>
-          </a:xfrm>
-        </p:grpSpPr>
-        <p:sp>
-          <p:nvSpPr>
-            <p:cNvPr id="40" name="Google Shape;1507;p37">
-              <a:extLst>
-                <a:ext uri="{FF2B5EF4-FFF2-40B4-BE49-F238E27FC236}">
-                  <a16:creationId xmlns:a16="http://schemas.microsoft.com/office/drawing/2014/main" id="{46CEB1D2-C72B-4590-A8DF-BF7D5F1B2C27}"/>
-                </a:ext>
-              </a:extLst>
-            </p:cNvPr>
-            <p:cNvSpPr/>
-            <p:nvPr/>
-          </p:nvSpPr>
-          <p:spPr>
-            <a:xfrm>
-              <a:off x="2955700" y="2820592"/>
-              <a:ext cx="1270800" cy="260100"/>
-            </a:xfrm>
-            <a:prstGeom prst="rect">
-              <a:avLst/>
-            </a:prstGeom>
-            <a:noFill/>
-            <a:ln>
-              <a:noFill/>
-            </a:ln>
-          </p:spPr>
-          <p:txBody>
-            <a:bodyPr spcFirstLastPara="1" wrap="square" lIns="91425" tIns="91425" rIns="91425" bIns="91425" anchor="ctr" anchorCtr="0">
-              <a:noAutofit/>
-            </a:bodyPr>
-            <a:lstStyle/>
-            <a:p>
-              <a:pPr marL="0" lvl="0" indent="0" algn="ctr" rtl="0">
-                <a:spcBef>
-                  <a:spcPts val="0"/>
-                </a:spcBef>
-                <a:spcAft>
-                  <a:spcPts val="0"/>
-                </a:spcAft>
-                <a:buNone/>
-              </a:pPr>
-              <a:r>
-                <a:rPr lang="en" sz="2000" b="1" dirty="0">
-                  <a:solidFill>
-                    <a:schemeClr val="accent1"/>
-                  </a:solidFill>
-                  <a:latin typeface="Fira Sans Extra Condensed SemiBold"/>
-                  <a:ea typeface="Fira Sans Extra Condensed SemiBold"/>
-                  <a:cs typeface="Fira Sans Extra Condensed SemiBold"/>
-                  <a:sym typeface="Fira Sans Extra Condensed SemiBold"/>
-                </a:rPr>
-                <a:t>Step 2</a:t>
-              </a:r>
-              <a:endParaRPr sz="2000" b="1" dirty="0">
-                <a:solidFill>
-                  <a:schemeClr val="accent1"/>
-                </a:solidFill>
-                <a:latin typeface="Fira Sans Extra Condensed SemiBold"/>
-                <a:ea typeface="Fira Sans Extra Condensed SemiBold"/>
-                <a:cs typeface="Fira Sans Extra Condensed SemiBold"/>
-                <a:sym typeface="Fira Sans Extra Condensed SemiBold"/>
-              </a:endParaRPr>
-            </a:p>
-          </p:txBody>
-        </p:sp>
-        <p:sp>
-          <p:nvSpPr>
-            <p:cNvPr id="41" name="Google Shape;1508;p37">
-              <a:extLst>
-                <a:ext uri="{FF2B5EF4-FFF2-40B4-BE49-F238E27FC236}">
-                  <a16:creationId xmlns:a16="http://schemas.microsoft.com/office/drawing/2014/main" id="{5AB28029-F96B-44E7-A51C-99445821BFE4}"/>
-                </a:ext>
-              </a:extLst>
-            </p:cNvPr>
-            <p:cNvSpPr txBox="1"/>
-            <p:nvPr/>
-          </p:nvSpPr>
-          <p:spPr>
-            <a:xfrm>
-              <a:off x="2955856" y="3149224"/>
-              <a:ext cx="1270800" cy="486300"/>
-            </a:xfrm>
-            <a:prstGeom prst="rect">
-              <a:avLst/>
-            </a:prstGeom>
-            <a:noFill/>
-            <a:ln>
-              <a:noFill/>
-            </a:ln>
-          </p:spPr>
-          <p:txBody>
-            <a:bodyPr spcFirstLastPara="1" wrap="square" lIns="91425" tIns="91425" rIns="91425" bIns="91425" anchor="ctr" anchorCtr="0">
-              <a:noAutofit/>
-            </a:bodyPr>
-            <a:lstStyle/>
-            <a:p>
-              <a:pPr marL="0" lvl="0" indent="0" algn="ctr" rtl="0">
-                <a:spcBef>
-                  <a:spcPts val="0"/>
-                </a:spcBef>
-                <a:spcAft>
-                  <a:spcPts val="0"/>
-                </a:spcAft>
-                <a:buNone/>
-              </a:pPr>
-              <a:r>
-                <a:rPr lang="it-IT" sz="1200" dirty="0">
-                  <a:solidFill>
-                    <a:schemeClr val="dk1"/>
-                  </a:solidFill>
-                  <a:latin typeface="Fira Sans Extra Condensed"/>
-                  <a:ea typeface="Fira Sans Extra Condensed"/>
-                  <a:cs typeface="Fira Sans Extra Condensed"/>
-                  <a:sym typeface="Fira Sans Extra Condensed"/>
-                </a:rPr>
-                <a:t>Modellazione del sistema</a:t>
-              </a:r>
-              <a:endParaRPr lang="it-IT" sz="1200" dirty="0">
-                <a:latin typeface="Fira Sans Extra Condensed"/>
-                <a:ea typeface="Fira Sans Extra Condensed"/>
-                <a:cs typeface="Fira Sans Extra Condensed"/>
-                <a:sym typeface="Fira Sans Extra Condensed"/>
-              </a:endParaRPr>
-            </a:p>
-          </p:txBody>
-        </p:sp>
-      </p:grpSp>
-      <p:grpSp>
-        <p:nvGrpSpPr>
-          <p:cNvPr id="42" name="Google Shape;1509;p37">
-            <a:extLst>
-              <a:ext uri="{FF2B5EF4-FFF2-40B4-BE49-F238E27FC236}">
-                <a16:creationId xmlns:a16="http://schemas.microsoft.com/office/drawing/2014/main" id="{4D2A5EB0-2684-4107-B4F8-E179BFB46E94}"/>
-              </a:ext>
-            </a:extLst>
-          </p:cNvPr>
-          <p:cNvGrpSpPr/>
-          <p:nvPr/>
-        </p:nvGrpSpPr>
-        <p:grpSpPr>
-          <a:xfrm>
-            <a:off x="4971422" y="3010660"/>
-            <a:ext cx="1348465" cy="1168396"/>
-            <a:chOff x="6930263" y="2820592"/>
-            <a:chExt cx="1120278" cy="814951"/>
-          </a:xfrm>
-        </p:grpSpPr>
-        <p:sp>
-          <p:nvSpPr>
-            <p:cNvPr id="43" name="Google Shape;1510;p37">
-              <a:extLst>
-                <a:ext uri="{FF2B5EF4-FFF2-40B4-BE49-F238E27FC236}">
-                  <a16:creationId xmlns:a16="http://schemas.microsoft.com/office/drawing/2014/main" id="{7EBEB80E-F5EC-45C7-9AD7-B0B5A1431CB1}"/>
-                </a:ext>
-              </a:extLst>
-            </p:cNvPr>
-            <p:cNvSpPr/>
-            <p:nvPr/>
-          </p:nvSpPr>
-          <p:spPr>
-            <a:xfrm>
-              <a:off x="6930263" y="2820592"/>
-              <a:ext cx="1120200" cy="260100"/>
-            </a:xfrm>
-            <a:prstGeom prst="rect">
-              <a:avLst/>
-            </a:prstGeom>
-            <a:noFill/>
-            <a:ln>
-              <a:noFill/>
-            </a:ln>
-          </p:spPr>
-          <p:txBody>
-            <a:bodyPr spcFirstLastPara="1" wrap="square" lIns="91425" tIns="91425" rIns="91425" bIns="91425" anchor="ctr" anchorCtr="0">
-              <a:noAutofit/>
-            </a:bodyPr>
-            <a:lstStyle/>
-            <a:p>
-              <a:pPr marL="0" lvl="0" indent="0" algn="ctr" rtl="0">
-                <a:spcBef>
-                  <a:spcPts val="0"/>
-                </a:spcBef>
-                <a:spcAft>
-                  <a:spcPts val="0"/>
-                </a:spcAft>
-                <a:buNone/>
-              </a:pPr>
-              <a:r>
-                <a:rPr lang="en" sz="2000" b="1" dirty="0">
-                  <a:solidFill>
-                    <a:schemeClr val="accent5"/>
-                  </a:solidFill>
-                  <a:latin typeface="Fira Sans Extra Condensed SemiBold"/>
-                  <a:ea typeface="Fira Sans Extra Condensed SemiBold"/>
-                  <a:cs typeface="Fira Sans Extra Condensed SemiBold"/>
-                  <a:sym typeface="Fira Sans Extra Condensed SemiBold"/>
-                </a:rPr>
-                <a:t>Step 4</a:t>
-              </a:r>
-              <a:endParaRPr sz="2000" b="1" dirty="0">
-                <a:solidFill>
-                  <a:schemeClr val="accent5"/>
-                </a:solidFill>
-                <a:latin typeface="Fira Sans Extra Condensed SemiBold"/>
-                <a:ea typeface="Fira Sans Extra Condensed SemiBold"/>
-                <a:cs typeface="Fira Sans Extra Condensed SemiBold"/>
-                <a:sym typeface="Fira Sans Extra Condensed SemiBold"/>
-              </a:endParaRPr>
-            </a:p>
-          </p:txBody>
-        </p:sp>
-        <p:sp>
-          <p:nvSpPr>
-            <p:cNvPr id="44" name="Google Shape;1511;p37">
-              <a:extLst>
-                <a:ext uri="{FF2B5EF4-FFF2-40B4-BE49-F238E27FC236}">
-                  <a16:creationId xmlns:a16="http://schemas.microsoft.com/office/drawing/2014/main" id="{8F59D63E-72C7-47A1-9604-0D53D6226A6E}"/>
-                </a:ext>
-              </a:extLst>
-            </p:cNvPr>
-            <p:cNvSpPr txBox="1"/>
-            <p:nvPr/>
-          </p:nvSpPr>
-          <p:spPr>
-            <a:xfrm>
-              <a:off x="6930341" y="3149243"/>
-              <a:ext cx="1120200" cy="486300"/>
-            </a:xfrm>
-            <a:prstGeom prst="rect">
-              <a:avLst/>
-            </a:prstGeom>
-            <a:noFill/>
-            <a:ln>
-              <a:noFill/>
-            </a:ln>
-          </p:spPr>
-          <p:txBody>
-            <a:bodyPr spcFirstLastPara="1" wrap="square" lIns="91425" tIns="91425" rIns="91425" bIns="91425" anchor="ctr" anchorCtr="0">
-              <a:noAutofit/>
-            </a:bodyPr>
-            <a:lstStyle/>
-            <a:p>
-              <a:pPr marL="0" lvl="0" indent="0" algn="ctr" rtl="0">
-                <a:spcBef>
-                  <a:spcPts val="0"/>
-                </a:spcBef>
-                <a:spcAft>
-                  <a:spcPts val="0"/>
-                </a:spcAft>
-                <a:buNone/>
-              </a:pPr>
-              <a:r>
-                <a:rPr lang="it-IT" sz="1200" dirty="0" err="1">
-                  <a:solidFill>
-                    <a:schemeClr val="dk1"/>
-                  </a:solidFill>
-                  <a:latin typeface="Fira Sans Extra Condensed"/>
-                  <a:ea typeface="Fira Sans Extra Condensed"/>
-                  <a:cs typeface="Fira Sans Extra Condensed"/>
-                  <a:sym typeface="Fira Sans Extra Condensed"/>
-                </a:rPr>
-                <a:t>Rimodellazione</a:t>
-              </a:r>
-              <a:r>
-                <a:rPr lang="it-IT" sz="1200" dirty="0">
-                  <a:solidFill>
-                    <a:schemeClr val="dk1"/>
-                  </a:solidFill>
-                  <a:latin typeface="Fira Sans Extra Condensed"/>
-                  <a:ea typeface="Fira Sans Extra Condensed"/>
-                  <a:cs typeface="Fira Sans Extra Condensed"/>
-                  <a:sym typeface="Fira Sans Extra Condensed"/>
-                </a:rPr>
-                <a:t> del sistema tenendo conto dei rischi</a:t>
-              </a:r>
-              <a:endParaRPr lang="it-IT" sz="1200" dirty="0">
-                <a:latin typeface="Fira Sans Extra Condensed"/>
-                <a:ea typeface="Fira Sans Extra Condensed"/>
-                <a:cs typeface="Fira Sans Extra Condensed"/>
-                <a:sym typeface="Fira Sans Extra Condensed"/>
-              </a:endParaRPr>
-            </a:p>
-          </p:txBody>
-        </p:sp>
-      </p:grpSp>
-      <p:grpSp>
-        <p:nvGrpSpPr>
-          <p:cNvPr id="45" name="Google Shape;1472;p37">
-            <a:extLst>
-              <a:ext uri="{FF2B5EF4-FFF2-40B4-BE49-F238E27FC236}">
-                <a16:creationId xmlns:a16="http://schemas.microsoft.com/office/drawing/2014/main" id="{792732A6-45F8-4366-9144-35BB7D3C5745}"/>
-              </a:ext>
-            </a:extLst>
-          </p:cNvPr>
-          <p:cNvGrpSpPr>
-            <a:grpSpLocks noChangeAspect="1"/>
-          </p:cNvGrpSpPr>
-          <p:nvPr/>
-        </p:nvGrpSpPr>
-        <p:grpSpPr>
-          <a:xfrm rot="1616866">
-            <a:off x="6485115" y="4582860"/>
-            <a:ext cx="1368000" cy="612515"/>
-            <a:chOff x="1172511" y="2592577"/>
-            <a:chExt cx="1567652" cy="701909"/>
-          </a:xfrm>
-        </p:grpSpPr>
-        <p:grpSp>
-          <p:nvGrpSpPr>
-            <p:cNvPr id="46" name="Google Shape;1473;p37">
-              <a:extLst>
-                <a:ext uri="{FF2B5EF4-FFF2-40B4-BE49-F238E27FC236}">
-                  <a16:creationId xmlns:a16="http://schemas.microsoft.com/office/drawing/2014/main" id="{B1F657F8-3138-40CE-BBB3-E52A035BFC31}"/>
-                </a:ext>
-              </a:extLst>
-            </p:cNvPr>
-            <p:cNvGrpSpPr/>
-            <p:nvPr/>
-          </p:nvGrpSpPr>
-          <p:grpSpPr>
-            <a:xfrm>
-              <a:off x="1172511" y="2592577"/>
-              <a:ext cx="1567652" cy="701909"/>
-              <a:chOff x="1172511" y="2592577"/>
-              <a:chExt cx="1567652" cy="701909"/>
-            </a:xfrm>
-          </p:grpSpPr>
-          <p:sp>
-            <p:nvSpPr>
-              <p:cNvPr id="50" name="Google Shape;1474;p37">
-                <a:extLst>
-                  <a:ext uri="{FF2B5EF4-FFF2-40B4-BE49-F238E27FC236}">
-                    <a16:creationId xmlns:a16="http://schemas.microsoft.com/office/drawing/2014/main" id="{FF143B1F-2682-419F-95F8-9F3140602B20}"/>
-                  </a:ext>
-                </a:extLst>
-              </p:cNvPr>
-              <p:cNvSpPr/>
-              <p:nvPr/>
-            </p:nvSpPr>
-            <p:spPr>
-              <a:xfrm rot="5400000">
-                <a:off x="1168245" y="2710055"/>
-                <a:ext cx="502846" cy="494314"/>
-              </a:xfrm>
-              <a:custGeom>
-                <a:avLst/>
-                <a:gdLst/>
-                <a:ahLst/>
-                <a:cxnLst/>
-                <a:rect l="l" t="t" r="r" b="b"/>
-                <a:pathLst>
-                  <a:path w="37603" h="36965" extrusionOk="0">
-                    <a:moveTo>
-                      <a:pt x="18012" y="1"/>
-                    </a:moveTo>
-                    <a:cubicBezTo>
-                      <a:pt x="12008" y="1"/>
-                      <a:pt x="6168" y="626"/>
-                      <a:pt x="448" y="1595"/>
-                    </a:cubicBezTo>
-                    <a:cubicBezTo>
-                      <a:pt x="45" y="11397"/>
-                      <a:pt x="1" y="25684"/>
-                      <a:pt x="4693" y="31226"/>
-                    </a:cubicBezTo>
-                    <a:cubicBezTo>
-                      <a:pt x="7894" y="35011"/>
-                      <a:pt x="12966" y="36964"/>
-                      <a:pt x="18012" y="36964"/>
-                    </a:cubicBezTo>
-                    <a:cubicBezTo>
-                      <a:pt x="23394" y="36964"/>
-                      <a:pt x="28748" y="34743"/>
-                      <a:pt x="31777" y="30153"/>
-                    </a:cubicBezTo>
-                    <a:cubicBezTo>
-                      <a:pt x="37602" y="21304"/>
-                      <a:pt x="33744" y="8626"/>
-                      <a:pt x="32105" y="1058"/>
-                    </a:cubicBezTo>
-                    <a:cubicBezTo>
-                      <a:pt x="27487" y="448"/>
-                      <a:pt x="22809" y="1"/>
-                      <a:pt x="18012" y="1"/>
-                    </a:cubicBezTo>
-                    <a:close/>
-                  </a:path>
-                </a:pathLst>
-              </a:custGeom>
-              <a:solidFill>
-                <a:srgbClr val="FFFFFF"/>
-              </a:solidFill>
-              <a:ln>
-                <a:noFill/>
-              </a:ln>
-            </p:spPr>
-            <p:txBody>
-              <a:bodyPr spcFirstLastPara="1" wrap="square" lIns="91425" tIns="91425" rIns="91425" bIns="91425" anchor="ctr" anchorCtr="0">
-                <a:noAutofit/>
-              </a:bodyPr>
-              <a:lstStyle/>
-              <a:p>
-                <a:pPr marL="0" lvl="0" indent="0" algn="l" rtl="0">
-                  <a:spcBef>
-                    <a:spcPts val="0"/>
-                  </a:spcBef>
-                  <a:spcAft>
-                    <a:spcPts val="0"/>
-                  </a:spcAft>
-                  <a:buNone/>
-                </a:pPr>
-                <a:endParaRPr/>
-              </a:p>
-            </p:txBody>
-          </p:sp>
-          <p:sp>
-            <p:nvSpPr>
-              <p:cNvPr id="51" name="Google Shape;1475;p37">
-                <a:extLst>
-                  <a:ext uri="{FF2B5EF4-FFF2-40B4-BE49-F238E27FC236}">
-                    <a16:creationId xmlns:a16="http://schemas.microsoft.com/office/drawing/2014/main" id="{DCC78900-1FE3-419C-BF19-169E9A2921BD}"/>
-                  </a:ext>
-                </a:extLst>
-              </p:cNvPr>
-              <p:cNvSpPr/>
-              <p:nvPr/>
-            </p:nvSpPr>
-            <p:spPr>
-              <a:xfrm rot="5400000">
-                <a:off x="1813222" y="2367544"/>
-                <a:ext cx="701909" cy="1151974"/>
-              </a:xfrm>
-              <a:custGeom>
-                <a:avLst/>
-                <a:gdLst/>
-                <a:ahLst/>
-                <a:cxnLst/>
-                <a:rect l="l" t="t" r="r" b="b"/>
-                <a:pathLst>
-                  <a:path w="52489" h="86145" extrusionOk="0">
-                    <a:moveTo>
-                      <a:pt x="30776" y="1"/>
-                    </a:moveTo>
-                    <a:cubicBezTo>
-                      <a:pt x="30663" y="1"/>
-                      <a:pt x="30550" y="3"/>
-                      <a:pt x="30437" y="7"/>
-                    </a:cubicBezTo>
-                    <a:cubicBezTo>
-                      <a:pt x="15316" y="543"/>
-                      <a:pt x="1" y="35969"/>
-                      <a:pt x="4083" y="54129"/>
-                    </a:cubicBezTo>
-                    <a:cubicBezTo>
-                      <a:pt x="5558" y="60640"/>
-                      <a:pt x="9431" y="74077"/>
-                      <a:pt x="9431" y="81913"/>
-                    </a:cubicBezTo>
-                    <a:cubicBezTo>
-                      <a:pt x="9431" y="82867"/>
-                      <a:pt x="9357" y="84342"/>
-                      <a:pt x="9282" y="86144"/>
-                    </a:cubicBezTo>
-                    <a:cubicBezTo>
-                      <a:pt x="14943" y="85235"/>
-                      <a:pt x="20723" y="84625"/>
-                      <a:pt x="26653" y="84625"/>
-                    </a:cubicBezTo>
-                    <a:cubicBezTo>
-                      <a:pt x="31182" y="84625"/>
-                      <a:pt x="35621" y="84997"/>
-                      <a:pt x="40016" y="85533"/>
-                    </a:cubicBezTo>
-                    <a:cubicBezTo>
-                      <a:pt x="39584" y="81288"/>
-                      <a:pt x="39450" y="74718"/>
-                      <a:pt x="40954" y="68014"/>
-                    </a:cubicBezTo>
-                    <a:cubicBezTo>
-                      <a:pt x="42980" y="58941"/>
-                      <a:pt x="47211" y="49496"/>
-                      <a:pt x="48954" y="44699"/>
-                    </a:cubicBezTo>
-                    <a:cubicBezTo>
-                      <a:pt x="52488" y="34985"/>
-                      <a:pt x="45676" y="1"/>
-                      <a:pt x="30776" y="1"/>
-                    </a:cubicBezTo>
-                    <a:close/>
-                  </a:path>
-                </a:pathLst>
-              </a:custGeom>
-              <a:solidFill>
-                <a:srgbClr val="FFFFFF"/>
-              </a:solidFill>
-              <a:ln>
-                <a:noFill/>
-              </a:ln>
-            </p:spPr>
-            <p:txBody>
-              <a:bodyPr spcFirstLastPara="1" wrap="square" lIns="91425" tIns="91425" rIns="91425" bIns="91425" anchor="ctr" anchorCtr="0">
-                <a:noAutofit/>
-              </a:bodyPr>
-              <a:lstStyle/>
-              <a:p>
-                <a:pPr marL="0" lvl="0" indent="0" algn="l" rtl="0">
-                  <a:spcBef>
-                    <a:spcPts val="0"/>
-                  </a:spcBef>
-                  <a:spcAft>
-                    <a:spcPts val="0"/>
-                  </a:spcAft>
-                  <a:buNone/>
-                </a:pPr>
-                <a:endParaRPr/>
-              </a:p>
-            </p:txBody>
-          </p:sp>
-        </p:grpSp>
-        <p:grpSp>
-          <p:nvGrpSpPr>
-            <p:cNvPr id="47" name="Google Shape;1476;p37">
-              <a:extLst>
-                <a:ext uri="{FF2B5EF4-FFF2-40B4-BE49-F238E27FC236}">
-                  <a16:creationId xmlns:a16="http://schemas.microsoft.com/office/drawing/2014/main" id="{2C08EAF8-5BCF-4716-ACDA-CA5E628BC749}"/>
-                </a:ext>
-              </a:extLst>
-            </p:cNvPr>
-            <p:cNvGrpSpPr/>
-            <p:nvPr/>
-          </p:nvGrpSpPr>
-          <p:grpSpPr>
-            <a:xfrm>
-              <a:off x="1205944" y="2640041"/>
-              <a:ext cx="1456361" cy="607035"/>
-              <a:chOff x="1205944" y="2640041"/>
-              <a:chExt cx="1456361" cy="607035"/>
-            </a:xfrm>
-          </p:grpSpPr>
-          <p:sp>
-            <p:nvSpPr>
-              <p:cNvPr id="48" name="Google Shape;1477;p37">
-                <a:extLst>
-                  <a:ext uri="{FF2B5EF4-FFF2-40B4-BE49-F238E27FC236}">
-                    <a16:creationId xmlns:a16="http://schemas.microsoft.com/office/drawing/2014/main" id="{60B47E2F-3C61-4400-8586-CD0E0F989141}"/>
-                  </a:ext>
-                </a:extLst>
-              </p:cNvPr>
-              <p:cNvSpPr/>
-              <p:nvPr/>
-            </p:nvSpPr>
-            <p:spPr>
-              <a:xfrm rot="5400000">
-                <a:off x="1202255" y="2743481"/>
-                <a:ext cx="434842" cy="427464"/>
-              </a:xfrm>
-              <a:custGeom>
-                <a:avLst/>
-                <a:gdLst/>
-                <a:ahLst/>
-                <a:cxnLst/>
-                <a:rect l="l" t="t" r="r" b="b"/>
-                <a:pathLst>
-                  <a:path w="37603" h="36965" extrusionOk="0">
-                    <a:moveTo>
-                      <a:pt x="18012" y="1"/>
-                    </a:moveTo>
-                    <a:cubicBezTo>
-                      <a:pt x="12008" y="1"/>
-                      <a:pt x="6168" y="626"/>
-                      <a:pt x="448" y="1595"/>
-                    </a:cubicBezTo>
-                    <a:cubicBezTo>
-                      <a:pt x="45" y="11397"/>
-                      <a:pt x="1" y="25684"/>
-                      <a:pt x="4693" y="31226"/>
-                    </a:cubicBezTo>
-                    <a:cubicBezTo>
-                      <a:pt x="7894" y="35011"/>
-                      <a:pt x="12966" y="36964"/>
-                      <a:pt x="18012" y="36964"/>
-                    </a:cubicBezTo>
-                    <a:cubicBezTo>
-                      <a:pt x="23394" y="36964"/>
-                      <a:pt x="28748" y="34743"/>
-                      <a:pt x="31777" y="30153"/>
-                    </a:cubicBezTo>
-                    <a:cubicBezTo>
-                      <a:pt x="37602" y="21304"/>
-                      <a:pt x="33744" y="8626"/>
-                      <a:pt x="32105" y="1058"/>
-                    </a:cubicBezTo>
-                    <a:cubicBezTo>
-                      <a:pt x="27487" y="448"/>
-                      <a:pt x="22809" y="1"/>
-                      <a:pt x="18012" y="1"/>
-                    </a:cubicBezTo>
-                    <a:close/>
-                  </a:path>
-                </a:pathLst>
-              </a:custGeom>
-              <a:solidFill>
-                <a:schemeClr val="accent5">
-                  <a:lumMod val="75000"/>
-                </a:schemeClr>
-              </a:solidFill>
-              <a:ln>
-                <a:noFill/>
-              </a:ln>
-            </p:spPr>
-            <p:txBody>
-              <a:bodyPr spcFirstLastPara="1" wrap="square" lIns="91425" tIns="91425" rIns="91425" bIns="91425" anchor="ctr" anchorCtr="0">
-                <a:noAutofit/>
-              </a:bodyPr>
-              <a:lstStyle/>
-              <a:p>
-                <a:pPr marL="0" lvl="0" indent="0" algn="l" rtl="0">
-                  <a:spcBef>
-                    <a:spcPts val="0"/>
-                  </a:spcBef>
-                  <a:spcAft>
-                    <a:spcPts val="0"/>
-                  </a:spcAft>
-                  <a:buNone/>
-                </a:pPr>
-                <a:endParaRPr/>
-              </a:p>
-            </p:txBody>
-          </p:sp>
-          <p:sp>
-            <p:nvSpPr>
-              <p:cNvPr id="49" name="Google Shape;1478;p37">
-                <a:extLst>
-                  <a:ext uri="{FF2B5EF4-FFF2-40B4-BE49-F238E27FC236}">
-                    <a16:creationId xmlns:a16="http://schemas.microsoft.com/office/drawing/2014/main" id="{813E65D6-AE02-4C8F-9998-5338780FB179}"/>
-                  </a:ext>
-                </a:extLst>
-              </p:cNvPr>
-              <p:cNvSpPr/>
-              <p:nvPr/>
-            </p:nvSpPr>
-            <p:spPr>
-              <a:xfrm rot="5400000">
-                <a:off x="1860654" y="2445425"/>
-                <a:ext cx="607035" cy="996267"/>
-              </a:xfrm>
-              <a:custGeom>
-                <a:avLst/>
-                <a:gdLst/>
-                <a:ahLst/>
-                <a:cxnLst/>
-                <a:rect l="l" t="t" r="r" b="b"/>
-                <a:pathLst>
-                  <a:path w="52489" h="86145" extrusionOk="0">
-                    <a:moveTo>
-                      <a:pt x="30776" y="1"/>
-                    </a:moveTo>
-                    <a:cubicBezTo>
-                      <a:pt x="30663" y="1"/>
-                      <a:pt x="30550" y="3"/>
-                      <a:pt x="30437" y="7"/>
-                    </a:cubicBezTo>
-                    <a:cubicBezTo>
-                      <a:pt x="15316" y="543"/>
-                      <a:pt x="1" y="35969"/>
-                      <a:pt x="4083" y="54129"/>
-                    </a:cubicBezTo>
-                    <a:cubicBezTo>
-                      <a:pt x="5558" y="60640"/>
-                      <a:pt x="9431" y="74077"/>
-                      <a:pt x="9431" y="81913"/>
-                    </a:cubicBezTo>
-                    <a:cubicBezTo>
-                      <a:pt x="9431" y="82867"/>
-                      <a:pt x="9357" y="84342"/>
-                      <a:pt x="9282" y="86144"/>
-                    </a:cubicBezTo>
-                    <a:cubicBezTo>
-                      <a:pt x="14943" y="85235"/>
-                      <a:pt x="20723" y="84625"/>
-                      <a:pt x="26653" y="84625"/>
-                    </a:cubicBezTo>
-                    <a:cubicBezTo>
-                      <a:pt x="31182" y="84625"/>
-                      <a:pt x="35621" y="84997"/>
-                      <a:pt x="40016" y="85533"/>
-                    </a:cubicBezTo>
-                    <a:cubicBezTo>
-                      <a:pt x="39584" y="81288"/>
-                      <a:pt x="39450" y="74718"/>
-                      <a:pt x="40954" y="68014"/>
-                    </a:cubicBezTo>
-                    <a:cubicBezTo>
-                      <a:pt x="42980" y="58941"/>
-                      <a:pt x="47211" y="49496"/>
-                      <a:pt x="48954" y="44699"/>
-                    </a:cubicBezTo>
-                    <a:cubicBezTo>
-                      <a:pt x="52488" y="34985"/>
-                      <a:pt x="45676" y="1"/>
-                      <a:pt x="30776" y="1"/>
-                    </a:cubicBezTo>
-                    <a:close/>
-                  </a:path>
-                </a:pathLst>
-              </a:custGeom>
-              <a:solidFill>
-                <a:schemeClr val="accent5">
-                  <a:lumMod val="75000"/>
-                </a:schemeClr>
-              </a:solidFill>
-              <a:ln>
-                <a:noFill/>
-              </a:ln>
-            </p:spPr>
-            <p:txBody>
-              <a:bodyPr spcFirstLastPara="1" wrap="square" lIns="91425" tIns="91425" rIns="91425" bIns="91425" anchor="ctr" anchorCtr="0">
-                <a:noAutofit/>
-              </a:bodyPr>
-              <a:lstStyle/>
-              <a:p>
-                <a:pPr marL="0" lvl="0" indent="0" algn="l" rtl="0">
-                  <a:spcBef>
-                    <a:spcPts val="0"/>
-                  </a:spcBef>
-                  <a:spcAft>
-                    <a:spcPts val="0"/>
-                  </a:spcAft>
-                  <a:buNone/>
-                </a:pPr>
-                <a:endParaRPr/>
-              </a:p>
-            </p:txBody>
-          </p:sp>
-        </p:grpSp>
-      </p:grpSp>
-      <p:grpSp>
-        <p:nvGrpSpPr>
-          <p:cNvPr id="52" name="Google Shape;1500;p37">
-            <a:extLst>
-              <a:ext uri="{FF2B5EF4-FFF2-40B4-BE49-F238E27FC236}">
-                <a16:creationId xmlns:a16="http://schemas.microsoft.com/office/drawing/2014/main" id="{3455C381-5831-46BE-9215-DF30C8062BE2}"/>
-              </a:ext>
-            </a:extLst>
-          </p:cNvPr>
-          <p:cNvGrpSpPr/>
-          <p:nvPr/>
-        </p:nvGrpSpPr>
-        <p:grpSpPr>
-          <a:xfrm>
-            <a:off x="6868263" y="3843548"/>
-            <a:ext cx="1271119" cy="814982"/>
-            <a:chOff x="965500" y="2820567"/>
-            <a:chExt cx="1271119" cy="814982"/>
-          </a:xfrm>
-        </p:grpSpPr>
-        <p:sp>
-          <p:nvSpPr>
-            <p:cNvPr id="53" name="Google Shape;1501;p37">
-              <a:extLst>
-                <a:ext uri="{FF2B5EF4-FFF2-40B4-BE49-F238E27FC236}">
-                  <a16:creationId xmlns:a16="http://schemas.microsoft.com/office/drawing/2014/main" id="{027A36C0-EA7D-4D8B-82A2-607297000864}"/>
-                </a:ext>
-              </a:extLst>
-            </p:cNvPr>
-            <p:cNvSpPr/>
-            <p:nvPr/>
-          </p:nvSpPr>
-          <p:spPr>
-            <a:xfrm>
-              <a:off x="965500" y="2820567"/>
-              <a:ext cx="1271100" cy="260100"/>
-            </a:xfrm>
-            <a:prstGeom prst="rect">
-              <a:avLst/>
-            </a:prstGeom>
-            <a:noFill/>
-            <a:ln>
-              <a:noFill/>
-            </a:ln>
-          </p:spPr>
-          <p:txBody>
-            <a:bodyPr spcFirstLastPara="1" wrap="square" lIns="91425" tIns="91425" rIns="91425" bIns="91425" anchor="ctr" anchorCtr="0">
-              <a:noAutofit/>
-            </a:bodyPr>
-            <a:lstStyle/>
-            <a:p>
-              <a:pPr marL="0" lvl="0" indent="0" algn="ctr" rtl="0">
-                <a:spcBef>
-                  <a:spcPts val="0"/>
-                </a:spcBef>
-                <a:spcAft>
-                  <a:spcPts val="0"/>
-                </a:spcAft>
-                <a:buNone/>
-              </a:pPr>
-              <a:r>
-                <a:rPr lang="en" sz="2000" b="1" dirty="0">
-                  <a:solidFill>
-                    <a:schemeClr val="accent5">
-                      <a:lumMod val="75000"/>
-                    </a:schemeClr>
-                  </a:solidFill>
-                  <a:latin typeface="Fira Sans Extra Condensed SemiBold"/>
-                  <a:ea typeface="Fira Sans Extra Condensed SemiBold"/>
-                  <a:cs typeface="Fira Sans Extra Condensed SemiBold"/>
-                  <a:sym typeface="Fira Sans Extra Condensed SemiBold"/>
-                </a:rPr>
-                <a:t>Step 5 </a:t>
-              </a:r>
-              <a:endParaRPr sz="2000" b="1" dirty="0">
-                <a:solidFill>
-                  <a:schemeClr val="accent5">
-                    <a:lumMod val="75000"/>
-                  </a:schemeClr>
-                </a:solidFill>
-                <a:latin typeface="Fira Sans Extra Condensed SemiBold"/>
-                <a:ea typeface="Fira Sans Extra Condensed SemiBold"/>
-                <a:cs typeface="Fira Sans Extra Condensed SemiBold"/>
-                <a:sym typeface="Fira Sans Extra Condensed SemiBold"/>
-              </a:endParaRPr>
-            </a:p>
-          </p:txBody>
-        </p:sp>
-        <p:sp>
-          <p:nvSpPr>
-            <p:cNvPr id="54" name="Google Shape;1502;p37">
-              <a:extLst>
-                <a:ext uri="{FF2B5EF4-FFF2-40B4-BE49-F238E27FC236}">
-                  <a16:creationId xmlns:a16="http://schemas.microsoft.com/office/drawing/2014/main" id="{60941F76-A71E-4361-91F9-6A1339F2FE00}"/>
-                </a:ext>
-              </a:extLst>
-            </p:cNvPr>
-            <p:cNvSpPr txBox="1"/>
-            <p:nvPr/>
-          </p:nvSpPr>
-          <p:spPr>
-            <a:xfrm>
-              <a:off x="965519" y="3149249"/>
-              <a:ext cx="1271100" cy="486300"/>
-            </a:xfrm>
-            <a:prstGeom prst="rect">
-              <a:avLst/>
-            </a:prstGeom>
-            <a:noFill/>
-            <a:ln>
-              <a:noFill/>
-            </a:ln>
-          </p:spPr>
-          <p:txBody>
-            <a:bodyPr spcFirstLastPara="1" wrap="square" lIns="91425" tIns="91425" rIns="91425" bIns="91425" anchor="ctr" anchorCtr="0">
-              <a:noAutofit/>
-            </a:bodyPr>
-            <a:lstStyle/>
-            <a:p>
-              <a:pPr marL="0" lvl="0" indent="0" algn="ctr" rtl="0">
-                <a:spcBef>
-                  <a:spcPts val="0"/>
-                </a:spcBef>
-                <a:spcAft>
-                  <a:spcPts val="0"/>
-                </a:spcAft>
-                <a:buNone/>
-              </a:pPr>
-              <a:r>
-                <a:rPr lang="it-IT" sz="1200" dirty="0">
-                  <a:solidFill>
-                    <a:schemeClr val="dk1"/>
-                  </a:solidFill>
-                  <a:latin typeface="Fira Sans Extra Condensed"/>
-                  <a:ea typeface="Fira Sans Extra Condensed"/>
-                  <a:cs typeface="Fira Sans Extra Condensed"/>
-                  <a:sym typeface="Fira Sans Extra Condensed"/>
-                </a:rPr>
-                <a:t>Implementazione</a:t>
-              </a:r>
-              <a:endParaRPr sz="1200" dirty="0">
-                <a:latin typeface="Fira Sans Extra Condensed"/>
-                <a:ea typeface="Fira Sans Extra Condensed"/>
-                <a:cs typeface="Fira Sans Extra Condensed"/>
-                <a:sym typeface="Fira Sans Extra Condensed"/>
-              </a:endParaRPr>
-            </a:p>
-          </p:txBody>
-        </p:sp>
-      </p:grpSp>
-      <p:grpSp>
-        <p:nvGrpSpPr>
-          <p:cNvPr id="55" name="Google Shape;1493;p37">
-            <a:extLst>
-              <a:ext uri="{FF2B5EF4-FFF2-40B4-BE49-F238E27FC236}">
-                <a16:creationId xmlns:a16="http://schemas.microsoft.com/office/drawing/2014/main" id="{35BCDBB2-7E1B-4148-80C5-B9E6FC4C7BE0}"/>
-              </a:ext>
-            </a:extLst>
-          </p:cNvPr>
-          <p:cNvGrpSpPr>
-            <a:grpSpLocks noChangeAspect="1"/>
-          </p:cNvGrpSpPr>
-          <p:nvPr/>
-        </p:nvGrpSpPr>
-        <p:grpSpPr>
-          <a:xfrm rot="20737292">
-            <a:off x="8061567" y="4698493"/>
-            <a:ext cx="1368000" cy="612515"/>
-            <a:chOff x="6426124" y="3402589"/>
-            <a:chExt cx="1567652" cy="701909"/>
-          </a:xfrm>
-        </p:grpSpPr>
-        <p:grpSp>
-          <p:nvGrpSpPr>
-            <p:cNvPr id="56" name="Google Shape;1494;p37">
-              <a:extLst>
-                <a:ext uri="{FF2B5EF4-FFF2-40B4-BE49-F238E27FC236}">
-                  <a16:creationId xmlns:a16="http://schemas.microsoft.com/office/drawing/2014/main" id="{1B73D392-72C6-4383-BA1D-054AC70BBCE7}"/>
-                </a:ext>
-              </a:extLst>
-            </p:cNvPr>
-            <p:cNvGrpSpPr/>
-            <p:nvPr/>
-          </p:nvGrpSpPr>
-          <p:grpSpPr>
-            <a:xfrm rot="10800000" flipH="1">
-              <a:off x="6426124" y="3402589"/>
-              <a:ext cx="1567652" cy="701909"/>
-              <a:chOff x="1172511" y="2592577"/>
-              <a:chExt cx="1567652" cy="701909"/>
-            </a:xfrm>
-          </p:grpSpPr>
-          <p:sp>
-            <p:nvSpPr>
-              <p:cNvPr id="60" name="Google Shape;1495;p37">
-                <a:extLst>
-                  <a:ext uri="{FF2B5EF4-FFF2-40B4-BE49-F238E27FC236}">
-                    <a16:creationId xmlns:a16="http://schemas.microsoft.com/office/drawing/2014/main" id="{BD1BC86A-9B84-4858-89F6-78CDBFA9BDDB}"/>
-                  </a:ext>
-                </a:extLst>
-              </p:cNvPr>
-              <p:cNvSpPr/>
-              <p:nvPr/>
-            </p:nvSpPr>
-            <p:spPr>
-              <a:xfrm rot="5400000">
-                <a:off x="1168245" y="2710055"/>
-                <a:ext cx="502846" cy="494314"/>
-              </a:xfrm>
-              <a:custGeom>
-                <a:avLst/>
-                <a:gdLst/>
-                <a:ahLst/>
-                <a:cxnLst/>
-                <a:rect l="l" t="t" r="r" b="b"/>
-                <a:pathLst>
-                  <a:path w="37603" h="36965" extrusionOk="0">
-                    <a:moveTo>
-                      <a:pt x="18012" y="1"/>
-                    </a:moveTo>
-                    <a:cubicBezTo>
-                      <a:pt x="12008" y="1"/>
-                      <a:pt x="6168" y="626"/>
-                      <a:pt x="448" y="1595"/>
-                    </a:cubicBezTo>
-                    <a:cubicBezTo>
-                      <a:pt x="45" y="11397"/>
-                      <a:pt x="1" y="25684"/>
-                      <a:pt x="4693" y="31226"/>
-                    </a:cubicBezTo>
-                    <a:cubicBezTo>
-                      <a:pt x="7894" y="35011"/>
-                      <a:pt x="12966" y="36964"/>
-                      <a:pt x="18012" y="36964"/>
-                    </a:cubicBezTo>
-                    <a:cubicBezTo>
-                      <a:pt x="23394" y="36964"/>
-                      <a:pt x="28748" y="34743"/>
-                      <a:pt x="31777" y="30153"/>
-                    </a:cubicBezTo>
-                    <a:cubicBezTo>
-                      <a:pt x="37602" y="21304"/>
-                      <a:pt x="33744" y="8626"/>
-                      <a:pt x="32105" y="1058"/>
-                    </a:cubicBezTo>
-                    <a:cubicBezTo>
-                      <a:pt x="27487" y="448"/>
-                      <a:pt x="22809" y="1"/>
-                      <a:pt x="18012" y="1"/>
-                    </a:cubicBezTo>
-                    <a:close/>
-                  </a:path>
-                </a:pathLst>
-              </a:custGeom>
-              <a:solidFill>
-                <a:srgbClr val="FFFFFF"/>
-              </a:solidFill>
-              <a:ln>
-                <a:noFill/>
-              </a:ln>
-            </p:spPr>
-            <p:txBody>
-              <a:bodyPr spcFirstLastPara="1" wrap="square" lIns="91425" tIns="91425" rIns="91425" bIns="91425" anchor="ctr" anchorCtr="0">
-                <a:noAutofit/>
-              </a:bodyPr>
-              <a:lstStyle/>
-              <a:p>
-                <a:pPr marL="0" lvl="0" indent="0" algn="l" rtl="0">
-                  <a:spcBef>
-                    <a:spcPts val="0"/>
-                  </a:spcBef>
-                  <a:spcAft>
-                    <a:spcPts val="0"/>
-                  </a:spcAft>
-                  <a:buNone/>
-                </a:pPr>
-                <a:endParaRPr/>
-              </a:p>
-            </p:txBody>
-          </p:sp>
-          <p:sp>
-            <p:nvSpPr>
-              <p:cNvPr id="61" name="Google Shape;1496;p37">
-                <a:extLst>
-                  <a:ext uri="{FF2B5EF4-FFF2-40B4-BE49-F238E27FC236}">
-                    <a16:creationId xmlns:a16="http://schemas.microsoft.com/office/drawing/2014/main" id="{DC560C37-5AF5-4E25-9D19-6060395920EC}"/>
-                  </a:ext>
-                </a:extLst>
-              </p:cNvPr>
-              <p:cNvSpPr/>
-              <p:nvPr/>
-            </p:nvSpPr>
-            <p:spPr>
-              <a:xfrm rot="5400000">
-                <a:off x="1813222" y="2367544"/>
-                <a:ext cx="701909" cy="1151974"/>
-              </a:xfrm>
-              <a:custGeom>
-                <a:avLst/>
-                <a:gdLst/>
-                <a:ahLst/>
-                <a:cxnLst/>
-                <a:rect l="l" t="t" r="r" b="b"/>
-                <a:pathLst>
-                  <a:path w="52489" h="86145" extrusionOk="0">
-                    <a:moveTo>
-                      <a:pt x="30776" y="1"/>
-                    </a:moveTo>
-                    <a:cubicBezTo>
-                      <a:pt x="30663" y="1"/>
-                      <a:pt x="30550" y="3"/>
-                      <a:pt x="30437" y="7"/>
-                    </a:cubicBezTo>
-                    <a:cubicBezTo>
-                      <a:pt x="15316" y="543"/>
-                      <a:pt x="1" y="35969"/>
-                      <a:pt x="4083" y="54129"/>
-                    </a:cubicBezTo>
-                    <a:cubicBezTo>
-                      <a:pt x="5558" y="60640"/>
-                      <a:pt x="9431" y="74077"/>
-                      <a:pt x="9431" y="81913"/>
-                    </a:cubicBezTo>
-                    <a:cubicBezTo>
-                      <a:pt x="9431" y="82867"/>
-                      <a:pt x="9357" y="84342"/>
-                      <a:pt x="9282" y="86144"/>
-                    </a:cubicBezTo>
-                    <a:cubicBezTo>
-                      <a:pt x="14943" y="85235"/>
-                      <a:pt x="20723" y="84625"/>
-                      <a:pt x="26653" y="84625"/>
-                    </a:cubicBezTo>
-                    <a:cubicBezTo>
-                      <a:pt x="31182" y="84625"/>
-                      <a:pt x="35621" y="84997"/>
-                      <a:pt x="40016" y="85533"/>
-                    </a:cubicBezTo>
-                    <a:cubicBezTo>
-                      <a:pt x="39584" y="81288"/>
-                      <a:pt x="39450" y="74718"/>
-                      <a:pt x="40954" y="68014"/>
-                    </a:cubicBezTo>
-                    <a:cubicBezTo>
-                      <a:pt x="42980" y="58941"/>
-                      <a:pt x="47211" y="49496"/>
-                      <a:pt x="48954" y="44699"/>
-                    </a:cubicBezTo>
-                    <a:cubicBezTo>
-                      <a:pt x="52488" y="34985"/>
-                      <a:pt x="45676" y="1"/>
-                      <a:pt x="30776" y="1"/>
-                    </a:cubicBezTo>
-                    <a:close/>
-                  </a:path>
-                </a:pathLst>
-              </a:custGeom>
-              <a:solidFill>
-                <a:srgbClr val="FFFFFF"/>
-              </a:solidFill>
-              <a:ln>
-                <a:noFill/>
-              </a:ln>
-            </p:spPr>
-            <p:txBody>
-              <a:bodyPr spcFirstLastPara="1" wrap="square" lIns="91425" tIns="91425" rIns="91425" bIns="91425" anchor="ctr" anchorCtr="0">
-                <a:noAutofit/>
-              </a:bodyPr>
-              <a:lstStyle/>
-              <a:p>
-                <a:pPr marL="0" lvl="0" indent="0" algn="l" rtl="0">
-                  <a:spcBef>
-                    <a:spcPts val="0"/>
-                  </a:spcBef>
-                  <a:spcAft>
-                    <a:spcPts val="0"/>
-                  </a:spcAft>
-                  <a:buNone/>
-                </a:pPr>
-                <a:endParaRPr/>
-              </a:p>
-            </p:txBody>
-          </p:sp>
-        </p:grpSp>
-        <p:grpSp>
-          <p:nvGrpSpPr>
-            <p:cNvPr id="57" name="Google Shape;1497;p37">
-              <a:extLst>
-                <a:ext uri="{FF2B5EF4-FFF2-40B4-BE49-F238E27FC236}">
-                  <a16:creationId xmlns:a16="http://schemas.microsoft.com/office/drawing/2014/main" id="{1E5A1D35-167F-4328-9347-06B1351B4420}"/>
-                </a:ext>
-              </a:extLst>
-            </p:cNvPr>
-            <p:cNvGrpSpPr/>
-            <p:nvPr/>
-          </p:nvGrpSpPr>
-          <p:grpSpPr>
-            <a:xfrm>
-              <a:off x="6481845" y="3450054"/>
-              <a:ext cx="1456211" cy="606972"/>
-              <a:chOff x="3539287" y="3023413"/>
-              <a:chExt cx="2835854" cy="1182030"/>
-            </a:xfrm>
-          </p:grpSpPr>
-          <p:sp>
-            <p:nvSpPr>
-              <p:cNvPr id="58" name="Google Shape;1498;p37">
-                <a:extLst>
-                  <a:ext uri="{FF2B5EF4-FFF2-40B4-BE49-F238E27FC236}">
-                    <a16:creationId xmlns:a16="http://schemas.microsoft.com/office/drawing/2014/main" id="{FACB2EC6-0930-4D19-B24C-C61B95324A09}"/>
-                  </a:ext>
-                </a:extLst>
-              </p:cNvPr>
-              <p:cNvSpPr/>
-              <p:nvPr/>
-            </p:nvSpPr>
-            <p:spPr>
-              <a:xfrm rot="5400000">
-                <a:off x="3520720" y="3191333"/>
-                <a:ext cx="837406" cy="800271"/>
-              </a:xfrm>
-              <a:custGeom>
-                <a:avLst/>
-                <a:gdLst/>
-                <a:ahLst/>
-                <a:cxnLst/>
-                <a:rect l="l" t="t" r="r" b="b"/>
-                <a:pathLst>
-                  <a:path w="37185" h="35536" extrusionOk="0">
-                    <a:moveTo>
-                      <a:pt x="19218" y="0"/>
-                    </a:moveTo>
-                    <a:cubicBezTo>
-                      <a:pt x="14317" y="0"/>
-                      <a:pt x="9520" y="462"/>
-                      <a:pt x="4813" y="1102"/>
-                    </a:cubicBezTo>
-                    <a:cubicBezTo>
-                      <a:pt x="3055" y="8775"/>
-                      <a:pt x="1" y="20454"/>
-                      <a:pt x="5453" y="28722"/>
-                    </a:cubicBezTo>
-                    <a:cubicBezTo>
-                      <a:pt x="8484" y="33314"/>
-                      <a:pt x="13841" y="35535"/>
-                      <a:pt x="19225" y="35535"/>
-                    </a:cubicBezTo>
-                    <a:cubicBezTo>
-                      <a:pt x="24270" y="35535"/>
-                      <a:pt x="29337" y="33586"/>
-                      <a:pt x="32537" y="29810"/>
-                    </a:cubicBezTo>
-                    <a:cubicBezTo>
-                      <a:pt x="37006" y="24521"/>
-                      <a:pt x="37185" y="11307"/>
-                      <a:pt x="36842" y="1594"/>
-                    </a:cubicBezTo>
-                    <a:cubicBezTo>
-                      <a:pt x="31107" y="626"/>
-                      <a:pt x="25237" y="0"/>
-                      <a:pt x="19218" y="0"/>
-                    </a:cubicBezTo>
-                    <a:close/>
-                  </a:path>
-                </a:pathLst>
-              </a:custGeom>
-              <a:solidFill>
-                <a:schemeClr val="accent6">
-                  <a:lumMod val="75000"/>
-                </a:schemeClr>
-              </a:solidFill>
-              <a:ln>
-                <a:noFill/>
-              </a:ln>
-            </p:spPr>
-            <p:txBody>
-              <a:bodyPr spcFirstLastPara="1" wrap="square" lIns="91425" tIns="91425" rIns="91425" bIns="91425" anchor="ctr" anchorCtr="0">
-                <a:noAutofit/>
-              </a:bodyPr>
-              <a:lstStyle/>
-              <a:p>
-                <a:pPr marL="0" lvl="0" indent="0" algn="l" rtl="0">
-                  <a:spcBef>
-                    <a:spcPts val="0"/>
-                  </a:spcBef>
-                  <a:spcAft>
-                    <a:spcPts val="0"/>
-                  </a:spcAft>
-                  <a:buNone/>
-                </a:pPr>
-                <a:endParaRPr/>
-              </a:p>
-            </p:txBody>
-          </p:sp>
-          <p:sp>
-            <p:nvSpPr>
-              <p:cNvPr id="59" name="Google Shape;1499;p37">
-                <a:extLst>
-                  <a:ext uri="{FF2B5EF4-FFF2-40B4-BE49-F238E27FC236}">
-                    <a16:creationId xmlns:a16="http://schemas.microsoft.com/office/drawing/2014/main" id="{C7BB1721-C5E0-4D1D-8C33-119F3711E218}"/>
-                  </a:ext>
-                </a:extLst>
-              </p:cNvPr>
-              <p:cNvSpPr/>
-              <p:nvPr/>
-            </p:nvSpPr>
-            <p:spPr>
-              <a:xfrm rot="5400000">
-                <a:off x="4798201" y="2628502"/>
-                <a:ext cx="1182030" cy="1971851"/>
-              </a:xfrm>
-              <a:custGeom>
-                <a:avLst/>
-                <a:gdLst/>
-                <a:ahLst/>
-                <a:cxnLst/>
-                <a:rect l="l" t="t" r="r" b="b"/>
-                <a:pathLst>
-                  <a:path w="52488" h="87560" extrusionOk="0">
-                    <a:moveTo>
-                      <a:pt x="21712" y="1"/>
-                    </a:moveTo>
-                    <a:cubicBezTo>
-                      <a:pt x="6812" y="1"/>
-                      <a:pt x="0" y="34970"/>
-                      <a:pt x="3534" y="44685"/>
-                    </a:cubicBezTo>
-                    <a:cubicBezTo>
-                      <a:pt x="5277" y="49496"/>
-                      <a:pt x="9523" y="58941"/>
-                      <a:pt x="11534" y="68014"/>
-                    </a:cubicBezTo>
-                    <a:cubicBezTo>
-                      <a:pt x="13217" y="75522"/>
-                      <a:pt x="12875" y="82897"/>
-                      <a:pt x="12324" y="86964"/>
-                    </a:cubicBezTo>
-                    <a:cubicBezTo>
-                      <a:pt x="16763" y="86412"/>
-                      <a:pt x="21247" y="86040"/>
-                      <a:pt x="25850" y="86040"/>
-                    </a:cubicBezTo>
-                    <a:cubicBezTo>
-                      <a:pt x="31795" y="86040"/>
-                      <a:pt x="37590" y="86651"/>
-                      <a:pt x="43281" y="87560"/>
-                    </a:cubicBezTo>
-                    <a:cubicBezTo>
-                      <a:pt x="43176" y="85101"/>
-                      <a:pt x="43057" y="83105"/>
-                      <a:pt x="43057" y="81899"/>
-                    </a:cubicBezTo>
-                    <a:cubicBezTo>
-                      <a:pt x="43057" y="74062"/>
-                      <a:pt x="46931" y="60640"/>
-                      <a:pt x="48405" y="54130"/>
-                    </a:cubicBezTo>
-                    <a:cubicBezTo>
-                      <a:pt x="52487" y="35970"/>
-                      <a:pt x="37173" y="543"/>
-                      <a:pt x="22052" y="7"/>
-                    </a:cubicBezTo>
-                    <a:cubicBezTo>
-                      <a:pt x="21938" y="3"/>
-                      <a:pt x="21825" y="1"/>
-                      <a:pt x="21712" y="1"/>
-                    </a:cubicBezTo>
-                    <a:close/>
-                  </a:path>
-                </a:pathLst>
-              </a:custGeom>
-              <a:solidFill>
-                <a:schemeClr val="accent6">
-                  <a:lumMod val="75000"/>
-                </a:schemeClr>
-              </a:solidFill>
-              <a:ln>
-                <a:noFill/>
-              </a:ln>
-            </p:spPr>
-            <p:txBody>
-              <a:bodyPr spcFirstLastPara="1" wrap="square" lIns="91425" tIns="91425" rIns="91425" bIns="91425" anchor="ctr" anchorCtr="0">
-                <a:noAutofit/>
-              </a:bodyPr>
-              <a:lstStyle/>
-              <a:p>
-                <a:pPr marL="0" lvl="0" indent="0" algn="l" rtl="0">
-                  <a:spcBef>
-                    <a:spcPts val="0"/>
-                  </a:spcBef>
-                  <a:spcAft>
-                    <a:spcPts val="0"/>
-                  </a:spcAft>
-                  <a:buNone/>
-                </a:pPr>
-                <a:endParaRPr/>
-              </a:p>
-            </p:txBody>
-          </p:sp>
-        </p:grpSp>
-      </p:grpSp>
-      <p:grpSp>
-        <p:nvGrpSpPr>
-          <p:cNvPr id="62" name="Google Shape;1500;p37">
-            <a:extLst>
-              <a:ext uri="{FF2B5EF4-FFF2-40B4-BE49-F238E27FC236}">
-                <a16:creationId xmlns:a16="http://schemas.microsoft.com/office/drawing/2014/main" id="{40FCC007-345D-42E0-A01B-9CD945C87620}"/>
-              </a:ext>
-            </a:extLst>
-          </p:cNvPr>
-          <p:cNvGrpSpPr/>
-          <p:nvPr/>
-        </p:nvGrpSpPr>
-        <p:grpSpPr>
-          <a:xfrm>
-            <a:off x="8218079" y="3908843"/>
-            <a:ext cx="1271119" cy="814982"/>
-            <a:chOff x="965500" y="2820567"/>
-            <a:chExt cx="1271119" cy="814982"/>
-          </a:xfrm>
-        </p:grpSpPr>
-        <p:sp>
-          <p:nvSpPr>
-            <p:cNvPr id="63" name="Google Shape;1501;p37">
-              <a:extLst>
-                <a:ext uri="{FF2B5EF4-FFF2-40B4-BE49-F238E27FC236}">
-                  <a16:creationId xmlns:a16="http://schemas.microsoft.com/office/drawing/2014/main" id="{6580A19C-F10B-46CC-8535-A560C5236E76}"/>
-                </a:ext>
-              </a:extLst>
-            </p:cNvPr>
-            <p:cNvSpPr/>
-            <p:nvPr/>
-          </p:nvSpPr>
-          <p:spPr>
-            <a:xfrm>
-              <a:off x="965500" y="2820567"/>
-              <a:ext cx="1271100" cy="260100"/>
-            </a:xfrm>
-            <a:prstGeom prst="rect">
-              <a:avLst/>
-            </a:prstGeom>
-            <a:noFill/>
-            <a:ln>
-              <a:noFill/>
-            </a:ln>
-          </p:spPr>
-          <p:txBody>
-            <a:bodyPr spcFirstLastPara="1" wrap="square" lIns="91425" tIns="91425" rIns="91425" bIns="91425" anchor="ctr" anchorCtr="0">
-              <a:noAutofit/>
-            </a:bodyPr>
-            <a:lstStyle/>
-            <a:p>
-              <a:pPr marL="0" lvl="0" indent="0" algn="ctr" rtl="0">
-                <a:spcBef>
-                  <a:spcPts val="0"/>
-                </a:spcBef>
-                <a:spcAft>
-                  <a:spcPts val="0"/>
-                </a:spcAft>
-                <a:buNone/>
-              </a:pPr>
-              <a:r>
-                <a:rPr lang="en" sz="2000" b="1" dirty="0">
-                  <a:solidFill>
-                    <a:schemeClr val="accent6">
-                      <a:lumMod val="75000"/>
-                    </a:schemeClr>
-                  </a:solidFill>
-                  <a:latin typeface="Fira Sans Extra Condensed SemiBold"/>
-                  <a:ea typeface="Fira Sans Extra Condensed SemiBold"/>
-                  <a:cs typeface="Fira Sans Extra Condensed SemiBold"/>
-                  <a:sym typeface="Fira Sans Extra Condensed SemiBold"/>
-                </a:rPr>
-                <a:t>Step 6</a:t>
-              </a:r>
-              <a:r>
-                <a:rPr lang="en" dirty="0">
-                  <a:solidFill>
-                    <a:schemeClr val="dk2"/>
-                  </a:solidFill>
-                  <a:latin typeface="Fira Sans Extra Condensed SemiBold"/>
-                  <a:ea typeface="Fira Sans Extra Condensed SemiBold"/>
-                  <a:cs typeface="Fira Sans Extra Condensed SemiBold"/>
-                  <a:sym typeface="Fira Sans Extra Condensed SemiBold"/>
-                </a:rPr>
-                <a:t> </a:t>
-              </a:r>
-              <a:endParaRPr dirty="0">
-                <a:solidFill>
-                  <a:schemeClr val="dk2"/>
-                </a:solidFill>
-                <a:latin typeface="Fira Sans Extra Condensed SemiBold"/>
-                <a:ea typeface="Fira Sans Extra Condensed SemiBold"/>
-                <a:cs typeface="Fira Sans Extra Condensed SemiBold"/>
-                <a:sym typeface="Fira Sans Extra Condensed SemiBold"/>
-              </a:endParaRPr>
-            </a:p>
-          </p:txBody>
-        </p:sp>
-        <p:sp>
-          <p:nvSpPr>
-            <p:cNvPr id="64" name="Google Shape;1502;p37">
-              <a:extLst>
-                <a:ext uri="{FF2B5EF4-FFF2-40B4-BE49-F238E27FC236}">
-                  <a16:creationId xmlns:a16="http://schemas.microsoft.com/office/drawing/2014/main" id="{655BD4FE-F5C0-4D93-855C-96D0549A6D88}"/>
-                </a:ext>
-              </a:extLst>
-            </p:cNvPr>
-            <p:cNvSpPr txBox="1"/>
-            <p:nvPr/>
-          </p:nvSpPr>
-          <p:spPr>
-            <a:xfrm>
-              <a:off x="965519" y="3149249"/>
-              <a:ext cx="1271100" cy="486300"/>
-            </a:xfrm>
-            <a:prstGeom prst="rect">
-              <a:avLst/>
-            </a:prstGeom>
-            <a:noFill/>
-            <a:ln>
-              <a:noFill/>
-            </a:ln>
-          </p:spPr>
-          <p:txBody>
-            <a:bodyPr spcFirstLastPara="1" wrap="square" lIns="91425" tIns="91425" rIns="91425" bIns="91425" anchor="ctr" anchorCtr="0">
-              <a:noAutofit/>
-            </a:bodyPr>
-            <a:lstStyle/>
-            <a:p>
-              <a:pPr marL="0" lvl="0" indent="0" algn="ctr" rtl="0">
-                <a:spcBef>
-                  <a:spcPts val="0"/>
-                </a:spcBef>
-                <a:spcAft>
-                  <a:spcPts val="0"/>
-                </a:spcAft>
-                <a:buNone/>
-              </a:pPr>
-              <a:r>
-                <a:rPr lang="it-IT" sz="1200" dirty="0">
-                  <a:solidFill>
-                    <a:schemeClr val="dk1"/>
-                  </a:solidFill>
-                  <a:latin typeface="Fira Sans Extra Condensed"/>
-                  <a:ea typeface="Fira Sans Extra Condensed"/>
-                  <a:cs typeface="Fira Sans Extra Condensed"/>
-                  <a:sym typeface="Fira Sans Extra Condensed"/>
-                </a:rPr>
-                <a:t>Testing</a:t>
-              </a:r>
-              <a:endParaRPr sz="1200" dirty="0">
-                <a:latin typeface="Fira Sans Extra Condensed"/>
-                <a:ea typeface="Fira Sans Extra Condensed"/>
-                <a:cs typeface="Fira Sans Extra Condensed"/>
-                <a:sym typeface="Fira Sans Extra Condensed"/>
-              </a:endParaRPr>
-            </a:p>
-          </p:txBody>
-        </p:sp>
       </p:grpSp>
     </p:spTree>
     <p:extLst>
@@ -15386,6 +15629,312 @@
   <p:clrMapOvr>
     <a:masterClrMapping/>
   </p:clrMapOvr>
+  <p:timing>
+    <p:tnLst>
+      <p:par>
+        <p:cTn id="1" dur="indefinite" restart="never" nodeType="tmRoot">
+          <p:childTnLst>
+            <p:seq concurrent="1" nextAc="seek">
+              <p:cTn id="2" dur="indefinite" nodeType="mainSeq">
+                <p:childTnLst>
+                  <p:par>
+                    <p:cTn id="3" fill="hold">
+                      <p:stCondLst>
+                        <p:cond delay="indefinite"/>
+                        <p:cond evt="onBegin" delay="0">
+                          <p:tn val="2"/>
+                        </p:cond>
+                      </p:stCondLst>
+                      <p:childTnLst>
+                        <p:par>
+                          <p:cTn id="4" fill="hold">
+                            <p:stCondLst>
+                              <p:cond delay="0"/>
+                            </p:stCondLst>
+                            <p:childTnLst>
+                              <p:par>
+                                <p:cTn id="5" presetID="10" presetClass="entr" presetSubtype="0" fill="hold" nodeType="withEffect">
+                                  <p:stCondLst>
+                                    <p:cond delay="0"/>
+                                  </p:stCondLst>
+                                  <p:childTnLst>
+                                    <p:set>
+                                      <p:cBhvr>
+                                        <p:cTn id="6" dur="1" fill="hold">
+                                          <p:stCondLst>
+                                            <p:cond delay="0"/>
+                                          </p:stCondLst>
+                                        </p:cTn>
+                                        <p:tgtEl>
+                                          <p:spTgt spid="3"/>
+                                        </p:tgtEl>
+                                        <p:attrNameLst>
+                                          <p:attrName>style.visibility</p:attrName>
+                                        </p:attrNameLst>
+                                      </p:cBhvr>
+                                      <p:to>
+                                        <p:strVal val="visible"/>
+                                      </p:to>
+                                    </p:set>
+                                    <p:animEffect transition="in" filter="fade">
+                                      <p:cBhvr>
+                                        <p:cTn id="7" dur="500"/>
+                                        <p:tgtEl>
+                                          <p:spTgt spid="3"/>
+                                        </p:tgtEl>
+                                      </p:cBhvr>
+                                    </p:animEffect>
+                                  </p:childTnLst>
+                                </p:cTn>
+                              </p:par>
+                            </p:childTnLst>
+                          </p:cTn>
+                        </p:par>
+                        <p:par>
+                          <p:cTn id="8" fill="hold">
+                            <p:stCondLst>
+                              <p:cond delay="500"/>
+                            </p:stCondLst>
+                            <p:childTnLst>
+                              <p:par>
+                                <p:cTn id="9" presetID="10" presetClass="entr" presetSubtype="0" fill="hold" nodeType="afterEffect">
+                                  <p:stCondLst>
+                                    <p:cond delay="0"/>
+                                  </p:stCondLst>
+                                  <p:childTnLst>
+                                    <p:set>
+                                      <p:cBhvr>
+                                        <p:cTn id="10" dur="1" fill="hold">
+                                          <p:stCondLst>
+                                            <p:cond delay="0"/>
+                                          </p:stCondLst>
+                                        </p:cTn>
+                                        <p:tgtEl>
+                                          <p:spTgt spid="65"/>
+                                        </p:tgtEl>
+                                        <p:attrNameLst>
+                                          <p:attrName>style.visibility</p:attrName>
+                                        </p:attrNameLst>
+                                      </p:cBhvr>
+                                      <p:to>
+                                        <p:strVal val="visible"/>
+                                      </p:to>
+                                    </p:set>
+                                    <p:animEffect transition="in" filter="fade">
+                                      <p:cBhvr>
+                                        <p:cTn id="11" dur="500"/>
+                                        <p:tgtEl>
+                                          <p:spTgt spid="65"/>
+                                        </p:tgtEl>
+                                      </p:cBhvr>
+                                    </p:animEffect>
+                                  </p:childTnLst>
+                                </p:cTn>
+                              </p:par>
+                            </p:childTnLst>
+                          </p:cTn>
+                        </p:par>
+                        <p:par>
+                          <p:cTn id="12" fill="hold">
+                            <p:stCondLst>
+                              <p:cond delay="1000"/>
+                            </p:stCondLst>
+                            <p:childTnLst>
+                              <p:par>
+                                <p:cTn id="13" presetID="10" presetClass="entr" presetSubtype="0" fill="hold" nodeType="afterEffect">
+                                  <p:stCondLst>
+                                    <p:cond delay="0"/>
+                                  </p:stCondLst>
+                                  <p:childTnLst>
+                                    <p:set>
+                                      <p:cBhvr>
+                                        <p:cTn id="14" dur="1" fill="hold">
+                                          <p:stCondLst>
+                                            <p:cond delay="0"/>
+                                          </p:stCondLst>
+                                        </p:cTn>
+                                        <p:tgtEl>
+                                          <p:spTgt spid="66"/>
+                                        </p:tgtEl>
+                                        <p:attrNameLst>
+                                          <p:attrName>style.visibility</p:attrName>
+                                        </p:attrNameLst>
+                                      </p:cBhvr>
+                                      <p:to>
+                                        <p:strVal val="visible"/>
+                                      </p:to>
+                                    </p:set>
+                                    <p:animEffect transition="in" filter="fade">
+                                      <p:cBhvr>
+                                        <p:cTn id="15" dur="500"/>
+                                        <p:tgtEl>
+                                          <p:spTgt spid="66"/>
+                                        </p:tgtEl>
+                                      </p:cBhvr>
+                                    </p:animEffect>
+                                  </p:childTnLst>
+                                </p:cTn>
+                              </p:par>
+                            </p:childTnLst>
+                          </p:cTn>
+                        </p:par>
+                        <p:par>
+                          <p:cTn id="16" fill="hold">
+                            <p:stCondLst>
+                              <p:cond delay="1500"/>
+                            </p:stCondLst>
+                            <p:childTnLst>
+                              <p:par>
+                                <p:cTn id="17" presetID="10" presetClass="entr" presetSubtype="0" fill="hold" nodeType="afterEffect">
+                                  <p:stCondLst>
+                                    <p:cond delay="0"/>
+                                  </p:stCondLst>
+                                  <p:childTnLst>
+                                    <p:set>
+                                      <p:cBhvr>
+                                        <p:cTn id="18" dur="1" fill="hold">
+                                          <p:stCondLst>
+                                            <p:cond delay="0"/>
+                                          </p:stCondLst>
+                                        </p:cTn>
+                                        <p:tgtEl>
+                                          <p:spTgt spid="67"/>
+                                        </p:tgtEl>
+                                        <p:attrNameLst>
+                                          <p:attrName>style.visibility</p:attrName>
+                                        </p:attrNameLst>
+                                      </p:cBhvr>
+                                      <p:to>
+                                        <p:strVal val="visible"/>
+                                      </p:to>
+                                    </p:set>
+                                    <p:animEffect transition="in" filter="fade">
+                                      <p:cBhvr>
+                                        <p:cTn id="19" dur="500"/>
+                                        <p:tgtEl>
+                                          <p:spTgt spid="67"/>
+                                        </p:tgtEl>
+                                      </p:cBhvr>
+                                    </p:animEffect>
+                                  </p:childTnLst>
+                                </p:cTn>
+                              </p:par>
+                            </p:childTnLst>
+                          </p:cTn>
+                        </p:par>
+                        <p:par>
+                          <p:cTn id="20" fill="hold">
+                            <p:stCondLst>
+                              <p:cond delay="2000"/>
+                            </p:stCondLst>
+                            <p:childTnLst>
+                              <p:par>
+                                <p:cTn id="21" presetID="10" presetClass="entr" presetSubtype="0" fill="hold" nodeType="afterEffect">
+                                  <p:stCondLst>
+                                    <p:cond delay="0"/>
+                                  </p:stCondLst>
+                                  <p:childTnLst>
+                                    <p:set>
+                                      <p:cBhvr>
+                                        <p:cTn id="22" dur="1" fill="hold">
+                                          <p:stCondLst>
+                                            <p:cond delay="0"/>
+                                          </p:stCondLst>
+                                        </p:cTn>
+                                        <p:tgtEl>
+                                          <p:spTgt spid="68"/>
+                                        </p:tgtEl>
+                                        <p:attrNameLst>
+                                          <p:attrName>style.visibility</p:attrName>
+                                        </p:attrNameLst>
+                                      </p:cBhvr>
+                                      <p:to>
+                                        <p:strVal val="visible"/>
+                                      </p:to>
+                                    </p:set>
+                                    <p:animEffect transition="in" filter="fade">
+                                      <p:cBhvr>
+                                        <p:cTn id="23" dur="500"/>
+                                        <p:tgtEl>
+                                          <p:spTgt spid="68"/>
+                                        </p:tgtEl>
+                                      </p:cBhvr>
+                                    </p:animEffect>
+                                  </p:childTnLst>
+                                </p:cTn>
+                              </p:par>
+                            </p:childTnLst>
+                          </p:cTn>
+                        </p:par>
+                        <p:par>
+                          <p:cTn id="24" fill="hold">
+                            <p:stCondLst>
+                              <p:cond delay="2500"/>
+                            </p:stCondLst>
+                            <p:childTnLst>
+                              <p:par>
+                                <p:cTn id="25" presetID="10" presetClass="entr" presetSubtype="0" fill="hold" nodeType="afterEffect">
+                                  <p:stCondLst>
+                                    <p:cond delay="0"/>
+                                  </p:stCondLst>
+                                  <p:childTnLst>
+                                    <p:set>
+                                      <p:cBhvr>
+                                        <p:cTn id="26" dur="1" fill="hold">
+                                          <p:stCondLst>
+                                            <p:cond delay="0"/>
+                                          </p:stCondLst>
+                                        </p:cTn>
+                                        <p:tgtEl>
+                                          <p:spTgt spid="69"/>
+                                        </p:tgtEl>
+                                        <p:attrNameLst>
+                                          <p:attrName>style.visibility</p:attrName>
+                                        </p:attrNameLst>
+                                      </p:cBhvr>
+                                      <p:to>
+                                        <p:strVal val="visible"/>
+                                      </p:to>
+                                    </p:set>
+                                    <p:animEffect transition="in" filter="fade">
+                                      <p:cBhvr>
+                                        <p:cTn id="27" dur="500"/>
+                                        <p:tgtEl>
+                                          <p:spTgt spid="69"/>
+                                        </p:tgtEl>
+                                      </p:cBhvr>
+                                    </p:animEffect>
+                                  </p:childTnLst>
+                                </p:cTn>
+                              </p:par>
+                            </p:childTnLst>
+                          </p:cTn>
+                        </p:par>
+                      </p:childTnLst>
+                    </p:cTn>
+                  </p:par>
+                </p:childTnLst>
+              </p:cTn>
+              <p:prevCondLst>
+                <p:cond evt="onPrev" delay="0">
+                  <p:tgtEl>
+                    <p:sldTgt/>
+                  </p:tgtEl>
+                </p:cond>
+              </p:prevCondLst>
+              <p:nextCondLst>
+                <p:cond evt="onNext" delay="0">
+                  <p:tgtEl>
+                    <p:sldTgt/>
+                  </p:tgtEl>
+                </p:cond>
+              </p:nextCondLst>
+            </p:seq>
+          </p:childTnLst>
+        </p:cTn>
+      </p:par>
+    </p:tnLst>
+  </p:timing>
 </p:sld>
 </file>
 
@@ -15565,14 +16114,21 @@
             <a:pPr lvl="1"/>
             <a:r>
               <a:rPr lang="it-IT" dirty="0"/>
-              <a:t>Minimi privilegi;</a:t>
+              <a:t>Minimi privilegi (OWASP);</a:t>
             </a:r>
           </a:p>
           <a:p>
             <a:pPr lvl="1"/>
             <a:r>
               <a:rPr lang="it-IT" dirty="0"/>
-              <a:t>KISS;</a:t>
+              <a:t>Separazione dei compiti (OWASP);</a:t>
+            </a:r>
+          </a:p>
+          <a:p>
+            <a:pPr lvl="1"/>
+            <a:r>
+              <a:rPr lang="it-IT" dirty="0"/>
+              <a:t>KISS (OWASP);</a:t>
             </a:r>
           </a:p>
           <a:p>
@@ -15586,7 +16142,7 @@
             <a:pPr lvl="1"/>
             <a:r>
               <a:rPr lang="it-IT" dirty="0"/>
-              <a:t>Bilanciare sicurezza ed usabilità;</a:t>
+              <a:t>Bilanciare sicurezza ed usabilità (SOMERVILLE);</a:t>
             </a:r>
           </a:p>
           <a:p>
@@ -15683,7 +16239,61 @@
           <a:bodyPr/>
           <a:lstStyle/>
           <a:p>
-            <a:endParaRPr lang="it-IT"/>
+            <a:r>
+              <a:rPr lang="it-IT" dirty="0"/>
+              <a:t>Uno dei principi di base della sicurezza delle informazioni è quello del privilegio minimo o, in inglese, </a:t>
+            </a:r>
+            <a:r>
+              <a:rPr lang="it-IT" dirty="0" err="1"/>
+              <a:t>principle</a:t>
+            </a:r>
+            <a:r>
+              <a:rPr lang="it-IT" dirty="0"/>
+              <a:t> of </a:t>
+            </a:r>
+            <a:r>
+              <a:rPr lang="it-IT" dirty="0" err="1"/>
+              <a:t>least</a:t>
+            </a:r>
+            <a:r>
+              <a:rPr lang="it-IT" dirty="0"/>
+              <a:t> </a:t>
+            </a:r>
+            <a:r>
+              <a:rPr lang="it-IT" dirty="0" err="1"/>
+              <a:t>privilege</a:t>
+            </a:r>
+            <a:r>
+              <a:rPr lang="it-IT" dirty="0"/>
+              <a:t> (POLP), secondo cui ogni utente, programma o processo in esecuzione in un sistema (ma il principio vale anche per i dispositivi connessi) dovrebbe avere solo i privilegi minimi necessari per eseguire le proprie mansioni o la sua funzione.</a:t>
+            </a:r>
+          </a:p>
+          <a:p>
+            <a:r>
+              <a:rPr lang="it-IT" dirty="0"/>
+              <a:t>In applicazione di questo principio, gli utenti del nostro programma sono divisi per ruoli:</a:t>
+            </a:r>
+          </a:p>
+          <a:p>
+            <a:pPr lvl="1"/>
+            <a:r>
+              <a:rPr lang="it-IT" dirty="0"/>
+              <a:t>Consumatore;</a:t>
+            </a:r>
+          </a:p>
+          <a:p>
+            <a:pPr lvl="1"/>
+            <a:r>
+              <a:rPr lang="it-IT" dirty="0"/>
+              <a:t>Trasformatore;</a:t>
+            </a:r>
+          </a:p>
+          <a:p>
+            <a:pPr lvl="1"/>
+            <a:r>
+              <a:rPr lang="it-IT" dirty="0"/>
+              <a:t>Produttore.</a:t>
+            </a:r>
           </a:p>
         </p:txBody>
       </p:sp>
@@ -15722,6 +16332,226 @@
           <p:cNvPr id="2" name="Titolo 1">
             <a:extLst>
               <a:ext uri="{FF2B5EF4-FFF2-40B4-BE49-F238E27FC236}">
+                <a16:creationId xmlns:a16="http://schemas.microsoft.com/office/drawing/2014/main" id="{D170379F-FFE9-4E9A-A4F4-F9D8FF2529A0}"/>
+              </a:ext>
+            </a:extLst>
+          </p:cNvPr>
+          <p:cNvSpPr>
+            <a:spLocks noGrp="1"/>
+          </p:cNvSpPr>
+          <p:nvPr>
+            <p:ph type="title"/>
+          </p:nvPr>
+        </p:nvSpPr>
+        <p:spPr/>
+        <p:txBody>
+          <a:bodyPr/>
+          <a:lstStyle/>
+          <a:p>
+            <a:r>
+              <a:rPr lang="it-IT" dirty="0"/>
+              <a:t>Separazione dei compiti</a:t>
+            </a:r>
+          </a:p>
+        </p:txBody>
+      </p:sp>
+      <p:sp>
+        <p:nvSpPr>
+          <p:cNvPr id="3" name="Segnaposto contenuto 2">
+            <a:extLst>
+              <a:ext uri="{FF2B5EF4-FFF2-40B4-BE49-F238E27FC236}">
+                <a16:creationId xmlns:a16="http://schemas.microsoft.com/office/drawing/2014/main" id="{83DAE863-29CC-4A11-9102-013151E22032}"/>
+              </a:ext>
+            </a:extLst>
+          </p:cNvPr>
+          <p:cNvSpPr>
+            <a:spLocks noGrp="1"/>
+          </p:cNvSpPr>
+          <p:nvPr>
+            <p:ph idx="1"/>
+          </p:nvPr>
+        </p:nvSpPr>
+        <p:spPr>
+          <a:xfrm>
+            <a:off x="677334" y="1594981"/>
+            <a:ext cx="8596668" cy="3880773"/>
+          </a:xfrm>
+        </p:spPr>
+        <p:txBody>
+          <a:bodyPr/>
+          <a:lstStyle/>
+          <a:p>
+            <a:r>
+              <a:rPr lang="it-IT" dirty="0"/>
+              <a:t>L’obiettivo è quello di ridurre la possibilità che un utente, programma o processo in esecuzione in un sistema possa svolgere più parti di un certo processo.</a:t>
+            </a:r>
+          </a:p>
+          <a:p>
+            <a:r>
+              <a:rPr lang="it-IT" dirty="0"/>
+              <a:t>Per fare ciò noi abbiamo reso possibile ad ogni singolo utente, in base al ruolo che riveste (Consumatore, Trasformatore, Produttore) di eseguire solo determinati compiti.</a:t>
+            </a:r>
+          </a:p>
+        </p:txBody>
+      </p:sp>
+      <p:pic>
+        <p:nvPicPr>
+          <p:cNvPr id="5" name="Immagine 4">
+            <a:extLst>
+              <a:ext uri="{FF2B5EF4-FFF2-40B4-BE49-F238E27FC236}">
+                <a16:creationId xmlns:a16="http://schemas.microsoft.com/office/drawing/2014/main" id="{28A08CAA-24DD-415C-80E2-6154492AE04B}"/>
+              </a:ext>
+            </a:extLst>
+          </p:cNvPr>
+          <p:cNvPicPr>
+            <a:picLocks noChangeAspect="1"/>
+          </p:cNvPicPr>
+          <p:nvPr/>
+        </p:nvPicPr>
+        <p:blipFill>
+          <a:blip r:embed="rId2"/>
+          <a:stretch>
+            <a:fillRect/>
+          </a:stretch>
+        </p:blipFill>
+        <p:spPr>
+          <a:xfrm>
+            <a:off x="508958" y="3429000"/>
+            <a:ext cx="3177815" cy="3482642"/>
+          </a:xfrm>
+          <a:prstGeom prst="rect">
+            <a:avLst/>
+          </a:prstGeom>
+        </p:spPr>
+      </p:pic>
+      <p:pic>
+        <p:nvPicPr>
+          <p:cNvPr id="7" name="Immagine 6">
+            <a:extLst>
+              <a:ext uri="{FF2B5EF4-FFF2-40B4-BE49-F238E27FC236}">
+                <a16:creationId xmlns:a16="http://schemas.microsoft.com/office/drawing/2014/main" id="{23AA4274-623F-4938-8487-2E2A2CCEB9C1}"/>
+              </a:ext>
+            </a:extLst>
+          </p:cNvPr>
+          <p:cNvPicPr>
+            <a:picLocks noChangeAspect="1"/>
+          </p:cNvPicPr>
+          <p:nvPr/>
+        </p:nvPicPr>
+        <p:blipFill>
+          <a:blip r:embed="rId3"/>
+          <a:stretch>
+            <a:fillRect/>
+          </a:stretch>
+        </p:blipFill>
+        <p:spPr>
+          <a:xfrm>
+            <a:off x="3602585" y="3375358"/>
+            <a:ext cx="3071126" cy="3482642"/>
+          </a:xfrm>
+          <a:prstGeom prst="rect">
+            <a:avLst/>
+          </a:prstGeom>
+        </p:spPr>
+      </p:pic>
+      <p:pic>
+        <p:nvPicPr>
+          <p:cNvPr id="9" name="Immagine 8">
+            <a:extLst>
+              <a:ext uri="{FF2B5EF4-FFF2-40B4-BE49-F238E27FC236}">
+                <a16:creationId xmlns:a16="http://schemas.microsoft.com/office/drawing/2014/main" id="{2E33C3EB-2891-4F91-AEDF-860F536BBAD6}"/>
+              </a:ext>
+            </a:extLst>
+          </p:cNvPr>
+          <p:cNvPicPr>
+            <a:picLocks noChangeAspect="1"/>
+          </p:cNvPicPr>
+          <p:nvPr/>
+        </p:nvPicPr>
+        <p:blipFill>
+          <a:blip r:embed="rId4">
+            <a:extLst>
+              <a:ext uri="{BEBA8EAE-BF5A-486C-A8C5-ECC9F3942E4B}">
+                <a14:imgProps xmlns:a14="http://schemas.microsoft.com/office/drawing/2010/main">
+                  <a14:imgLayer r:embed="rId5">
+                    <a14:imgEffect>
+                      <a14:backgroundRemoval t="5634" b="95070" l="2308" r="95641">
+                        <a14:foregroundMark x1="6410" y1="83803" x2="14359" y2="17606"/>
+                        <a14:foregroundMark x1="10513" y1="95070" x2="32821" y2="6338"/>
+                        <a14:foregroundMark x1="34103" y1="85211" x2="34615" y2="81690"/>
+                        <a14:foregroundMark x1="45641" y1="93662" x2="68718" y2="65493"/>
+                        <a14:foregroundMark x1="68718" y1="65493" x2="71026" y2="37324"/>
+                        <a14:foregroundMark x1="89744" y1="53521" x2="93333" y2="44366"/>
+                        <a14:foregroundMark x1="6410" y1="95070" x2="5385" y2="53521"/>
+                        <a14:foregroundMark x1="6154" y1="21127" x2="6154" y2="21127"/>
+                        <a14:foregroundMark x1="5641" y1="20423" x2="5385" y2="61972"/>
+                        <a14:foregroundMark x1="2564" y1="14085" x2="2564" y2="94366"/>
+                        <a14:foregroundMark x1="11026" y1="16197" x2="11026" y2="16197"/>
+                        <a14:foregroundMark x1="34359" y1="14085" x2="53077" y2="9155"/>
+                        <a14:foregroundMark x1="55128" y1="11268" x2="69744" y2="9155"/>
+                        <a14:foregroundMark x1="78974" y1="8451" x2="95897" y2="5634"/>
+                        <a14:foregroundMark x1="97949" y1="26761" x2="52308" y2="77465"/>
+                        <a14:foregroundMark x1="52308" y1="77465" x2="20000" y2="59155"/>
+                        <a14:foregroundMark x1="20000" y1="59155" x2="37179" y2="19014"/>
+                        <a14:foregroundMark x1="37179" y1="19014" x2="35641" y2="95070"/>
+                        <a14:foregroundMark x1="7692" y1="83099" x2="8974" y2="92958"/>
+                        <a14:foregroundMark x1="51795" y1="34507" x2="53333" y2="51408"/>
+                      </a14:backgroundRemoval>
+                    </a14:imgEffect>
+                  </a14:imgLayer>
+                </a14:imgProps>
+              </a:ext>
+            </a:extLst>
+          </a:blip>
+          <a:stretch>
+            <a:fillRect/>
+          </a:stretch>
+        </p:blipFill>
+        <p:spPr>
+          <a:xfrm>
+            <a:off x="6673711" y="4543676"/>
+            <a:ext cx="2972058" cy="1082134"/>
+          </a:xfrm>
+          <a:prstGeom prst="rect">
+            <a:avLst/>
+          </a:prstGeom>
+        </p:spPr>
+      </p:pic>
+    </p:spTree>
+    <p:extLst>
+      <p:ext uri="{BB962C8B-B14F-4D97-AF65-F5344CB8AC3E}">
+        <p14:creationId xmlns:p14="http://schemas.microsoft.com/office/powerpoint/2010/main" val="2039990032"/>
+      </p:ext>
+    </p:extLst>
+  </p:cSld>
+  <p:clrMapOvr>
+    <a:masterClrMapping/>
+  </p:clrMapOvr>
+</p:sld>
+</file>
+
+<file path=ppt/slides/slide7.xml><?xml version="1.0" encoding="utf-8"?>
+<p:sld xmlns:a="http://schemas.openxmlformats.org/drawingml/2006/main" xmlns:r="http://schemas.openxmlformats.org/officeDocument/2006/relationships" xmlns:p="http://schemas.openxmlformats.org/presentationml/2006/main">
+  <p:cSld>
+    <p:spTree>
+      <p:nvGrpSpPr>
+        <p:cNvPr id="1" name=""/>
+        <p:cNvGrpSpPr/>
+        <p:nvPr/>
+      </p:nvGrpSpPr>
+      <p:grpSpPr>
+        <a:xfrm>
+          <a:off x="0" y="0"/>
+          <a:ext cx="0" cy="0"/>
+          <a:chOff x="0" y="0"/>
+          <a:chExt cx="0" cy="0"/>
+        </a:xfrm>
+      </p:grpSpPr>
+      <p:sp>
+        <p:nvSpPr>
+          <p:cNvPr id="2" name="Titolo 1">
+            <a:extLst>
+              <a:ext uri="{FF2B5EF4-FFF2-40B4-BE49-F238E27FC236}">
                 <a16:creationId xmlns:a16="http://schemas.microsoft.com/office/drawing/2014/main" id="{483C8059-7664-4656-8973-B6536F6A830D}"/>
               </a:ext>
             </a:extLst>
@@ -15768,7 +16598,7 @@
           <a:p>
             <a:r>
               <a:rPr lang="it-IT" dirty="0"/>
-              <a:t>QUI PARLIAMO ANCHE DELL’INTERFACCIA</a:t>
+              <a:t>Abbiam</a:t>
             </a:r>
           </a:p>
         </p:txBody>
@@ -15786,7 +16616,7 @@
 </p:sld>
 </file>
 
-<file path=ppt/slides/slide7.xml><?xml version="1.0" encoding="utf-8"?>
+<file path=ppt/slides/slide8.xml><?xml version="1.0" encoding="utf-8"?>
 <p:sld xmlns:a="http://schemas.openxmlformats.org/drawingml/2006/main" xmlns:r="http://schemas.openxmlformats.org/officeDocument/2006/relationships" xmlns:p="http://schemas.openxmlformats.org/presentationml/2006/main">
   <p:cSld>
     <p:spTree>
@@ -15876,7 +16706,7 @@
 </p:sld>
 </file>
 
-<file path=ppt/slides/slide8.xml><?xml version="1.0" encoding="utf-8"?>
+<file path=ppt/slides/slide9.xml><?xml version="1.0" encoding="utf-8"?>
 <p:sld xmlns:a="http://schemas.openxmlformats.org/drawingml/2006/main" xmlns:r="http://schemas.openxmlformats.org/officeDocument/2006/relationships" xmlns:p="http://schemas.openxmlformats.org/presentationml/2006/main">
   <p:cSld>
     <p:spTree>
@@ -15942,7 +16772,10 @@
           <a:bodyPr/>
           <a:lstStyle/>
           <a:p>
-            <a:endParaRPr lang="it-IT"/>
+            <a:r>
+              <a:rPr lang="it-IT" dirty="0"/>
+              <a:t>Per rendere più facile all’utente </a:t>
+            </a:r>
           </a:p>
         </p:txBody>
       </p:sp>
@@ -15950,93 +16783,6 @@
     <p:extLst>
       <p:ext uri="{BB962C8B-B14F-4D97-AF65-F5344CB8AC3E}">
         <p14:creationId xmlns:p14="http://schemas.microsoft.com/office/powerpoint/2010/main" val="1543654616"/>
-      </p:ext>
-    </p:extLst>
-  </p:cSld>
-  <p:clrMapOvr>
-    <a:masterClrMapping/>
-  </p:clrMapOvr>
-</p:sld>
-</file>
-
-<file path=ppt/slides/slide9.xml><?xml version="1.0" encoding="utf-8"?>
-<p:sld xmlns:a="http://schemas.openxmlformats.org/drawingml/2006/main" xmlns:r="http://schemas.openxmlformats.org/officeDocument/2006/relationships" xmlns:p="http://schemas.openxmlformats.org/presentationml/2006/main">
-  <p:cSld>
-    <p:spTree>
-      <p:nvGrpSpPr>
-        <p:cNvPr id="1" name=""/>
-        <p:cNvGrpSpPr/>
-        <p:nvPr/>
-      </p:nvGrpSpPr>
-      <p:grpSpPr>
-        <a:xfrm>
-          <a:off x="0" y="0"/>
-          <a:ext cx="0" cy="0"/>
-          <a:chOff x="0" y="0"/>
-          <a:chExt cx="0" cy="0"/>
-        </a:xfrm>
-      </p:grpSpPr>
-      <p:sp>
-        <p:nvSpPr>
-          <p:cNvPr id="2" name="Titolo 1">
-            <a:extLst>
-              <a:ext uri="{FF2B5EF4-FFF2-40B4-BE49-F238E27FC236}">
-                <a16:creationId xmlns:a16="http://schemas.microsoft.com/office/drawing/2014/main" id="{451F5A52-EF1D-4F6B-864C-BC51E2F7C0F9}"/>
-              </a:ext>
-            </a:extLst>
-          </p:cNvPr>
-          <p:cNvSpPr>
-            <a:spLocks noGrp="1"/>
-          </p:cNvSpPr>
-          <p:nvPr>
-            <p:ph type="title"/>
-          </p:nvPr>
-        </p:nvSpPr>
-        <p:spPr/>
-        <p:txBody>
-          <a:bodyPr/>
-          <a:lstStyle/>
-          <a:p>
-            <a:r>
-              <a:rPr lang="it-IT" dirty="0"/>
-              <a:t>Sanificare </a:t>
-            </a:r>
-            <a:r>
-              <a:rPr lang="it-IT"/>
-              <a:t>gli input</a:t>
-            </a:r>
-          </a:p>
-        </p:txBody>
-      </p:sp>
-      <p:sp>
-        <p:nvSpPr>
-          <p:cNvPr id="3" name="Segnaposto contenuto 2">
-            <a:extLst>
-              <a:ext uri="{FF2B5EF4-FFF2-40B4-BE49-F238E27FC236}">
-                <a16:creationId xmlns:a16="http://schemas.microsoft.com/office/drawing/2014/main" id="{BD2B0221-3AD5-4066-A992-3958CC86C44E}"/>
-              </a:ext>
-            </a:extLst>
-          </p:cNvPr>
-          <p:cNvSpPr>
-            <a:spLocks noGrp="1"/>
-          </p:cNvSpPr>
-          <p:nvPr>
-            <p:ph idx="1"/>
-          </p:nvPr>
-        </p:nvSpPr>
-        <p:spPr/>
-        <p:txBody>
-          <a:bodyPr/>
-          <a:lstStyle/>
-          <a:p>
-            <a:endParaRPr lang="it-IT"/>
-          </a:p>
-        </p:txBody>
-      </p:sp>
-    </p:spTree>
-    <p:extLst>
-      <p:ext uri="{BB962C8B-B14F-4D97-AF65-F5344CB8AC3E}">
-        <p14:creationId xmlns:p14="http://schemas.microsoft.com/office/powerpoint/2010/main" val="1950964878"/>
       </p:ext>
     </p:extLst>
   </p:cSld>

--- a/documenti/Footprint calculator.pptx
+++ b/documenti/Footprint calculator.pptx
@@ -16004,24 +16004,6 @@
           <a:bodyPr/>
           <a:lstStyle/>
           <a:p>
-            <a:r>
-              <a:rPr lang="it-IT" dirty="0">
-                <a:hlinkClick r:id="rId2"/>
-              </a:rPr>
-              <a:t>https://snyk.io/advisor/python/pysimplegui</a:t>
-            </a:r>
-            <a:endParaRPr lang="it-IT" dirty="0"/>
-          </a:p>
-          <a:p>
-            <a:r>
-              <a:rPr lang="it-IT" dirty="0">
-                <a:hlinkClick r:id="rId3"/>
-              </a:rPr>
-              <a:t>https://github.com/PySimpleGUI/free-python-books/security/advisories</a:t>
-            </a:r>
-            <a:endParaRPr lang="it-IT" dirty="0"/>
-          </a:p>
-          <a:p>
             <a:endParaRPr lang="it-IT" dirty="0"/>
           </a:p>
         </p:txBody>
@@ -16684,12 +16666,95 @@
           <a:p>
             <a:r>
               <a:rPr lang="it-IT" dirty="0"/>
-              <a:t>Abbiamo cercato di limitare il numero di dipendenze esterne al minimo, implementando le </a:t>
+              <a:t>Abbiamo cercato di limitare il numero di dipendenze esterne al minimo, implementando le funzionalità necessarie da soli.</a:t>
+            </a:r>
+          </a:p>
+          <a:p>
+            <a:r>
+              <a:rPr lang="it-IT" dirty="0"/>
+              <a:t>Ci siamo documentati il più possibile sulle librerie che abbiamo utilizzato. Ad esempio per lo sviluppo dell’interfaccia abbiamo utilizzato la libreria </a:t>
             </a:r>
             <a:r>
-              <a:rPr lang="it-IT"/>
-              <a:t>funzionalità necessarie da soli.</a:t>
+              <a:rPr lang="it-IT" b="1" dirty="0" err="1">
+                <a:latin typeface="Courier New" panose="02070309020205020404" pitchFamily="49" charset="0"/>
+                <a:cs typeface="Courier New" panose="02070309020205020404" pitchFamily="49" charset="0"/>
+              </a:rPr>
+              <a:t>PySimpleGUI</a:t>
             </a:r>
+            <a:r>
+              <a:rPr lang="it-IT" b="1" dirty="0">
+                <a:latin typeface="Courier New" panose="02070309020205020404" pitchFamily="49" charset="0"/>
+                <a:cs typeface="Courier New" panose="02070309020205020404" pitchFamily="49" charset="0"/>
+              </a:rPr>
+              <a:t> </a:t>
+            </a:r>
+            <a:r>
+              <a:rPr lang="it-IT" dirty="0"/>
+              <a:t>che allo stato attuale non pare avere vulnerabilità</a:t>
+            </a:r>
+            <a:r>
+              <a:rPr lang="it-IT" baseline="30000" dirty="0"/>
+              <a:t>[1]</a:t>
+            </a:r>
+            <a:r>
+              <a:rPr lang="it-IT" dirty="0"/>
+              <a:t>.</a:t>
+            </a:r>
+            <a:endParaRPr lang="it-IT" b="1" dirty="0">
+              <a:latin typeface="Courier New" panose="02070309020205020404" pitchFamily="49" charset="0"/>
+              <a:cs typeface="Courier New" panose="02070309020205020404" pitchFamily="49" charset="0"/>
+            </a:endParaRPr>
+          </a:p>
+          <a:p>
+            <a:endParaRPr lang="it-IT" dirty="0"/>
+          </a:p>
+        </p:txBody>
+      </p:sp>
+      <p:sp>
+        <p:nvSpPr>
+          <p:cNvPr id="4" name="Segnaposto piè di pagina 3">
+            <a:extLst>
+              <a:ext uri="{FF2B5EF4-FFF2-40B4-BE49-F238E27FC236}">
+                <a16:creationId xmlns:a16="http://schemas.microsoft.com/office/drawing/2014/main" id="{358E9F77-08D8-4483-A47A-61D8A66EAC62}"/>
+              </a:ext>
+            </a:extLst>
+          </p:cNvPr>
+          <p:cNvSpPr>
+            <a:spLocks noGrp="1"/>
+          </p:cNvSpPr>
+          <p:nvPr>
+            <p:ph type="ftr" sz="quarter" idx="11"/>
+          </p:nvPr>
+        </p:nvSpPr>
+        <p:spPr/>
+        <p:txBody>
+          <a:bodyPr/>
+          <a:lstStyle/>
+          <a:p>
+            <a:r>
+              <a:rPr lang="en-US" dirty="0"/>
+              <a:t>[1] </a:t>
+            </a:r>
+            <a:r>
+              <a:rPr lang="en-US" dirty="0">
+                <a:hlinkClick r:id="rId2"/>
+              </a:rPr>
+              <a:t>https://snyk.io/advisor/python/pysimplegui</a:t>
+            </a:r>
+            <a:endParaRPr lang="en-US" dirty="0"/>
+          </a:p>
+          <a:p>
+            <a:r>
+              <a:rPr lang="en-US" dirty="0"/>
+              <a:t>     </a:t>
+            </a:r>
+            <a:r>
+              <a:rPr lang="it-IT" dirty="0">
+                <a:hlinkClick r:id="rId3"/>
+              </a:rPr>
+              <a:t>https://github.com/PySimpleGUI/free-python-books/security/advisories</a:t>
+            </a:r>
+            <a:endParaRPr lang="it-IT" dirty="0"/>
           </a:p>
         </p:txBody>
       </p:sp>

--- a/documenti/Footprint calculator.pptx
+++ b/documenti/Footprint calculator.pptx
@@ -206,7 +206,7 @@
           <a:p>
             <a:fld id="{8BB8BDDC-76DF-4BDE-BF70-756A002E0AC8}" type="datetimeFigureOut">
               <a:rPr lang="it-IT" smtClean="0"/>
-              <a:t>07/04/2022</a:t>
+              <a:t>08/04/2022</a:t>
             </a:fld>
             <a:endParaRPr lang="it-IT"/>
           </a:p>
@@ -1302,7 +1302,7 @@
             <a:fld id="{B61BEF0D-F0BB-DE4B-95CE-6DB70DBA9567}" type="datetimeFigureOut">
               <a:rPr lang="en-US" dirty="0"/>
               <a:pPr/>
-              <a:t>4/7/2022</a:t>
+              <a:t>4/8/2022</a:t>
             </a:fld>
             <a:endParaRPr lang="en-US" dirty="0"/>
           </a:p>
@@ -1565,7 +1565,7 @@
             <a:fld id="{B61BEF0D-F0BB-DE4B-95CE-6DB70DBA9567}" type="datetimeFigureOut">
               <a:rPr lang="en-US" dirty="0"/>
               <a:pPr/>
-              <a:t>4/7/2022</a:t>
+              <a:t>4/8/2022</a:t>
             </a:fld>
             <a:endParaRPr lang="en-US" dirty="0"/>
           </a:p>
@@ -1891,7 +1891,7 @@
             <a:fld id="{B61BEF0D-F0BB-DE4B-95CE-6DB70DBA9567}" type="datetimeFigureOut">
               <a:rPr lang="en-US" dirty="0"/>
               <a:pPr/>
-              <a:t>4/7/2022</a:t>
+              <a:t>4/8/2022</a:t>
             </a:fld>
             <a:endParaRPr lang="en-US" dirty="0"/>
           </a:p>
@@ -2241,7 +2241,7 @@
             <a:fld id="{B61BEF0D-F0BB-DE4B-95CE-6DB70DBA9567}" type="datetimeFigureOut">
               <a:rPr lang="en-US" dirty="0"/>
               <a:pPr/>
-              <a:t>4/7/2022</a:t>
+              <a:t>4/8/2022</a:t>
             </a:fld>
             <a:endParaRPr lang="en-US" dirty="0"/>
           </a:p>
@@ -2567,7 +2567,7 @@
             <a:fld id="{B61BEF0D-F0BB-DE4B-95CE-6DB70DBA9567}" type="datetimeFigureOut">
               <a:rPr lang="en-US" dirty="0"/>
               <a:pPr/>
-              <a:t>4/7/2022</a:t>
+              <a:t>4/8/2022</a:t>
             </a:fld>
             <a:endParaRPr lang="en-US" dirty="0"/>
           </a:p>
@@ -2972,7 +2972,7 @@
             <a:fld id="{B61BEF0D-F0BB-DE4B-95CE-6DB70DBA9567}" type="datetimeFigureOut">
               <a:rPr lang="en-US" dirty="0"/>
               <a:pPr/>
-              <a:t>4/7/2022</a:t>
+              <a:t>4/8/2022</a:t>
             </a:fld>
             <a:endParaRPr lang="en-US" dirty="0"/>
           </a:p>
@@ -3157,7 +3157,7 @@
           <a:p>
             <a:fld id="{55C6B4A9-1611-4792-9094-5F34BCA07E0B}" type="datetimeFigureOut">
               <a:rPr lang="en-US" dirty="0"/>
-              <a:t>4/7/2022</a:t>
+              <a:t>4/8/2022</a:t>
             </a:fld>
             <a:endParaRPr lang="en-US" dirty="0"/>
           </a:p>
@@ -3352,7 +3352,7 @@
             <a:fld id="{B61BEF0D-F0BB-DE4B-95CE-6DB70DBA9567}" type="datetimeFigureOut">
               <a:rPr lang="en-US" dirty="0"/>
               <a:pPr/>
-              <a:t>4/7/2022</a:t>
+              <a:t>4/8/2022</a:t>
             </a:fld>
             <a:endParaRPr lang="en-US" dirty="0"/>
           </a:p>
@@ -3540,7 +3540,7 @@
             <a:fld id="{B61BEF0D-F0BB-DE4B-95CE-6DB70DBA9567}" type="datetimeFigureOut">
               <a:rPr lang="en-US" dirty="0"/>
               <a:pPr/>
-              <a:t>4/7/2022</a:t>
+              <a:t>4/8/2022</a:t>
             </a:fld>
             <a:endParaRPr lang="en-US" dirty="0"/>
           </a:p>
@@ -3799,7 +3799,7 @@
             <a:fld id="{B61BEF0D-F0BB-DE4B-95CE-6DB70DBA9567}" type="datetimeFigureOut">
               <a:rPr lang="en-US" dirty="0"/>
               <a:pPr/>
-              <a:t>4/7/2022</a:t>
+              <a:t>4/8/2022</a:t>
             </a:fld>
             <a:endParaRPr lang="en-US" dirty="0"/>
           </a:p>
@@ -4046,7 +4046,7 @@
           <a:p>
             <a:fld id="{EB712588-04B1-427B-82EE-E8DB90309F08}" type="datetimeFigureOut">
               <a:rPr lang="en-US" dirty="0"/>
-              <a:t>4/7/2022</a:t>
+              <a:t>4/8/2022</a:t>
             </a:fld>
             <a:endParaRPr lang="en-US" dirty="0"/>
           </a:p>
@@ -4431,7 +4431,7 @@
             <a:fld id="{B61BEF0D-F0BB-DE4B-95CE-6DB70DBA9567}" type="datetimeFigureOut">
               <a:rPr lang="en-US" dirty="0"/>
               <a:pPr/>
-              <a:t>4/7/2022</a:t>
+              <a:t>4/8/2022</a:t>
             </a:fld>
             <a:endParaRPr lang="en-US" dirty="0"/>
           </a:p>
@@ -4570,7 +4570,7 @@
             <a:fld id="{B61BEF0D-F0BB-DE4B-95CE-6DB70DBA9567}" type="datetimeFigureOut">
               <a:rPr lang="en-US" dirty="0"/>
               <a:pPr/>
-              <a:t>4/7/2022</a:t>
+              <a:t>4/8/2022</a:t>
             </a:fld>
             <a:endParaRPr lang="en-US" dirty="0"/>
           </a:p>
@@ -4671,7 +4671,7 @@
             <a:fld id="{B61BEF0D-F0BB-DE4B-95CE-6DB70DBA9567}" type="datetimeFigureOut">
               <a:rPr lang="en-US" dirty="0"/>
               <a:pPr/>
-              <a:t>4/7/2022</a:t>
+              <a:t>4/8/2022</a:t>
             </a:fld>
             <a:endParaRPr lang="en-US" dirty="0"/>
           </a:p>
@@ -4937,7 +4937,7 @@
           <a:p>
             <a:fld id="{42A54C80-263E-416B-A8E0-580EDEADCBDC}" type="datetimeFigureOut">
               <a:rPr lang="en-US" dirty="0"/>
-              <a:t>4/7/2022</a:t>
+              <a:t>4/8/2022</a:t>
             </a:fld>
             <a:endParaRPr lang="en-US" dirty="0"/>
           </a:p>
@@ -5211,7 +5211,7 @@
             <a:fld id="{B61BEF0D-F0BB-DE4B-95CE-6DB70DBA9567}" type="datetimeFigureOut">
               <a:rPr lang="en-US" dirty="0"/>
               <a:pPr/>
-              <a:t>4/7/2022</a:t>
+              <a:t>4/8/2022</a:t>
             </a:fld>
             <a:endParaRPr lang="en-US" dirty="0"/>
           </a:p>
@@ -5966,7 +5966,7 @@
             <a:fld id="{B61BEF0D-F0BB-DE4B-95CE-6DB70DBA9567}" type="datetimeFigureOut">
               <a:rPr lang="en-US" dirty="0"/>
               <a:pPr/>
-              <a:t>4/7/2022</a:t>
+              <a:t>4/8/2022</a:t>
             </a:fld>
             <a:endParaRPr lang="en-US" dirty="0"/>
           </a:p>
@@ -11701,11 +11701,11 @@
   <p:clrMapOvr>
     <a:masterClrMapping/>
   </p:clrMapOvr>
-  <mc:AlternateContent xmlns:mc="http://schemas.openxmlformats.org/markup-compatibility/2006">
-    <mc:Choice xmlns:p14="http://schemas.microsoft.com/office/powerpoint/2010/main" Requires="p14">
+  <mc:AlternateContent xmlns:mc="http://schemas.openxmlformats.org/markup-compatibility/2006" xmlns:p14="http://schemas.microsoft.com/office/powerpoint/2010/main">
+    <mc:Choice Requires="p14">
       <p:transition p14:dur="0"/>
     </mc:Choice>
-    <mc:Fallback>
+    <mc:Fallback xmlns="">
       <p:transition/>
     </mc:Fallback>
   </mc:AlternateContent>
@@ -11998,7 +11998,12 @@
             <p:ph idx="1"/>
           </p:nvPr>
         </p:nvSpPr>
-        <p:spPr/>
+        <p:spPr>
+          <a:xfrm>
+            <a:off x="677334" y="1834226"/>
+            <a:ext cx="8596668" cy="3880773"/>
+          </a:xfrm>
+        </p:spPr>
         <p:txBody>
           <a:bodyPr/>
           <a:lstStyle/>
@@ -12036,6 +12041,200 @@
           </a:p>
         </p:txBody>
       </p:sp>
+      <p:pic>
+        <p:nvPicPr>
+          <p:cNvPr id="5" name="Immagine 4">
+            <a:extLst>
+              <a:ext uri="{FF2B5EF4-FFF2-40B4-BE49-F238E27FC236}">
+                <a16:creationId xmlns:a16="http://schemas.microsoft.com/office/drawing/2014/main" id="{724C0FCA-1164-43F7-859D-65363D0D2589}"/>
+              </a:ext>
+            </a:extLst>
+          </p:cNvPr>
+          <p:cNvPicPr>
+            <a:picLocks noChangeAspect="1"/>
+          </p:cNvPicPr>
+          <p:nvPr/>
+        </p:nvPicPr>
+        <p:blipFill>
+          <a:blip r:embed="rId2">
+            <a:extLst>
+              <a:ext uri="{28A0092B-C50C-407E-A947-70E740481C1C}">
+                <a14:useLocalDpi xmlns:a14="http://schemas.microsoft.com/office/drawing/2010/main" val="0"/>
+              </a:ext>
+            </a:extLst>
+          </a:blip>
+          <a:stretch>
+            <a:fillRect/>
+          </a:stretch>
+        </p:blipFill>
+        <p:spPr>
+          <a:xfrm>
+            <a:off x="7802839" y="4374038"/>
+            <a:ext cx="4060323" cy="2270288"/>
+          </a:xfrm>
+          <a:prstGeom prst="rect">
+            <a:avLst/>
+          </a:prstGeom>
+        </p:spPr>
+      </p:pic>
+      <p:pic>
+        <p:nvPicPr>
+          <p:cNvPr id="1026" name="Picture 2" descr="Line Circle Sticker for iOS &amp; Android | GIPHY">
+            <a:extLst>
+              <a:ext uri="{FF2B5EF4-FFF2-40B4-BE49-F238E27FC236}">
+                <a16:creationId xmlns:a16="http://schemas.microsoft.com/office/drawing/2014/main" id="{ED933079-C621-422D-BA99-76C7F3A20718}"/>
+              </a:ext>
+            </a:extLst>
+          </p:cNvPr>
+          <p:cNvPicPr>
+            <a:picLocks noChangeAspect="1" noChangeArrowheads="1"/>
+          </p:cNvPicPr>
+          <p:nvPr/>
+        </p:nvPicPr>
+        <p:blipFill>
+          <a:blip r:embed="rId3">
+            <a:duotone>
+              <a:prstClr val="black"/>
+              <a:srgbClr val="FF2525">
+                <a:tint val="45000"/>
+                <a:satMod val="400000"/>
+              </a:srgbClr>
+            </a:duotone>
+            <a:extLst>
+              <a:ext uri="{28A0092B-C50C-407E-A947-70E740481C1C}">
+                <a14:useLocalDpi xmlns:a14="http://schemas.microsoft.com/office/drawing/2010/main" val="0"/>
+              </a:ext>
+            </a:extLst>
+          </a:blip>
+          <a:srcRect/>
+          <a:stretch>
+            <a:fillRect/>
+          </a:stretch>
+        </p:blipFill>
+        <p:spPr bwMode="auto">
+          <a:xfrm>
+            <a:off x="7626283" y="5091129"/>
+            <a:ext cx="1838228" cy="836106"/>
+          </a:xfrm>
+          <a:prstGeom prst="rect">
+            <a:avLst/>
+          </a:prstGeom>
+          <a:noFill/>
+          <a:extLst>
+            <a:ext uri="{909E8E84-426E-40DD-AFC4-6F175D3DCCD1}">
+              <a14:hiddenFill xmlns:a14="http://schemas.microsoft.com/office/drawing/2010/main">
+                <a:solidFill>
+                  <a:srgbClr val="FFFFFF"/>
+                </a:solidFill>
+              </a14:hiddenFill>
+            </a:ext>
+          </a:extLst>
+        </p:spPr>
+      </p:pic>
+      <p:pic>
+        <p:nvPicPr>
+          <p:cNvPr id="7" name="Picture 2" descr="Line Circle Sticker for iOS &amp; Android | GIPHY">
+            <a:extLst>
+              <a:ext uri="{FF2B5EF4-FFF2-40B4-BE49-F238E27FC236}">
+                <a16:creationId xmlns:a16="http://schemas.microsoft.com/office/drawing/2014/main" id="{536D11D4-6B6B-4C73-888D-0D1454A774C3}"/>
+              </a:ext>
+            </a:extLst>
+          </p:cNvPr>
+          <p:cNvPicPr>
+            <a:picLocks noChangeAspect="1" noChangeArrowheads="1"/>
+          </p:cNvPicPr>
+          <p:nvPr/>
+        </p:nvPicPr>
+        <p:blipFill>
+          <a:blip r:embed="rId3">
+            <a:duotone>
+              <a:prstClr val="black"/>
+              <a:srgbClr val="FF2525">
+                <a:tint val="45000"/>
+                <a:satMod val="400000"/>
+              </a:srgbClr>
+            </a:duotone>
+            <a:extLst>
+              <a:ext uri="{28A0092B-C50C-407E-A947-70E740481C1C}">
+                <a14:useLocalDpi xmlns:a14="http://schemas.microsoft.com/office/drawing/2010/main" val="0"/>
+              </a:ext>
+            </a:extLst>
+          </a:blip>
+          <a:srcRect/>
+          <a:stretch>
+            <a:fillRect/>
+          </a:stretch>
+        </p:blipFill>
+        <p:spPr bwMode="auto">
+          <a:xfrm>
+            <a:off x="7626283" y="5655492"/>
+            <a:ext cx="1838228" cy="836106"/>
+          </a:xfrm>
+          <a:prstGeom prst="rect">
+            <a:avLst/>
+          </a:prstGeom>
+          <a:noFill/>
+          <a:extLst>
+            <a:ext uri="{909E8E84-426E-40DD-AFC4-6F175D3DCCD1}">
+              <a14:hiddenFill xmlns:a14="http://schemas.microsoft.com/office/drawing/2010/main">
+                <a:solidFill>
+                  <a:srgbClr val="FFFFFF"/>
+                </a:solidFill>
+              </a14:hiddenFill>
+            </a:ext>
+          </a:extLst>
+        </p:spPr>
+      </p:pic>
+      <p:sp>
+        <p:nvSpPr>
+          <p:cNvPr id="6" name="Freccia angolare in su 5">
+            <a:extLst>
+              <a:ext uri="{FF2B5EF4-FFF2-40B4-BE49-F238E27FC236}">
+                <a16:creationId xmlns:a16="http://schemas.microsoft.com/office/drawing/2014/main" id="{BABA552C-9217-4686-B21D-76884C823B7C}"/>
+              </a:ext>
+            </a:extLst>
+          </p:cNvPr>
+          <p:cNvSpPr/>
+          <p:nvPr/>
+        </p:nvSpPr>
+        <p:spPr>
+          <a:xfrm rot="5400000">
+            <a:off x="4892805" y="3586900"/>
+            <a:ext cx="1786084" cy="3680870"/>
+          </a:xfrm>
+          <a:prstGeom prst="bentUpArrow">
+            <a:avLst>
+              <a:gd name="adj1" fmla="val 15500"/>
+              <a:gd name="adj2" fmla="val 25528"/>
+              <a:gd name="adj3" fmla="val 35028"/>
+            </a:avLst>
+          </a:prstGeom>
+        </p:spPr>
+        <p:style>
+          <a:lnRef idx="2">
+            <a:schemeClr val="accent1">
+              <a:shade val="50000"/>
+            </a:schemeClr>
+          </a:lnRef>
+          <a:fillRef idx="1">
+            <a:schemeClr val="accent1"/>
+          </a:fillRef>
+          <a:effectRef idx="0">
+            <a:schemeClr val="accent1"/>
+          </a:effectRef>
+          <a:fontRef idx="minor">
+            <a:schemeClr val="lt1"/>
+          </a:fontRef>
+        </p:style>
+        <p:txBody>
+          <a:bodyPr rtlCol="0" anchor="ctr"/>
+          <a:lstStyle/>
+          <a:p>
+            <a:pPr algn="ctr"/>
+            <a:endParaRPr lang="it-IT"/>
+          </a:p>
+        </p:txBody>
+      </p:sp>
     </p:spTree>
     <p:extLst>
       <p:ext uri="{BB962C8B-B14F-4D97-AF65-F5344CB8AC3E}">
@@ -12049,6 +12248,193 @@
   <p:transition spd="slow">
     <p:push dir="u"/>
   </p:transition>
+  <p:timing>
+    <p:tnLst>
+      <p:par>
+        <p:cTn id="1" dur="indefinite" restart="never" nodeType="tmRoot">
+          <p:childTnLst>
+            <p:seq concurrent="1" nextAc="seek">
+              <p:cTn id="2" dur="indefinite" nodeType="mainSeq">
+                <p:childTnLst>
+                  <p:par>
+                    <p:cTn id="3" fill="hold">
+                      <p:stCondLst>
+                        <p:cond delay="indefinite"/>
+                        <p:cond evt="onBegin" delay="0">
+                          <p:tn val="2"/>
+                        </p:cond>
+                      </p:stCondLst>
+                      <p:childTnLst>
+                        <p:par>
+                          <p:cTn id="4" fill="hold">
+                            <p:stCondLst>
+                              <p:cond delay="0"/>
+                            </p:stCondLst>
+                            <p:childTnLst>
+                              <p:par>
+                                <p:cTn id="5" presetID="16" presetClass="entr" presetSubtype="37" fill="hold" grpId="0" nodeType="withEffect">
+                                  <p:stCondLst>
+                                    <p:cond delay="0"/>
+                                  </p:stCondLst>
+                                  <p:childTnLst>
+                                    <p:set>
+                                      <p:cBhvr>
+                                        <p:cTn id="6" dur="1" fill="hold">
+                                          <p:stCondLst>
+                                            <p:cond delay="0"/>
+                                          </p:stCondLst>
+                                        </p:cTn>
+                                        <p:tgtEl>
+                                          <p:spTgt spid="6"/>
+                                        </p:tgtEl>
+                                        <p:attrNameLst>
+                                          <p:attrName>style.visibility</p:attrName>
+                                        </p:attrNameLst>
+                                      </p:cBhvr>
+                                      <p:to>
+                                        <p:strVal val="visible"/>
+                                      </p:to>
+                                    </p:set>
+                                    <p:animEffect transition="in" filter="barn(outVertical)">
+                                      <p:cBhvr>
+                                        <p:cTn id="7" dur="500"/>
+                                        <p:tgtEl>
+                                          <p:spTgt spid="6"/>
+                                        </p:tgtEl>
+                                      </p:cBhvr>
+                                    </p:animEffect>
+                                  </p:childTnLst>
+                                </p:cTn>
+                              </p:par>
+                              <p:par>
+                                <p:cTn id="8" presetID="10" presetClass="entr" presetSubtype="0" fill="hold" nodeType="withEffect">
+                                  <p:stCondLst>
+                                    <p:cond delay="0"/>
+                                  </p:stCondLst>
+                                  <p:childTnLst>
+                                    <p:set>
+                                      <p:cBhvr>
+                                        <p:cTn id="9" dur="1" fill="hold">
+                                          <p:stCondLst>
+                                            <p:cond delay="0"/>
+                                          </p:stCondLst>
+                                        </p:cTn>
+                                        <p:tgtEl>
+                                          <p:spTgt spid="5"/>
+                                        </p:tgtEl>
+                                        <p:attrNameLst>
+                                          <p:attrName>style.visibility</p:attrName>
+                                        </p:attrNameLst>
+                                      </p:cBhvr>
+                                      <p:to>
+                                        <p:strVal val="visible"/>
+                                      </p:to>
+                                    </p:set>
+                                    <p:animEffect transition="in" filter="fade">
+                                      <p:cBhvr>
+                                        <p:cTn id="10" dur="500"/>
+                                        <p:tgtEl>
+                                          <p:spTgt spid="5"/>
+                                        </p:tgtEl>
+                                      </p:cBhvr>
+                                    </p:animEffect>
+                                  </p:childTnLst>
+                                </p:cTn>
+                              </p:par>
+                            </p:childTnLst>
+                          </p:cTn>
+                        </p:par>
+                        <p:par>
+                          <p:cTn id="11" fill="hold">
+                            <p:stCondLst>
+                              <p:cond delay="500"/>
+                            </p:stCondLst>
+                            <p:childTnLst>
+                              <p:par>
+                                <p:cTn id="12" presetID="1" presetClass="entr" presetSubtype="0" fill="hold" nodeType="afterEffect">
+                                  <p:stCondLst>
+                                    <p:cond delay="0"/>
+                                  </p:stCondLst>
+                                  <p:childTnLst>
+                                    <p:set>
+                                      <p:cBhvr>
+                                        <p:cTn id="13" dur="1" fill="hold">
+                                          <p:stCondLst>
+                                            <p:cond delay="0"/>
+                                          </p:stCondLst>
+                                        </p:cTn>
+                                        <p:tgtEl>
+                                          <p:spTgt spid="1026"/>
+                                        </p:tgtEl>
+                                        <p:attrNameLst>
+                                          <p:attrName>style.visibility</p:attrName>
+                                        </p:attrNameLst>
+                                      </p:cBhvr>
+                                      <p:to>
+                                        <p:strVal val="visible"/>
+                                      </p:to>
+                                    </p:set>
+                                  </p:childTnLst>
+                                </p:cTn>
+                              </p:par>
+                              <p:par>
+                                <p:cTn id="14" presetID="1" presetClass="entr" presetSubtype="0" fill="hold" nodeType="withEffect">
+                                  <p:stCondLst>
+                                    <p:cond delay="0"/>
+                                  </p:stCondLst>
+                                  <p:childTnLst>
+                                    <p:set>
+                                      <p:cBhvr>
+                                        <p:cTn id="15" dur="1" fill="hold">
+                                          <p:stCondLst>
+                                            <p:cond delay="0"/>
+                                          </p:stCondLst>
+                                        </p:cTn>
+                                        <p:tgtEl>
+                                          <p:spTgt spid="7"/>
+                                        </p:tgtEl>
+                                        <p:attrNameLst>
+                                          <p:attrName>style.visibility</p:attrName>
+                                        </p:attrNameLst>
+                                      </p:cBhvr>
+                                      <p:to>
+                                        <p:strVal val="visible"/>
+                                      </p:to>
+                                    </p:set>
+                                  </p:childTnLst>
+                                </p:cTn>
+                              </p:par>
+                            </p:childTnLst>
+                          </p:cTn>
+                        </p:par>
+                      </p:childTnLst>
+                    </p:cTn>
+                  </p:par>
+                </p:childTnLst>
+              </p:cTn>
+              <p:prevCondLst>
+                <p:cond evt="onPrev" delay="0">
+                  <p:tgtEl>
+                    <p:sldTgt/>
+                  </p:tgtEl>
+                </p:cond>
+              </p:prevCondLst>
+              <p:nextCondLst>
+                <p:cond evt="onNext" delay="0">
+                  <p:tgtEl>
+                    <p:sldTgt/>
+                  </p:tgtEl>
+                </p:cond>
+              </p:nextCondLst>
+            </p:seq>
+          </p:childTnLst>
+        </p:cTn>
+      </p:par>
+    </p:tnLst>
+    <p:bldLst>
+      <p:bldP spid="6" grpId="0" animBg="1"/>
+    </p:bldLst>
+  </p:timing>
 </p:sld>
 </file>
 
@@ -16275,7 +16661,70 @@
           <a:bodyPr/>
           <a:lstStyle/>
           <a:p>
-            <a:endParaRPr lang="it-IT" dirty="0"/>
+            <a:r>
+              <a:rPr lang="it-IT" dirty="0"/>
+              <a:t>Nella progettazione e nello sviluppo abbiamo incontrato alcune problematiche, quali:</a:t>
+            </a:r>
+          </a:p>
+          <a:p>
+            <a:pPr lvl="1"/>
+            <a:r>
+              <a:rPr lang="it-IT" dirty="0"/>
+              <a:t>La difficoltà nel gestire le stringhe in </a:t>
+            </a:r>
+            <a:r>
+              <a:rPr lang="it-IT" dirty="0" err="1"/>
+              <a:t>Solidity</a:t>
+            </a:r>
+            <a:r>
+              <a:rPr lang="it-IT" dirty="0"/>
+              <a:t>, per la quale ci si dovrebbe appoggiare ad una libreria esterna;</a:t>
+            </a:r>
+          </a:p>
+          <a:p>
+            <a:pPr lvl="1"/>
+            <a:r>
+              <a:rPr lang="it-IT" dirty="0"/>
+              <a:t>La divisione delle funzioni nei vari Smart </a:t>
+            </a:r>
+            <a:r>
+              <a:rPr lang="it-IT" dirty="0" err="1"/>
+              <a:t>Contract</a:t>
+            </a:r>
+            <a:r>
+              <a:rPr lang="it-IT" dirty="0"/>
+              <a:t> (uno per ruolo), in quanto molte erano relative a più di un ruolo;</a:t>
+            </a:r>
+          </a:p>
+          <a:p>
+            <a:pPr lvl="1"/>
+            <a:r>
+              <a:rPr lang="it-IT" dirty="0"/>
+              <a:t>La difficoltà nel creare account che siano persistenti e non vengano ricreati ogni volta che si esegue il </a:t>
+            </a:r>
+            <a:r>
+              <a:rPr lang="it-IT" dirty="0" err="1"/>
+              <a:t>deploy</a:t>
+            </a:r>
+            <a:r>
+              <a:rPr lang="it-IT" dirty="0"/>
+              <a:t> degli Smart </a:t>
+            </a:r>
+            <a:r>
+              <a:rPr lang="it-IT" dirty="0" err="1"/>
+              <a:t>Contract</a:t>
+            </a:r>
+            <a:r>
+              <a:rPr lang="it-IT" dirty="0"/>
+              <a:t>;</a:t>
+            </a:r>
+          </a:p>
+          <a:p>
+            <a:pPr lvl="1"/>
+            <a:r>
+              <a:rPr lang="it-IT" dirty="0"/>
+              <a:t>La gestione delle «sessioni», ovvero di non lasciare i vari account sempre sbloccati, ma di procedere al loro sblocco solo quando l’utente esegue il login.</a:t>
+            </a:r>
           </a:p>
         </p:txBody>
       </p:sp>
@@ -17441,7 +17890,7 @@
         </p:nvSpPr>
         <p:spPr>
           <a:xfrm>
-            <a:off x="316472" y="2160588"/>
+            <a:off x="316472" y="1488613"/>
             <a:ext cx="4950468" cy="3880773"/>
           </a:xfrm>
         </p:spPr>
@@ -17498,8 +17947,44 @@
         </p:blipFill>
         <p:spPr>
           <a:xfrm>
-            <a:off x="5266940" y="2055044"/>
-            <a:ext cx="6636468" cy="3733014"/>
+            <a:off x="5266940" y="1488613"/>
+            <a:ext cx="6393616" cy="3596410"/>
+          </a:xfrm>
+          <a:prstGeom prst="rect">
+            <a:avLst/>
+          </a:prstGeom>
+        </p:spPr>
+      </p:pic>
+      <p:pic>
+        <p:nvPicPr>
+          <p:cNvPr id="6" name="Immagine 5">
+            <a:extLst>
+              <a:ext uri="{FF2B5EF4-FFF2-40B4-BE49-F238E27FC236}">
+                <a16:creationId xmlns:a16="http://schemas.microsoft.com/office/drawing/2014/main" id="{21DF2230-E64C-4FC9-858B-EDC4092E7FEA}"/>
+              </a:ext>
+            </a:extLst>
+          </p:cNvPr>
+          <p:cNvPicPr>
+            <a:picLocks noChangeAspect="1"/>
+          </p:cNvPicPr>
+          <p:nvPr/>
+        </p:nvPicPr>
+        <p:blipFill>
+          <a:blip r:embed="rId3">
+            <a:extLst>
+              <a:ext uri="{28A0092B-C50C-407E-A947-70E740481C1C}">
+                <a14:useLocalDpi xmlns:a14="http://schemas.microsoft.com/office/drawing/2010/main" val="0"/>
+              </a:ext>
+            </a:extLst>
+          </a:blip>
+          <a:stretch>
+            <a:fillRect/>
+          </a:stretch>
+        </p:blipFill>
+        <p:spPr>
+          <a:xfrm>
+            <a:off x="1378788" y="5000645"/>
+            <a:ext cx="9151620" cy="1607820"/>
           </a:xfrm>
           <a:prstGeom prst="rect">
             <a:avLst/>
@@ -17571,6 +18056,50 @@
                                         <p:cTn id="7" dur="500"/>
                                         <p:tgtEl>
                                           <p:spTgt spid="5"/>
+                                        </p:tgtEl>
+                                      </p:cBhvr>
+                                    </p:animEffect>
+                                  </p:childTnLst>
+                                </p:cTn>
+                              </p:par>
+                            </p:childTnLst>
+                          </p:cTn>
+                        </p:par>
+                        <p:par>
+                          <p:cTn id="8" fill="hold">
+                            <p:stCondLst>
+                              <p:cond delay="500"/>
+                            </p:stCondLst>
+                            <p:childTnLst>
+                              <p:par>
+                                <p:cTn id="9" presetID="16" presetClass="entr" presetSubtype="21" fill="hold" nodeType="afterEffect">
+                                  <p:stCondLst>
+                                    <p:cond delay="0"/>
+                                  </p:stCondLst>
+                                  <p:childTnLst>
+                                    <p:set>
+                                      <p:cBhvr>
+                                        <p:cTn id="10" dur="1" fill="hold">
+                                          <p:stCondLst>
+                                            <p:cond delay="0"/>
+                                          </p:stCondLst>
+                                        </p:cTn>
+                                        <p:tgtEl>
+                                          <p:spTgt spid="6"/>
+                                        </p:tgtEl>
+                                        <p:attrNameLst>
+                                          <p:attrName>style.visibility</p:attrName>
+                                        </p:attrNameLst>
+                                      </p:cBhvr>
+                                      <p:to>
+                                        <p:strVal val="visible"/>
+                                      </p:to>
+                                    </p:set>
+                                    <p:animEffect transition="in" filter="barn(inVertical)">
+                                      <p:cBhvr>
+                                        <p:cTn id="11" dur="500"/>
+                                        <p:tgtEl>
+                                          <p:spTgt spid="6"/>
                                         </p:tgtEl>
                                       </p:cBhvr>
                                     </p:animEffect>

--- a/documenti/Footprint calculator.pptx
+++ b/documenti/Footprint calculator.pptx
@@ -206,7 +206,7 @@
           <a:p>
             <a:fld id="{8BB8BDDC-76DF-4BDE-BF70-756A002E0AC8}" type="datetimeFigureOut">
               <a:rPr lang="it-IT" smtClean="0"/>
-              <a:t>08/04/2022</a:t>
+              <a:t>09/04/2022</a:t>
             </a:fld>
             <a:endParaRPr lang="it-IT"/>
           </a:p>
@@ -1302,7 +1302,7 @@
             <a:fld id="{B61BEF0D-F0BB-DE4B-95CE-6DB70DBA9567}" type="datetimeFigureOut">
               <a:rPr lang="en-US" dirty="0"/>
               <a:pPr/>
-              <a:t>4/8/2022</a:t>
+              <a:t>4/9/2022</a:t>
             </a:fld>
             <a:endParaRPr lang="en-US" dirty="0"/>
           </a:p>
@@ -1565,7 +1565,7 @@
             <a:fld id="{B61BEF0D-F0BB-DE4B-95CE-6DB70DBA9567}" type="datetimeFigureOut">
               <a:rPr lang="en-US" dirty="0"/>
               <a:pPr/>
-              <a:t>4/8/2022</a:t>
+              <a:t>4/9/2022</a:t>
             </a:fld>
             <a:endParaRPr lang="en-US" dirty="0"/>
           </a:p>
@@ -1891,7 +1891,7 @@
             <a:fld id="{B61BEF0D-F0BB-DE4B-95CE-6DB70DBA9567}" type="datetimeFigureOut">
               <a:rPr lang="en-US" dirty="0"/>
               <a:pPr/>
-              <a:t>4/8/2022</a:t>
+              <a:t>4/9/2022</a:t>
             </a:fld>
             <a:endParaRPr lang="en-US" dirty="0"/>
           </a:p>
@@ -2241,7 +2241,7 @@
             <a:fld id="{B61BEF0D-F0BB-DE4B-95CE-6DB70DBA9567}" type="datetimeFigureOut">
               <a:rPr lang="en-US" dirty="0"/>
               <a:pPr/>
-              <a:t>4/8/2022</a:t>
+              <a:t>4/9/2022</a:t>
             </a:fld>
             <a:endParaRPr lang="en-US" dirty="0"/>
           </a:p>
@@ -2567,7 +2567,7 @@
             <a:fld id="{B61BEF0D-F0BB-DE4B-95CE-6DB70DBA9567}" type="datetimeFigureOut">
               <a:rPr lang="en-US" dirty="0"/>
               <a:pPr/>
-              <a:t>4/8/2022</a:t>
+              <a:t>4/9/2022</a:t>
             </a:fld>
             <a:endParaRPr lang="en-US" dirty="0"/>
           </a:p>
@@ -2972,7 +2972,7 @@
             <a:fld id="{B61BEF0D-F0BB-DE4B-95CE-6DB70DBA9567}" type="datetimeFigureOut">
               <a:rPr lang="en-US" dirty="0"/>
               <a:pPr/>
-              <a:t>4/8/2022</a:t>
+              <a:t>4/9/2022</a:t>
             </a:fld>
             <a:endParaRPr lang="en-US" dirty="0"/>
           </a:p>
@@ -3157,7 +3157,7 @@
           <a:p>
             <a:fld id="{55C6B4A9-1611-4792-9094-5F34BCA07E0B}" type="datetimeFigureOut">
               <a:rPr lang="en-US" dirty="0"/>
-              <a:t>4/8/2022</a:t>
+              <a:t>4/9/2022</a:t>
             </a:fld>
             <a:endParaRPr lang="en-US" dirty="0"/>
           </a:p>
@@ -3352,7 +3352,7 @@
             <a:fld id="{B61BEF0D-F0BB-DE4B-95CE-6DB70DBA9567}" type="datetimeFigureOut">
               <a:rPr lang="en-US" dirty="0"/>
               <a:pPr/>
-              <a:t>4/8/2022</a:t>
+              <a:t>4/9/2022</a:t>
             </a:fld>
             <a:endParaRPr lang="en-US" dirty="0"/>
           </a:p>
@@ -3540,7 +3540,7 @@
             <a:fld id="{B61BEF0D-F0BB-DE4B-95CE-6DB70DBA9567}" type="datetimeFigureOut">
               <a:rPr lang="en-US" dirty="0"/>
               <a:pPr/>
-              <a:t>4/8/2022</a:t>
+              <a:t>4/9/2022</a:t>
             </a:fld>
             <a:endParaRPr lang="en-US" dirty="0"/>
           </a:p>
@@ -3799,7 +3799,7 @@
             <a:fld id="{B61BEF0D-F0BB-DE4B-95CE-6DB70DBA9567}" type="datetimeFigureOut">
               <a:rPr lang="en-US" dirty="0"/>
               <a:pPr/>
-              <a:t>4/8/2022</a:t>
+              <a:t>4/9/2022</a:t>
             </a:fld>
             <a:endParaRPr lang="en-US" dirty="0"/>
           </a:p>
@@ -4046,7 +4046,7 @@
           <a:p>
             <a:fld id="{EB712588-04B1-427B-82EE-E8DB90309F08}" type="datetimeFigureOut">
               <a:rPr lang="en-US" dirty="0"/>
-              <a:t>4/8/2022</a:t>
+              <a:t>4/9/2022</a:t>
             </a:fld>
             <a:endParaRPr lang="en-US" dirty="0"/>
           </a:p>
@@ -4431,7 +4431,7 @@
             <a:fld id="{B61BEF0D-F0BB-DE4B-95CE-6DB70DBA9567}" type="datetimeFigureOut">
               <a:rPr lang="en-US" dirty="0"/>
               <a:pPr/>
-              <a:t>4/8/2022</a:t>
+              <a:t>4/9/2022</a:t>
             </a:fld>
             <a:endParaRPr lang="en-US" dirty="0"/>
           </a:p>
@@ -4570,7 +4570,7 @@
             <a:fld id="{B61BEF0D-F0BB-DE4B-95CE-6DB70DBA9567}" type="datetimeFigureOut">
               <a:rPr lang="en-US" dirty="0"/>
               <a:pPr/>
-              <a:t>4/8/2022</a:t>
+              <a:t>4/9/2022</a:t>
             </a:fld>
             <a:endParaRPr lang="en-US" dirty="0"/>
           </a:p>
@@ -4671,7 +4671,7 @@
             <a:fld id="{B61BEF0D-F0BB-DE4B-95CE-6DB70DBA9567}" type="datetimeFigureOut">
               <a:rPr lang="en-US" dirty="0"/>
               <a:pPr/>
-              <a:t>4/8/2022</a:t>
+              <a:t>4/9/2022</a:t>
             </a:fld>
             <a:endParaRPr lang="en-US" dirty="0"/>
           </a:p>
@@ -4937,7 +4937,7 @@
           <a:p>
             <a:fld id="{42A54C80-263E-416B-A8E0-580EDEADCBDC}" type="datetimeFigureOut">
               <a:rPr lang="en-US" dirty="0"/>
-              <a:t>4/8/2022</a:t>
+              <a:t>4/9/2022</a:t>
             </a:fld>
             <a:endParaRPr lang="en-US" dirty="0"/>
           </a:p>
@@ -5211,7 +5211,7 @@
             <a:fld id="{B61BEF0D-F0BB-DE4B-95CE-6DB70DBA9567}" type="datetimeFigureOut">
               <a:rPr lang="en-US" dirty="0"/>
               <a:pPr/>
-              <a:t>4/8/2022</a:t>
+              <a:t>4/9/2022</a:t>
             </a:fld>
             <a:endParaRPr lang="en-US" dirty="0"/>
           </a:p>
@@ -5966,7 +5966,7 @@
             <a:fld id="{B61BEF0D-F0BB-DE4B-95CE-6DB70DBA9567}" type="datetimeFigureOut">
               <a:rPr lang="en-US" dirty="0"/>
               <a:pPr/>
-              <a:t>4/8/2022</a:t>
+              <a:t>4/9/2022</a:t>
             </a:fld>
             <a:endParaRPr lang="en-US" dirty="0"/>
           </a:p>
@@ -17486,7 +17486,79 @@
           <a:p>
             <a:r>
               <a:rPr lang="it-IT" dirty="0"/>
-              <a:t>Abbiam</a:t>
+              <a:t>KISS è un acronimo usato in progettazione, che sta per </a:t>
+            </a:r>
+            <a:r>
+              <a:rPr lang="it-IT" b="1" i="1" dirty="0" err="1"/>
+              <a:t>K</a:t>
+            </a:r>
+            <a:r>
+              <a:rPr lang="it-IT" i="1" dirty="0" err="1"/>
+              <a:t>eep</a:t>
+            </a:r>
+            <a:r>
+              <a:rPr lang="it-IT" i="1" dirty="0"/>
+              <a:t> </a:t>
+            </a:r>
+            <a:r>
+              <a:rPr lang="it-IT" b="1" i="1" dirty="0" err="1"/>
+              <a:t>I</a:t>
+            </a:r>
+            <a:r>
+              <a:rPr lang="it-IT" i="1" dirty="0" err="1"/>
+              <a:t>t</a:t>
+            </a:r>
+            <a:r>
+              <a:rPr lang="it-IT" i="1" dirty="0"/>
+              <a:t> </a:t>
+            </a:r>
+            <a:r>
+              <a:rPr lang="it-IT" b="1" i="1" dirty="0"/>
+              <a:t>S</a:t>
+            </a:r>
+            <a:r>
+              <a:rPr lang="it-IT" i="1" dirty="0"/>
+              <a:t>imple, </a:t>
+            </a:r>
+            <a:r>
+              <a:rPr lang="it-IT" b="1" i="1" dirty="0" err="1"/>
+              <a:t>S</a:t>
+            </a:r>
+            <a:r>
+              <a:rPr lang="it-IT" i="1" dirty="0" err="1"/>
+              <a:t>tupid</a:t>
+            </a:r>
+            <a:r>
+              <a:rPr lang="it-IT" dirty="0"/>
+              <a:t>, ossia "rimani sul semplice, stupido". </a:t>
+            </a:r>
+          </a:p>
+          <a:p>
+            <a:r>
+              <a:rPr lang="it-IT" dirty="0"/>
+              <a:t>Il principio KISS è legato a un altro approccio comune alla risoluzione dei problemi, in cui un problema grande e complesso viene scomposto nelle sue componenti più piccole, che possono quindi essere risolte individualmente (approccio divide et impera).</a:t>
+            </a:r>
+          </a:p>
+          <a:p>
+            <a:r>
+              <a:rPr lang="it-IT" dirty="0"/>
+              <a:t>Seguendo appunto questo principio sia per gli Smart </a:t>
+            </a:r>
+            <a:r>
+              <a:rPr lang="it-IT" dirty="0" err="1"/>
+              <a:t>Contract</a:t>
+            </a:r>
+            <a:r>
+              <a:rPr lang="it-IT" dirty="0"/>
+              <a:t> che per la parte di </a:t>
+            </a:r>
+            <a:r>
+              <a:rPr lang="it-IT" dirty="0" err="1"/>
+              <a:t>deploy</a:t>
+            </a:r>
+            <a:r>
+              <a:rPr lang="it-IT" dirty="0"/>
+              <a:t> di quest’ultimi che anche per la parte riguardante l’interfaccia abbiamo deciso di suddividere il codice in base ai vari ruoli (Produttore, Trasformatore, Consumatore).</a:t>
             </a:r>
           </a:p>
         </p:txBody>
